--- a/media/device_en.pptx
+++ b/media/device_en.pptx
@@ -212,7 +212,7 @@
           <a:p>
             <a:fld id="{47277FB0-21EC-48C5-90B0-184600466A6C}" type="datetimeFigureOut">
               <a:rPr lang="zh-CN" altLang="en-US" smtClean="0"/>
-              <a:t>2018/12/1</a:t>
+              <a:t>2018/12/5</a:t>
             </a:fld>
             <a:endParaRPr lang="zh-CN" altLang="en-US"/>
           </a:p>
@@ -377,7 +377,7 @@
           <a:p>
             <a:fld id="{9C967889-4715-5C4F-A252-FFC716185AB6}" type="datetimeFigureOut">
               <a:rPr lang="en-US" smtClean="0"/>
-              <a:t>12/1/2018</a:t>
+              <a:t>12/5/18</a:t>
             </a:fld>
             <a:endParaRPr lang="en-US"/>
           </a:p>
@@ -3781,7 +3781,7 @@
         </p:nvGrpSpPr>
         <p:grpSpPr>
           <a:xfrm>
-            <a:off x="1323148" y="1213634"/>
+            <a:off x="-1489324" y="1241343"/>
             <a:ext cx="13809400" cy="3740921"/>
             <a:chOff x="1323148" y="1213634"/>
             <a:chExt cx="13809400" cy="3740921"/>
@@ -3889,9 +3889,9 @@
               <a:p>
                 <a:pPr algn="ctr"/>
                 <a:r>
-                  <a:rPr kumimoji="1" lang="en-US" altLang="zh-CN" sz="1400" dirty="0" smtClean="0">
+                  <a:rPr kumimoji="1" lang="en-US" altLang="zh-CN" sz="1400" dirty="0">
                     <a:solidFill>
-                      <a:srgbClr val="737794"/>
+                      <a:srgbClr val="383C57"/>
                     </a:solidFill>
                     <a:latin typeface="Helvetica" pitchFamily="2" charset="0"/>
                   </a:rPr>
@@ -3899,7 +3899,7 @@
                 </a:r>
                 <a:endParaRPr kumimoji="1" lang="zh-CN" altLang="en-US" sz="1400" dirty="0">
                   <a:solidFill>
-                    <a:srgbClr val="737794"/>
+                    <a:srgbClr val="383C57"/>
                   </a:solidFill>
                   <a:latin typeface="Helvetica" pitchFamily="2" charset="0"/>
                 </a:endParaRPr>
@@ -3937,22 +3937,14 @@
                 <a:r>
                   <a:rPr kumimoji="1" lang="en-US" altLang="zh-CN" sz="1200" dirty="0">
                     <a:solidFill>
-                      <a:srgbClr val="BCBDD0"/>
+                      <a:srgbClr val="737794"/>
                     </a:solidFill>
                   </a:rPr>
-                  <a:t>Without credential </a:t>
-                </a:r>
-                <a:r>
-                  <a:rPr kumimoji="1" lang="en-US" altLang="zh-CN" sz="1200" dirty="0" smtClean="0">
-                    <a:solidFill>
-                      <a:srgbClr val="BCBDD0"/>
-                    </a:solidFill>
-                  </a:rPr>
-                  <a:t>burned in the firmware</a:t>
+                  <a:t>Without credential burned in the firmware</a:t>
                 </a:r>
                 <a:endParaRPr kumimoji="1" lang="zh-CN" altLang="en-US" sz="1200" dirty="0">
                   <a:solidFill>
-                    <a:srgbClr val="BCBDD0"/>
+                    <a:srgbClr val="737794"/>
                   </a:solidFill>
                 </a:endParaRPr>
               </a:p>
@@ -4042,27 +4034,21 @@
               <a:p>
                 <a:pPr algn="ctr"/>
                 <a:r>
-                  <a:rPr kumimoji="1" lang="en-US" altLang="zh-CN" sz="1400" dirty="0" smtClean="0">
+                  <a:rPr kumimoji="1" lang="en-US" altLang="zh-CN" sz="1400" dirty="0">
                     <a:solidFill>
-                      <a:srgbClr val="737794"/>
+                      <a:srgbClr val="383C57"/>
                     </a:solidFill>
                     <a:latin typeface="Helvetica" pitchFamily="2" charset="0"/>
                   </a:rPr>
                   <a:t>Gateway Device</a:t>
                 </a:r>
-                <a:endParaRPr kumimoji="1" lang="en-US" altLang="zh-CN" sz="1400" dirty="0">
-                  <a:solidFill>
-                    <a:srgbClr val="737794"/>
-                  </a:solidFill>
-                  <a:latin typeface="Helvetica" pitchFamily="2" charset="0"/>
-                </a:endParaRPr>
               </a:p>
               <a:p>
                 <a:pPr algn="ctr"/>
                 <a:r>
                   <a:rPr kumimoji="1" lang="en-US" altLang="zh-CN" sz="1400" dirty="0">
                     <a:solidFill>
-                      <a:srgbClr val="737794"/>
+                      <a:srgbClr val="383C57"/>
                     </a:solidFill>
                     <a:latin typeface="Helvetica" pitchFamily="2" charset="0"/>
                   </a:rPr>
@@ -4070,7 +4056,7 @@
                 </a:r>
                 <a:endParaRPr kumimoji="1" lang="zh-CN" altLang="en-US" sz="1400" dirty="0">
                   <a:solidFill>
-                    <a:srgbClr val="737794"/>
+                    <a:srgbClr val="383C57"/>
                   </a:solidFill>
                   <a:latin typeface="Helvetica" pitchFamily="2" charset="0"/>
                 </a:endParaRPr>
@@ -4163,7 +4149,7 @@
                 <a:r>
                   <a:rPr kumimoji="1" lang="en-US" altLang="zh-CN" sz="1400" dirty="0">
                     <a:solidFill>
-                      <a:srgbClr val="737794"/>
+                      <a:srgbClr val="383C57"/>
                     </a:solidFill>
                     <a:latin typeface="Helvetica" pitchFamily="2" charset="0"/>
                   </a:rPr>
@@ -4173,29 +4159,23 @@
               <a:p>
                 <a:pPr algn="ctr"/>
                 <a:r>
-                  <a:rPr kumimoji="1" lang="en-US" altLang="zh-CN" sz="1400" dirty="0" smtClean="0">
+                  <a:rPr kumimoji="1" lang="en-US" altLang="zh-CN" sz="1400" dirty="0">
                     <a:solidFill>
-                      <a:srgbClr val="737794"/>
+                      <a:srgbClr val="383C57"/>
                     </a:solidFill>
                     <a:latin typeface="Helvetica" pitchFamily="2" charset="0"/>
                   </a:rPr>
                   <a:t>Edge</a:t>
                 </a:r>
                 <a:r>
-                  <a:rPr kumimoji="1" lang="zh-CN" altLang="en-US" sz="1400" dirty="0" smtClean="0">
+                  <a:rPr kumimoji="1" lang="zh-CN" altLang="en-US" sz="1400" dirty="0">
                     <a:solidFill>
-                      <a:srgbClr val="737794"/>
+                      <a:srgbClr val="383C57"/>
                     </a:solidFill>
                     <a:latin typeface="Helvetica" pitchFamily="2" charset="0"/>
                   </a:rPr>
                   <a:t> </a:t>
                 </a:r>
-                <a:endParaRPr kumimoji="1" lang="zh-CN" altLang="en-US" sz="1400" dirty="0">
-                  <a:solidFill>
-                    <a:srgbClr val="737794"/>
-                  </a:solidFill>
-                  <a:latin typeface="Helvetica" pitchFamily="2" charset="0"/>
-                </a:endParaRPr>
               </a:p>
             </p:txBody>
           </p:sp>
@@ -4317,7 +4297,7 @@
               <a:lstStyle/>
               <a:p>
                 <a:r>
-                  <a:rPr kumimoji="1" lang="en-US" altLang="zh-CN" sz="1200" b="1" dirty="0" smtClean="0">
+                  <a:rPr kumimoji="1" lang="en-US" altLang="zh-CN" sz="1200" b="1" dirty="0">
                     <a:solidFill>
                       <a:schemeClr val="accent1">
                         <a:lumMod val="60000"/>
@@ -4327,14 +4307,6 @@
                   </a:rPr>
                   <a:t>Subdevice not registered in the cloud</a:t>
                 </a:r>
-                <a:endParaRPr kumimoji="1" lang="en-US" altLang="zh-CN" sz="1200" b="1" dirty="0">
-                  <a:solidFill>
-                    <a:schemeClr val="accent1">
-                      <a:lumMod val="60000"/>
-                      <a:lumOff val="40000"/>
-                    </a:schemeClr>
-                  </a:solidFill>
-                </a:endParaRPr>
               </a:p>
             </p:txBody>
           </p:sp>
@@ -4375,38 +4347,8 @@
                       </a:schemeClr>
                     </a:solidFill>
                   </a:rPr>
-                  <a:t>Sub device </a:t>
+                  <a:t>Sub device registered in the cloud</a:t>
                 </a:r>
-                <a:r>
-                  <a:rPr kumimoji="1" lang="en-US" altLang="zh-CN" sz="1200" b="1" dirty="0" smtClean="0">
-                    <a:solidFill>
-                      <a:schemeClr val="accent1">
-                        <a:lumMod val="60000"/>
-                        <a:lumOff val="40000"/>
-                      </a:schemeClr>
-                    </a:solidFill>
-                  </a:rPr>
-                  <a:t>registered </a:t>
-                </a:r>
-                <a:r>
-                  <a:rPr kumimoji="1" lang="en-US" altLang="zh-CN" sz="1200" b="1" dirty="0">
-                    <a:solidFill>
-                      <a:schemeClr val="accent1">
-                        <a:lumMod val="60000"/>
-                        <a:lumOff val="40000"/>
-                      </a:schemeClr>
-                    </a:solidFill>
-                  </a:rPr>
-                  <a:t>in the cloud</a:t>
-                </a:r>
-                <a:endParaRPr kumimoji="1" lang="en-US" altLang="zh-CN" sz="1200" b="1" dirty="0">
-                  <a:solidFill>
-                    <a:schemeClr val="accent1">
-                      <a:lumMod val="60000"/>
-                      <a:lumOff val="40000"/>
-                    </a:schemeClr>
-                  </a:solidFill>
-                </a:endParaRPr>
               </a:p>
             </p:txBody>
           </p:sp>
@@ -4494,9 +4436,9 @@
               <a:p>
                 <a:pPr algn="ctr"/>
                 <a:r>
-                  <a:rPr kumimoji="1" lang="en-US" altLang="zh-CN" sz="1400" dirty="0" smtClean="0">
+                  <a:rPr kumimoji="1" lang="en-US" altLang="zh-CN" sz="1400" dirty="0">
                     <a:solidFill>
-                      <a:srgbClr val="737794"/>
+                      <a:srgbClr val="383C57"/>
                     </a:solidFill>
                     <a:latin typeface="Helvetica" pitchFamily="2" charset="0"/>
                   </a:rPr>
@@ -4504,7 +4446,7 @@
                 </a:r>
                 <a:endParaRPr kumimoji="1" lang="zh-CN" altLang="en-US" sz="1400" dirty="0">
                   <a:solidFill>
-                    <a:srgbClr val="737794"/>
+                    <a:srgbClr val="383C57"/>
                   </a:solidFill>
                   <a:latin typeface="Helvetica" pitchFamily="2" charset="0"/>
                 </a:endParaRPr>
@@ -4685,9 +4627,9 @@
               <a:p>
                 <a:pPr algn="ctr"/>
                 <a:r>
-                  <a:rPr kumimoji="1" lang="en-US" altLang="zh-CN" sz="1400" dirty="0" smtClean="0">
+                  <a:rPr kumimoji="1" lang="en-US" altLang="zh-CN" sz="1400" dirty="0">
                     <a:solidFill>
-                      <a:srgbClr val="737794"/>
+                      <a:srgbClr val="383C57"/>
                     </a:solidFill>
                     <a:latin typeface="Helvetica" pitchFamily="2" charset="0"/>
                   </a:rPr>
@@ -4695,7 +4637,7 @@
                 </a:r>
                 <a:endParaRPr kumimoji="1" lang="zh-CN" altLang="en-US" sz="1400" dirty="0">
                   <a:solidFill>
-                    <a:srgbClr val="737794"/>
+                    <a:srgbClr val="383C57"/>
                   </a:solidFill>
                   <a:latin typeface="Helvetica" pitchFamily="2" charset="0"/>
                 </a:endParaRPr>
@@ -4830,9 +4772,9 @@
               <a:p>
                 <a:pPr algn="ctr"/>
                 <a:r>
-                  <a:rPr kumimoji="1" lang="en-US" altLang="zh-CN" sz="1400" dirty="0" smtClean="0">
+                  <a:rPr kumimoji="1" lang="en-US" altLang="zh-CN" sz="1400" dirty="0">
                     <a:solidFill>
-                      <a:srgbClr val="737794"/>
+                      <a:srgbClr val="383C57"/>
                     </a:solidFill>
                     <a:latin typeface="Helvetica" pitchFamily="2" charset="0"/>
                   </a:rPr>
@@ -4840,7 +4782,7 @@
                 </a:r>
                 <a:endParaRPr kumimoji="1" lang="zh-CN" altLang="en-US" sz="1400" dirty="0">
                   <a:solidFill>
-                    <a:srgbClr val="737794"/>
+                    <a:srgbClr val="383C57"/>
                   </a:solidFill>
                   <a:latin typeface="Helvetica" pitchFamily="2" charset="0"/>
                 </a:endParaRPr>
@@ -4920,15 +4862,15 @@
               <a:lstStyle/>
               <a:p>
                 <a:r>
-                  <a:rPr kumimoji="1" lang="en-US" altLang="zh-CN" sz="1200" dirty="0" smtClean="0">
+                  <a:rPr kumimoji="1" lang="en-US" altLang="zh-CN" sz="1200" dirty="0">
                     <a:solidFill>
-                      <a:srgbClr val="BCBDD0"/>
+                      <a:srgbClr val="737794"/>
                     </a:solidFill>
                   </a:rPr>
                   <a:t>Calls REST API for dynamic sub device registration and obtains </a:t>
                 </a:r>
                 <a:r>
-                  <a:rPr kumimoji="1" lang="en-US" altLang="zh-CN" sz="1200" dirty="0" smtClean="0">
+                  <a:rPr kumimoji="1" lang="en-US" altLang="zh-CN" sz="1200" dirty="0">
                     <a:solidFill>
                       <a:schemeClr val="accent4">
                         <a:lumMod val="60000"/>
@@ -4938,14 +4880,6 @@
                   </a:rPr>
                   <a:t>device triple</a:t>
                 </a:r>
-                <a:endParaRPr kumimoji="1" lang="en-US" altLang="zh-CN" sz="1200" dirty="0">
-                  <a:solidFill>
-                    <a:schemeClr val="accent4">
-                      <a:lumMod val="60000"/>
-                      <a:lumOff val="40000"/>
-                    </a:schemeClr>
-                  </a:solidFill>
-                </a:endParaRPr>
               </a:p>
             </p:txBody>
           </p:sp>
@@ -4978,20 +4912,12 @@
               <a:lstStyle/>
               <a:p>
                 <a:r>
-                  <a:rPr kumimoji="1" lang="en-US" altLang="zh-CN" sz="1200" dirty="0" smtClean="0">
+                  <a:rPr kumimoji="1" lang="en-US" altLang="zh-CN" sz="1200" dirty="0">
                     <a:solidFill>
-                      <a:srgbClr val="BCBDD0"/>
+                      <a:srgbClr val="737794"/>
                     </a:solidFill>
                   </a:rPr>
-                  <a:t>Edge </a:t>
-                </a:r>
-                <a:r>
-                  <a:rPr kumimoji="1" lang="en-US" altLang="zh-CN" sz="1200" dirty="0">
-                    <a:solidFill>
-                      <a:srgbClr val="BCBDD0"/>
-                    </a:solidFill>
-                  </a:rPr>
-                  <a:t>with </a:t>
+                  <a:t>Edge with </a:t>
                 </a:r>
                 <a:r>
                   <a:rPr kumimoji="1" lang="en-US" altLang="zh-CN" sz="1200" dirty="0">
@@ -5007,24 +4933,11 @@
                 <a:r>
                   <a:rPr kumimoji="1" lang="en-US" altLang="zh-CN" sz="1200" dirty="0">
                     <a:solidFill>
-                      <a:srgbClr val="BCBDD0"/>
+                      <a:srgbClr val="737794"/>
                     </a:solidFill>
                   </a:rPr>
-                  <a:t>burned in </a:t>
+                  <a:t>burned in the firmware</a:t>
                 </a:r>
-                <a:r>
-                  <a:rPr kumimoji="1" lang="en-US" altLang="zh-CN" sz="1200" dirty="0" smtClean="0">
-                    <a:solidFill>
-                      <a:srgbClr val="BCBDD0"/>
-                    </a:solidFill>
-                  </a:rPr>
-                  <a:t>the firmware</a:t>
-                </a:r>
-                <a:endParaRPr kumimoji="1" lang="en-US" altLang="zh-CN" sz="1200" dirty="0">
-                  <a:solidFill>
-                    <a:srgbClr val="BCBDD0"/>
-                  </a:solidFill>
-                </a:endParaRPr>
               </a:p>
             </p:txBody>
           </p:sp>
@@ -5059,7 +4972,7 @@
                 <a:r>
                   <a:rPr kumimoji="1" lang="en-US" altLang="zh-CN" sz="1200" dirty="0">
                     <a:solidFill>
-                      <a:srgbClr val="BCBDD0"/>
+                      <a:srgbClr val="737794"/>
                     </a:solidFill>
                   </a:rPr>
                   <a:t>Subdevice logs in to cloud through edge and presents </a:t>
@@ -5075,14 +4988,6 @@
                   </a:rPr>
                   <a:t>device triple</a:t>
                 </a:r>
-                <a:endParaRPr kumimoji="1" lang="en-US" altLang="zh-CN" sz="1200" dirty="0">
-                  <a:solidFill>
-                    <a:schemeClr val="accent4">
-                      <a:lumMod val="60000"/>
-                      <a:lumOff val="40000"/>
-                    </a:schemeClr>
-                  </a:solidFill>
-                </a:endParaRPr>
               </a:p>
             </p:txBody>
           </p:sp>
@@ -5114,47 +5019,31 @@
               <a:lstStyle/>
               <a:p>
                 <a:r>
-                  <a:rPr kumimoji="1" lang="en-US" altLang="zh-CN" sz="1200" dirty="0" smtClean="0">
+                  <a:rPr kumimoji="1" lang="en-US" altLang="zh-CN" sz="1200" dirty="0">
                     <a:solidFill>
-                      <a:srgbClr val="BCBDD0"/>
+                      <a:srgbClr val="737794"/>
                     </a:solidFill>
                   </a:rPr>
-                  <a:t>Edge burned with SA</a:t>
+                  <a:t>Edge burned with SA, edge</a:t>
                 </a:r>
                 <a:r>
-                  <a:rPr kumimoji="1" lang="en-US" altLang="zh-CN" sz="1200" dirty="0" smtClean="0">
+                  <a:rPr kumimoji="1" lang="zh-CN" altLang="en-US" sz="1200" dirty="0">
                     <a:solidFill>
-                      <a:srgbClr val="BCBDD0"/>
-                    </a:solidFill>
-                  </a:rPr>
-                  <a:t>, </a:t>
-                </a:r>
-                <a:r>
-                  <a:rPr kumimoji="1" lang="en-US" altLang="zh-CN" sz="1200" dirty="0" smtClean="0">
-                    <a:solidFill>
-                      <a:srgbClr val="BCBDD0"/>
-                    </a:solidFill>
-                  </a:rPr>
-                  <a:t>edge</a:t>
-                </a:r>
-                <a:r>
-                  <a:rPr kumimoji="1" lang="zh-CN" altLang="en-US" sz="1200" dirty="0" smtClean="0">
-                    <a:solidFill>
-                      <a:srgbClr val="BCBDD0"/>
+                      <a:srgbClr val="737794"/>
                     </a:solidFill>
                   </a:rPr>
                   <a:t> </a:t>
                 </a:r>
                 <a:r>
-                  <a:rPr kumimoji="1" lang="en-US" altLang="zh-CN" sz="1200" dirty="0" smtClean="0">
+                  <a:rPr kumimoji="1" lang="en-US" altLang="zh-CN" sz="1200" dirty="0">
                     <a:solidFill>
-                      <a:srgbClr val="BCBDD0"/>
+                      <a:srgbClr val="737794"/>
                     </a:solidFill>
                   </a:rPr>
                   <a:t>device </a:t>
                 </a:r>
                 <a:r>
-                  <a:rPr kumimoji="1" lang="en-US" altLang="zh-CN" sz="1200" dirty="0" smtClean="0">
+                  <a:rPr kumimoji="1" lang="en-US" altLang="zh-CN" sz="1200" dirty="0">
                     <a:solidFill>
                       <a:schemeClr val="accent4">
                         <a:lumMod val="60000"/>
@@ -5165,15 +5054,23 @@
                   <a:t>productKey</a:t>
                 </a:r>
                 <a:r>
-                  <a:rPr kumimoji="1" lang="en-US" altLang="zh-CN" sz="1200" dirty="0" smtClean="0">
+                  <a:rPr kumimoji="1" lang="en-US" altLang="zh-CN" sz="1200" dirty="0">
                     <a:solidFill>
                       <a:srgbClr val="BCBDD0"/>
                     </a:solidFill>
                   </a:rPr>
-                  <a:t>, and subdevice </a:t>
+                  <a:t>, </a:t>
                 </a:r>
                 <a:r>
-                  <a:rPr kumimoji="1" lang="en-US" altLang="zh-CN" sz="1200" dirty="0" smtClean="0">
+                  <a:rPr kumimoji="1" lang="en-US" altLang="zh-CN" sz="1200" dirty="0">
+                    <a:solidFill>
+                      <a:srgbClr val="737794"/>
+                    </a:solidFill>
+                  </a:rPr>
+                  <a:t>and subdevice </a:t>
+                </a:r>
+                <a:r>
+                  <a:rPr kumimoji="1" lang="en-US" altLang="zh-CN" sz="1200" dirty="0">
                     <a:solidFill>
                       <a:schemeClr val="accent4">
                         <a:lumMod val="60000"/>
@@ -5223,15 +5120,15 @@
               <a:lstStyle/>
               <a:p>
                 <a:r>
-                  <a:rPr kumimoji="1" lang="en-US" altLang="zh-CN" sz="1200" dirty="0" smtClean="0">
+                  <a:rPr kumimoji="1" lang="en-US" altLang="zh-CN" sz="1200" dirty="0">
                     <a:solidFill>
-                      <a:srgbClr val="BCBDD0"/>
+                      <a:srgbClr val="737794"/>
                     </a:solidFill>
                   </a:rPr>
                   <a:t>Subdevice logs in to cloud through edge and presents </a:t>
                 </a:r>
                 <a:r>
-                  <a:rPr kumimoji="1" lang="en-US" altLang="zh-CN" sz="1200" dirty="0" smtClean="0">
+                  <a:rPr kumimoji="1" lang="en-US" altLang="zh-CN" sz="1200" dirty="0">
                     <a:solidFill>
                       <a:schemeClr val="accent4">
                         <a:lumMod val="60000"/>
@@ -5241,14 +5138,6 @@
                   </a:rPr>
                   <a:t>device triple</a:t>
                 </a:r>
-                <a:endParaRPr kumimoji="1" lang="en-US" altLang="zh-CN" sz="1200" dirty="0">
-                  <a:solidFill>
-                    <a:schemeClr val="accent4">
-                      <a:lumMod val="60000"/>
-                      <a:lumOff val="40000"/>
-                    </a:schemeClr>
-                  </a:solidFill>
-                </a:endParaRPr>
               </a:p>
             </p:txBody>
           </p:sp>
@@ -5271,7 +5160,7 @@
             <a:blip r:embed="rId2">
               <a:extLst>
                 <a:ext uri="{96DAC541-7B7A-43D3-8B79-37D633B846F1}">
-                  <asvg:svgBlip xmlns:asvg="http://schemas.microsoft.com/office/drawing/2016/SVG/main" xmlns="" r:embed="rId3"/>
+                  <asvg:svgBlip xmlns:asvg="http://schemas.microsoft.com/office/drawing/2016/SVG/main" r:embed="rId3"/>
                 </a:ext>
               </a:extLst>
             </a:blip>
@@ -5320,14 +5209,14 @@
               <a:r>
                 <a:rPr kumimoji="1" lang="en-US" altLang="zh-CN" sz="1200" dirty="0">
                   <a:solidFill>
-                    <a:schemeClr val="bg1"/>
+                    <a:srgbClr val="737794"/>
                   </a:solidFill>
                 </a:rPr>
                 <a:t>1.1</a:t>
               </a:r>
               <a:endParaRPr kumimoji="1" lang="zh-CN" altLang="en-US" sz="1200" dirty="0">
                 <a:solidFill>
-                  <a:schemeClr val="bg1"/>
+                  <a:srgbClr val="737794"/>
                 </a:solidFill>
               </a:endParaRPr>
             </a:p>
@@ -5351,7 +5240,7 @@
             <a:blip r:embed="rId2">
               <a:extLst>
                 <a:ext uri="{96DAC541-7B7A-43D3-8B79-37D633B846F1}">
-                  <asvg:svgBlip xmlns:asvg="http://schemas.microsoft.com/office/drawing/2016/SVG/main" xmlns="" r:embed="rId3"/>
+                  <asvg:svgBlip xmlns:asvg="http://schemas.microsoft.com/office/drawing/2016/SVG/main" r:embed="rId3"/>
                 </a:ext>
               </a:extLst>
             </a:blip>
@@ -5400,14 +5289,14 @@
               <a:r>
                 <a:rPr kumimoji="1" lang="en-US" altLang="zh-CN" sz="1200" dirty="0">
                   <a:solidFill>
-                    <a:schemeClr val="bg1"/>
+                    <a:srgbClr val="737794"/>
                   </a:solidFill>
                 </a:rPr>
                 <a:t>1.2</a:t>
               </a:r>
               <a:endParaRPr kumimoji="1" lang="zh-CN" altLang="en-US" sz="1200" dirty="0">
                 <a:solidFill>
-                  <a:schemeClr val="bg1"/>
+                  <a:srgbClr val="737794"/>
                 </a:solidFill>
               </a:endParaRPr>
             </a:p>
@@ -5574,7 +5463,7 @@
             <a:p>
               <a:pPr algn="ctr"/>
               <a:r>
-                <a:rPr kumimoji="1" lang="en-US" altLang="zh-CN" sz="1400" dirty="0" smtClean="0">
+                <a:rPr kumimoji="1" lang="en-US" altLang="zh-CN" sz="1400" dirty="0">
                   <a:solidFill>
                     <a:srgbClr val="737794"/>
                   </a:solidFill>
@@ -5620,7 +5509,7 @@
             <a:lstStyle/>
             <a:p>
               <a:r>
-                <a:rPr kumimoji="1" lang="en-US" altLang="zh-CN" sz="1200" dirty="0" smtClean="0">
+                <a:rPr kumimoji="1" lang="en-US" altLang="zh-CN" sz="1200" dirty="0">
                   <a:solidFill>
                     <a:srgbClr val="BCBDD0"/>
                   </a:solidFill>
@@ -5719,7 +5608,7 @@
             <a:p>
               <a:pPr algn="ctr"/>
               <a:r>
-                <a:rPr kumimoji="1" lang="en-US" altLang="zh-CN" sz="1400" dirty="0" smtClean="0">
+                <a:rPr kumimoji="1" lang="en-US" altLang="zh-CN" sz="1400" dirty="0">
                   <a:solidFill>
                     <a:srgbClr val="737794"/>
                   </a:solidFill>
@@ -5727,12 +5616,6 @@
                 </a:rPr>
                 <a:t>Gateway Device</a:t>
               </a:r>
-              <a:endParaRPr kumimoji="1" lang="en-US" altLang="zh-CN" sz="1400" dirty="0">
-                <a:solidFill>
-                  <a:srgbClr val="737794"/>
-                </a:solidFill>
-                <a:latin typeface="Helvetica" pitchFamily="2" charset="0"/>
-              </a:endParaRPr>
             </a:p>
             <a:p>
               <a:pPr algn="ctr"/>
@@ -5856,7 +5739,7 @@
             <a:p>
               <a:pPr algn="ctr"/>
               <a:r>
-                <a:rPr kumimoji="1" lang="en-US" altLang="zh-CN" sz="1400" dirty="0" smtClean="0">
+                <a:rPr kumimoji="1" lang="en-US" altLang="zh-CN" sz="1400" dirty="0">
                   <a:solidFill>
                     <a:srgbClr val="737794"/>
                   </a:solidFill>
@@ -5864,12 +5747,6 @@
                 </a:rPr>
                 <a:t>Gateway Device</a:t>
               </a:r>
-              <a:endParaRPr kumimoji="1" lang="en-US" altLang="zh-CN" sz="1400" dirty="0">
-                <a:solidFill>
-                  <a:srgbClr val="737794"/>
-                </a:solidFill>
-                <a:latin typeface="Helvetica" pitchFamily="2" charset="0"/>
-              </a:endParaRPr>
             </a:p>
             <a:p>
               <a:pPr algn="ctr"/>
@@ -6031,7 +5908,7 @@
                 <a:buChar char="•"/>
               </a:pPr>
               <a:r>
-                <a:rPr kumimoji="1" lang="en-US" altLang="zh-CN" sz="1100" dirty="0" smtClean="0">
+                <a:rPr kumimoji="1" lang="en-US" altLang="zh-CN" sz="1100" dirty="0">
                   <a:solidFill>
                     <a:srgbClr val="BCBDD0"/>
                   </a:solidFill>
@@ -6045,7 +5922,7 @@
                 <a:buChar char="•"/>
               </a:pPr>
               <a:r>
-                <a:rPr kumimoji="1" lang="en-US" altLang="zh-CN" sz="1100" dirty="0" smtClean="0">
+                <a:rPr kumimoji="1" lang="en-US" altLang="zh-CN" sz="1100" dirty="0">
                   <a:solidFill>
                     <a:srgbClr val="BCBDD0"/>
                   </a:solidFill>
@@ -6183,7 +6060,7 @@
             <a:p>
               <a:pPr algn="ctr"/>
               <a:r>
-                <a:rPr kumimoji="1" lang="en-US" altLang="zh-CN" sz="1400" dirty="0" smtClean="0">
+                <a:rPr kumimoji="1" lang="en-US" altLang="zh-CN" sz="1400" dirty="0">
                   <a:solidFill>
                     <a:srgbClr val="737794"/>
                   </a:solidFill>
@@ -6374,7 +6251,7 @@
             <a:p>
               <a:pPr algn="ctr"/>
               <a:r>
-                <a:rPr kumimoji="1" lang="en-US" altLang="zh-CN" sz="1400" dirty="0" smtClean="0">
+                <a:rPr kumimoji="1" lang="en-US" altLang="zh-CN" sz="1400" dirty="0">
                   <a:solidFill>
                     <a:srgbClr val="737794"/>
                   </a:solidFill>
@@ -6519,7 +6396,7 @@
             <a:p>
               <a:pPr algn="ctr"/>
               <a:r>
-                <a:rPr kumimoji="1" lang="en-US" altLang="zh-CN" sz="1400" dirty="0" smtClean="0">
+                <a:rPr kumimoji="1" lang="en-US" altLang="zh-CN" sz="1400" dirty="0">
                   <a:solidFill>
                     <a:srgbClr val="737794"/>
                   </a:solidFill>
@@ -6986,9 +6863,9 @@
               <a:p>
                 <a:pPr algn="ctr"/>
                 <a:r>
-                  <a:rPr kumimoji="1" lang="en-US" altLang="zh-CN" sz="1400" dirty="0" smtClean="0">
+                  <a:rPr kumimoji="1" lang="en-US" altLang="zh-CN" sz="1400" dirty="0">
                     <a:solidFill>
-                      <a:srgbClr val="737794"/>
+                      <a:srgbClr val="383C57"/>
                     </a:solidFill>
                     <a:latin typeface="Helvetica" pitchFamily="2" charset="0"/>
                   </a:rPr>
@@ -6996,7 +6873,7 @@
                 </a:r>
                 <a:endParaRPr kumimoji="1" lang="zh-CN" altLang="en-US" sz="1400" dirty="0">
                   <a:solidFill>
-                    <a:srgbClr val="737794"/>
+                    <a:srgbClr val="383C57"/>
                   </a:solidFill>
                   <a:latin typeface="Helvetica" pitchFamily="2" charset="0"/>
                 </a:endParaRPr>
@@ -7032,16 +6909,16 @@
               <a:lstStyle/>
               <a:p>
                 <a:r>
-                  <a:rPr kumimoji="1" lang="en-US" altLang="zh-CN" sz="1100" dirty="0" smtClean="0">
+                  <a:rPr kumimoji="1" lang="en-US" altLang="zh-CN" sz="1100" dirty="0">
                     <a:solidFill>
-                      <a:srgbClr val="BCBDD0"/>
+                      <a:srgbClr val="737794"/>
                     </a:solidFill>
                   </a:rPr>
                   <a:t>With product credentials burned in the firmware</a:t>
                 </a:r>
                 <a:endParaRPr kumimoji="1" lang="zh-CN" altLang="en-US" sz="1100" dirty="0">
                   <a:solidFill>
-                    <a:srgbClr val="BCBDD0"/>
+                    <a:srgbClr val="737794"/>
                   </a:solidFill>
                 </a:endParaRPr>
               </a:p>
@@ -7115,7 +6992,7 @@
             </p:nvSpPr>
             <p:spPr>
               <a:xfrm>
-                <a:off x="4303027" y="1564545"/>
+                <a:off x="4303027" y="1436209"/>
                 <a:ext cx="1983680" cy="523220"/>
               </a:xfrm>
               <a:prstGeom prst="rect">
@@ -7131,9 +7008,9 @@
               <a:p>
                 <a:pPr algn="ctr"/>
                 <a:r>
-                  <a:rPr kumimoji="1" lang="en-US" altLang="zh-CN" sz="1400" dirty="0" smtClean="0">
+                  <a:rPr kumimoji="1" lang="en-US" altLang="zh-CN" sz="1400" dirty="0">
                     <a:solidFill>
-                      <a:srgbClr val="737794"/>
+                      <a:srgbClr val="383C57"/>
                     </a:solidFill>
                     <a:latin typeface="Helvetica" pitchFamily="2" charset="0"/>
                   </a:rPr>
@@ -7141,7 +7018,7 @@
                 </a:r>
                 <a:endParaRPr kumimoji="1" lang="zh-CN" altLang="en-US" sz="1400" dirty="0">
                   <a:solidFill>
-                    <a:srgbClr val="737794"/>
+                    <a:srgbClr val="383C57"/>
                   </a:solidFill>
                   <a:latin typeface="Helvetica" pitchFamily="2" charset="0"/>
                 </a:endParaRPr>
@@ -7225,7 +7102,7 @@
                   <a:buChar char="•"/>
                 </a:pPr>
                 <a:r>
-                  <a:rPr kumimoji="1" lang="en-US" altLang="zh-CN" sz="1100" b="1" dirty="0" smtClean="0">
+                  <a:rPr kumimoji="1" lang="en-US" altLang="zh-CN" sz="1100" b="1" dirty="0">
                     <a:solidFill>
                       <a:schemeClr val="accent1">
                         <a:lumMod val="60000"/>
@@ -7235,14 +7112,6 @@
                   </a:rPr>
                   <a:t>Device registered in the cloud</a:t>
                 </a:r>
-                <a:endParaRPr kumimoji="1" lang="en-US" altLang="zh-CN" sz="1100" b="1" dirty="0">
-                  <a:solidFill>
-                    <a:schemeClr val="accent1">
-                      <a:lumMod val="60000"/>
-                      <a:lumOff val="40000"/>
-                    </a:schemeClr>
-                  </a:solidFill>
-                </a:endParaRPr>
               </a:p>
               <a:p>
                 <a:pPr marL="171450" indent="-171450">
@@ -7250,34 +7119,29 @@
                   <a:buChar char="•"/>
                 </a:pPr>
                 <a:r>
-                  <a:rPr kumimoji="1" lang="en-US" altLang="zh-CN" sz="1100" dirty="0" smtClean="0">
+                  <a:rPr kumimoji="1" lang="en-US" altLang="zh-CN" sz="1100" dirty="0">
                     <a:solidFill>
-                      <a:srgbClr val="BCBDD0"/>
+                      <a:srgbClr val="737794"/>
                     </a:solidFill>
                   </a:rPr>
                   <a:t>Product</a:t>
                 </a:r>
                 <a:r>
-                  <a:rPr kumimoji="1" lang="zh-CN" altLang="en-US" sz="1100" dirty="0" smtClean="0">
+                  <a:rPr kumimoji="1" lang="zh-CN" altLang="en-US" sz="1100" dirty="0">
                     <a:solidFill>
-                      <a:srgbClr val="BCBDD0"/>
+                      <a:srgbClr val="737794"/>
                     </a:solidFill>
                   </a:rPr>
                   <a:t> </a:t>
                 </a:r>
                 <a:r>
-                  <a:rPr kumimoji="1" lang="en-US" altLang="zh-CN" sz="1100" dirty="0" smtClean="0">
+                  <a:rPr kumimoji="1" lang="en-US" altLang="zh-CN" sz="1100" dirty="0">
                     <a:solidFill>
-                      <a:srgbClr val="BCBDD0"/>
+                      <a:srgbClr val="737794"/>
                     </a:solidFill>
                   </a:rPr>
                   <a:t>has dynamic activation enabled</a:t>
                 </a:r>
-                <a:endParaRPr kumimoji="1" lang="en-US" altLang="zh-CN" sz="1100" dirty="0">
-                  <a:solidFill>
-                    <a:srgbClr val="BCBDD0"/>
-                  </a:solidFill>
-                </a:endParaRPr>
               </a:p>
             </p:txBody>
           </p:sp>
@@ -7365,9 +7229,9 @@
               <a:p>
                 <a:pPr algn="ctr"/>
                 <a:r>
-                  <a:rPr kumimoji="1" lang="en-US" altLang="zh-CN" sz="1400" dirty="0" smtClean="0">
+                  <a:rPr kumimoji="1" lang="en-US" altLang="zh-CN" sz="1400" dirty="0">
                     <a:solidFill>
-                      <a:srgbClr val="737794"/>
+                      <a:srgbClr val="383C57"/>
                     </a:solidFill>
                     <a:latin typeface="Helvetica" pitchFamily="2" charset="0"/>
                   </a:rPr>
@@ -7375,7 +7239,7 @@
                 </a:r>
                 <a:endParaRPr kumimoji="1" lang="zh-CN" altLang="en-US" sz="1400" dirty="0">
                   <a:solidFill>
-                    <a:srgbClr val="737794"/>
+                    <a:srgbClr val="383C57"/>
                   </a:solidFill>
                   <a:latin typeface="Helvetica" pitchFamily="2" charset="0"/>
                 </a:endParaRPr>
@@ -7495,7 +7359,7 @@
             </p:nvSpPr>
             <p:spPr>
               <a:xfrm>
-                <a:off x="10500414" y="2791053"/>
+                <a:off x="10500414" y="2678759"/>
                 <a:ext cx="1341346" cy="523220"/>
               </a:xfrm>
               <a:prstGeom prst="rect">
@@ -7511,9 +7375,9 @@
               <a:p>
                 <a:pPr algn="ctr"/>
                 <a:r>
-                  <a:rPr kumimoji="1" lang="en-US" altLang="zh-CN" sz="1400" dirty="0" smtClean="0">
+                  <a:rPr kumimoji="1" lang="en-US" altLang="zh-CN" sz="1400" dirty="0">
                     <a:solidFill>
-                      <a:srgbClr val="737794"/>
+                      <a:srgbClr val="383C57"/>
                     </a:solidFill>
                     <a:latin typeface="Helvetica" pitchFamily="2" charset="0"/>
                   </a:rPr>
@@ -7521,7 +7385,7 @@
                 </a:r>
                 <a:endParaRPr kumimoji="1" lang="zh-CN" altLang="en-US" sz="1400" dirty="0">
                   <a:solidFill>
-                    <a:srgbClr val="737794"/>
+                    <a:srgbClr val="383C57"/>
                   </a:solidFill>
                   <a:latin typeface="Helvetica" pitchFamily="2" charset="0"/>
                 </a:endParaRPr>
@@ -7601,15 +7465,15 @@
               <a:lstStyle/>
               <a:p>
                 <a:r>
-                  <a:rPr kumimoji="1" lang="en-US" altLang="zh-CN" sz="1100" dirty="0" smtClean="0">
+                  <a:rPr kumimoji="1" lang="en-US" altLang="zh-CN" sz="1100" dirty="0">
                     <a:solidFill>
-                      <a:srgbClr val="BCBDD0"/>
+                      <a:srgbClr val="737794"/>
                     </a:solidFill>
                   </a:rPr>
                   <a:t>Device with </a:t>
                 </a:r>
                 <a:r>
-                  <a:rPr kumimoji="1" lang="en-US" altLang="zh-CN" sz="1100" dirty="0" smtClean="0">
+                  <a:rPr kumimoji="1" lang="en-US" altLang="zh-CN" sz="1100" dirty="0">
                     <a:solidFill>
                       <a:schemeClr val="accent4">
                         <a:lumMod val="60000"/>
@@ -7635,7 +7499,7 @@
               </a:p>
               <a:p>
                 <a:r>
-                  <a:rPr kumimoji="1" lang="en-US" altLang="zh-CN" sz="1100" dirty="0" smtClean="0">
+                  <a:rPr kumimoji="1" lang="en-US" altLang="zh-CN" sz="1100" dirty="0">
                     <a:solidFill>
                       <a:schemeClr val="accent4">
                         <a:lumMod val="60000"/>
@@ -7646,7 +7510,7 @@
                   <a:t>deviceKey</a:t>
                 </a:r>
                 <a:r>
-                  <a:rPr kumimoji="1" lang="en-US" altLang="zh-CN" sz="1100" dirty="0" smtClean="0">
+                  <a:rPr kumimoji="1" lang="en-US" altLang="zh-CN" sz="1100" dirty="0">
                     <a:solidFill>
                       <a:srgbClr val="BCBDD0"/>
                     </a:solidFill>
@@ -7654,7 +7518,7 @@
                   <a:t>, </a:t>
                 </a:r>
                 <a:r>
-                  <a:rPr kumimoji="1" lang="en-US" altLang="zh-CN" sz="1100" dirty="0" smtClean="0">
+                  <a:rPr kumimoji="1" lang="en-US" altLang="zh-CN" sz="1100" dirty="0">
                     <a:solidFill>
                       <a:schemeClr val="accent4">
                         <a:lumMod val="60000"/>
@@ -7665,18 +7529,21 @@
                   <a:t>deviceSecret (triple)</a:t>
                 </a:r>
                 <a:r>
-                  <a:rPr kumimoji="1" lang="en-US" altLang="zh-CN" sz="1100" dirty="0" smtClean="0">
+                  <a:rPr kumimoji="1" lang="en-US" altLang="zh-CN" sz="1100" dirty="0">
                     <a:solidFill>
                       <a:srgbClr val="BCBDD0"/>
                     </a:solidFill>
                   </a:rPr>
-                  <a:t> burned in the firmware</a:t>
+                  <a:t> </a:t>
                 </a:r>
-                <a:endParaRPr kumimoji="1" lang="en-US" altLang="zh-CN" sz="1100" dirty="0">
-                  <a:solidFill>
-                    <a:srgbClr val="BCBDD0"/>
-                  </a:solidFill>
-                </a:endParaRPr>
+                <a:r>
+                  <a:rPr kumimoji="1" lang="en-US" altLang="zh-CN" sz="1100" dirty="0">
+                    <a:solidFill>
+                      <a:srgbClr val="737794"/>
+                    </a:solidFill>
+                  </a:rPr>
+                  <a:t>burned in the firmware</a:t>
+                </a:r>
               </a:p>
             </p:txBody>
           </p:sp>
@@ -7753,7 +7620,7 @@
               <a:lstStyle/>
               <a:p>
                 <a:r>
-                  <a:rPr kumimoji="1" lang="en-US" altLang="zh-CN" sz="1100" b="1" dirty="0" smtClean="0">
+                  <a:rPr kumimoji="1" lang="en-US" altLang="zh-CN" sz="1100" b="1" dirty="0">
                     <a:solidFill>
                       <a:schemeClr val="accent1">
                         <a:lumMod val="60000"/>
@@ -7764,15 +7631,23 @@
                   <a:t>Device registered in the cloud</a:t>
                 </a:r>
                 <a:r>
-                  <a:rPr kumimoji="1" lang="en-US" altLang="zh-CN" sz="1100" dirty="0" smtClean="0">
+                  <a:rPr kumimoji="1" lang="en-US" altLang="zh-CN" sz="1100" dirty="0">
                     <a:solidFill>
                       <a:srgbClr val="BCBDD0"/>
                     </a:solidFill>
                   </a:rPr>
-                  <a:t>, with</a:t>
+                  <a:t>, </a:t>
                 </a:r>
                 <a:r>
-                  <a:rPr kumimoji="1" lang="en-US" altLang="zh-CN" sz="1100" dirty="0" smtClean="0">
+                  <a:rPr kumimoji="1" lang="en-US" altLang="zh-CN" sz="1100" dirty="0">
+                    <a:solidFill>
+                      <a:srgbClr val="737794"/>
+                    </a:solidFill>
+                  </a:rPr>
+                  <a:t>with</a:t>
+                </a:r>
+                <a:r>
+                  <a:rPr kumimoji="1" lang="en-US" altLang="zh-CN" sz="1100" dirty="0">
                     <a:solidFill>
                       <a:schemeClr val="accent4">
                         <a:lumMod val="60000"/>
@@ -7783,18 +7658,21 @@
                   <a:t> device triple</a:t>
                 </a:r>
                 <a:r>
-                  <a:rPr kumimoji="1" lang="en-US" altLang="zh-CN" sz="1100" dirty="0" smtClean="0">
+                  <a:rPr kumimoji="1" lang="en-US" altLang="zh-CN" sz="1100" dirty="0">
                     <a:solidFill>
                       <a:srgbClr val="BCBDD0"/>
                     </a:solidFill>
                   </a:rPr>
-                  <a:t> burned in the firmware</a:t>
+                  <a:t> </a:t>
                 </a:r>
-                <a:endParaRPr kumimoji="1" lang="en-US" altLang="zh-CN" sz="1100" dirty="0">
-                  <a:solidFill>
-                    <a:srgbClr val="BCBDD0"/>
-                  </a:solidFill>
-                </a:endParaRPr>
+                <a:r>
+                  <a:rPr kumimoji="1" lang="en-US" altLang="zh-CN" sz="1100" dirty="0">
+                    <a:solidFill>
+                      <a:srgbClr val="737794"/>
+                    </a:solidFill>
+                  </a:rPr>
+                  <a:t>burned in the firmware</a:t>
+                </a:r>
               </a:p>
             </p:txBody>
           </p:sp>
@@ -7829,16 +7707,11 @@
                 <a:r>
                   <a:rPr kumimoji="1" lang="en-US" altLang="zh-CN" sz="1100" dirty="0">
                     <a:solidFill>
-                      <a:srgbClr val="BCBDD0"/>
+                      <a:srgbClr val="737794"/>
                     </a:solidFill>
                   </a:rPr>
                   <a:t>Present device triple </a:t>
                 </a:r>
-                <a:endParaRPr kumimoji="1" lang="en-US" altLang="zh-CN" sz="1100" dirty="0">
-                  <a:solidFill>
-                    <a:srgbClr val="BCBDD0"/>
-                  </a:solidFill>
-                </a:endParaRPr>
               </a:p>
             </p:txBody>
           </p:sp>
@@ -7873,53 +7746,45 @@
                 <a:r>
                   <a:rPr kumimoji="1" lang="en-US" altLang="zh-CN" sz="1100" dirty="0">
                     <a:solidFill>
-                      <a:srgbClr val="BCBDD0"/>
+                      <a:srgbClr val="737794"/>
                     </a:solidFill>
                   </a:rPr>
-                  <a:t>1</a:t>
+                  <a:t>1.</a:t>
                 </a:r>
                 <a:r>
-                  <a:rPr kumimoji="1" lang="en-US" altLang="zh-CN" sz="1100" dirty="0" smtClean="0">
+                  <a:rPr kumimoji="1" lang="zh-CN" altLang="en-US" sz="1100" dirty="0">
                     <a:solidFill>
-                      <a:srgbClr val="BCBDD0"/>
-                    </a:solidFill>
-                  </a:rPr>
-                  <a:t>.</a:t>
-                </a:r>
-                <a:r>
-                  <a:rPr kumimoji="1" lang="zh-CN" altLang="en-US" sz="1100" dirty="0" smtClean="0">
-                    <a:solidFill>
-                      <a:srgbClr val="BCBDD0"/>
+                      <a:srgbClr val="737794"/>
                     </a:solidFill>
                   </a:rPr>
                   <a:t> </a:t>
                 </a:r>
                 <a:r>
-                  <a:rPr kumimoji="1" lang="en-US" altLang="zh-CN" sz="1100" dirty="0" smtClean="0">
+                  <a:rPr kumimoji="1" lang="en-US" altLang="zh-CN" sz="1100" dirty="0">
                     <a:solidFill>
-                      <a:srgbClr val="BCBDD0"/>
+                      <a:srgbClr val="737794"/>
                     </a:solidFill>
                   </a:rPr>
                   <a:t>Device activated</a:t>
                 </a:r>
                 <a:r>
-                  <a:rPr kumimoji="1" lang="zh-CN" altLang="en-US" sz="1100" dirty="0" smtClean="0">
+                  <a:rPr kumimoji="1" lang="zh-CN" altLang="en-US" sz="1100" dirty="0">
                     <a:solidFill>
-                      <a:srgbClr val="BCBDD0"/>
+                      <a:srgbClr val="737794"/>
                     </a:solidFill>
                   </a:rPr>
                   <a:t> </a:t>
                 </a:r>
                 <a:r>
-                  <a:rPr kumimoji="1" lang="en-US" altLang="zh-CN" sz="1100" dirty="0" smtClean="0">
+                  <a:rPr kumimoji="1" lang="en-US" altLang="zh-CN" sz="1100" dirty="0">
                     <a:solidFill>
-                      <a:srgbClr val="BCBDD0"/>
+                      <a:srgbClr val="737794"/>
                     </a:solidFill>
                   </a:rPr>
                   <a:t>and presents </a:t>
                 </a:r>
                 <a:r>
-                  <a:rPr kumimoji="1" lang="en-US" altLang="zh-CN" sz="1100" dirty="0" smtClean="0">
+                  <a:rPr kumimoji="1" lang="en-US" altLang="zh-CN" sz="1100" dirty="0">
                     <a:solidFill>
                       <a:schemeClr val="accent4">
                         <a:lumMod val="60000"/>
@@ -7930,7 +7795,7 @@
                   <a:t>productKey</a:t>
                 </a:r>
                 <a:r>
-                  <a:rPr kumimoji="1" lang="en-US" altLang="zh-CN" sz="1100" dirty="0" smtClean="0">
+                  <a:rPr kumimoji="1" lang="en-US" altLang="zh-CN" sz="1100" dirty="0">
                     <a:solidFill>
                       <a:srgbClr val="BCBDD0"/>
                     </a:solidFill>
@@ -7938,7 +7803,7 @@
                   <a:t>, </a:t>
                 </a:r>
                 <a:r>
-                  <a:rPr kumimoji="1" lang="en-US" altLang="zh-CN" sz="1100" dirty="0" smtClean="0">
+                  <a:rPr kumimoji="1" lang="en-US" altLang="zh-CN" sz="1100" dirty="0">
                     <a:solidFill>
                       <a:schemeClr val="accent4">
                         <a:lumMod val="60000"/>
@@ -7949,15 +7814,15 @@
                   <a:t>productSecret</a:t>
                 </a:r>
                 <a:r>
-                  <a:rPr kumimoji="1" lang="en-US" altLang="zh-CN" sz="1100" dirty="0" smtClean="0">
+                  <a:rPr kumimoji="1" lang="en-US" altLang="zh-CN" sz="1100" dirty="0">
                     <a:solidFill>
-                      <a:srgbClr val="BCBDD0"/>
+                      <a:srgbClr val="737794"/>
                     </a:solidFill>
                   </a:rPr>
                   <a:t>, and </a:t>
                 </a:r>
                 <a:r>
-                  <a:rPr kumimoji="1" lang="en-US" altLang="zh-CN" sz="1100" dirty="0" smtClean="0">
+                  <a:rPr kumimoji="1" lang="en-US" altLang="zh-CN" sz="1100" dirty="0">
                     <a:solidFill>
                       <a:schemeClr val="accent4">
                         <a:lumMod val="60000"/>
@@ -7967,14 +7832,6 @@
                   </a:rPr>
                   <a:t>DeviceKey</a:t>
                 </a:r>
-                <a:endParaRPr kumimoji="1" lang="en-US" altLang="zh-CN" sz="1100" dirty="0">
-                  <a:solidFill>
-                    <a:schemeClr val="accent4">
-                      <a:lumMod val="60000"/>
-                      <a:lumOff val="40000"/>
-                    </a:schemeClr>
-                  </a:solidFill>
-                </a:endParaRPr>
               </a:p>
             </p:txBody>
           </p:sp>
@@ -8053,7 +7910,7 @@
                 <a:r>
                   <a:rPr kumimoji="1" lang="en-US" altLang="zh-CN" sz="1100" dirty="0">
                     <a:solidFill>
-                      <a:srgbClr val="BCBDD0"/>
+                      <a:srgbClr val="737794"/>
                     </a:solidFill>
                   </a:rPr>
                   <a:t>2.</a:t>
@@ -8061,21 +7918,21 @@
                 <a:r>
                   <a:rPr kumimoji="1" lang="zh-CN" altLang="en-US" sz="1100" dirty="0">
                     <a:solidFill>
-                      <a:srgbClr val="BCBDD0"/>
+                      <a:srgbClr val="737794"/>
                     </a:solidFill>
                   </a:rPr>
                   <a:t> </a:t>
                 </a:r>
                 <a:r>
-                  <a:rPr kumimoji="1" lang="en-US" altLang="zh-CN" sz="1100" dirty="0" smtClean="0">
+                  <a:rPr kumimoji="1" lang="en-US" altLang="zh-CN" sz="1100" dirty="0">
                     <a:solidFill>
-                      <a:srgbClr val="BCBDD0"/>
+                      <a:srgbClr val="737794"/>
                     </a:solidFill>
                   </a:rPr>
                   <a:t>Returns </a:t>
                 </a:r>
                 <a:r>
-                  <a:rPr kumimoji="1" lang="en-US" altLang="zh-CN" sz="1100" dirty="0" smtClean="0">
+                  <a:rPr kumimoji="1" lang="en-US" altLang="zh-CN" sz="1100" dirty="0">
                     <a:solidFill>
                       <a:schemeClr val="accent4">
                         <a:lumMod val="60000"/>
@@ -8085,14 +7942,6 @@
                   </a:rPr>
                   <a:t>deviceSecret</a:t>
                 </a:r>
-                <a:endParaRPr kumimoji="1" lang="en-US" altLang="zh-CN" sz="1100" dirty="0">
-                  <a:solidFill>
-                    <a:schemeClr val="accent4">
-                      <a:lumMod val="60000"/>
-                      <a:lumOff val="40000"/>
-                    </a:schemeClr>
-                  </a:solidFill>
-                </a:endParaRPr>
               </a:p>
             </p:txBody>
           </p:sp>
@@ -8172,7 +8021,7 @@
                 <a:r>
                   <a:rPr kumimoji="1" lang="en-US" altLang="zh-CN" sz="1100" dirty="0">
                     <a:solidFill>
-                      <a:srgbClr val="BCBDD0"/>
+                      <a:srgbClr val="737794"/>
                     </a:solidFill>
                   </a:rPr>
                   <a:t>3.</a:t>
@@ -8180,21 +8029,21 @@
                 <a:r>
                   <a:rPr kumimoji="1" lang="zh-CN" altLang="en-US" sz="1100" dirty="0">
                     <a:solidFill>
-                      <a:srgbClr val="BCBDD0"/>
+                      <a:srgbClr val="737794"/>
                     </a:solidFill>
                   </a:rPr>
                   <a:t> </a:t>
                 </a:r>
                 <a:r>
-                  <a:rPr kumimoji="1" lang="en-US" altLang="zh-CN" sz="1100" dirty="0" smtClean="0">
+                  <a:rPr kumimoji="1" lang="en-US" altLang="zh-CN" sz="1100" dirty="0">
                     <a:solidFill>
-                      <a:srgbClr val="BCBDD0"/>
+                      <a:srgbClr val="737794"/>
                     </a:solidFill>
                   </a:rPr>
                   <a:t>Device logs in and presents </a:t>
                 </a:r>
                 <a:r>
-                  <a:rPr kumimoji="1" lang="en-US" altLang="zh-CN" sz="1100" dirty="0" smtClean="0">
+                  <a:rPr kumimoji="1" lang="en-US" altLang="zh-CN" sz="1100" dirty="0">
                     <a:solidFill>
                       <a:schemeClr val="accent4">
                         <a:lumMod val="60000"/>
@@ -8204,14 +8053,6 @@
                   </a:rPr>
                   <a:t>device triple</a:t>
                 </a:r>
-                <a:endParaRPr kumimoji="1" lang="en-US" altLang="zh-CN" sz="1100" dirty="0">
-                  <a:solidFill>
-                    <a:schemeClr val="accent4">
-                      <a:lumMod val="60000"/>
-                      <a:lumOff val="40000"/>
-                    </a:schemeClr>
-                  </a:solidFill>
-                </a:endParaRPr>
               </a:p>
             </p:txBody>
           </p:sp>
@@ -8283,7 +8124,7 @@
             </p:nvSpPr>
             <p:spPr>
               <a:xfrm>
-                <a:off x="4556077" y="4117947"/>
+                <a:off x="4556077" y="3957527"/>
                 <a:ext cx="1462446" cy="523220"/>
               </a:xfrm>
               <a:prstGeom prst="rect">
@@ -8299,27 +8140,27 @@
               <a:p>
                 <a:pPr algn="ctr"/>
                 <a:r>
-                  <a:rPr kumimoji="1" lang="en-US" altLang="zh-CN" sz="1400" dirty="0" smtClean="0">
+                  <a:rPr kumimoji="1" lang="en-US" altLang="zh-CN" sz="1400" dirty="0">
                     <a:solidFill>
-                      <a:srgbClr val="737794"/>
+                      <a:srgbClr val="383C57"/>
                     </a:solidFill>
                     <a:latin typeface="Helvetica" pitchFamily="2" charset="0"/>
                   </a:rPr>
                   <a:t>Pluggable</a:t>
                 </a:r>
                 <a:r>
-                  <a:rPr kumimoji="1" lang="zh-CN" altLang="en-US" sz="1400" dirty="0" smtClean="0">
+                  <a:rPr kumimoji="1" lang="zh-CN" altLang="en-US" sz="1400" dirty="0">
                     <a:solidFill>
-                      <a:srgbClr val="737794"/>
+                      <a:srgbClr val="383C57"/>
                     </a:solidFill>
                     <a:latin typeface="Helvetica" pitchFamily="2" charset="0"/>
                   </a:rPr>
                   <a:t> </a:t>
                 </a:r>
                 <a:r>
-                  <a:rPr kumimoji="1" lang="en-US" altLang="zh-CN" sz="1400" dirty="0" smtClean="0">
+                  <a:rPr kumimoji="1" lang="en-US" altLang="zh-CN" sz="1400" dirty="0">
                     <a:solidFill>
-                      <a:srgbClr val="737794"/>
+                      <a:srgbClr val="383C57"/>
                     </a:solidFill>
                     <a:latin typeface="Helvetica" pitchFamily="2" charset="0"/>
                   </a:rPr>
@@ -8327,7 +8168,7 @@
                 </a:r>
                 <a:endParaRPr kumimoji="1" lang="zh-CN" altLang="en-US" sz="1400" dirty="0">
                   <a:solidFill>
-                    <a:srgbClr val="737794"/>
+                    <a:srgbClr val="383C57"/>
                   </a:solidFill>
                   <a:latin typeface="Helvetica" pitchFamily="2" charset="0"/>
                 </a:endParaRPr>
@@ -8407,7 +8248,7 @@
               <a:lstStyle/>
               <a:p>
                 <a:r>
-                  <a:rPr kumimoji="1" lang="en-US" altLang="zh-CN" sz="1100" b="1" dirty="0" smtClean="0">
+                  <a:rPr kumimoji="1" lang="en-US" altLang="zh-CN" sz="1100" b="1" dirty="0">
                     <a:solidFill>
                       <a:schemeClr val="accent1">
                         <a:lumMod val="60000"/>
@@ -8417,14 +8258,6 @@
                   </a:rPr>
                   <a:t>Device not registered in the cloud</a:t>
                 </a:r>
-                <a:endParaRPr kumimoji="1" lang="en-US" altLang="zh-CN" sz="1100" b="1" dirty="0">
-                  <a:solidFill>
-                    <a:schemeClr val="accent1">
-                      <a:lumMod val="60000"/>
-                      <a:lumOff val="40000"/>
-                    </a:schemeClr>
-                  </a:solidFill>
-                </a:endParaRPr>
               </a:p>
             </p:txBody>
           </p:sp>
@@ -8457,15 +8290,15 @@
               <a:lstStyle/>
               <a:p>
                 <a:r>
-                  <a:rPr kumimoji="1" lang="en-US" altLang="zh-CN" sz="1100" dirty="0" smtClean="0">
+                  <a:rPr kumimoji="1" lang="en-US" altLang="zh-CN" sz="1100" dirty="0">
                     <a:solidFill>
-                      <a:srgbClr val="BCBDD0"/>
+                      <a:srgbClr val="737794"/>
                     </a:solidFill>
                   </a:rPr>
                   <a:t>Acquisition chip has </a:t>
                 </a:r>
                 <a:r>
-                  <a:rPr kumimoji="1" lang="en-US" altLang="zh-CN" sz="1100" dirty="0" smtClean="0">
+                  <a:rPr kumimoji="1" lang="en-US" altLang="zh-CN" sz="1100" dirty="0">
                     <a:solidFill>
                       <a:schemeClr val="accent4">
                         <a:lumMod val="60000"/>
@@ -8476,7 +8309,7 @@
                   <a:t>SA</a:t>
                 </a:r>
                 <a:r>
-                  <a:rPr kumimoji="1" lang="en-US" altLang="zh-CN" sz="1100" dirty="0" smtClean="0">
+                  <a:rPr kumimoji="1" lang="en-US" altLang="zh-CN" sz="1100" dirty="0">
                     <a:solidFill>
                       <a:srgbClr val="BCBDD0"/>
                     </a:solidFill>
@@ -8484,7 +8317,7 @@
                   <a:t>, </a:t>
                 </a:r>
                 <a:r>
-                  <a:rPr kumimoji="1" lang="en-US" altLang="zh-CN" sz="1100" dirty="0" smtClean="0">
+                  <a:rPr kumimoji="1" lang="en-US" altLang="zh-CN" sz="1100" dirty="0">
                     <a:solidFill>
                       <a:schemeClr val="accent4">
                         <a:lumMod val="60000"/>
@@ -8495,18 +8328,21 @@
                   <a:t>productKey</a:t>
                 </a:r>
                 <a:r>
-                  <a:rPr kumimoji="1" lang="en-US" altLang="zh-CN" sz="1100" dirty="0" smtClean="0">
+                  <a:rPr kumimoji="1" lang="en-US" altLang="zh-CN" sz="1100" dirty="0">
                     <a:solidFill>
                       <a:srgbClr val="BCBDD0"/>
                     </a:solidFill>
                   </a:rPr>
-                  <a:t> burned in firmware</a:t>
+                  <a:t> </a:t>
                 </a:r>
-                <a:endParaRPr kumimoji="1" lang="en-US" altLang="zh-CN" sz="1100" dirty="0">
-                  <a:solidFill>
-                    <a:srgbClr val="BCBDD0"/>
-                  </a:solidFill>
-                </a:endParaRPr>
+                <a:r>
+                  <a:rPr kumimoji="1" lang="en-US" altLang="zh-CN" sz="1100" dirty="0">
+                    <a:solidFill>
+                      <a:srgbClr val="737794"/>
+                    </a:solidFill>
+                  </a:rPr>
+                  <a:t>burned in firmware</a:t>
+                </a:r>
               </a:p>
             </p:txBody>
           </p:sp>
@@ -8541,26 +8377,10 @@
                 <a:r>
                   <a:rPr kumimoji="1" lang="en-US" altLang="zh-CN" sz="1100" dirty="0">
                     <a:solidFill>
-                      <a:srgbClr val="BCBDD0"/>
+                      <a:srgbClr val="737794"/>
                     </a:solidFill>
                   </a:rPr>
-                  <a:t>Calls REST API for dynamic </a:t>
-                </a:r>
-                <a:r>
-                  <a:rPr kumimoji="1" lang="en-US" altLang="zh-CN" sz="1100" dirty="0" smtClean="0">
-                    <a:solidFill>
-                      <a:srgbClr val="BCBDD0"/>
-                    </a:solidFill>
-                  </a:rPr>
-                  <a:t>device </a:t>
-                </a:r>
-                <a:r>
-                  <a:rPr kumimoji="1" lang="en-US" altLang="zh-CN" sz="1100" dirty="0">
-                    <a:solidFill>
-                      <a:srgbClr val="BCBDD0"/>
-                    </a:solidFill>
-                  </a:rPr>
-                  <a:t>registration and obtains </a:t>
+                  <a:t>Calls REST API for dynamic device registration and obtains </a:t>
                 </a:r>
                 <a:r>
                   <a:rPr kumimoji="1" lang="en-US" altLang="zh-CN" sz="1100" dirty="0">
@@ -8573,14 +8393,6 @@
                   </a:rPr>
                   <a:t>device triple</a:t>
                 </a:r>
-                <a:endParaRPr kumimoji="1" lang="en-US" altLang="zh-CN" sz="1100" dirty="0">
-                  <a:solidFill>
-                    <a:schemeClr val="accent4">
-                      <a:lumMod val="60000"/>
-                      <a:lumOff val="40000"/>
-                    </a:schemeClr>
-                  </a:solidFill>
-                </a:endParaRPr>
               </a:p>
             </p:txBody>
           </p:sp>
@@ -8658,15 +8470,23 @@
               <a:lstStyle/>
               <a:p>
                 <a:r>
-                  <a:rPr kumimoji="1" lang="en-US" altLang="zh-CN" sz="1100" dirty="0" smtClean="0">
+                  <a:rPr kumimoji="1" lang="en-US" altLang="zh-CN" sz="1100" dirty="0">
+                    <a:solidFill>
+                      <a:srgbClr val="737794"/>
+                    </a:solidFill>
+                  </a:rPr>
+                  <a:t>Presents</a:t>
+                </a:r>
+                <a:r>
+                  <a:rPr kumimoji="1" lang="en-US" altLang="zh-CN" sz="1100" dirty="0">
                     <a:solidFill>
                       <a:srgbClr val="BCBDD0"/>
                     </a:solidFill>
                   </a:rPr>
-                  <a:t>Presents </a:t>
+                  <a:t> </a:t>
                 </a:r>
                 <a:r>
-                  <a:rPr kumimoji="1" lang="en-US" altLang="zh-CN" sz="1100" dirty="0" smtClean="0">
+                  <a:rPr kumimoji="1" lang="en-US" altLang="zh-CN" sz="1100" dirty="0">
                     <a:solidFill>
                       <a:schemeClr val="accent4">
                         <a:lumMod val="60000"/>
@@ -8676,14 +8496,6 @@
                   </a:rPr>
                   <a:t>device triple </a:t>
                 </a:r>
-                <a:endParaRPr kumimoji="1" lang="en-US" altLang="zh-CN" sz="1100" dirty="0">
-                  <a:solidFill>
-                    <a:schemeClr val="accent4">
-                      <a:lumMod val="60000"/>
-                      <a:lumOff val="40000"/>
-                    </a:schemeClr>
-                  </a:solidFill>
-                </a:endParaRPr>
               </a:p>
             </p:txBody>
           </p:sp>
@@ -8706,7 +8518,7 @@
             <a:blip r:embed="rId2">
               <a:extLst>
                 <a:ext uri="{96DAC541-7B7A-43D3-8B79-37D633B846F1}">
-                  <asvg:svgBlip xmlns:asvg="http://schemas.microsoft.com/office/drawing/2016/SVG/main" xmlns="" r:embed="rId3"/>
+                  <asvg:svgBlip xmlns:asvg="http://schemas.microsoft.com/office/drawing/2016/SVG/main" r:embed="rId3"/>
                 </a:ext>
               </a:extLst>
             </a:blip>
@@ -8755,14 +8567,14 @@
               <a:r>
                 <a:rPr kumimoji="1" lang="en-US" altLang="zh-CN" sz="1200" dirty="0">
                   <a:solidFill>
-                    <a:schemeClr val="bg1"/>
+                    <a:srgbClr val="737794"/>
                   </a:solidFill>
                 </a:rPr>
                 <a:t>2.1</a:t>
               </a:r>
               <a:endParaRPr kumimoji="1" lang="zh-CN" altLang="en-US" sz="1200" dirty="0">
                 <a:solidFill>
-                  <a:schemeClr val="bg1"/>
+                  <a:srgbClr val="737794"/>
                 </a:solidFill>
               </a:endParaRPr>
             </a:p>
@@ -8786,7 +8598,7 @@
             <a:blip r:embed="rId2">
               <a:extLst>
                 <a:ext uri="{96DAC541-7B7A-43D3-8B79-37D633B846F1}">
-                  <asvg:svgBlip xmlns:asvg="http://schemas.microsoft.com/office/drawing/2016/SVG/main" xmlns="" r:embed="rId3"/>
+                  <asvg:svgBlip xmlns:asvg="http://schemas.microsoft.com/office/drawing/2016/SVG/main" r:embed="rId3"/>
                 </a:ext>
               </a:extLst>
             </a:blip>
@@ -8835,14 +8647,14 @@
               <a:r>
                 <a:rPr kumimoji="1" lang="en-US" altLang="zh-CN" sz="1200" dirty="0">
                   <a:solidFill>
-                    <a:schemeClr val="bg1"/>
+                    <a:srgbClr val="737794"/>
                   </a:solidFill>
                 </a:rPr>
                 <a:t>2.2</a:t>
               </a:r>
               <a:endParaRPr kumimoji="1" lang="zh-CN" altLang="en-US" sz="1200" dirty="0">
                 <a:solidFill>
-                  <a:schemeClr val="bg1"/>
+                  <a:srgbClr val="737794"/>
                 </a:solidFill>
               </a:endParaRPr>
             </a:p>
@@ -8866,7 +8678,7 @@
             <a:blip r:embed="rId2">
               <a:extLst>
                 <a:ext uri="{96DAC541-7B7A-43D3-8B79-37D633B846F1}">
-                  <asvg:svgBlip xmlns:asvg="http://schemas.microsoft.com/office/drawing/2016/SVG/main" xmlns="" r:embed="rId3"/>
+                  <asvg:svgBlip xmlns:asvg="http://schemas.microsoft.com/office/drawing/2016/SVG/main" r:embed="rId3"/>
                 </a:ext>
               </a:extLst>
             </a:blip>
@@ -8915,14 +8727,14 @@
               <a:r>
                 <a:rPr kumimoji="1" lang="en-US" altLang="zh-CN" sz="1200" dirty="0">
                   <a:solidFill>
-                    <a:schemeClr val="bg1"/>
+                    <a:srgbClr val="737794"/>
                   </a:solidFill>
                 </a:rPr>
                 <a:t>2.3</a:t>
               </a:r>
               <a:endParaRPr kumimoji="1" lang="zh-CN" altLang="en-US" sz="1200" dirty="0">
                 <a:solidFill>
-                  <a:schemeClr val="bg1"/>
+                  <a:srgbClr val="737794"/>
                 </a:solidFill>
               </a:endParaRPr>
             </a:p>
@@ -8988,126 +8800,193 @@
           <a:chExt cx="0" cy="0"/>
         </a:xfrm>
       </p:grpSpPr>
+      <p:sp>
+        <p:nvSpPr>
+          <p:cNvPr id="3" name="矩形 2"/>
+          <p:cNvSpPr/>
+          <p:nvPr/>
+        </p:nvSpPr>
+        <p:spPr>
+          <a:xfrm>
+            <a:off x="109731" y="159800"/>
+            <a:ext cx="4139275" cy="369332"/>
+          </a:xfrm>
+          <a:prstGeom prst="rect">
+            <a:avLst/>
+          </a:prstGeom>
+        </p:spPr>
+        <p:txBody>
+          <a:bodyPr wrap="none">
+            <a:spAutoFit/>
+          </a:bodyPr>
+          <a:lstStyle/>
+          <a:p>
+            <a:r>
+              <a:rPr lang="en-US" altLang="zh-CN" dirty="0" err="1"/>
+              <a:t>device_connection_task_description.png</a:t>
+            </a:r>
+            <a:endParaRPr lang="zh-CN" altLang="en-US" dirty="0"/>
+          </a:p>
+        </p:txBody>
+      </p:sp>
       <p:grpSp>
         <p:nvGrpSpPr>
-          <p:cNvPr id="2" name="组合 1"/>
+          <p:cNvPr id="5" name="组合 4">
+            <a:extLst>
+              <a:ext uri="{FF2B5EF4-FFF2-40B4-BE49-F238E27FC236}">
+                <a16:creationId xmlns:a16="http://schemas.microsoft.com/office/drawing/2014/main" id="{5F3CF25E-6189-D648-8D3D-3A3C5EC2D8C8}"/>
+              </a:ext>
+            </a:extLst>
+          </p:cNvPr>
           <p:cNvGrpSpPr/>
           <p:nvPr/>
         </p:nvGrpSpPr>
         <p:grpSpPr>
           <a:xfrm>
-            <a:off x="-3974593" y="1964683"/>
-            <a:ext cx="19737999" cy="1243312"/>
-            <a:chOff x="-3974593" y="1964683"/>
-            <a:chExt cx="19737999" cy="1243312"/>
+            <a:off x="109731" y="1283501"/>
+            <a:ext cx="11431932" cy="3345860"/>
+            <a:chOff x="109731" y="1283501"/>
+            <a:chExt cx="11431932" cy="3345860"/>
           </a:xfrm>
         </p:grpSpPr>
-        <p:sp>
-          <p:nvSpPr>
-            <p:cNvPr id="13" name="文本框 12">
+        <p:cxnSp>
+          <p:nvCxnSpPr>
+            <p:cNvPr id="63" name="直线箭头连接符 62">
               <a:extLst>
                 <a:ext uri="{FF2B5EF4-FFF2-40B4-BE49-F238E27FC236}">
-                  <a16:creationId xmlns:a16="http://schemas.microsoft.com/office/drawing/2014/main" id="{ADCD52C1-E8B6-EA4A-A9FF-190B5202562D}"/>
+                  <a16:creationId xmlns:a16="http://schemas.microsoft.com/office/drawing/2014/main" id="{229C97A5-14EA-AE44-8B29-837A37FD7B51}"/>
                 </a:ext>
               </a:extLst>
             </p:cNvPr>
-            <p:cNvSpPr txBox="1"/>
+            <p:cNvCxnSpPr>
+              <a:cxnSpLocks/>
+            </p:cNvCxnSpPr>
             <p:nvPr/>
-          </p:nvSpPr>
+          </p:nvCxnSpPr>
           <p:spPr>
-            <a:xfrm>
-              <a:off x="-3873951" y="2079612"/>
-              <a:ext cx="1861425" cy="738664"/>
+            <a:xfrm rot="5400000">
+              <a:off x="10173795" y="2963128"/>
+              <a:ext cx="465993" cy="0"/>
             </a:xfrm>
-            <a:prstGeom prst="rect">
+            <a:prstGeom prst="straightConnector1">
               <a:avLst/>
             </a:prstGeom>
-            <a:noFill/>
+            <a:ln w="25400">
+              <a:solidFill>
+                <a:srgbClr val="D8D9E6"/>
+              </a:solidFill>
+              <a:tailEnd type="triangle"/>
+            </a:ln>
           </p:spPr>
-          <p:txBody>
-            <a:bodyPr wrap="square" rtlCol="0">
-              <a:spAutoFit/>
-            </a:bodyPr>
-            <a:lstStyle/>
-            <a:p>
-              <a:pPr algn="ctr">
-                <a:lnSpc>
-                  <a:spcPct val="150000"/>
-                </a:lnSpc>
-              </a:pPr>
-              <a:r>
-                <a:rPr kumimoji="1" lang="en-US" altLang="zh-CN" sz="1400" dirty="0">
-                  <a:solidFill>
-                    <a:schemeClr val="bg1"/>
-                  </a:solidFill>
-                  <a:latin typeface="Helvetica Light" panose="020B0403020202020204"/>
-                </a:rPr>
-                <a:t>Inspect</a:t>
-              </a:r>
-              <a:r>
-                <a:rPr kumimoji="1" lang="zh-CN" altLang="en-US" sz="1400" dirty="0">
-                  <a:solidFill>
-                    <a:schemeClr val="bg1"/>
-                  </a:solidFill>
-                  <a:latin typeface="Helvetica Light" panose="020B0403020202020204"/>
-                </a:rPr>
-                <a:t> </a:t>
-              </a:r>
-              <a:endParaRPr kumimoji="1" lang="en-US" altLang="zh-CN" sz="1400" dirty="0">
-                <a:solidFill>
-                  <a:schemeClr val="bg1"/>
-                </a:solidFill>
-                <a:latin typeface="Helvetica Light" panose="020B0403020202020204"/>
-              </a:endParaRPr>
-            </a:p>
-            <a:p>
-              <a:pPr algn="ctr">
-                <a:lnSpc>
-                  <a:spcPct val="150000"/>
-                </a:lnSpc>
-              </a:pPr>
-              <a:r>
-                <a:rPr kumimoji="1" lang="en-US" altLang="zh-CN" sz="1400" dirty="0">
-                  <a:solidFill>
-                    <a:schemeClr val="bg1"/>
-                  </a:solidFill>
-                  <a:latin typeface="Helvetica Light" panose="020B0403020202020204"/>
-                </a:rPr>
-                <a:t>Connection</a:t>
-              </a:r>
-              <a:r>
-                <a:rPr kumimoji="1" lang="zh-CN" altLang="en-US" sz="1400" dirty="0">
-                  <a:solidFill>
-                    <a:schemeClr val="bg1"/>
-                  </a:solidFill>
-                  <a:latin typeface="Helvetica Light" panose="020B0403020202020204"/>
-                </a:rPr>
-                <a:t> </a:t>
-              </a:r>
-              <a:r>
-                <a:rPr kumimoji="1" lang="en-US" altLang="zh-CN" sz="1400" dirty="0">
-                  <a:solidFill>
-                    <a:schemeClr val="bg1"/>
-                  </a:solidFill>
-                  <a:latin typeface="Helvetica Light" panose="020B0403020202020204"/>
-                </a:rPr>
-                <a:t>Status</a:t>
-              </a:r>
-              <a:endParaRPr kumimoji="1" lang="zh-CN" altLang="en-US" sz="1400" dirty="0">
-                <a:solidFill>
-                  <a:schemeClr val="bg1"/>
-                </a:solidFill>
-                <a:latin typeface="Helvetica Light" panose="020B0403020202020204"/>
-              </a:endParaRPr>
-            </a:p>
-          </p:txBody>
-        </p:sp>
+          <p:style>
+            <a:lnRef idx="1">
+              <a:schemeClr val="accent1"/>
+            </a:lnRef>
+            <a:fillRef idx="0">
+              <a:schemeClr val="accent1"/>
+            </a:fillRef>
+            <a:effectRef idx="0">
+              <a:schemeClr val="accent1"/>
+            </a:effectRef>
+            <a:fontRef idx="minor">
+              <a:schemeClr val="tx1"/>
+            </a:fontRef>
+          </p:style>
+        </p:cxnSp>
+        <p:cxnSp>
+          <p:nvCxnSpPr>
+            <p:cNvPr id="64" name="直线箭头连接符 63">
+              <a:extLst>
+                <a:ext uri="{FF2B5EF4-FFF2-40B4-BE49-F238E27FC236}">
+                  <a16:creationId xmlns:a16="http://schemas.microsoft.com/office/drawing/2014/main" id="{89E9EACF-D20D-2C4C-B0E5-DE178CD1DAE1}"/>
+                </a:ext>
+              </a:extLst>
+            </p:cNvPr>
+            <p:cNvCxnSpPr>
+              <a:cxnSpLocks/>
+            </p:cNvCxnSpPr>
+            <p:nvPr/>
+          </p:nvCxnSpPr>
+          <p:spPr>
+            <a:xfrm flipH="1">
+              <a:off x="7707861" y="4031142"/>
+              <a:ext cx="465993" cy="0"/>
+            </a:xfrm>
+            <a:prstGeom prst="straightConnector1">
+              <a:avLst/>
+            </a:prstGeom>
+            <a:ln w="25400">
+              <a:solidFill>
+                <a:srgbClr val="D8D9E6"/>
+              </a:solidFill>
+              <a:tailEnd type="triangle"/>
+            </a:ln>
+          </p:spPr>
+          <p:style>
+            <a:lnRef idx="1">
+              <a:schemeClr val="accent1"/>
+            </a:lnRef>
+            <a:fillRef idx="0">
+              <a:schemeClr val="accent1"/>
+            </a:fillRef>
+            <a:effectRef idx="0">
+              <a:schemeClr val="accent1"/>
+            </a:effectRef>
+            <a:fontRef idx="minor">
+              <a:schemeClr val="tx1"/>
+            </a:fontRef>
+          </p:style>
+        </p:cxnSp>
+        <p:cxnSp>
+          <p:nvCxnSpPr>
+            <p:cNvPr id="65" name="直线箭头连接符 64">
+              <a:extLst>
+                <a:ext uri="{FF2B5EF4-FFF2-40B4-BE49-F238E27FC236}">
+                  <a16:creationId xmlns:a16="http://schemas.microsoft.com/office/drawing/2014/main" id="{BE9DE89F-994D-6D42-B837-E694DDF82865}"/>
+                </a:ext>
+              </a:extLst>
+            </p:cNvPr>
+            <p:cNvCxnSpPr>
+              <a:cxnSpLocks/>
+            </p:cNvCxnSpPr>
+            <p:nvPr/>
+          </p:nvCxnSpPr>
+          <p:spPr>
+            <a:xfrm flipH="1">
+              <a:off x="3783013" y="4031142"/>
+              <a:ext cx="465993" cy="0"/>
+            </a:xfrm>
+            <a:prstGeom prst="straightConnector1">
+              <a:avLst/>
+            </a:prstGeom>
+            <a:ln w="25400">
+              <a:solidFill>
+                <a:srgbClr val="D8D9E6"/>
+              </a:solidFill>
+              <a:tailEnd type="triangle"/>
+            </a:ln>
+          </p:spPr>
+          <p:style>
+            <a:lnRef idx="1">
+              <a:schemeClr val="accent1"/>
+            </a:lnRef>
+            <a:fillRef idx="0">
+              <a:schemeClr val="accent1"/>
+            </a:fillRef>
+            <a:effectRef idx="0">
+              <a:schemeClr val="accent1"/>
+            </a:effectRef>
+            <a:fontRef idx="minor">
+              <a:schemeClr val="tx1"/>
+            </a:fontRef>
+          </p:style>
+        </p:cxnSp>
         <p:sp>
           <p:nvSpPr>
-            <p:cNvPr id="14" name="矩形 13">
+            <p:cNvPr id="67" name="矩形 66">
               <a:extLst>
                 <a:ext uri="{FF2B5EF4-FFF2-40B4-BE49-F238E27FC236}">
-                  <a16:creationId xmlns:a16="http://schemas.microsoft.com/office/drawing/2014/main" id="{06E536AA-494C-5E4B-8FC9-70D07C697D22}"/>
+                  <a16:creationId xmlns:a16="http://schemas.microsoft.com/office/drawing/2014/main" id="{FE9CEC84-0B6F-0C4E-BE63-6C4737AFC1F9}"/>
                 </a:ext>
               </a:extLst>
             </p:cNvPr>
@@ -9116,7 +8995,61 @@
           </p:nvSpPr>
           <p:spPr>
             <a:xfrm>
-              <a:off x="-1020913" y="1965331"/>
+              <a:off x="424790" y="1283501"/>
+              <a:ext cx="2154746" cy="1242664"/>
+            </a:xfrm>
+            <a:prstGeom prst="rect">
+              <a:avLst/>
+            </a:prstGeom>
+            <a:solidFill>
+              <a:srgbClr val="F5F5FA"/>
+            </a:solidFill>
+            <a:ln w="12700">
+              <a:noFill/>
+            </a:ln>
+          </p:spPr>
+          <p:style>
+            <a:lnRef idx="2">
+              <a:schemeClr val="accent1">
+                <a:shade val="50000"/>
+              </a:schemeClr>
+            </a:lnRef>
+            <a:fillRef idx="1">
+              <a:schemeClr val="accent1"/>
+            </a:fillRef>
+            <a:effectRef idx="0">
+              <a:schemeClr val="accent1"/>
+            </a:effectRef>
+            <a:fontRef idx="minor">
+              <a:schemeClr val="lt1"/>
+            </a:fontRef>
+          </p:style>
+          <p:txBody>
+            <a:bodyPr rtlCol="0" anchor="ctr"/>
+            <a:lstStyle/>
+            <a:p>
+              <a:pPr algn="ctr"/>
+              <a:endParaRPr kumimoji="1" lang="zh-CN" altLang="en-US" sz="1600">
+                <a:latin typeface="Helvetica Light" panose="020B0403020202020204"/>
+              </a:endParaRPr>
+            </a:p>
+          </p:txBody>
+        </p:sp>
+        <p:sp>
+          <p:nvSpPr>
+            <p:cNvPr id="68" name="矩形 67">
+              <a:extLst>
+                <a:ext uri="{FF2B5EF4-FFF2-40B4-BE49-F238E27FC236}">
+                  <a16:creationId xmlns:a16="http://schemas.microsoft.com/office/drawing/2014/main" id="{EAD8917A-9825-8349-9988-50A9191B40CF}"/>
+                </a:ext>
+              </a:extLst>
+            </p:cNvPr>
+            <p:cNvSpPr/>
+            <p:nvPr/>
+          </p:nvSpPr>
+          <p:spPr>
+            <a:xfrm>
+              <a:off x="3480949" y="1283501"/>
               <a:ext cx="2041826" cy="1242664"/>
             </a:xfrm>
             <a:prstGeom prst="rect">
@@ -9156,12 +9089,252 @@
             </a:p>
           </p:txBody>
         </p:sp>
+        <p:cxnSp>
+          <p:nvCxnSpPr>
+            <p:cNvPr id="69" name="直线箭头连接符 68">
+              <a:extLst>
+                <a:ext uri="{FF2B5EF4-FFF2-40B4-BE49-F238E27FC236}">
+                  <a16:creationId xmlns:a16="http://schemas.microsoft.com/office/drawing/2014/main" id="{DE06B675-4485-DF46-84D1-BF1A32C2B206}"/>
+                </a:ext>
+              </a:extLst>
+            </p:cNvPr>
+            <p:cNvCxnSpPr>
+              <a:cxnSpLocks/>
+            </p:cNvCxnSpPr>
+            <p:nvPr/>
+          </p:nvCxnSpPr>
+          <p:spPr>
+            <a:xfrm>
+              <a:off x="2797246" y="1895077"/>
+              <a:ext cx="465993" cy="0"/>
+            </a:xfrm>
+            <a:prstGeom prst="straightConnector1">
+              <a:avLst/>
+            </a:prstGeom>
+            <a:ln w="25400">
+              <a:solidFill>
+                <a:srgbClr val="D8D9E6"/>
+              </a:solidFill>
+              <a:tailEnd type="triangle"/>
+            </a:ln>
+          </p:spPr>
+          <p:style>
+            <a:lnRef idx="1">
+              <a:schemeClr val="accent1"/>
+            </a:lnRef>
+            <a:fillRef idx="0">
+              <a:schemeClr val="accent1"/>
+            </a:fillRef>
+            <a:effectRef idx="0">
+              <a:schemeClr val="accent1"/>
+            </a:effectRef>
+            <a:fontRef idx="minor">
+              <a:schemeClr val="tx1"/>
+            </a:fontRef>
+          </p:style>
+        </p:cxnSp>
         <p:sp>
           <p:nvSpPr>
-            <p:cNvPr id="15" name="文本框 14">
+            <p:cNvPr id="70" name="矩形 69">
               <a:extLst>
                 <a:ext uri="{FF2B5EF4-FFF2-40B4-BE49-F238E27FC236}">
-                  <a16:creationId xmlns:a16="http://schemas.microsoft.com/office/drawing/2014/main" id="{72C9CE2C-BEDE-5345-B3F9-1F7F32010CB5}"/>
+                  <a16:creationId xmlns:a16="http://schemas.microsoft.com/office/drawing/2014/main" id="{1BED5601-20A9-CA47-931D-27D6C329A1C4}"/>
+                </a:ext>
+              </a:extLst>
+            </p:cNvPr>
+            <p:cNvSpPr/>
+            <p:nvPr/>
+          </p:nvSpPr>
+          <p:spPr>
+            <a:xfrm>
+              <a:off x="6424188" y="1287294"/>
+              <a:ext cx="2041826" cy="1242664"/>
+            </a:xfrm>
+            <a:prstGeom prst="rect">
+              <a:avLst/>
+            </a:prstGeom>
+            <a:solidFill>
+              <a:srgbClr val="F5F5FA"/>
+            </a:solidFill>
+            <a:ln w="12700">
+              <a:noFill/>
+            </a:ln>
+          </p:spPr>
+          <p:style>
+            <a:lnRef idx="2">
+              <a:schemeClr val="accent1">
+                <a:shade val="50000"/>
+              </a:schemeClr>
+            </a:lnRef>
+            <a:fillRef idx="1">
+              <a:schemeClr val="accent1"/>
+            </a:fillRef>
+            <a:effectRef idx="0">
+              <a:schemeClr val="accent1"/>
+            </a:effectRef>
+            <a:fontRef idx="minor">
+              <a:schemeClr val="lt1"/>
+            </a:fontRef>
+          </p:style>
+          <p:txBody>
+            <a:bodyPr rtlCol="0" anchor="ctr"/>
+            <a:lstStyle/>
+            <a:p>
+              <a:pPr algn="ctr"/>
+              <a:endParaRPr kumimoji="1" lang="zh-CN" altLang="en-US" sz="1600">
+                <a:latin typeface="Helvetica Light" panose="020B0403020202020204"/>
+              </a:endParaRPr>
+            </a:p>
+          </p:txBody>
+        </p:sp>
+        <p:cxnSp>
+          <p:nvCxnSpPr>
+            <p:cNvPr id="71" name="直线箭头连接符 70">
+              <a:extLst>
+                <a:ext uri="{FF2B5EF4-FFF2-40B4-BE49-F238E27FC236}">
+                  <a16:creationId xmlns:a16="http://schemas.microsoft.com/office/drawing/2014/main" id="{E62B09C5-6593-8A46-84FD-AD863B1EFDAB}"/>
+                </a:ext>
+              </a:extLst>
+            </p:cNvPr>
+            <p:cNvCxnSpPr>
+              <a:cxnSpLocks/>
+            </p:cNvCxnSpPr>
+            <p:nvPr/>
+          </p:nvCxnSpPr>
+          <p:spPr>
+            <a:xfrm>
+              <a:off x="5740485" y="1898870"/>
+              <a:ext cx="465993" cy="0"/>
+            </a:xfrm>
+            <a:prstGeom prst="straightConnector1">
+              <a:avLst/>
+            </a:prstGeom>
+            <a:ln w="25400">
+              <a:solidFill>
+                <a:srgbClr val="D8D9E6"/>
+              </a:solidFill>
+              <a:tailEnd type="triangle"/>
+            </a:ln>
+          </p:spPr>
+          <p:style>
+            <a:lnRef idx="1">
+              <a:schemeClr val="accent1"/>
+            </a:lnRef>
+            <a:fillRef idx="0">
+              <a:schemeClr val="accent1"/>
+            </a:fillRef>
+            <a:effectRef idx="0">
+              <a:schemeClr val="accent1"/>
+            </a:effectRef>
+            <a:fontRef idx="minor">
+              <a:schemeClr val="tx1"/>
+            </a:fontRef>
+          </p:style>
+        </p:cxnSp>
+        <p:sp>
+          <p:nvSpPr>
+            <p:cNvPr id="72" name="矩形 71">
+              <a:extLst>
+                <a:ext uri="{FF2B5EF4-FFF2-40B4-BE49-F238E27FC236}">
+                  <a16:creationId xmlns:a16="http://schemas.microsoft.com/office/drawing/2014/main" id="{0CAA3E0F-B969-7545-BA17-2C40083C833F}"/>
+                </a:ext>
+              </a:extLst>
+            </p:cNvPr>
+            <p:cNvSpPr/>
+            <p:nvPr/>
+          </p:nvSpPr>
+          <p:spPr>
+            <a:xfrm>
+              <a:off x="9367427" y="1287294"/>
+              <a:ext cx="2041826" cy="1242664"/>
+            </a:xfrm>
+            <a:prstGeom prst="rect">
+              <a:avLst/>
+            </a:prstGeom>
+            <a:solidFill>
+              <a:srgbClr val="F5F5FA"/>
+            </a:solidFill>
+            <a:ln w="12700">
+              <a:noFill/>
+            </a:ln>
+          </p:spPr>
+          <p:style>
+            <a:lnRef idx="2">
+              <a:schemeClr val="accent1">
+                <a:shade val="50000"/>
+              </a:schemeClr>
+            </a:lnRef>
+            <a:fillRef idx="1">
+              <a:schemeClr val="accent1"/>
+            </a:fillRef>
+            <a:effectRef idx="0">
+              <a:schemeClr val="accent1"/>
+            </a:effectRef>
+            <a:fontRef idx="minor">
+              <a:schemeClr val="lt1"/>
+            </a:fontRef>
+          </p:style>
+          <p:txBody>
+            <a:bodyPr rtlCol="0" anchor="ctr"/>
+            <a:lstStyle/>
+            <a:p>
+              <a:pPr algn="ctr"/>
+              <a:endParaRPr kumimoji="1" lang="zh-CN" altLang="en-US" sz="1600">
+                <a:latin typeface="Helvetica Light" panose="020B0403020202020204"/>
+              </a:endParaRPr>
+            </a:p>
+          </p:txBody>
+        </p:sp>
+        <p:cxnSp>
+          <p:nvCxnSpPr>
+            <p:cNvPr id="73" name="直线箭头连接符 72">
+              <a:extLst>
+                <a:ext uri="{FF2B5EF4-FFF2-40B4-BE49-F238E27FC236}">
+                  <a16:creationId xmlns:a16="http://schemas.microsoft.com/office/drawing/2014/main" id="{F33C5BAF-630C-B24D-B218-51FB15CB9E53}"/>
+                </a:ext>
+              </a:extLst>
+            </p:cNvPr>
+            <p:cNvCxnSpPr>
+              <a:cxnSpLocks/>
+            </p:cNvCxnSpPr>
+            <p:nvPr/>
+          </p:nvCxnSpPr>
+          <p:spPr>
+            <a:xfrm>
+              <a:off x="8683724" y="1898870"/>
+              <a:ext cx="465993" cy="0"/>
+            </a:xfrm>
+            <a:prstGeom prst="straightConnector1">
+              <a:avLst/>
+            </a:prstGeom>
+            <a:ln w="25400">
+              <a:solidFill>
+                <a:srgbClr val="D8D9E6"/>
+              </a:solidFill>
+              <a:tailEnd type="triangle"/>
+            </a:ln>
+          </p:spPr>
+          <p:style>
+            <a:lnRef idx="1">
+              <a:schemeClr val="accent1"/>
+            </a:lnRef>
+            <a:fillRef idx="0">
+              <a:schemeClr val="accent1"/>
+            </a:fillRef>
+            <a:effectRef idx="0">
+              <a:schemeClr val="accent1"/>
+            </a:effectRef>
+            <a:fontRef idx="minor">
+              <a:schemeClr val="tx1"/>
+            </a:fontRef>
+          </p:style>
+        </p:cxnSp>
+        <p:sp>
+          <p:nvSpPr>
+            <p:cNvPr id="74" name="文本框 73">
+              <a:extLst>
+                <a:ext uri="{FF2B5EF4-FFF2-40B4-BE49-F238E27FC236}">
+                  <a16:creationId xmlns:a16="http://schemas.microsoft.com/office/drawing/2014/main" id="{5134947D-0A0E-6741-81EF-D600B46E0ACD}"/>
                 </a:ext>
               </a:extLst>
             </p:cNvPr>
@@ -9170,8 +9343,8 @@
           </p:nvSpPr>
           <p:spPr>
             <a:xfrm>
-              <a:off x="-1020913" y="2132635"/>
-              <a:ext cx="2052019" cy="338554"/>
+              <a:off x="109731" y="1351409"/>
+              <a:ext cx="2735970" cy="307777"/>
             </a:xfrm>
             <a:prstGeom prst="rect">
               <a:avLst/>
@@ -9186,35 +9359,17 @@
             <a:p>
               <a:pPr algn="ctr"/>
               <a:r>
-                <a:rPr kumimoji="1" lang="en-US" altLang="zh-CN" sz="1600" b="1" dirty="0" smtClean="0">
+                <a:rPr kumimoji="1" lang="en-US" altLang="zh-CN" sz="1400" b="1" dirty="0">
                   <a:solidFill>
-                    <a:srgbClr val="737794"/>
+                    <a:srgbClr val="383C57"/>
                   </a:solidFill>
                   <a:latin typeface="Helvetica Light" panose="020B0403020202020204"/>
                 </a:rPr>
-                <a:t>2 - Cloud:</a:t>
+                <a:t>1 - Cloud: Create Model</a:t>
               </a:r>
-              <a:r>
-                <a:rPr kumimoji="1" lang="zh-CN" altLang="en-US" sz="1600" b="1" dirty="0" smtClean="0">
-                  <a:solidFill>
-                    <a:srgbClr val="737794"/>
-                  </a:solidFill>
-                  <a:latin typeface="Helvetica Light" panose="020B0403020202020204"/>
-                </a:rPr>
-                <a:t> </a:t>
-              </a:r>
-              <a:r>
-                <a:rPr kumimoji="1" lang="en-US" altLang="zh-CN" sz="1600" b="1" dirty="0" smtClean="0">
-                  <a:solidFill>
-                    <a:srgbClr val="737794"/>
-                  </a:solidFill>
-                  <a:latin typeface="Helvetica Light" panose="020B0403020202020204"/>
-                </a:rPr>
-                <a:t>Create Product</a:t>
-              </a:r>
-              <a:endParaRPr kumimoji="1" lang="zh-CN" altLang="en-US" sz="1600" b="1" dirty="0">
+              <a:endParaRPr kumimoji="1" lang="zh-CN" altLang="en-US" sz="1400" b="1" dirty="0">
                 <a:solidFill>
-                  <a:srgbClr val="737794"/>
+                  <a:srgbClr val="383C57"/>
                 </a:solidFill>
                 <a:latin typeface="Helvetica Light" panose="020B0403020202020204"/>
               </a:endParaRPr>
@@ -9223,10 +9378,10 @@
         </p:sp>
         <p:sp>
           <p:nvSpPr>
-            <p:cNvPr id="16" name="文本框 15">
+            <p:cNvPr id="75" name="文本框 74">
               <a:extLst>
                 <a:ext uri="{FF2B5EF4-FFF2-40B4-BE49-F238E27FC236}">
-                  <a16:creationId xmlns:a16="http://schemas.microsoft.com/office/drawing/2014/main" id="{EEAC5A74-FC81-434C-98A8-7DCF01B2275B}"/>
+                  <a16:creationId xmlns:a16="http://schemas.microsoft.com/office/drawing/2014/main" id="{2F974335-1478-9A4E-B92E-E8448ACEA142}"/>
                 </a:ext>
               </a:extLst>
             </p:cNvPr>
@@ -9235,7 +9390,224 @@
           </p:nvSpPr>
           <p:spPr>
             <a:xfrm>
-              <a:off x="-1010472" y="2463610"/>
+              <a:off x="469086" y="1699147"/>
+              <a:ext cx="2052266" cy="523220"/>
+            </a:xfrm>
+            <a:prstGeom prst="rect">
+              <a:avLst/>
+            </a:prstGeom>
+            <a:noFill/>
+          </p:spPr>
+          <p:txBody>
+            <a:bodyPr wrap="square" rtlCol="0">
+              <a:spAutoFit/>
+            </a:bodyPr>
+            <a:lstStyle/>
+            <a:p>
+              <a:r>
+                <a:rPr kumimoji="1" lang="en-US" altLang="zh-CN" sz="1400" dirty="0">
+                  <a:solidFill>
+                    <a:srgbClr val="737794"/>
+                  </a:solidFill>
+                  <a:latin typeface="Helvetica Light" panose="020B0403020202020204"/>
+                  <a:cs typeface="Arial" panose="020B0604020202020204" pitchFamily="34" charset="0"/>
+                </a:rPr>
+                <a:t>Define attributes, measure points, services, and events.</a:t>
+              </a:r>
+              <a:endParaRPr kumimoji="1" lang="zh-CN" altLang="en-US" sz="1400" dirty="0">
+                <a:solidFill>
+                  <a:srgbClr val="737794"/>
+                </a:solidFill>
+                <a:latin typeface="Helvetica Light" panose="020B0403020202020204"/>
+                <a:cs typeface="Arial" panose="020B0604020202020204" pitchFamily="34" charset="0"/>
+              </a:endParaRPr>
+            </a:p>
+          </p:txBody>
+        </p:sp>
+        <p:sp>
+          <p:nvSpPr>
+            <p:cNvPr id="76" name="文本框 75">
+              <a:extLst>
+                <a:ext uri="{FF2B5EF4-FFF2-40B4-BE49-F238E27FC236}">
+                  <a16:creationId xmlns:a16="http://schemas.microsoft.com/office/drawing/2014/main" id="{B1CF165F-DC70-1D45-8F32-5D227F0DAE53}"/>
+                </a:ext>
+              </a:extLst>
+            </p:cNvPr>
+            <p:cNvSpPr txBox="1"/>
+            <p:nvPr/>
+          </p:nvSpPr>
+          <p:spPr>
+            <a:xfrm>
+              <a:off x="3110368" y="1353898"/>
+              <a:ext cx="2823071" cy="307777"/>
+            </a:xfrm>
+            <a:prstGeom prst="rect">
+              <a:avLst/>
+            </a:prstGeom>
+            <a:noFill/>
+          </p:spPr>
+          <p:txBody>
+            <a:bodyPr wrap="square" rtlCol="0">
+              <a:spAutoFit/>
+            </a:bodyPr>
+            <a:lstStyle/>
+            <a:p>
+              <a:pPr algn="ctr"/>
+              <a:r>
+                <a:rPr kumimoji="1" lang="en-US" altLang="zh-CN" sz="1400" dirty="0">
+                  <a:solidFill>
+                    <a:srgbClr val="383C57"/>
+                  </a:solidFill>
+                  <a:latin typeface="Helvetica" pitchFamily="2" charset="0"/>
+                </a:rPr>
+                <a:t>2 - Cloud:</a:t>
+              </a:r>
+              <a:r>
+                <a:rPr kumimoji="1" lang="zh-CN" altLang="en-US" sz="1400" dirty="0">
+                  <a:solidFill>
+                    <a:srgbClr val="383C57"/>
+                  </a:solidFill>
+                  <a:latin typeface="Helvetica" pitchFamily="2" charset="0"/>
+                </a:rPr>
+                <a:t> </a:t>
+              </a:r>
+              <a:r>
+                <a:rPr kumimoji="1" lang="en-US" altLang="zh-CN" sz="1400" dirty="0">
+                  <a:solidFill>
+                    <a:srgbClr val="383C57"/>
+                  </a:solidFill>
+                  <a:latin typeface="Helvetica" pitchFamily="2" charset="0"/>
+                </a:rPr>
+                <a:t>Create Product</a:t>
+              </a:r>
+              <a:endParaRPr kumimoji="1" lang="zh-CN" altLang="en-US" sz="1400" dirty="0">
+                <a:solidFill>
+                  <a:srgbClr val="383C57"/>
+                </a:solidFill>
+                <a:latin typeface="Helvetica" pitchFamily="2" charset="0"/>
+              </a:endParaRPr>
+            </a:p>
+          </p:txBody>
+        </p:sp>
+        <p:sp>
+          <p:nvSpPr>
+            <p:cNvPr id="78" name="文本框 77">
+              <a:extLst>
+                <a:ext uri="{FF2B5EF4-FFF2-40B4-BE49-F238E27FC236}">
+                  <a16:creationId xmlns:a16="http://schemas.microsoft.com/office/drawing/2014/main" id="{3662DAC0-60B5-0347-903B-1A3126A0B768}"/>
+                </a:ext>
+              </a:extLst>
+            </p:cNvPr>
+            <p:cNvSpPr txBox="1"/>
+            <p:nvPr/>
+          </p:nvSpPr>
+          <p:spPr>
+            <a:xfrm>
+              <a:off x="6210188" y="1352433"/>
+              <a:ext cx="2487845" cy="307777"/>
+            </a:xfrm>
+            <a:prstGeom prst="rect">
+              <a:avLst/>
+            </a:prstGeom>
+            <a:noFill/>
+          </p:spPr>
+          <p:txBody>
+            <a:bodyPr wrap="square" rtlCol="0">
+              <a:spAutoFit/>
+            </a:bodyPr>
+            <a:lstStyle/>
+            <a:p>
+              <a:pPr algn="ctr"/>
+              <a:r>
+                <a:rPr kumimoji="1" lang="en-US" altLang="zh-CN" sz="1400" dirty="0">
+                  <a:solidFill>
+                    <a:srgbClr val="383C57"/>
+                  </a:solidFill>
+                  <a:latin typeface="Helvetica" pitchFamily="2" charset="0"/>
+                </a:rPr>
+                <a:t>3 - Cloud: Create Device</a:t>
+              </a:r>
+              <a:endParaRPr kumimoji="1" lang="zh-CN" altLang="en-US" sz="1400" dirty="0">
+                <a:solidFill>
+                  <a:srgbClr val="383C57"/>
+                </a:solidFill>
+                <a:latin typeface="Helvetica" pitchFamily="2" charset="0"/>
+              </a:endParaRPr>
+            </a:p>
+          </p:txBody>
+        </p:sp>
+        <p:sp>
+          <p:nvSpPr>
+            <p:cNvPr id="81" name="文本框 80">
+              <a:extLst>
+                <a:ext uri="{FF2B5EF4-FFF2-40B4-BE49-F238E27FC236}">
+                  <a16:creationId xmlns:a16="http://schemas.microsoft.com/office/drawing/2014/main" id="{C70417F1-9758-4542-BADF-593FF140D777}"/>
+                </a:ext>
+              </a:extLst>
+            </p:cNvPr>
+            <p:cNvSpPr txBox="1"/>
+            <p:nvPr/>
+          </p:nvSpPr>
+          <p:spPr>
+            <a:xfrm>
+              <a:off x="9481854" y="1356608"/>
+              <a:ext cx="1889269" cy="523220"/>
+            </a:xfrm>
+            <a:prstGeom prst="rect">
+              <a:avLst/>
+            </a:prstGeom>
+            <a:noFill/>
+          </p:spPr>
+          <p:txBody>
+            <a:bodyPr wrap="square" rtlCol="0">
+              <a:spAutoFit/>
+            </a:bodyPr>
+            <a:lstStyle/>
+            <a:p>
+              <a:r>
+                <a:rPr kumimoji="1" lang="en-US" altLang="zh-CN" sz="1400" dirty="0">
+                  <a:solidFill>
+                    <a:srgbClr val="383C57"/>
+                  </a:solidFill>
+                  <a:latin typeface="Helvetica" pitchFamily="2" charset="0"/>
+                </a:rPr>
+                <a:t>4 - Device: </a:t>
+              </a:r>
+            </a:p>
+            <a:p>
+              <a:r>
+                <a:rPr kumimoji="1" lang="en-US" altLang="zh-CN" sz="1400" dirty="0">
+                  <a:solidFill>
+                    <a:srgbClr val="383C57"/>
+                  </a:solidFill>
+                  <a:latin typeface="Helvetica" pitchFamily="2" charset="0"/>
+                </a:rPr>
+                <a:t>Burn Credentials</a:t>
+              </a:r>
+              <a:endParaRPr kumimoji="1" lang="zh-CN" altLang="en-US" sz="1400" dirty="0">
+                <a:solidFill>
+                  <a:srgbClr val="383C57"/>
+                </a:solidFill>
+                <a:latin typeface="Helvetica" pitchFamily="2" charset="0"/>
+              </a:endParaRPr>
+            </a:p>
+          </p:txBody>
+        </p:sp>
+        <p:sp>
+          <p:nvSpPr>
+            <p:cNvPr id="82" name="文本框 81">
+              <a:extLst>
+                <a:ext uri="{FF2B5EF4-FFF2-40B4-BE49-F238E27FC236}">
+                  <a16:creationId xmlns:a16="http://schemas.microsoft.com/office/drawing/2014/main" id="{93D16A26-E4CB-7E46-A396-FC708AF1D57A}"/>
+                </a:ext>
+              </a:extLst>
+            </p:cNvPr>
+            <p:cNvSpPr txBox="1"/>
+            <p:nvPr/>
+          </p:nvSpPr>
+          <p:spPr>
+            <a:xfrm>
+              <a:off x="3430054" y="1701835"/>
               <a:ext cx="2005087" cy="523220"/>
             </a:xfrm>
             <a:prstGeom prst="rect">
@@ -9250,7 +9622,7 @@
             <a:lstStyle/>
             <a:p>
               <a:r>
-                <a:rPr kumimoji="1" lang="en-US" altLang="zh-CN" sz="1400" dirty="0" smtClean="0">
+                <a:rPr kumimoji="1" lang="en-US" altLang="zh-CN" sz="1400" dirty="0">
                   <a:solidFill>
                     <a:srgbClr val="737794"/>
                   </a:solidFill>
@@ -9260,7 +9632,7 @@
                 <a:t>Create product</a:t>
               </a:r>
               <a:r>
-                <a:rPr kumimoji="1" lang="zh-CN" altLang="en-US" sz="1400" dirty="0" smtClean="0">
+                <a:rPr kumimoji="1" lang="zh-CN" altLang="en-US" sz="1400" dirty="0">
                   <a:solidFill>
                     <a:srgbClr val="737794"/>
                   </a:solidFill>
@@ -9270,7 +9642,7 @@
                 <a:t> </a:t>
               </a:r>
               <a:r>
-                <a:rPr kumimoji="1" lang="en-US" altLang="zh-CN" sz="1400" dirty="0" smtClean="0">
+                <a:rPr kumimoji="1" lang="en-US" altLang="zh-CN" sz="1400" dirty="0">
                   <a:solidFill>
                     <a:srgbClr val="737794"/>
                   </a:solidFill>
@@ -9280,7 +9652,7 @@
                 <a:t>and obtain ProductKey</a:t>
               </a:r>
               <a:r>
-                <a:rPr kumimoji="1" lang="zh-CN" altLang="en-US" sz="1400" dirty="0" smtClean="0">
+                <a:rPr kumimoji="1" lang="zh-CN" altLang="en-US" sz="1400" dirty="0">
                   <a:solidFill>
                     <a:srgbClr val="737794"/>
                   </a:solidFill>
@@ -9290,7 +9662,7 @@
                 <a:t> </a:t>
               </a:r>
               <a:r>
-                <a:rPr kumimoji="1" lang="en-US" altLang="zh-CN" sz="1400" dirty="0" smtClean="0">
+                <a:rPr kumimoji="1" lang="en-US" altLang="zh-CN" sz="1400" dirty="0">
                   <a:solidFill>
                     <a:srgbClr val="737794"/>
                   </a:solidFill>
@@ -9311,206 +9683,10 @@
         </p:sp>
         <p:sp>
           <p:nvSpPr>
-            <p:cNvPr id="17" name="矩形 16">
+            <p:cNvPr id="83" name="文本框 82">
               <a:extLst>
                 <a:ext uri="{FF2B5EF4-FFF2-40B4-BE49-F238E27FC236}">
-                  <a16:creationId xmlns:a16="http://schemas.microsoft.com/office/drawing/2014/main" id="{6478BC37-69C1-8949-A54E-705C3632BF9F}"/>
-                </a:ext>
-              </a:extLst>
-            </p:cNvPr>
-            <p:cNvSpPr/>
-            <p:nvPr/>
-          </p:nvSpPr>
-          <p:spPr>
-            <a:xfrm>
-              <a:off x="-3974593" y="1978437"/>
-              <a:ext cx="2041826" cy="1229558"/>
-            </a:xfrm>
-            <a:prstGeom prst="rect">
-              <a:avLst/>
-            </a:prstGeom>
-            <a:solidFill>
-              <a:srgbClr val="F5F5FA"/>
-            </a:solidFill>
-            <a:ln w="12700">
-              <a:noFill/>
-            </a:ln>
-          </p:spPr>
-          <p:style>
-            <a:lnRef idx="2">
-              <a:schemeClr val="accent1">
-                <a:shade val="50000"/>
-              </a:schemeClr>
-            </a:lnRef>
-            <a:fillRef idx="1">
-              <a:schemeClr val="accent1"/>
-            </a:fillRef>
-            <a:effectRef idx="0">
-              <a:schemeClr val="accent1"/>
-            </a:effectRef>
-            <a:fontRef idx="minor">
-              <a:schemeClr val="lt1"/>
-            </a:fontRef>
-          </p:style>
-          <p:txBody>
-            <a:bodyPr rtlCol="0" anchor="ctr"/>
-            <a:lstStyle/>
-            <a:p>
-              <a:pPr algn="ctr"/>
-              <a:endParaRPr kumimoji="1" lang="zh-CN" altLang="en-US" sz="1600" dirty="0">
-                <a:latin typeface="Helvetica Light" panose="020B0403020202020204"/>
-              </a:endParaRPr>
-            </a:p>
-          </p:txBody>
-        </p:sp>
-        <p:cxnSp>
-          <p:nvCxnSpPr>
-            <p:cNvPr id="19" name="直线箭头连接符 18">
-              <a:extLst>
-                <a:ext uri="{FF2B5EF4-FFF2-40B4-BE49-F238E27FC236}">
-                  <a16:creationId xmlns:a16="http://schemas.microsoft.com/office/drawing/2014/main" id="{6AB6F3E0-72BA-084F-894D-8F653162E27A}"/>
-                </a:ext>
-              </a:extLst>
-            </p:cNvPr>
-            <p:cNvCxnSpPr>
-              <a:cxnSpLocks/>
-            </p:cNvCxnSpPr>
-            <p:nvPr/>
-          </p:nvCxnSpPr>
-          <p:spPr>
-            <a:xfrm>
-              <a:off x="-1704616" y="2576907"/>
-              <a:ext cx="465993" cy="0"/>
-            </a:xfrm>
-            <a:prstGeom prst="straightConnector1">
-              <a:avLst/>
-            </a:prstGeom>
-            <a:ln w="25400">
-              <a:solidFill>
-                <a:srgbClr val="D8D9E6"/>
-              </a:solidFill>
-              <a:tailEnd type="triangle"/>
-            </a:ln>
-          </p:spPr>
-          <p:style>
-            <a:lnRef idx="1">
-              <a:schemeClr val="accent1"/>
-            </a:lnRef>
-            <a:fillRef idx="0">
-              <a:schemeClr val="accent1"/>
-            </a:fillRef>
-            <a:effectRef idx="0">
-              <a:schemeClr val="accent1"/>
-            </a:effectRef>
-            <a:fontRef idx="minor">
-              <a:schemeClr val="tx1"/>
-            </a:fontRef>
-          </p:style>
-        </p:cxnSp>
-        <p:sp>
-          <p:nvSpPr>
-            <p:cNvPr id="20" name="矩形 19">
-              <a:extLst>
-                <a:ext uri="{FF2B5EF4-FFF2-40B4-BE49-F238E27FC236}">
-                  <a16:creationId xmlns:a16="http://schemas.microsoft.com/office/drawing/2014/main" id="{43A54801-123A-234D-AB9C-9771CE1A0737}"/>
-                </a:ext>
-              </a:extLst>
-            </p:cNvPr>
-            <p:cNvSpPr/>
-            <p:nvPr/>
-          </p:nvSpPr>
-          <p:spPr>
-            <a:xfrm>
-              <a:off x="1922326" y="1965331"/>
-              <a:ext cx="2041826" cy="1242664"/>
-            </a:xfrm>
-            <a:prstGeom prst="rect">
-              <a:avLst/>
-            </a:prstGeom>
-            <a:solidFill>
-              <a:srgbClr val="F5F5FA"/>
-            </a:solidFill>
-            <a:ln w="12700">
-              <a:noFill/>
-            </a:ln>
-          </p:spPr>
-          <p:style>
-            <a:lnRef idx="2">
-              <a:schemeClr val="accent1">
-                <a:shade val="50000"/>
-              </a:schemeClr>
-            </a:lnRef>
-            <a:fillRef idx="1">
-              <a:schemeClr val="accent1"/>
-            </a:fillRef>
-            <a:effectRef idx="0">
-              <a:schemeClr val="accent1"/>
-            </a:effectRef>
-            <a:fontRef idx="minor">
-              <a:schemeClr val="lt1"/>
-            </a:fontRef>
-          </p:style>
-          <p:txBody>
-            <a:bodyPr rtlCol="0" anchor="ctr"/>
-            <a:lstStyle/>
-            <a:p>
-              <a:pPr algn="ctr"/>
-              <a:endParaRPr kumimoji="1" lang="zh-CN" altLang="en-US" sz="1600">
-                <a:latin typeface="Helvetica Light" panose="020B0403020202020204"/>
-              </a:endParaRPr>
-            </a:p>
-          </p:txBody>
-        </p:sp>
-        <p:cxnSp>
-          <p:nvCxnSpPr>
-            <p:cNvPr id="22" name="直线箭头连接符 21">
-              <a:extLst>
-                <a:ext uri="{FF2B5EF4-FFF2-40B4-BE49-F238E27FC236}">
-                  <a16:creationId xmlns:a16="http://schemas.microsoft.com/office/drawing/2014/main" id="{9DEEF7F1-7ACB-5D46-962C-3BCB6C405766}"/>
-                </a:ext>
-              </a:extLst>
-            </p:cNvPr>
-            <p:cNvCxnSpPr>
-              <a:cxnSpLocks/>
-            </p:cNvCxnSpPr>
-            <p:nvPr/>
-          </p:nvCxnSpPr>
-          <p:spPr>
-            <a:xfrm>
-              <a:off x="1238623" y="2583460"/>
-              <a:ext cx="465993" cy="0"/>
-            </a:xfrm>
-            <a:prstGeom prst="straightConnector1">
-              <a:avLst/>
-            </a:prstGeom>
-            <a:ln w="25400">
-              <a:solidFill>
-                <a:srgbClr val="D8D9E6"/>
-              </a:solidFill>
-              <a:tailEnd type="triangle"/>
-            </a:ln>
-          </p:spPr>
-          <p:style>
-            <a:lnRef idx="1">
-              <a:schemeClr val="accent1"/>
-            </a:lnRef>
-            <a:fillRef idx="0">
-              <a:schemeClr val="accent1"/>
-            </a:fillRef>
-            <a:effectRef idx="0">
-              <a:schemeClr val="accent1"/>
-            </a:effectRef>
-            <a:fontRef idx="minor">
-              <a:schemeClr val="tx1"/>
-            </a:fontRef>
-          </p:style>
-        </p:cxnSp>
-        <p:sp>
-          <p:nvSpPr>
-            <p:cNvPr id="23" name="文本框 22">
-              <a:extLst>
-                <a:ext uri="{FF2B5EF4-FFF2-40B4-BE49-F238E27FC236}">
-                  <a16:creationId xmlns:a16="http://schemas.microsoft.com/office/drawing/2014/main" id="{C15C8B30-AE8E-1840-B4D4-5F2AD460BED4}"/>
+                  <a16:creationId xmlns:a16="http://schemas.microsoft.com/office/drawing/2014/main" id="{C7AC5AD4-E7B7-7C44-A31C-0EC4F4C9EB66}"/>
                 </a:ext>
               </a:extLst>
             </p:cNvPr>
@@ -9519,149 +9695,7 @@
           </p:nvSpPr>
           <p:spPr>
             <a:xfrm>
-              <a:off x="-3974593" y="2132635"/>
-              <a:ext cx="2025970" cy="338554"/>
-            </a:xfrm>
-            <a:prstGeom prst="rect">
-              <a:avLst/>
-            </a:prstGeom>
-            <a:noFill/>
-          </p:spPr>
-          <p:txBody>
-            <a:bodyPr wrap="square" rtlCol="0">
-              <a:spAutoFit/>
-            </a:bodyPr>
-            <a:lstStyle/>
-            <a:p>
-              <a:pPr algn="ctr"/>
-              <a:r>
-                <a:rPr kumimoji="1" lang="en-US" altLang="zh-CN" sz="1600" b="1" dirty="0" smtClean="0">
-                  <a:solidFill>
-                    <a:srgbClr val="737794"/>
-                  </a:solidFill>
-                  <a:latin typeface="Helvetica Light" panose="020B0403020202020204"/>
-                </a:rPr>
-                <a:t>1 - Cloud: Create Model</a:t>
-              </a:r>
-              <a:endParaRPr kumimoji="1" lang="zh-CN" altLang="en-US" sz="1600" b="1" dirty="0">
-                <a:solidFill>
-                  <a:srgbClr val="737794"/>
-                </a:solidFill>
-                <a:latin typeface="Helvetica Light" panose="020B0403020202020204"/>
-              </a:endParaRPr>
-            </a:p>
-          </p:txBody>
-        </p:sp>
-        <p:sp>
-          <p:nvSpPr>
-            <p:cNvPr id="24" name="文本框 23">
-              <a:extLst>
-                <a:ext uri="{FF2B5EF4-FFF2-40B4-BE49-F238E27FC236}">
-                  <a16:creationId xmlns:a16="http://schemas.microsoft.com/office/drawing/2014/main" id="{F34C8FF5-D756-A140-9D30-3762B8478DE0}"/>
-                </a:ext>
-              </a:extLst>
-            </p:cNvPr>
-            <p:cNvSpPr txBox="1"/>
-            <p:nvPr/>
-          </p:nvSpPr>
-          <p:spPr>
-            <a:xfrm>
-              <a:off x="-3974592" y="2463610"/>
-              <a:ext cx="2052266" cy="523220"/>
-            </a:xfrm>
-            <a:prstGeom prst="rect">
-              <a:avLst/>
-            </a:prstGeom>
-            <a:noFill/>
-          </p:spPr>
-          <p:txBody>
-            <a:bodyPr wrap="square" rtlCol="0">
-              <a:spAutoFit/>
-            </a:bodyPr>
-            <a:lstStyle/>
-            <a:p>
-              <a:r>
-                <a:rPr kumimoji="1" lang="en-US" altLang="zh-CN" sz="1400" dirty="0" smtClean="0">
-                  <a:solidFill>
-                    <a:srgbClr val="737794"/>
-                  </a:solidFill>
-                  <a:latin typeface="Helvetica Light" panose="020B0403020202020204"/>
-                  <a:cs typeface="Arial" panose="020B0604020202020204" pitchFamily="34" charset="0"/>
-                </a:rPr>
-                <a:t>Define attributes, measure points, services, and events.</a:t>
-              </a:r>
-              <a:endParaRPr kumimoji="1" lang="zh-CN" altLang="en-US" sz="1400" dirty="0">
-                <a:solidFill>
-                  <a:srgbClr val="737794"/>
-                </a:solidFill>
-                <a:latin typeface="Helvetica Light" panose="020B0403020202020204"/>
-                <a:cs typeface="Arial" panose="020B0604020202020204" pitchFamily="34" charset="0"/>
-              </a:endParaRPr>
-            </a:p>
-          </p:txBody>
-        </p:sp>
-        <p:sp>
-          <p:nvSpPr>
-            <p:cNvPr id="25" name="文本框 24">
-              <a:extLst>
-                <a:ext uri="{FF2B5EF4-FFF2-40B4-BE49-F238E27FC236}">
-                  <a16:creationId xmlns:a16="http://schemas.microsoft.com/office/drawing/2014/main" id="{D5B43BDD-4E34-4142-88F5-1AAF2A07FF88}"/>
-                </a:ext>
-              </a:extLst>
-            </p:cNvPr>
-            <p:cNvSpPr txBox="1"/>
-            <p:nvPr/>
-          </p:nvSpPr>
-          <p:spPr>
-            <a:xfrm>
-              <a:off x="1932519" y="2132635"/>
-              <a:ext cx="2021750" cy="338554"/>
-            </a:xfrm>
-            <a:prstGeom prst="rect">
-              <a:avLst/>
-            </a:prstGeom>
-            <a:noFill/>
-          </p:spPr>
-          <p:txBody>
-            <a:bodyPr wrap="square" rtlCol="0">
-              <a:spAutoFit/>
-            </a:bodyPr>
-            <a:lstStyle/>
-            <a:p>
-              <a:pPr algn="ctr"/>
-              <a:r>
-                <a:rPr kumimoji="1" lang="en-US" altLang="zh-CN" sz="1600" b="1" dirty="0" smtClean="0">
-                  <a:solidFill>
-                    <a:srgbClr val="737794"/>
-                  </a:solidFill>
-                  <a:latin typeface="Helvetica Light" panose="020B0403020202020204"/>
-                </a:rPr>
-                <a:t>3 - Cloud: Create Device</a:t>
-              </a:r>
-              <a:endParaRPr kumimoji="1" lang="zh-CN" altLang="en-US" sz="1600" b="1" dirty="0">
-                <a:solidFill>
-                  <a:srgbClr val="737794"/>
-                </a:solidFill>
-                <a:latin typeface="Helvetica Light" panose="020B0403020202020204"/>
-              </a:endParaRPr>
-            </a:p>
-          </p:txBody>
-        </p:sp>
-        <p:sp>
-          <p:nvSpPr>
-            <p:cNvPr id="26" name="文本框 25">
-              <a:extLst>
-                <a:ext uri="{FF2B5EF4-FFF2-40B4-BE49-F238E27FC236}">
-                  <a16:creationId xmlns:a16="http://schemas.microsoft.com/office/drawing/2014/main" id="{138914C5-117E-4C4E-B081-03D623405AC8}"/>
-                </a:ext>
-              </a:extLst>
-            </p:cNvPr>
-            <p:cNvSpPr txBox="1"/>
-            <p:nvPr/>
-          </p:nvSpPr>
-          <p:spPr>
-            <a:xfrm>
-              <a:off x="1919267" y="2463610"/>
+              <a:off x="6397618" y="1706667"/>
               <a:ext cx="2035002" cy="523220"/>
             </a:xfrm>
             <a:prstGeom prst="rect">
@@ -9676,7 +9710,7 @@
             <a:lstStyle/>
             <a:p>
               <a:r>
-                <a:rPr kumimoji="1" lang="en-US" altLang="zh-CN" sz="1400" dirty="0" smtClean="0">
+                <a:rPr kumimoji="1" lang="en-US" altLang="zh-CN" sz="1400" dirty="0">
                   <a:solidFill>
                     <a:srgbClr val="737794"/>
                   </a:solidFill>
@@ -9697,10 +9731,10 @@
         </p:sp>
         <p:sp>
           <p:nvSpPr>
-            <p:cNvPr id="27" name="文本框 26">
+            <p:cNvPr id="84" name="文本框 83">
               <a:extLst>
                 <a:ext uri="{FF2B5EF4-FFF2-40B4-BE49-F238E27FC236}">
-                  <a16:creationId xmlns:a16="http://schemas.microsoft.com/office/drawing/2014/main" id="{E425EF85-821F-F941-B7BD-DE80DF1CE65F}"/>
+                  <a16:creationId xmlns:a16="http://schemas.microsoft.com/office/drawing/2014/main" id="{BEB4C70C-B4B4-924D-AC54-EF18D0AFBC9A}"/>
                 </a:ext>
               </a:extLst>
             </p:cNvPr>
@@ -9709,8 +9743,8 @@
           </p:nvSpPr>
           <p:spPr>
             <a:xfrm>
-              <a:off x="4982064" y="2079612"/>
-              <a:ext cx="1861425" cy="738664"/>
+              <a:off x="9481854" y="1893243"/>
+              <a:ext cx="2041826" cy="307777"/>
             </a:xfrm>
             <a:prstGeom prst="rect">
               <a:avLst/>
@@ -9723,84 +9757,32 @@
             </a:bodyPr>
             <a:lstStyle/>
             <a:p>
-              <a:pPr algn="ctr">
-                <a:lnSpc>
-                  <a:spcPct val="150000"/>
-                </a:lnSpc>
-              </a:pPr>
               <a:r>
                 <a:rPr kumimoji="1" lang="en-US" altLang="zh-CN" sz="1400" dirty="0">
                   <a:solidFill>
-                    <a:schemeClr val="bg1"/>
+                    <a:srgbClr val="737794"/>
                   </a:solidFill>
                   <a:latin typeface="Helvetica Light" panose="020B0403020202020204"/>
+                  <a:cs typeface="Arial" panose="020B0604020202020204" pitchFamily="34" charset="0"/>
                 </a:rPr>
-                <a:t>Inspect</a:t>
-              </a:r>
-              <a:r>
-                <a:rPr kumimoji="1" lang="zh-CN" altLang="en-US" sz="1400" dirty="0">
-                  <a:solidFill>
-                    <a:schemeClr val="bg1"/>
-                  </a:solidFill>
-                  <a:latin typeface="Helvetica Light" panose="020B0403020202020204"/>
-                </a:rPr>
-                <a:t> </a:t>
-              </a:r>
-              <a:endParaRPr kumimoji="1" lang="en-US" altLang="zh-CN" sz="1400" dirty="0">
-                <a:solidFill>
-                  <a:schemeClr val="bg1"/>
-                </a:solidFill>
-                <a:latin typeface="Helvetica Light" panose="020B0403020202020204"/>
-              </a:endParaRPr>
-            </a:p>
-            <a:p>
-              <a:pPr algn="ctr">
-                <a:lnSpc>
-                  <a:spcPct val="150000"/>
-                </a:lnSpc>
-              </a:pPr>
-              <a:r>
-                <a:rPr kumimoji="1" lang="en-US" altLang="zh-CN" sz="1400" dirty="0">
-                  <a:solidFill>
-                    <a:schemeClr val="bg1"/>
-                  </a:solidFill>
-                  <a:latin typeface="Helvetica Light" panose="020B0403020202020204"/>
-                </a:rPr>
-                <a:t>Connection</a:t>
-              </a:r>
-              <a:r>
-                <a:rPr kumimoji="1" lang="zh-CN" altLang="en-US" sz="1400" dirty="0">
-                  <a:solidFill>
-                    <a:schemeClr val="bg1"/>
-                  </a:solidFill>
-                  <a:latin typeface="Helvetica Light" panose="020B0403020202020204"/>
-                </a:rPr>
-                <a:t> </a:t>
-              </a:r>
-              <a:r>
-                <a:rPr kumimoji="1" lang="en-US" altLang="zh-CN" sz="1400" dirty="0">
-                  <a:solidFill>
-                    <a:schemeClr val="bg1"/>
-                  </a:solidFill>
-                  <a:latin typeface="Helvetica Light" panose="020B0403020202020204"/>
-                </a:rPr>
-                <a:t>Status</a:t>
+                <a:t>Burn device triple into device</a:t>
               </a:r>
               <a:endParaRPr kumimoji="1" lang="zh-CN" altLang="en-US" sz="1400" dirty="0">
                 <a:solidFill>
-                  <a:schemeClr val="bg1"/>
+                  <a:srgbClr val="737794"/>
                 </a:solidFill>
                 <a:latin typeface="Helvetica Light" panose="020B0403020202020204"/>
+                <a:cs typeface="Arial" panose="020B0604020202020204" pitchFamily="34" charset="0"/>
               </a:endParaRPr>
             </a:p>
           </p:txBody>
         </p:sp>
         <p:sp>
           <p:nvSpPr>
-            <p:cNvPr id="28" name="矩形 27">
+            <p:cNvPr id="91" name="矩形 90">
               <a:extLst>
                 <a:ext uri="{FF2B5EF4-FFF2-40B4-BE49-F238E27FC236}">
-                  <a16:creationId xmlns:a16="http://schemas.microsoft.com/office/drawing/2014/main" id="{3F232083-EF75-E648-A325-AF45A529D2F2}"/>
+                  <a16:creationId xmlns:a16="http://schemas.microsoft.com/office/drawing/2014/main" id="{D18601C1-9445-E64D-9407-3F8E96AADE95}"/>
                 </a:ext>
               </a:extLst>
             </p:cNvPr>
@@ -9809,8 +9791,8 @@
           </p:nvSpPr>
           <p:spPr>
             <a:xfrm>
-              <a:off x="7722182" y="1965331"/>
-              <a:ext cx="2154746" cy="1242664"/>
+              <a:off x="472492" y="3396762"/>
+              <a:ext cx="3057950" cy="1229558"/>
             </a:xfrm>
             <a:prstGeom prst="rect">
               <a:avLst/>
@@ -9843,7 +9825,7 @@
             <a:lstStyle/>
             <a:p>
               <a:pPr algn="ctr"/>
-              <a:endParaRPr kumimoji="1" lang="zh-CN" altLang="en-US" sz="1600">
+              <a:endParaRPr kumimoji="1" lang="zh-CN" altLang="en-US" sz="1600" dirty="0">
                 <a:latin typeface="Helvetica Light" panose="020B0403020202020204"/>
               </a:endParaRPr>
             </a:p>
@@ -9851,10 +9833,118 @@
         </p:sp>
         <p:sp>
           <p:nvSpPr>
-            <p:cNvPr id="29" name="文本框 28">
+            <p:cNvPr id="92" name="矩形 91">
               <a:extLst>
                 <a:ext uri="{FF2B5EF4-FFF2-40B4-BE49-F238E27FC236}">
-                  <a16:creationId xmlns:a16="http://schemas.microsoft.com/office/drawing/2014/main" id="{6FA6B93C-8722-6B4C-9A94-5659EC95A7BA}"/>
+                  <a16:creationId xmlns:a16="http://schemas.microsoft.com/office/drawing/2014/main" id="{3788CE05-EA4D-1E42-BDC2-306C5D6779C3}"/>
+                </a:ext>
+              </a:extLst>
+            </p:cNvPr>
+            <p:cNvSpPr/>
+            <p:nvPr/>
+          </p:nvSpPr>
+          <p:spPr>
+            <a:xfrm>
+              <a:off x="4465516" y="3396762"/>
+              <a:ext cx="3057950" cy="1229558"/>
+            </a:xfrm>
+            <a:prstGeom prst="rect">
+              <a:avLst/>
+            </a:prstGeom>
+            <a:solidFill>
+              <a:srgbClr val="F5F5FA"/>
+            </a:solidFill>
+            <a:ln w="12700">
+              <a:noFill/>
+            </a:ln>
+          </p:spPr>
+          <p:style>
+            <a:lnRef idx="2">
+              <a:schemeClr val="accent1">
+                <a:shade val="50000"/>
+              </a:schemeClr>
+            </a:lnRef>
+            <a:fillRef idx="1">
+              <a:schemeClr val="accent1"/>
+            </a:fillRef>
+            <a:effectRef idx="0">
+              <a:schemeClr val="accent1"/>
+            </a:effectRef>
+            <a:fontRef idx="minor">
+              <a:schemeClr val="lt1"/>
+            </a:fontRef>
+          </p:style>
+          <p:txBody>
+            <a:bodyPr rtlCol="0" anchor="ctr"/>
+            <a:lstStyle/>
+            <a:p>
+              <a:pPr algn="ctr"/>
+              <a:endParaRPr kumimoji="1" lang="zh-CN" altLang="en-US" sz="1600" dirty="0">
+                <a:latin typeface="Helvetica Light" panose="020B0403020202020204"/>
+              </a:endParaRPr>
+            </a:p>
+          </p:txBody>
+        </p:sp>
+        <p:sp>
+          <p:nvSpPr>
+            <p:cNvPr id="93" name="矩形 92">
+              <a:extLst>
+                <a:ext uri="{FF2B5EF4-FFF2-40B4-BE49-F238E27FC236}">
+                  <a16:creationId xmlns:a16="http://schemas.microsoft.com/office/drawing/2014/main" id="{70F6C25C-B576-7246-9E1E-AFEB511E7EEE}"/>
+                </a:ext>
+              </a:extLst>
+            </p:cNvPr>
+            <p:cNvSpPr/>
+            <p:nvPr/>
+          </p:nvSpPr>
+          <p:spPr>
+            <a:xfrm>
+              <a:off x="8351303" y="3399803"/>
+              <a:ext cx="3057950" cy="1229558"/>
+            </a:xfrm>
+            <a:prstGeom prst="rect">
+              <a:avLst/>
+            </a:prstGeom>
+            <a:solidFill>
+              <a:srgbClr val="F5F5FA"/>
+            </a:solidFill>
+            <a:ln w="12700">
+              <a:noFill/>
+            </a:ln>
+          </p:spPr>
+          <p:style>
+            <a:lnRef idx="2">
+              <a:schemeClr val="accent1">
+                <a:shade val="50000"/>
+              </a:schemeClr>
+            </a:lnRef>
+            <a:fillRef idx="1">
+              <a:schemeClr val="accent1"/>
+            </a:fillRef>
+            <a:effectRef idx="0">
+              <a:schemeClr val="accent1"/>
+            </a:effectRef>
+            <a:fontRef idx="minor">
+              <a:schemeClr val="lt1"/>
+            </a:fontRef>
+          </p:style>
+          <p:txBody>
+            <a:bodyPr rtlCol="0" anchor="ctr"/>
+            <a:lstStyle/>
+            <a:p>
+              <a:pPr algn="ctr"/>
+              <a:endParaRPr kumimoji="1" lang="zh-CN" altLang="en-US" sz="1600" dirty="0">
+                <a:latin typeface="Helvetica Light" panose="020B0403020202020204"/>
+              </a:endParaRPr>
+            </a:p>
+          </p:txBody>
+        </p:sp>
+        <p:sp>
+          <p:nvSpPr>
+            <p:cNvPr id="97" name="文本框 96">
+              <a:extLst>
+                <a:ext uri="{FF2B5EF4-FFF2-40B4-BE49-F238E27FC236}">
+                  <a16:creationId xmlns:a16="http://schemas.microsoft.com/office/drawing/2014/main" id="{CD3C4910-F15E-4749-9F5E-407A0835BE9C}"/>
                 </a:ext>
               </a:extLst>
             </p:cNvPr>
@@ -9863,55 +9953,8 @@
           </p:nvSpPr>
           <p:spPr>
             <a:xfrm>
-              <a:off x="7635464" y="2132635"/>
-              <a:ext cx="2418445" cy="338554"/>
-            </a:xfrm>
-            <a:prstGeom prst="rect">
-              <a:avLst/>
-            </a:prstGeom>
-            <a:noFill/>
-          </p:spPr>
-          <p:txBody>
-            <a:bodyPr wrap="square" rtlCol="0">
-              <a:spAutoFit/>
-            </a:bodyPr>
-            <a:lstStyle/>
-            <a:p>
-              <a:pPr algn="ctr"/>
-              <a:r>
-                <a:rPr kumimoji="1" lang="en-US" altLang="zh-CN" sz="1600" b="1" dirty="0" smtClean="0">
-                  <a:solidFill>
-                    <a:srgbClr val="737794"/>
-                  </a:solidFill>
-                  <a:latin typeface="Helvetica Light" panose="020B0403020202020204"/>
-                </a:rPr>
-                <a:t>5 - Device: Connect to Network</a:t>
-              </a:r>
-              <a:endParaRPr kumimoji="1" lang="zh-CN" altLang="en-US" sz="1600" b="1" dirty="0">
-                <a:solidFill>
-                  <a:srgbClr val="737794"/>
-                </a:solidFill>
-                <a:latin typeface="Helvetica Light" panose="020B0403020202020204"/>
-              </a:endParaRPr>
-            </a:p>
-          </p:txBody>
-        </p:sp>
-        <p:sp>
-          <p:nvSpPr>
-            <p:cNvPr id="30" name="文本框 29">
-              <a:extLst>
-                <a:ext uri="{FF2B5EF4-FFF2-40B4-BE49-F238E27FC236}">
-                  <a16:creationId xmlns:a16="http://schemas.microsoft.com/office/drawing/2014/main" id="{CC28671F-9D62-674C-92EA-7DAF10E9A075}"/>
-                </a:ext>
-              </a:extLst>
-            </p:cNvPr>
-            <p:cNvSpPr txBox="1"/>
-            <p:nvPr/>
-          </p:nvSpPr>
-          <p:spPr>
-            <a:xfrm>
-              <a:off x="7861400" y="2463610"/>
-              <a:ext cx="2025442" cy="738664"/>
+              <a:off x="8493177" y="3437399"/>
+              <a:ext cx="3048486" cy="307777"/>
             </a:xfrm>
             <a:prstGeom prst="rect">
               <a:avLst/>
@@ -9925,7 +9968,53 @@
             <a:lstStyle/>
             <a:p>
               <a:r>
-                <a:rPr kumimoji="1" lang="en-US" altLang="zh-CN" sz="1400" dirty="0" smtClean="0">
+                <a:rPr kumimoji="1" lang="en-US" altLang="zh-CN" sz="1400" dirty="0">
+                  <a:solidFill>
+                    <a:srgbClr val="383C57"/>
+                  </a:solidFill>
+                  <a:latin typeface="Helvetica" pitchFamily="2" charset="0"/>
+                </a:rPr>
+                <a:t>5 - Device: Connect to Network</a:t>
+              </a:r>
+              <a:endParaRPr kumimoji="1" lang="zh-CN" altLang="en-US" sz="1400" dirty="0">
+                <a:solidFill>
+                  <a:srgbClr val="383C57"/>
+                </a:solidFill>
+                <a:latin typeface="Helvetica" pitchFamily="2" charset="0"/>
+              </a:endParaRPr>
+            </a:p>
+          </p:txBody>
+        </p:sp>
+        <p:sp>
+          <p:nvSpPr>
+            <p:cNvPr id="98" name="文本框 97">
+              <a:extLst>
+                <a:ext uri="{FF2B5EF4-FFF2-40B4-BE49-F238E27FC236}">
+                  <a16:creationId xmlns:a16="http://schemas.microsoft.com/office/drawing/2014/main" id="{F3E7677D-4537-E042-BE0F-88011139191C}"/>
+                </a:ext>
+              </a:extLst>
+            </p:cNvPr>
+            <p:cNvSpPr txBox="1"/>
+            <p:nvPr/>
+          </p:nvSpPr>
+          <p:spPr>
+            <a:xfrm>
+              <a:off x="8517929" y="3752486"/>
+              <a:ext cx="2862748" cy="738664"/>
+            </a:xfrm>
+            <a:prstGeom prst="rect">
+              <a:avLst/>
+            </a:prstGeom>
+            <a:noFill/>
+          </p:spPr>
+          <p:txBody>
+            <a:bodyPr wrap="square" rtlCol="0">
+              <a:spAutoFit/>
+            </a:bodyPr>
+            <a:lstStyle/>
+            <a:p>
+              <a:r>
+                <a:rPr kumimoji="1" lang="en-US" altLang="zh-CN" sz="1400" dirty="0">
                   <a:solidFill>
                     <a:srgbClr val="737794"/>
                   </a:solidFill>
@@ -9946,206 +10035,10 @@
         </p:sp>
         <p:sp>
           <p:nvSpPr>
-            <p:cNvPr id="31" name="矩形 30">
+            <p:cNvPr id="99" name="文本框 98">
               <a:extLst>
                 <a:ext uri="{FF2B5EF4-FFF2-40B4-BE49-F238E27FC236}">
-                  <a16:creationId xmlns:a16="http://schemas.microsoft.com/office/drawing/2014/main" id="{37DF84D4-F864-D44D-B5DE-392B6536DB6D}"/>
-                </a:ext>
-              </a:extLst>
-            </p:cNvPr>
-            <p:cNvSpPr/>
-            <p:nvPr/>
-          </p:nvSpPr>
-          <p:spPr>
-            <a:xfrm>
-              <a:off x="4891863" y="1965331"/>
-              <a:ext cx="2041826" cy="1242664"/>
-            </a:xfrm>
-            <a:prstGeom prst="rect">
-              <a:avLst/>
-            </a:prstGeom>
-            <a:solidFill>
-              <a:srgbClr val="F5F5FA"/>
-            </a:solidFill>
-            <a:ln w="12700">
-              <a:noFill/>
-            </a:ln>
-          </p:spPr>
-          <p:style>
-            <a:lnRef idx="2">
-              <a:schemeClr val="accent1">
-                <a:shade val="50000"/>
-              </a:schemeClr>
-            </a:lnRef>
-            <a:fillRef idx="1">
-              <a:schemeClr val="accent1"/>
-            </a:fillRef>
-            <a:effectRef idx="0">
-              <a:schemeClr val="accent1"/>
-            </a:effectRef>
-            <a:fontRef idx="minor">
-              <a:schemeClr val="lt1"/>
-            </a:fontRef>
-          </p:style>
-          <p:txBody>
-            <a:bodyPr rtlCol="0" anchor="ctr"/>
-            <a:lstStyle/>
-            <a:p>
-              <a:pPr algn="ctr"/>
-              <a:endParaRPr kumimoji="1" lang="zh-CN" altLang="en-US" sz="1600" dirty="0">
-                <a:latin typeface="Helvetica Light" panose="020B0403020202020204"/>
-              </a:endParaRPr>
-            </a:p>
-          </p:txBody>
-        </p:sp>
-        <p:cxnSp>
-          <p:nvCxnSpPr>
-            <p:cNvPr id="32" name="直线箭头连接符 31">
-              <a:extLst>
-                <a:ext uri="{FF2B5EF4-FFF2-40B4-BE49-F238E27FC236}">
-                  <a16:creationId xmlns:a16="http://schemas.microsoft.com/office/drawing/2014/main" id="{2BE6FCE3-A818-6449-80C4-DB4780771678}"/>
-                </a:ext>
-              </a:extLst>
-            </p:cNvPr>
-            <p:cNvCxnSpPr>
-              <a:cxnSpLocks/>
-            </p:cNvCxnSpPr>
-            <p:nvPr/>
-          </p:nvCxnSpPr>
-          <p:spPr>
-            <a:xfrm>
-              <a:off x="7151399" y="2576907"/>
-              <a:ext cx="465993" cy="0"/>
-            </a:xfrm>
-            <a:prstGeom prst="straightConnector1">
-              <a:avLst/>
-            </a:prstGeom>
-            <a:ln w="25400">
-              <a:solidFill>
-                <a:srgbClr val="D8D9E6"/>
-              </a:solidFill>
-              <a:tailEnd type="triangle"/>
-            </a:ln>
-          </p:spPr>
-          <p:style>
-            <a:lnRef idx="1">
-              <a:schemeClr val="accent1"/>
-            </a:lnRef>
-            <a:fillRef idx="0">
-              <a:schemeClr val="accent1"/>
-            </a:fillRef>
-            <a:effectRef idx="0">
-              <a:schemeClr val="accent1"/>
-            </a:effectRef>
-            <a:fontRef idx="minor">
-              <a:schemeClr val="tx1"/>
-            </a:fontRef>
-          </p:style>
-        </p:cxnSp>
-        <p:sp>
-          <p:nvSpPr>
-            <p:cNvPr id="33" name="矩形 32">
-              <a:extLst>
-                <a:ext uri="{FF2B5EF4-FFF2-40B4-BE49-F238E27FC236}">
-                  <a16:creationId xmlns:a16="http://schemas.microsoft.com/office/drawing/2014/main" id="{D38E5019-E810-0849-B1AE-CC131C7CECA8}"/>
-                </a:ext>
-              </a:extLst>
-            </p:cNvPr>
-            <p:cNvSpPr/>
-            <p:nvPr/>
-          </p:nvSpPr>
-          <p:spPr>
-            <a:xfrm>
-              <a:off x="10778341" y="1965331"/>
-              <a:ext cx="2041826" cy="1242664"/>
-            </a:xfrm>
-            <a:prstGeom prst="rect">
-              <a:avLst/>
-            </a:prstGeom>
-            <a:solidFill>
-              <a:srgbClr val="F5F5FA"/>
-            </a:solidFill>
-            <a:ln w="12700">
-              <a:noFill/>
-            </a:ln>
-          </p:spPr>
-          <p:style>
-            <a:lnRef idx="2">
-              <a:schemeClr val="accent1">
-                <a:shade val="50000"/>
-              </a:schemeClr>
-            </a:lnRef>
-            <a:fillRef idx="1">
-              <a:schemeClr val="accent1"/>
-            </a:fillRef>
-            <a:effectRef idx="0">
-              <a:schemeClr val="accent1"/>
-            </a:effectRef>
-            <a:fontRef idx="minor">
-              <a:schemeClr val="lt1"/>
-            </a:fontRef>
-          </p:style>
-          <p:txBody>
-            <a:bodyPr rtlCol="0" anchor="ctr"/>
-            <a:lstStyle/>
-            <a:p>
-              <a:pPr algn="ctr"/>
-              <a:endParaRPr kumimoji="1" lang="zh-CN" altLang="en-US" sz="1600">
-                <a:latin typeface="Helvetica Light" panose="020B0403020202020204"/>
-              </a:endParaRPr>
-            </a:p>
-          </p:txBody>
-        </p:sp>
-        <p:cxnSp>
-          <p:nvCxnSpPr>
-            <p:cNvPr id="34" name="直线箭头连接符 33">
-              <a:extLst>
-                <a:ext uri="{FF2B5EF4-FFF2-40B4-BE49-F238E27FC236}">
-                  <a16:creationId xmlns:a16="http://schemas.microsoft.com/office/drawing/2014/main" id="{8D81270E-1AA2-3541-9552-2460CCAF7320}"/>
-                </a:ext>
-              </a:extLst>
-            </p:cNvPr>
-            <p:cNvCxnSpPr>
-              <a:cxnSpLocks/>
-            </p:cNvCxnSpPr>
-            <p:nvPr/>
-          </p:nvCxnSpPr>
-          <p:spPr>
-            <a:xfrm>
-              <a:off x="10094638" y="2576907"/>
-              <a:ext cx="465993" cy="0"/>
-            </a:xfrm>
-            <a:prstGeom prst="straightConnector1">
-              <a:avLst/>
-            </a:prstGeom>
-            <a:ln w="25400">
-              <a:solidFill>
-                <a:srgbClr val="D8D9E6"/>
-              </a:solidFill>
-              <a:tailEnd type="triangle"/>
-            </a:ln>
-          </p:spPr>
-          <p:style>
-            <a:lnRef idx="1">
-              <a:schemeClr val="accent1"/>
-            </a:lnRef>
-            <a:fillRef idx="0">
-              <a:schemeClr val="accent1"/>
-            </a:fillRef>
-            <a:effectRef idx="0">
-              <a:schemeClr val="accent1"/>
-            </a:effectRef>
-            <a:fontRef idx="minor">
-              <a:schemeClr val="tx1"/>
-            </a:fontRef>
-          </p:style>
-        </p:cxnSp>
-        <p:sp>
-          <p:nvSpPr>
-            <p:cNvPr id="35" name="文本框 34">
-              <a:extLst>
-                <a:ext uri="{FF2B5EF4-FFF2-40B4-BE49-F238E27FC236}">
-                  <a16:creationId xmlns:a16="http://schemas.microsoft.com/office/drawing/2014/main" id="{8D770F84-6B4B-DC4D-B5CA-5996320E4E66}"/>
+                  <a16:creationId xmlns:a16="http://schemas.microsoft.com/office/drawing/2014/main" id="{F7124FC5-698F-9F41-AE56-20588AA2B00C}"/>
                 </a:ext>
               </a:extLst>
             </p:cNvPr>
@@ -10154,55 +10047,8 @@
           </p:nvSpPr>
           <p:spPr>
             <a:xfrm>
-              <a:off x="4803087" y="2132635"/>
-              <a:ext cx="2207341" cy="338554"/>
-            </a:xfrm>
-            <a:prstGeom prst="rect">
-              <a:avLst/>
-            </a:prstGeom>
-            <a:noFill/>
-          </p:spPr>
-          <p:txBody>
-            <a:bodyPr wrap="square" rtlCol="0">
-              <a:spAutoFit/>
-            </a:bodyPr>
-            <a:lstStyle/>
-            <a:p>
-              <a:pPr algn="ctr"/>
-              <a:r>
-                <a:rPr kumimoji="1" lang="en-US" altLang="zh-CN" sz="1600" b="1" dirty="0" smtClean="0">
-                  <a:solidFill>
-                    <a:srgbClr val="737794"/>
-                  </a:solidFill>
-                  <a:latin typeface="Helvetica Light" panose="020B0403020202020204"/>
-                </a:rPr>
-                <a:t>4 - Device: Burn Credentials</a:t>
-              </a:r>
-              <a:endParaRPr kumimoji="1" lang="zh-CN" altLang="en-US" sz="1600" b="1" dirty="0">
-                <a:solidFill>
-                  <a:srgbClr val="737794"/>
-                </a:solidFill>
-                <a:latin typeface="Helvetica Light" panose="020B0403020202020204"/>
-              </a:endParaRPr>
-            </a:p>
-          </p:txBody>
-        </p:sp>
-        <p:sp>
-          <p:nvSpPr>
-            <p:cNvPr id="36" name="文本框 35">
-              <a:extLst>
-                <a:ext uri="{FF2B5EF4-FFF2-40B4-BE49-F238E27FC236}">
-                  <a16:creationId xmlns:a16="http://schemas.microsoft.com/office/drawing/2014/main" id="{4964F531-AF95-8B40-B2F6-CE802B9235B7}"/>
-                </a:ext>
-              </a:extLst>
-            </p:cNvPr>
-            <p:cNvSpPr txBox="1"/>
-            <p:nvPr/>
-          </p:nvSpPr>
-          <p:spPr>
-            <a:xfrm>
-              <a:off x="4891863" y="2463610"/>
-              <a:ext cx="2041826" cy="307777"/>
+              <a:off x="4602995" y="3441958"/>
+              <a:ext cx="1921981" cy="307777"/>
             </a:xfrm>
             <a:prstGeom prst="rect">
               <a:avLst/>
@@ -10216,31 +10062,29 @@
             <a:lstStyle/>
             <a:p>
               <a:r>
-                <a:rPr kumimoji="1" lang="en-US" altLang="zh-CN" sz="1400" dirty="0" smtClean="0">
+                <a:rPr kumimoji="1" lang="en-US" altLang="zh-CN" sz="1400" dirty="0">
                   <a:solidFill>
-                    <a:srgbClr val="737794"/>
+                    <a:srgbClr val="383C57"/>
                   </a:solidFill>
-                  <a:latin typeface="Helvetica Light" panose="020B0403020202020204"/>
-                  <a:cs typeface="Arial" panose="020B0604020202020204" pitchFamily="34" charset="0"/>
+                  <a:latin typeface="Helvetica" pitchFamily="2" charset="0"/>
                 </a:rPr>
-                <a:t>Burn device triple into device</a:t>
+                <a:t>6 - Device: Log in </a:t>
               </a:r>
               <a:endParaRPr kumimoji="1" lang="zh-CN" altLang="en-US" sz="1400" dirty="0">
                 <a:solidFill>
-                  <a:srgbClr val="737794"/>
+                  <a:srgbClr val="383C57"/>
                 </a:solidFill>
-                <a:latin typeface="Helvetica Light" panose="020B0403020202020204"/>
-                <a:cs typeface="Arial" panose="020B0604020202020204" pitchFamily="34" charset="0"/>
+                <a:latin typeface="Helvetica" pitchFamily="2" charset="0"/>
               </a:endParaRPr>
             </a:p>
           </p:txBody>
         </p:sp>
         <p:sp>
           <p:nvSpPr>
-            <p:cNvPr id="37" name="文本框 36">
+            <p:cNvPr id="100" name="文本框 99">
               <a:extLst>
                 <a:ext uri="{FF2B5EF4-FFF2-40B4-BE49-F238E27FC236}">
-                  <a16:creationId xmlns:a16="http://schemas.microsoft.com/office/drawing/2014/main" id="{89415CBA-D9F4-AE4F-8FEE-7DF8BCE3866E}"/>
+                  <a16:creationId xmlns:a16="http://schemas.microsoft.com/office/drawing/2014/main" id="{8EF3EFDE-A62F-514F-9AFD-7EBCD3A4924D}"/>
                 </a:ext>
               </a:extLst>
             </p:cNvPr>
@@ -10249,55 +10093,8 @@
           </p:nvSpPr>
           <p:spPr>
             <a:xfrm>
-              <a:off x="10781007" y="2132635"/>
-              <a:ext cx="1921981" cy="338554"/>
-            </a:xfrm>
-            <a:prstGeom prst="rect">
-              <a:avLst/>
-            </a:prstGeom>
-            <a:noFill/>
-          </p:spPr>
-          <p:txBody>
-            <a:bodyPr wrap="square" rtlCol="0">
-              <a:spAutoFit/>
-            </a:bodyPr>
-            <a:lstStyle/>
-            <a:p>
-              <a:pPr algn="ctr"/>
-              <a:r>
-                <a:rPr kumimoji="1" lang="en-US" altLang="zh-CN" sz="1600" b="1" dirty="0" smtClean="0">
-                  <a:solidFill>
-                    <a:srgbClr val="737794"/>
-                  </a:solidFill>
-                  <a:latin typeface="Helvetica Light" panose="020B0403020202020204"/>
-                </a:rPr>
-                <a:t>6 - Device: Log in </a:t>
-              </a:r>
-              <a:endParaRPr kumimoji="1" lang="zh-CN" altLang="en-US" sz="1600" b="1" dirty="0">
-                <a:solidFill>
-                  <a:srgbClr val="737794"/>
-                </a:solidFill>
-                <a:latin typeface="Helvetica Light" panose="020B0403020202020204"/>
-              </a:endParaRPr>
-            </a:p>
-          </p:txBody>
-        </p:sp>
-        <p:sp>
-          <p:nvSpPr>
-            <p:cNvPr id="38" name="文本框 37">
-              <a:extLst>
-                <a:ext uri="{FF2B5EF4-FFF2-40B4-BE49-F238E27FC236}">
-                  <a16:creationId xmlns:a16="http://schemas.microsoft.com/office/drawing/2014/main" id="{42DCC89A-B15D-5648-8247-1ED0F3A92398}"/>
-                </a:ext>
-              </a:extLst>
-            </p:cNvPr>
-            <p:cNvSpPr txBox="1"/>
-            <p:nvPr/>
-          </p:nvSpPr>
-          <p:spPr>
-            <a:xfrm>
-              <a:off x="10781008" y="2463610"/>
-              <a:ext cx="2039160" cy="738664"/>
+              <a:off x="4597970" y="3774651"/>
+              <a:ext cx="2771215" cy="738664"/>
             </a:xfrm>
             <a:prstGeom prst="rect">
               <a:avLst/>
@@ -10311,7 +10108,7 @@
             <a:lstStyle/>
             <a:p>
               <a:r>
-                <a:rPr kumimoji="1" lang="en-US" altLang="zh-CN" sz="1400" dirty="0" smtClean="0">
+                <a:rPr kumimoji="1" lang="en-US" altLang="zh-CN" sz="1400" dirty="0">
                   <a:solidFill>
                     <a:srgbClr val="737794"/>
                   </a:solidFill>
@@ -10330,154 +10127,12 @@
             </a:p>
           </p:txBody>
         </p:sp>
-        <p:cxnSp>
-          <p:nvCxnSpPr>
-            <p:cNvPr id="39" name="直线箭头连接符 38">
+        <p:sp>
+          <p:nvSpPr>
+            <p:cNvPr id="101" name="文本框 100">
               <a:extLst>
                 <a:ext uri="{FF2B5EF4-FFF2-40B4-BE49-F238E27FC236}">
-                  <a16:creationId xmlns:a16="http://schemas.microsoft.com/office/drawing/2014/main" id="{EEFB6D81-73A3-934C-8040-F50AA261EB9E}"/>
-                </a:ext>
-              </a:extLst>
-            </p:cNvPr>
-            <p:cNvCxnSpPr>
-              <a:cxnSpLocks/>
-            </p:cNvCxnSpPr>
-            <p:nvPr/>
-          </p:nvCxnSpPr>
-          <p:spPr>
-            <a:xfrm>
-              <a:off x="4171979" y="2583460"/>
-              <a:ext cx="465993" cy="0"/>
-            </a:xfrm>
-            <a:prstGeom prst="straightConnector1">
-              <a:avLst/>
-            </a:prstGeom>
-            <a:ln w="25400">
-              <a:solidFill>
-                <a:srgbClr val="D8D9E6"/>
-              </a:solidFill>
-              <a:tailEnd type="triangle"/>
-            </a:ln>
-          </p:spPr>
-          <p:style>
-            <a:lnRef idx="1">
-              <a:schemeClr val="accent1"/>
-            </a:lnRef>
-            <a:fillRef idx="0">
-              <a:schemeClr val="accent1"/>
-            </a:fillRef>
-            <a:effectRef idx="0">
-              <a:schemeClr val="accent1"/>
-            </a:effectRef>
-            <a:fontRef idx="minor">
-              <a:schemeClr val="tx1"/>
-            </a:fontRef>
-          </p:style>
-        </p:cxnSp>
-        <p:sp>
-          <p:nvSpPr>
-            <p:cNvPr id="40" name="矩形 39">
-              <a:extLst>
-                <a:ext uri="{FF2B5EF4-FFF2-40B4-BE49-F238E27FC236}">
-                  <a16:creationId xmlns:a16="http://schemas.microsoft.com/office/drawing/2014/main" id="{9E8E6E2C-9D47-954F-89F8-E15F6850EB1A}"/>
-                </a:ext>
-              </a:extLst>
-            </p:cNvPr>
-            <p:cNvSpPr/>
-            <p:nvPr/>
-          </p:nvSpPr>
-          <p:spPr>
-            <a:xfrm>
-              <a:off x="13721580" y="1964683"/>
-              <a:ext cx="2041826" cy="1243312"/>
-            </a:xfrm>
-            <a:prstGeom prst="rect">
-              <a:avLst/>
-            </a:prstGeom>
-            <a:solidFill>
-              <a:srgbClr val="F5F5FA"/>
-            </a:solidFill>
-            <a:ln w="12700">
-              <a:noFill/>
-            </a:ln>
-          </p:spPr>
-          <p:style>
-            <a:lnRef idx="2">
-              <a:schemeClr val="accent1">
-                <a:shade val="50000"/>
-              </a:schemeClr>
-            </a:lnRef>
-            <a:fillRef idx="1">
-              <a:schemeClr val="accent1"/>
-            </a:fillRef>
-            <a:effectRef idx="0">
-              <a:schemeClr val="accent1"/>
-            </a:effectRef>
-            <a:fontRef idx="minor">
-              <a:schemeClr val="lt1"/>
-            </a:fontRef>
-          </p:style>
-          <p:txBody>
-            <a:bodyPr rtlCol="0" anchor="ctr"/>
-            <a:lstStyle/>
-            <a:p>
-              <a:pPr algn="ctr"/>
-              <a:endParaRPr kumimoji="1" lang="zh-CN" altLang="en-US" sz="1600">
-                <a:latin typeface="Helvetica Light" panose="020B0403020202020204"/>
-              </a:endParaRPr>
-            </a:p>
-          </p:txBody>
-        </p:sp>
-        <p:cxnSp>
-          <p:nvCxnSpPr>
-            <p:cNvPr id="41" name="直线箭头连接符 40">
-              <a:extLst>
-                <a:ext uri="{FF2B5EF4-FFF2-40B4-BE49-F238E27FC236}">
-                  <a16:creationId xmlns:a16="http://schemas.microsoft.com/office/drawing/2014/main" id="{281154C2-5E63-4A40-AAB4-228949989750}"/>
-                </a:ext>
-              </a:extLst>
-            </p:cNvPr>
-            <p:cNvCxnSpPr>
-              <a:cxnSpLocks/>
-            </p:cNvCxnSpPr>
-            <p:nvPr/>
-          </p:nvCxnSpPr>
-          <p:spPr>
-            <a:xfrm>
-              <a:off x="13037877" y="2576259"/>
-              <a:ext cx="465993" cy="0"/>
-            </a:xfrm>
-            <a:prstGeom prst="straightConnector1">
-              <a:avLst/>
-            </a:prstGeom>
-            <a:ln w="25400">
-              <a:solidFill>
-                <a:srgbClr val="D8D9E6"/>
-              </a:solidFill>
-              <a:tailEnd type="triangle"/>
-            </a:ln>
-          </p:spPr>
-          <p:style>
-            <a:lnRef idx="1">
-              <a:schemeClr val="accent1"/>
-            </a:lnRef>
-            <a:fillRef idx="0">
-              <a:schemeClr val="accent1"/>
-            </a:fillRef>
-            <a:effectRef idx="0">
-              <a:schemeClr val="accent1"/>
-            </a:effectRef>
-            <a:fontRef idx="minor">
-              <a:schemeClr val="tx1"/>
-            </a:fontRef>
-          </p:style>
-        </p:cxnSp>
-        <p:sp>
-          <p:nvSpPr>
-            <p:cNvPr id="42" name="文本框 41">
-              <a:extLst>
-                <a:ext uri="{FF2B5EF4-FFF2-40B4-BE49-F238E27FC236}">
-                  <a16:creationId xmlns:a16="http://schemas.microsoft.com/office/drawing/2014/main" id="{514D2E53-71AA-1B49-8A94-6D94F09B8647}"/>
+                  <a16:creationId xmlns:a16="http://schemas.microsoft.com/office/drawing/2014/main" id="{E87C5DF1-D080-AA4C-B692-97BDDDA1D509}"/>
                 </a:ext>
               </a:extLst>
             </p:cNvPr>
@@ -10486,55 +10141,8 @@
           </p:nvSpPr>
           <p:spPr>
             <a:xfrm>
-              <a:off x="13731494" y="2132635"/>
-              <a:ext cx="2031912" cy="338554"/>
-            </a:xfrm>
-            <a:prstGeom prst="rect">
-              <a:avLst/>
-            </a:prstGeom>
-            <a:noFill/>
-          </p:spPr>
-          <p:txBody>
-            <a:bodyPr wrap="square" rtlCol="0">
-              <a:spAutoFit/>
-            </a:bodyPr>
-            <a:lstStyle/>
-            <a:p>
-              <a:pPr algn="ctr"/>
-              <a:r>
-                <a:rPr kumimoji="1" lang="en-US" altLang="zh-CN" sz="1600" b="1" dirty="0" smtClean="0">
-                  <a:solidFill>
-                    <a:srgbClr val="737794"/>
-                  </a:solidFill>
-                  <a:latin typeface="Helvetica Light" panose="020B0403020202020204"/>
-                </a:rPr>
-                <a:t>7 - Data Transmission</a:t>
-              </a:r>
-              <a:endParaRPr kumimoji="1" lang="zh-CN" altLang="en-US" sz="1600" b="1" dirty="0">
-                <a:solidFill>
-                  <a:srgbClr val="737794"/>
-                </a:solidFill>
-                <a:latin typeface="Helvetica Light" panose="020B0403020202020204"/>
-              </a:endParaRPr>
-            </a:p>
-          </p:txBody>
-        </p:sp>
-        <p:sp>
-          <p:nvSpPr>
-            <p:cNvPr id="43" name="文本框 42">
-              <a:extLst>
-                <a:ext uri="{FF2B5EF4-FFF2-40B4-BE49-F238E27FC236}">
-                  <a16:creationId xmlns:a16="http://schemas.microsoft.com/office/drawing/2014/main" id="{C1AE3E2C-DB1B-DA43-B90F-8501AF898FBE}"/>
-                </a:ext>
-              </a:extLst>
-            </p:cNvPr>
-            <p:cNvSpPr txBox="1"/>
-            <p:nvPr/>
-          </p:nvSpPr>
-          <p:spPr>
-            <a:xfrm>
-              <a:off x="13936231" y="2481789"/>
-              <a:ext cx="1827175" cy="523220"/>
+              <a:off x="618514" y="3444709"/>
+              <a:ext cx="2433958" cy="307777"/>
             </a:xfrm>
             <a:prstGeom prst="rect">
               <a:avLst/>
@@ -10548,7 +10156,53 @@
             <a:lstStyle/>
             <a:p>
               <a:r>
-                <a:rPr kumimoji="1" lang="en-US" altLang="zh-CN" sz="1400" dirty="0" smtClean="0">
+                <a:rPr kumimoji="1" lang="en-US" altLang="zh-CN" sz="1400" dirty="0">
+                  <a:solidFill>
+                    <a:srgbClr val="383C57"/>
+                  </a:solidFill>
+                  <a:latin typeface="Helvetica" pitchFamily="2" charset="0"/>
+                </a:rPr>
+                <a:t>7 - Data Transmission</a:t>
+              </a:r>
+              <a:endParaRPr kumimoji="1" lang="zh-CN" altLang="en-US" sz="1400" dirty="0">
+                <a:solidFill>
+                  <a:srgbClr val="383C57"/>
+                </a:solidFill>
+                <a:latin typeface="Helvetica" pitchFamily="2" charset="0"/>
+              </a:endParaRPr>
+            </a:p>
+          </p:txBody>
+        </p:sp>
+        <p:sp>
+          <p:nvSpPr>
+            <p:cNvPr id="102" name="文本框 101">
+              <a:extLst>
+                <a:ext uri="{FF2B5EF4-FFF2-40B4-BE49-F238E27FC236}">
+                  <a16:creationId xmlns:a16="http://schemas.microsoft.com/office/drawing/2014/main" id="{89B2DACA-047F-394F-A266-0AB5F76C05C4}"/>
+                </a:ext>
+              </a:extLst>
+            </p:cNvPr>
+            <p:cNvSpPr txBox="1"/>
+            <p:nvPr/>
+          </p:nvSpPr>
+          <p:spPr>
+            <a:xfrm>
+              <a:off x="605554" y="3800433"/>
+              <a:ext cx="2219860" cy="523220"/>
+            </a:xfrm>
+            <a:prstGeom prst="rect">
+              <a:avLst/>
+            </a:prstGeom>
+            <a:noFill/>
+          </p:spPr>
+          <p:txBody>
+            <a:bodyPr wrap="square" rtlCol="0">
+              <a:spAutoFit/>
+            </a:bodyPr>
+            <a:lstStyle/>
+            <a:p>
+              <a:r>
+                <a:rPr kumimoji="1" lang="en-US" altLang="zh-CN" sz="1400" dirty="0">
                   <a:solidFill>
                     <a:srgbClr val="737794"/>
                   </a:solidFill>
@@ -10567,435 +10221,7 @@
             </a:p>
           </p:txBody>
         </p:sp>
-        <p:sp>
-          <p:nvSpPr>
-            <p:cNvPr id="44" name="矩形 43">
-              <a:extLst>
-                <a:ext uri="{FF2B5EF4-FFF2-40B4-BE49-F238E27FC236}">
-                  <a16:creationId xmlns:a16="http://schemas.microsoft.com/office/drawing/2014/main" id="{26B62AAD-4A8E-EF4C-B656-2213FBD05266}"/>
-                </a:ext>
-              </a:extLst>
-            </p:cNvPr>
-            <p:cNvSpPr/>
-            <p:nvPr/>
-          </p:nvSpPr>
-          <p:spPr>
-            <a:xfrm>
-              <a:off x="-3387320" y="2188068"/>
-              <a:ext cx="867281" cy="810297"/>
-            </a:xfrm>
-            <a:prstGeom prst="rect">
-              <a:avLst/>
-            </a:prstGeom>
-            <a:noFill/>
-            <a:ln w="12700">
-              <a:noFill/>
-            </a:ln>
-          </p:spPr>
-          <p:style>
-            <a:lnRef idx="2">
-              <a:schemeClr val="accent1">
-                <a:shade val="50000"/>
-              </a:schemeClr>
-            </a:lnRef>
-            <a:fillRef idx="1">
-              <a:schemeClr val="accent1"/>
-            </a:fillRef>
-            <a:effectRef idx="0">
-              <a:schemeClr val="accent1"/>
-            </a:effectRef>
-            <a:fontRef idx="minor">
-              <a:schemeClr val="lt1"/>
-            </a:fontRef>
-          </p:style>
-          <p:txBody>
-            <a:bodyPr rtlCol="0" anchor="ctr"/>
-            <a:lstStyle/>
-            <a:p>
-              <a:pPr algn="ctr"/>
-              <a:endParaRPr kumimoji="1" lang="zh-CN" altLang="en-US" sz="7200" b="1" dirty="0">
-                <a:solidFill>
-                  <a:srgbClr val="5E6280">
-                    <a:alpha val="28000"/>
-                  </a:srgbClr>
-                </a:solidFill>
-                <a:latin typeface="Helvetica Light" panose="020B0403020202020204"/>
-              </a:endParaRPr>
-            </a:p>
-          </p:txBody>
-        </p:sp>
-        <p:sp>
-          <p:nvSpPr>
-            <p:cNvPr id="46" name="矩形 45">
-              <a:extLst>
-                <a:ext uri="{FF2B5EF4-FFF2-40B4-BE49-F238E27FC236}">
-                  <a16:creationId xmlns:a16="http://schemas.microsoft.com/office/drawing/2014/main" id="{B0122ED3-B7C4-ED48-8861-51A8252D76C8}"/>
-                </a:ext>
-              </a:extLst>
-            </p:cNvPr>
-            <p:cNvSpPr/>
-            <p:nvPr/>
-          </p:nvSpPr>
-          <p:spPr>
-            <a:xfrm>
-              <a:off x="-433640" y="2181515"/>
-              <a:ext cx="867281" cy="810297"/>
-            </a:xfrm>
-            <a:prstGeom prst="rect">
-              <a:avLst/>
-            </a:prstGeom>
-            <a:noFill/>
-            <a:ln w="12700">
-              <a:noFill/>
-            </a:ln>
-          </p:spPr>
-          <p:style>
-            <a:lnRef idx="2">
-              <a:schemeClr val="accent1">
-                <a:shade val="50000"/>
-              </a:schemeClr>
-            </a:lnRef>
-            <a:fillRef idx="1">
-              <a:schemeClr val="accent1"/>
-            </a:fillRef>
-            <a:effectRef idx="0">
-              <a:schemeClr val="accent1"/>
-            </a:effectRef>
-            <a:fontRef idx="minor">
-              <a:schemeClr val="lt1"/>
-            </a:fontRef>
-          </p:style>
-          <p:txBody>
-            <a:bodyPr rtlCol="0" anchor="ctr"/>
-            <a:lstStyle/>
-            <a:p>
-              <a:pPr algn="ctr"/>
-              <a:endParaRPr kumimoji="1" lang="zh-CN" altLang="en-US" sz="7200" b="1" dirty="0">
-                <a:solidFill>
-                  <a:srgbClr val="5E6280">
-                    <a:alpha val="28000"/>
-                  </a:srgbClr>
-                </a:solidFill>
-                <a:latin typeface="Helvetica Light" panose="020B0403020202020204"/>
-              </a:endParaRPr>
-            </a:p>
-          </p:txBody>
-        </p:sp>
-        <p:sp>
-          <p:nvSpPr>
-            <p:cNvPr id="47" name="矩形 46">
-              <a:extLst>
-                <a:ext uri="{FF2B5EF4-FFF2-40B4-BE49-F238E27FC236}">
-                  <a16:creationId xmlns:a16="http://schemas.microsoft.com/office/drawing/2014/main" id="{B843D17B-97D6-224D-A86D-2C7DD657FAE0}"/>
-                </a:ext>
-              </a:extLst>
-            </p:cNvPr>
-            <p:cNvSpPr/>
-            <p:nvPr/>
-          </p:nvSpPr>
-          <p:spPr>
-            <a:xfrm>
-              <a:off x="2451590" y="2166311"/>
-              <a:ext cx="867281" cy="810297"/>
-            </a:xfrm>
-            <a:prstGeom prst="rect">
-              <a:avLst/>
-            </a:prstGeom>
-            <a:noFill/>
-            <a:ln w="12700">
-              <a:noFill/>
-            </a:ln>
-          </p:spPr>
-          <p:style>
-            <a:lnRef idx="2">
-              <a:schemeClr val="accent1">
-                <a:shade val="50000"/>
-              </a:schemeClr>
-            </a:lnRef>
-            <a:fillRef idx="1">
-              <a:schemeClr val="accent1"/>
-            </a:fillRef>
-            <a:effectRef idx="0">
-              <a:schemeClr val="accent1"/>
-            </a:effectRef>
-            <a:fontRef idx="minor">
-              <a:schemeClr val="lt1"/>
-            </a:fontRef>
-          </p:style>
-          <p:txBody>
-            <a:bodyPr rtlCol="0" anchor="ctr"/>
-            <a:lstStyle/>
-            <a:p>
-              <a:pPr algn="ctr"/>
-              <a:endParaRPr kumimoji="1" lang="zh-CN" altLang="en-US" sz="7200" b="1" dirty="0">
-                <a:solidFill>
-                  <a:srgbClr val="5E6280">
-                    <a:alpha val="28000"/>
-                  </a:srgbClr>
-                </a:solidFill>
-                <a:latin typeface="Helvetica Light" panose="020B0403020202020204"/>
-              </a:endParaRPr>
-            </a:p>
-          </p:txBody>
-        </p:sp>
-        <p:sp>
-          <p:nvSpPr>
-            <p:cNvPr id="48" name="矩形 47">
-              <a:extLst>
-                <a:ext uri="{FF2B5EF4-FFF2-40B4-BE49-F238E27FC236}">
-                  <a16:creationId xmlns:a16="http://schemas.microsoft.com/office/drawing/2014/main" id="{8E175113-FC40-DE42-85E3-BB7E3933F4C6}"/>
-                </a:ext>
-              </a:extLst>
-            </p:cNvPr>
-            <p:cNvSpPr/>
-            <p:nvPr/>
-          </p:nvSpPr>
-          <p:spPr>
-            <a:xfrm>
-              <a:off x="5419912" y="2194439"/>
-              <a:ext cx="867281" cy="810297"/>
-            </a:xfrm>
-            <a:prstGeom prst="rect">
-              <a:avLst/>
-            </a:prstGeom>
-            <a:noFill/>
-            <a:ln w="12700">
-              <a:noFill/>
-            </a:ln>
-          </p:spPr>
-          <p:style>
-            <a:lnRef idx="2">
-              <a:schemeClr val="accent1">
-                <a:shade val="50000"/>
-              </a:schemeClr>
-            </a:lnRef>
-            <a:fillRef idx="1">
-              <a:schemeClr val="accent1"/>
-            </a:fillRef>
-            <a:effectRef idx="0">
-              <a:schemeClr val="accent1"/>
-            </a:effectRef>
-            <a:fontRef idx="minor">
-              <a:schemeClr val="lt1"/>
-            </a:fontRef>
-          </p:style>
-          <p:txBody>
-            <a:bodyPr rtlCol="0" anchor="ctr"/>
-            <a:lstStyle/>
-            <a:p>
-              <a:pPr algn="ctr"/>
-              <a:endParaRPr kumimoji="1" lang="zh-CN" altLang="en-US" sz="7200" b="1" dirty="0">
-                <a:solidFill>
-                  <a:srgbClr val="5E6280">
-                    <a:alpha val="28000"/>
-                  </a:srgbClr>
-                </a:solidFill>
-                <a:latin typeface="Helvetica Light" panose="020B0403020202020204"/>
-              </a:endParaRPr>
-            </a:p>
-          </p:txBody>
-        </p:sp>
-        <p:sp>
-          <p:nvSpPr>
-            <p:cNvPr id="49" name="矩形 48">
-              <a:extLst>
-                <a:ext uri="{FF2B5EF4-FFF2-40B4-BE49-F238E27FC236}">
-                  <a16:creationId xmlns:a16="http://schemas.microsoft.com/office/drawing/2014/main" id="{731499BE-692C-2145-A0C9-6959C3E9EB28}"/>
-                </a:ext>
-              </a:extLst>
-            </p:cNvPr>
-            <p:cNvSpPr/>
-            <p:nvPr/>
-          </p:nvSpPr>
-          <p:spPr>
-            <a:xfrm>
-              <a:off x="8409226" y="2188067"/>
-              <a:ext cx="867281" cy="810297"/>
-            </a:xfrm>
-            <a:prstGeom prst="rect">
-              <a:avLst/>
-            </a:prstGeom>
-            <a:noFill/>
-            <a:ln w="12700">
-              <a:noFill/>
-            </a:ln>
-          </p:spPr>
-          <p:style>
-            <a:lnRef idx="2">
-              <a:schemeClr val="accent1">
-                <a:shade val="50000"/>
-              </a:schemeClr>
-            </a:lnRef>
-            <a:fillRef idx="1">
-              <a:schemeClr val="accent1"/>
-            </a:fillRef>
-            <a:effectRef idx="0">
-              <a:schemeClr val="accent1"/>
-            </a:effectRef>
-            <a:fontRef idx="minor">
-              <a:schemeClr val="lt1"/>
-            </a:fontRef>
-          </p:style>
-          <p:txBody>
-            <a:bodyPr rtlCol="0" anchor="ctr"/>
-            <a:lstStyle/>
-            <a:p>
-              <a:pPr algn="ctr"/>
-              <a:endParaRPr kumimoji="1" lang="zh-CN" altLang="en-US" sz="7200" b="1" dirty="0">
-                <a:solidFill>
-                  <a:srgbClr val="5E6280">
-                    <a:alpha val="28000"/>
-                  </a:srgbClr>
-                </a:solidFill>
-                <a:latin typeface="Helvetica Light" panose="020B0403020202020204"/>
-              </a:endParaRPr>
-            </a:p>
-          </p:txBody>
-        </p:sp>
-        <p:sp>
-          <p:nvSpPr>
-            <p:cNvPr id="50" name="矩形 49">
-              <a:extLst>
-                <a:ext uri="{FF2B5EF4-FFF2-40B4-BE49-F238E27FC236}">
-                  <a16:creationId xmlns:a16="http://schemas.microsoft.com/office/drawing/2014/main" id="{1843C467-30DC-A34D-83DC-B1455C55B8C9}"/>
-                </a:ext>
-              </a:extLst>
-            </p:cNvPr>
-            <p:cNvSpPr/>
-            <p:nvPr/>
-          </p:nvSpPr>
-          <p:spPr>
-            <a:xfrm>
-              <a:off x="11365614" y="2190443"/>
-              <a:ext cx="867281" cy="810297"/>
-            </a:xfrm>
-            <a:prstGeom prst="rect">
-              <a:avLst/>
-            </a:prstGeom>
-            <a:noFill/>
-            <a:ln w="12700">
-              <a:noFill/>
-            </a:ln>
-          </p:spPr>
-          <p:style>
-            <a:lnRef idx="2">
-              <a:schemeClr val="accent1">
-                <a:shade val="50000"/>
-              </a:schemeClr>
-            </a:lnRef>
-            <a:fillRef idx="1">
-              <a:schemeClr val="accent1"/>
-            </a:fillRef>
-            <a:effectRef idx="0">
-              <a:schemeClr val="accent1"/>
-            </a:effectRef>
-            <a:fontRef idx="minor">
-              <a:schemeClr val="lt1"/>
-            </a:fontRef>
-          </p:style>
-          <p:txBody>
-            <a:bodyPr rtlCol="0" anchor="ctr"/>
-            <a:lstStyle/>
-            <a:p>
-              <a:pPr algn="ctr"/>
-              <a:endParaRPr kumimoji="1" lang="zh-CN" altLang="en-US" sz="7200" b="1" dirty="0">
-                <a:solidFill>
-                  <a:srgbClr val="5E6280">
-                    <a:alpha val="28000"/>
-                  </a:srgbClr>
-                </a:solidFill>
-                <a:latin typeface="Helvetica Light" panose="020B0403020202020204"/>
-              </a:endParaRPr>
-            </a:p>
-          </p:txBody>
-        </p:sp>
-        <p:sp>
-          <p:nvSpPr>
-            <p:cNvPr id="51" name="矩形 50">
-              <a:extLst>
-                <a:ext uri="{FF2B5EF4-FFF2-40B4-BE49-F238E27FC236}">
-                  <a16:creationId xmlns:a16="http://schemas.microsoft.com/office/drawing/2014/main" id="{17691768-C273-9949-B252-6F0DC817CA0F}"/>
-                </a:ext>
-              </a:extLst>
-            </p:cNvPr>
-            <p:cNvSpPr/>
-            <p:nvPr/>
-          </p:nvSpPr>
-          <p:spPr>
-            <a:xfrm>
-              <a:off x="14416177" y="2199615"/>
-              <a:ext cx="867281" cy="810297"/>
-            </a:xfrm>
-            <a:prstGeom prst="rect">
-              <a:avLst/>
-            </a:prstGeom>
-            <a:noFill/>
-            <a:ln w="12700">
-              <a:noFill/>
-            </a:ln>
-          </p:spPr>
-          <p:style>
-            <a:lnRef idx="2">
-              <a:schemeClr val="accent1">
-                <a:shade val="50000"/>
-              </a:schemeClr>
-            </a:lnRef>
-            <a:fillRef idx="1">
-              <a:schemeClr val="accent1"/>
-            </a:fillRef>
-            <a:effectRef idx="0">
-              <a:schemeClr val="accent1"/>
-            </a:effectRef>
-            <a:fontRef idx="minor">
-              <a:schemeClr val="lt1"/>
-            </a:fontRef>
-          </p:style>
-          <p:txBody>
-            <a:bodyPr rtlCol="0" anchor="ctr"/>
-            <a:lstStyle/>
-            <a:p>
-              <a:pPr algn="ctr"/>
-              <a:endParaRPr kumimoji="1" lang="zh-CN" altLang="en-US" sz="7200" b="1" dirty="0">
-                <a:solidFill>
-                  <a:srgbClr val="5E6280">
-                    <a:alpha val="28000"/>
-                  </a:srgbClr>
-                </a:solidFill>
-                <a:latin typeface="Helvetica Light" panose="020B0403020202020204"/>
-              </a:endParaRPr>
-            </a:p>
-          </p:txBody>
-        </p:sp>
       </p:grpSp>
-      <p:sp>
-        <p:nvSpPr>
-          <p:cNvPr id="3" name="矩形 2"/>
-          <p:cNvSpPr/>
-          <p:nvPr/>
-        </p:nvSpPr>
-        <p:spPr>
-          <a:xfrm>
-            <a:off x="155402" y="145534"/>
-            <a:ext cx="4139275" cy="369332"/>
-          </a:xfrm>
-          <a:prstGeom prst="rect">
-            <a:avLst/>
-          </a:prstGeom>
-        </p:spPr>
-        <p:txBody>
-          <a:bodyPr wrap="none">
-            <a:spAutoFit/>
-          </a:bodyPr>
-          <a:lstStyle/>
-          <a:p>
-            <a:r>
-              <a:rPr lang="en-US" altLang="zh-CN" dirty="0"/>
-              <a:t>edge_connection_task_description.png</a:t>
-            </a:r>
-            <a:endParaRPr lang="zh-CN" altLang="en-US" dirty="0"/>
-          </a:p>
-        </p:txBody>
-      </p:sp>
     </p:spTree>
     <p:extLst>
       <p:ext uri="{BB962C8B-B14F-4D97-AF65-F5344CB8AC3E}">
@@ -11026,126 +10252,199 @@
           <a:chExt cx="0" cy="0"/>
         </a:xfrm>
       </p:grpSpPr>
+      <p:sp>
+        <p:nvSpPr>
+          <p:cNvPr id="43" name="矩形 42">
+            <a:extLst>
+              <a:ext uri="{FF2B5EF4-FFF2-40B4-BE49-F238E27FC236}">
+                <a16:creationId xmlns:a16="http://schemas.microsoft.com/office/drawing/2014/main" id="{1B94B240-8717-BA40-B792-A04A9A56BFE8}"/>
+              </a:ext>
+            </a:extLst>
+          </p:cNvPr>
+          <p:cNvSpPr/>
+          <p:nvPr/>
+        </p:nvSpPr>
+        <p:spPr>
+          <a:xfrm>
+            <a:off x="109731" y="159800"/>
+            <a:ext cx="4009431" cy="369332"/>
+          </a:xfrm>
+          <a:prstGeom prst="rect">
+            <a:avLst/>
+          </a:prstGeom>
+        </p:spPr>
+        <p:txBody>
+          <a:bodyPr wrap="none">
+            <a:spAutoFit/>
+          </a:bodyPr>
+          <a:lstStyle/>
+          <a:p>
+            <a:r>
+              <a:rPr lang="en-US" altLang="zh-CN" dirty="0" err="1"/>
+              <a:t>edge_connection_task_description.png</a:t>
+            </a:r>
+            <a:endParaRPr lang="zh-CN" altLang="en-US" dirty="0"/>
+          </a:p>
+        </p:txBody>
+      </p:sp>
       <p:grpSp>
         <p:nvGrpSpPr>
-          <p:cNvPr id="3" name="组合 2"/>
+          <p:cNvPr id="2" name="组合 1">
+            <a:extLst>
+              <a:ext uri="{FF2B5EF4-FFF2-40B4-BE49-F238E27FC236}">
+                <a16:creationId xmlns:a16="http://schemas.microsoft.com/office/drawing/2014/main" id="{0D350963-7524-5F4B-893C-167B72BA1BE3}"/>
+              </a:ext>
+            </a:extLst>
+          </p:cNvPr>
           <p:cNvGrpSpPr/>
           <p:nvPr/>
         </p:nvGrpSpPr>
         <p:grpSpPr>
           <a:xfrm>
-            <a:off x="-6931232" y="1973058"/>
-            <a:ext cx="25780320" cy="1289352"/>
-            <a:chOff x="-6931232" y="1973058"/>
-            <a:chExt cx="25780320" cy="1289352"/>
+            <a:off x="-1522206" y="1676796"/>
+            <a:ext cx="14409832" cy="3309490"/>
+            <a:chOff x="-1247886" y="3033156"/>
+            <a:chExt cx="14409832" cy="3309490"/>
           </a:xfrm>
         </p:grpSpPr>
-        <p:sp>
-          <p:nvSpPr>
-            <p:cNvPr id="6" name="文本框 5">
+        <p:cxnSp>
+          <p:nvCxnSpPr>
+            <p:cNvPr id="47" name="直线箭头连接符 46">
               <a:extLst>
                 <a:ext uri="{FF2B5EF4-FFF2-40B4-BE49-F238E27FC236}">
-                  <a16:creationId xmlns:a16="http://schemas.microsoft.com/office/drawing/2014/main" id="{2DA636B2-E1D8-4C4C-9FF9-772D950706DD}"/>
+                  <a16:creationId xmlns:a16="http://schemas.microsoft.com/office/drawing/2014/main" id="{A689C26C-FBBF-9E43-B590-382F20568BFD}"/>
                 </a:ext>
               </a:extLst>
             </p:cNvPr>
-            <p:cNvSpPr txBox="1"/>
+            <p:cNvCxnSpPr>
+              <a:cxnSpLocks/>
+            </p:cNvCxnSpPr>
             <p:nvPr/>
-          </p:nvSpPr>
+          </p:nvCxnSpPr>
           <p:spPr>
-            <a:xfrm>
-              <a:off x="-6827101" y="2089886"/>
-              <a:ext cx="1861425" cy="707438"/>
+            <a:xfrm rot="5400000">
+              <a:off x="11632014" y="4694454"/>
+              <a:ext cx="465993" cy="0"/>
             </a:xfrm>
-            <a:prstGeom prst="rect">
+            <a:prstGeom prst="straightConnector1">
               <a:avLst/>
             </a:prstGeom>
-            <a:noFill/>
+            <a:ln w="25400">
+              <a:solidFill>
+                <a:srgbClr val="D8D9E6"/>
+              </a:solidFill>
+              <a:tailEnd type="triangle"/>
+            </a:ln>
           </p:spPr>
-          <p:txBody>
-            <a:bodyPr wrap="square" rtlCol="0">
-              <a:spAutoFit/>
-            </a:bodyPr>
-            <a:lstStyle/>
-            <a:p>
-              <a:pPr algn="ctr">
-                <a:lnSpc>
-                  <a:spcPct val="150000"/>
-                </a:lnSpc>
-              </a:pPr>
-              <a:r>
-                <a:rPr kumimoji="1" lang="en-US" altLang="zh-CN" sz="1400" dirty="0">
-                  <a:solidFill>
-                    <a:schemeClr val="bg1"/>
-                  </a:solidFill>
-                  <a:latin typeface="Helvetica Light" panose="020B0403020202020204" pitchFamily="34" charset="0"/>
-                </a:rPr>
-                <a:t>Inspect</a:t>
-              </a:r>
-              <a:r>
-                <a:rPr kumimoji="1" lang="zh-CN" altLang="en-US" sz="1400" dirty="0">
-                  <a:solidFill>
-                    <a:schemeClr val="bg1"/>
-                  </a:solidFill>
-                  <a:latin typeface="Helvetica Light" panose="020B0403020202020204" pitchFamily="34" charset="0"/>
-                </a:rPr>
-                <a:t> </a:t>
-              </a:r>
-              <a:endParaRPr kumimoji="1" lang="en-US" altLang="zh-CN" sz="1400" dirty="0">
-                <a:solidFill>
-                  <a:schemeClr val="bg1"/>
-                </a:solidFill>
-                <a:latin typeface="Helvetica Light" panose="020B0403020202020204" pitchFamily="34" charset="0"/>
-              </a:endParaRPr>
-            </a:p>
-            <a:p>
-              <a:pPr algn="ctr">
-                <a:lnSpc>
-                  <a:spcPct val="150000"/>
-                </a:lnSpc>
-              </a:pPr>
-              <a:r>
-                <a:rPr kumimoji="1" lang="en-US" altLang="zh-CN" sz="1400" dirty="0">
-                  <a:solidFill>
-                    <a:schemeClr val="bg1"/>
-                  </a:solidFill>
-                  <a:latin typeface="Helvetica Light" panose="020B0403020202020204" pitchFamily="34" charset="0"/>
-                </a:rPr>
-                <a:t>Connection</a:t>
-              </a:r>
-              <a:r>
-                <a:rPr kumimoji="1" lang="zh-CN" altLang="en-US" sz="1400" dirty="0">
-                  <a:solidFill>
-                    <a:schemeClr val="bg1"/>
-                  </a:solidFill>
-                  <a:latin typeface="Helvetica Light" panose="020B0403020202020204" pitchFamily="34" charset="0"/>
-                </a:rPr>
-                <a:t> </a:t>
-              </a:r>
-              <a:r>
-                <a:rPr kumimoji="1" lang="en-US" altLang="zh-CN" sz="1400" dirty="0">
-                  <a:solidFill>
-                    <a:schemeClr val="bg1"/>
-                  </a:solidFill>
-                  <a:latin typeface="Helvetica Light" panose="020B0403020202020204" pitchFamily="34" charset="0"/>
-                </a:rPr>
-                <a:t>Status</a:t>
-              </a:r>
-              <a:endParaRPr kumimoji="1" lang="zh-CN" altLang="en-US" sz="1400" dirty="0">
-                <a:solidFill>
-                  <a:schemeClr val="bg1"/>
-                </a:solidFill>
-                <a:latin typeface="Helvetica Light" panose="020B0403020202020204" pitchFamily="34" charset="0"/>
-              </a:endParaRPr>
-            </a:p>
-          </p:txBody>
-        </p:sp>
+          <p:style>
+            <a:lnRef idx="1">
+              <a:schemeClr val="accent1"/>
+            </a:lnRef>
+            <a:fillRef idx="0">
+              <a:schemeClr val="accent1"/>
+            </a:fillRef>
+            <a:effectRef idx="0">
+              <a:schemeClr val="accent1"/>
+            </a:effectRef>
+            <a:fontRef idx="minor">
+              <a:schemeClr val="tx1"/>
+            </a:fontRef>
+          </p:style>
+        </p:cxnSp>
+        <p:cxnSp>
+          <p:nvCxnSpPr>
+            <p:cNvPr id="48" name="直线箭头连接符 47">
+              <a:extLst>
+                <a:ext uri="{FF2B5EF4-FFF2-40B4-BE49-F238E27FC236}">
+                  <a16:creationId xmlns:a16="http://schemas.microsoft.com/office/drawing/2014/main" id="{7CAEC85E-77F0-3043-B0AF-59353FF090C9}"/>
+                </a:ext>
+              </a:extLst>
+            </p:cNvPr>
+            <p:cNvCxnSpPr>
+              <a:cxnSpLocks/>
+            </p:cNvCxnSpPr>
+            <p:nvPr/>
+          </p:nvCxnSpPr>
+          <p:spPr>
+            <a:xfrm flipH="1">
+              <a:off x="9297588" y="5717993"/>
+              <a:ext cx="465993" cy="0"/>
+            </a:xfrm>
+            <a:prstGeom prst="straightConnector1">
+              <a:avLst/>
+            </a:prstGeom>
+            <a:ln w="25400">
+              <a:solidFill>
+                <a:srgbClr val="D8D9E6"/>
+              </a:solidFill>
+              <a:tailEnd type="triangle"/>
+            </a:ln>
+          </p:spPr>
+          <p:style>
+            <a:lnRef idx="1">
+              <a:schemeClr val="accent1"/>
+            </a:lnRef>
+            <a:fillRef idx="0">
+              <a:schemeClr val="accent1"/>
+            </a:fillRef>
+            <a:effectRef idx="0">
+              <a:schemeClr val="accent1"/>
+            </a:effectRef>
+            <a:fontRef idx="minor">
+              <a:schemeClr val="tx1"/>
+            </a:fontRef>
+          </p:style>
+        </p:cxnSp>
+        <p:cxnSp>
+          <p:nvCxnSpPr>
+            <p:cNvPr id="49" name="直线箭头连接符 48">
+              <a:extLst>
+                <a:ext uri="{FF2B5EF4-FFF2-40B4-BE49-F238E27FC236}">
+                  <a16:creationId xmlns:a16="http://schemas.microsoft.com/office/drawing/2014/main" id="{C8166DA9-1322-D74A-94F2-AAB70834E2D3}"/>
+                </a:ext>
+              </a:extLst>
+            </p:cNvPr>
+            <p:cNvCxnSpPr>
+              <a:cxnSpLocks/>
+            </p:cNvCxnSpPr>
+            <p:nvPr/>
+          </p:nvCxnSpPr>
+          <p:spPr>
+            <a:xfrm flipH="1">
+              <a:off x="5680334" y="5727867"/>
+              <a:ext cx="465993" cy="0"/>
+            </a:xfrm>
+            <a:prstGeom prst="straightConnector1">
+              <a:avLst/>
+            </a:prstGeom>
+            <a:ln w="25400">
+              <a:solidFill>
+                <a:srgbClr val="D8D9E6"/>
+              </a:solidFill>
+              <a:tailEnd type="triangle"/>
+            </a:ln>
+          </p:spPr>
+          <p:style>
+            <a:lnRef idx="1">
+              <a:schemeClr val="accent1"/>
+            </a:lnRef>
+            <a:fillRef idx="0">
+              <a:schemeClr val="accent1"/>
+            </a:fillRef>
+            <a:effectRef idx="0">
+              <a:schemeClr val="accent1"/>
+            </a:effectRef>
+            <a:fontRef idx="minor">
+              <a:schemeClr val="tx1"/>
+            </a:fontRef>
+          </p:style>
+        </p:cxnSp>
         <p:sp>
           <p:nvSpPr>
-            <p:cNvPr id="7" name="矩形 6">
+            <p:cNvPr id="55" name="矩形 54">
               <a:extLst>
                 <a:ext uri="{FF2B5EF4-FFF2-40B4-BE49-F238E27FC236}">
-                  <a16:creationId xmlns:a16="http://schemas.microsoft.com/office/drawing/2014/main" id="{3F43DF83-3668-B24A-A091-5D42F7CC20A0}"/>
+                  <a16:creationId xmlns:a16="http://schemas.microsoft.com/office/drawing/2014/main" id="{6F594EBE-8E14-B743-B623-10FC87835A1B}"/>
                 </a:ext>
               </a:extLst>
             </p:cNvPr>
@@ -11154,7 +10453,61 @@
           </p:nvSpPr>
           <p:spPr>
             <a:xfrm>
-              <a:off x="-3974063" y="1975605"/>
+              <a:off x="-1068098" y="3037630"/>
+              <a:ext cx="2154746" cy="1242664"/>
+            </a:xfrm>
+            <a:prstGeom prst="rect">
+              <a:avLst/>
+            </a:prstGeom>
+            <a:solidFill>
+              <a:srgbClr val="F5F5FA"/>
+            </a:solidFill>
+            <a:ln w="12700">
+              <a:noFill/>
+            </a:ln>
+          </p:spPr>
+          <p:style>
+            <a:lnRef idx="2">
+              <a:schemeClr val="accent1">
+                <a:shade val="50000"/>
+              </a:schemeClr>
+            </a:lnRef>
+            <a:fillRef idx="1">
+              <a:schemeClr val="accent1"/>
+            </a:fillRef>
+            <a:effectRef idx="0">
+              <a:schemeClr val="accent1"/>
+            </a:effectRef>
+            <a:fontRef idx="minor">
+              <a:schemeClr val="lt1"/>
+            </a:fontRef>
+          </p:style>
+          <p:txBody>
+            <a:bodyPr rtlCol="0" anchor="ctr"/>
+            <a:lstStyle/>
+            <a:p>
+              <a:pPr algn="ctr"/>
+              <a:endParaRPr kumimoji="1" lang="zh-CN" altLang="en-US" sz="1600">
+                <a:latin typeface="Helvetica Light" panose="020B0403020202020204"/>
+              </a:endParaRPr>
+            </a:p>
+          </p:txBody>
+        </p:sp>
+        <p:sp>
+          <p:nvSpPr>
+            <p:cNvPr id="56" name="矩形 55">
+              <a:extLst>
+                <a:ext uri="{FF2B5EF4-FFF2-40B4-BE49-F238E27FC236}">
+                  <a16:creationId xmlns:a16="http://schemas.microsoft.com/office/drawing/2014/main" id="{13A16009-5FD2-804D-9A39-E3E82EF1EC6A}"/>
+                </a:ext>
+              </a:extLst>
+            </p:cNvPr>
+            <p:cNvSpPr/>
+            <p:nvPr/>
+          </p:nvSpPr>
+          <p:spPr>
+            <a:xfrm>
+              <a:off x="1988061" y="3037630"/>
               <a:ext cx="2041826" cy="1242664"/>
             </a:xfrm>
             <a:prstGeom prst="rect">
@@ -11188,16 +10541,616 @@
             <a:lstStyle/>
             <a:p>
               <a:pPr algn="ctr"/>
-              <a:endParaRPr kumimoji="1" lang="zh-CN" altLang="en-US" sz="1600"/>
+              <a:endParaRPr kumimoji="1" lang="zh-CN" altLang="en-US" sz="1600">
+                <a:latin typeface="Helvetica Light" panose="020B0403020202020204"/>
+              </a:endParaRPr>
+            </a:p>
+          </p:txBody>
+        </p:sp>
+        <p:cxnSp>
+          <p:nvCxnSpPr>
+            <p:cNvPr id="57" name="直线箭头连接符 56">
+              <a:extLst>
+                <a:ext uri="{FF2B5EF4-FFF2-40B4-BE49-F238E27FC236}">
+                  <a16:creationId xmlns:a16="http://schemas.microsoft.com/office/drawing/2014/main" id="{807B906B-B401-1B4D-9773-7F21D32FF678}"/>
+                </a:ext>
+              </a:extLst>
+            </p:cNvPr>
+            <p:cNvCxnSpPr>
+              <a:cxnSpLocks/>
+            </p:cNvCxnSpPr>
+            <p:nvPr/>
+          </p:nvCxnSpPr>
+          <p:spPr>
+            <a:xfrm>
+              <a:off x="1304358" y="3649206"/>
+              <a:ext cx="465993" cy="0"/>
+            </a:xfrm>
+            <a:prstGeom prst="straightConnector1">
+              <a:avLst/>
+            </a:prstGeom>
+            <a:ln w="25400">
+              <a:solidFill>
+                <a:srgbClr val="D8D9E6"/>
+              </a:solidFill>
+              <a:tailEnd type="triangle"/>
+            </a:ln>
+          </p:spPr>
+          <p:style>
+            <a:lnRef idx="1">
+              <a:schemeClr val="accent1"/>
+            </a:lnRef>
+            <a:fillRef idx="0">
+              <a:schemeClr val="accent1"/>
+            </a:fillRef>
+            <a:effectRef idx="0">
+              <a:schemeClr val="accent1"/>
+            </a:effectRef>
+            <a:fontRef idx="minor">
+              <a:schemeClr val="tx1"/>
+            </a:fontRef>
+          </p:style>
+        </p:cxnSp>
+        <p:sp>
+          <p:nvSpPr>
+            <p:cNvPr id="58" name="矩形 57">
+              <a:extLst>
+                <a:ext uri="{FF2B5EF4-FFF2-40B4-BE49-F238E27FC236}">
+                  <a16:creationId xmlns:a16="http://schemas.microsoft.com/office/drawing/2014/main" id="{CC1BC07C-E286-7C4B-B0D0-4585B72A3B11}"/>
+                </a:ext>
+              </a:extLst>
+            </p:cNvPr>
+            <p:cNvSpPr/>
+            <p:nvPr/>
+          </p:nvSpPr>
+          <p:spPr>
+            <a:xfrm>
+              <a:off x="4931300" y="3041423"/>
+              <a:ext cx="2041826" cy="1242664"/>
+            </a:xfrm>
+            <a:prstGeom prst="rect">
+              <a:avLst/>
+            </a:prstGeom>
+            <a:solidFill>
+              <a:srgbClr val="F5F5FA"/>
+            </a:solidFill>
+            <a:ln w="12700">
+              <a:noFill/>
+            </a:ln>
+          </p:spPr>
+          <p:style>
+            <a:lnRef idx="2">
+              <a:schemeClr val="accent1">
+                <a:shade val="50000"/>
+              </a:schemeClr>
+            </a:lnRef>
+            <a:fillRef idx="1">
+              <a:schemeClr val="accent1"/>
+            </a:fillRef>
+            <a:effectRef idx="0">
+              <a:schemeClr val="accent1"/>
+            </a:effectRef>
+            <a:fontRef idx="minor">
+              <a:schemeClr val="lt1"/>
+            </a:fontRef>
+          </p:style>
+          <p:txBody>
+            <a:bodyPr rtlCol="0" anchor="ctr"/>
+            <a:lstStyle/>
+            <a:p>
+              <a:pPr algn="ctr"/>
+              <a:endParaRPr kumimoji="1" lang="zh-CN" altLang="en-US" sz="1600">
+                <a:latin typeface="Helvetica Light" panose="020B0403020202020204"/>
+              </a:endParaRPr>
+            </a:p>
+          </p:txBody>
+        </p:sp>
+        <p:cxnSp>
+          <p:nvCxnSpPr>
+            <p:cNvPr id="69" name="直线箭头连接符 68">
+              <a:extLst>
+                <a:ext uri="{FF2B5EF4-FFF2-40B4-BE49-F238E27FC236}">
+                  <a16:creationId xmlns:a16="http://schemas.microsoft.com/office/drawing/2014/main" id="{C0D51958-08E9-324A-A6FC-E72B71EA6EF0}"/>
+                </a:ext>
+              </a:extLst>
+            </p:cNvPr>
+            <p:cNvCxnSpPr>
+              <a:cxnSpLocks/>
+            </p:cNvCxnSpPr>
+            <p:nvPr/>
+          </p:nvCxnSpPr>
+          <p:spPr>
+            <a:xfrm>
+              <a:off x="4247597" y="3652999"/>
+              <a:ext cx="465993" cy="0"/>
+            </a:xfrm>
+            <a:prstGeom prst="straightConnector1">
+              <a:avLst/>
+            </a:prstGeom>
+            <a:ln w="25400">
+              <a:solidFill>
+                <a:srgbClr val="D8D9E6"/>
+              </a:solidFill>
+              <a:tailEnd type="triangle"/>
+            </a:ln>
+          </p:spPr>
+          <p:style>
+            <a:lnRef idx="1">
+              <a:schemeClr val="accent1"/>
+            </a:lnRef>
+            <a:fillRef idx="0">
+              <a:schemeClr val="accent1"/>
+            </a:fillRef>
+            <a:effectRef idx="0">
+              <a:schemeClr val="accent1"/>
+            </a:effectRef>
+            <a:fontRef idx="minor">
+              <a:schemeClr val="tx1"/>
+            </a:fontRef>
+          </p:style>
+        </p:cxnSp>
+        <p:sp>
+          <p:nvSpPr>
+            <p:cNvPr id="70" name="矩形 69">
+              <a:extLst>
+                <a:ext uri="{FF2B5EF4-FFF2-40B4-BE49-F238E27FC236}">
+                  <a16:creationId xmlns:a16="http://schemas.microsoft.com/office/drawing/2014/main" id="{F8258564-7BAC-994A-9F0E-398E9A68E617}"/>
+                </a:ext>
+              </a:extLst>
+            </p:cNvPr>
+            <p:cNvSpPr/>
+            <p:nvPr/>
+          </p:nvSpPr>
+          <p:spPr>
+            <a:xfrm>
+              <a:off x="7874539" y="3041423"/>
+              <a:ext cx="2041826" cy="1242664"/>
+            </a:xfrm>
+            <a:prstGeom prst="rect">
+              <a:avLst/>
+            </a:prstGeom>
+            <a:solidFill>
+              <a:srgbClr val="F5F5FA"/>
+            </a:solidFill>
+            <a:ln w="12700">
+              <a:noFill/>
+            </a:ln>
+          </p:spPr>
+          <p:style>
+            <a:lnRef idx="2">
+              <a:schemeClr val="accent1">
+                <a:shade val="50000"/>
+              </a:schemeClr>
+            </a:lnRef>
+            <a:fillRef idx="1">
+              <a:schemeClr val="accent1"/>
+            </a:fillRef>
+            <a:effectRef idx="0">
+              <a:schemeClr val="accent1"/>
+            </a:effectRef>
+            <a:fontRef idx="minor">
+              <a:schemeClr val="lt1"/>
+            </a:fontRef>
+          </p:style>
+          <p:txBody>
+            <a:bodyPr rtlCol="0" anchor="ctr"/>
+            <a:lstStyle/>
+            <a:p>
+              <a:pPr algn="ctr"/>
+              <a:endParaRPr kumimoji="1" lang="zh-CN" altLang="en-US" sz="1600">
+                <a:latin typeface="Helvetica Light" panose="020B0403020202020204"/>
+              </a:endParaRPr>
+            </a:p>
+          </p:txBody>
+        </p:sp>
+        <p:cxnSp>
+          <p:nvCxnSpPr>
+            <p:cNvPr id="71" name="直线箭头连接符 70">
+              <a:extLst>
+                <a:ext uri="{FF2B5EF4-FFF2-40B4-BE49-F238E27FC236}">
+                  <a16:creationId xmlns:a16="http://schemas.microsoft.com/office/drawing/2014/main" id="{8BDC6E6D-FB8D-EB4C-A0B9-CF3D6357C3B1}"/>
+                </a:ext>
+              </a:extLst>
+            </p:cNvPr>
+            <p:cNvCxnSpPr>
+              <a:cxnSpLocks/>
+            </p:cNvCxnSpPr>
+            <p:nvPr/>
+          </p:nvCxnSpPr>
+          <p:spPr>
+            <a:xfrm>
+              <a:off x="7190836" y="3652999"/>
+              <a:ext cx="465993" cy="0"/>
+            </a:xfrm>
+            <a:prstGeom prst="straightConnector1">
+              <a:avLst/>
+            </a:prstGeom>
+            <a:ln w="25400">
+              <a:solidFill>
+                <a:srgbClr val="D8D9E6"/>
+              </a:solidFill>
+              <a:tailEnd type="triangle"/>
+            </a:ln>
+          </p:spPr>
+          <p:style>
+            <a:lnRef idx="1">
+              <a:schemeClr val="accent1"/>
+            </a:lnRef>
+            <a:fillRef idx="0">
+              <a:schemeClr val="accent1"/>
+            </a:fillRef>
+            <a:effectRef idx="0">
+              <a:schemeClr val="accent1"/>
+            </a:effectRef>
+            <a:fontRef idx="minor">
+              <a:schemeClr val="tx1"/>
+            </a:fontRef>
+          </p:style>
+        </p:cxnSp>
+        <p:sp>
+          <p:nvSpPr>
+            <p:cNvPr id="89" name="矩形 88">
+              <a:extLst>
+                <a:ext uri="{FF2B5EF4-FFF2-40B4-BE49-F238E27FC236}">
+                  <a16:creationId xmlns:a16="http://schemas.microsoft.com/office/drawing/2014/main" id="{41EEA4AD-4204-CD40-B158-F26EB119D9B4}"/>
+                </a:ext>
+              </a:extLst>
+            </p:cNvPr>
+            <p:cNvSpPr/>
+            <p:nvPr/>
+          </p:nvSpPr>
+          <p:spPr>
+            <a:xfrm>
+              <a:off x="10823182" y="3033156"/>
+              <a:ext cx="2041826" cy="1242664"/>
+            </a:xfrm>
+            <a:prstGeom prst="rect">
+              <a:avLst/>
+            </a:prstGeom>
+            <a:solidFill>
+              <a:srgbClr val="F5F5FA"/>
+            </a:solidFill>
+            <a:ln w="12700">
+              <a:noFill/>
+            </a:ln>
+          </p:spPr>
+          <p:style>
+            <a:lnRef idx="2">
+              <a:schemeClr val="accent1">
+                <a:shade val="50000"/>
+              </a:schemeClr>
+            </a:lnRef>
+            <a:fillRef idx="1">
+              <a:schemeClr val="accent1"/>
+            </a:fillRef>
+            <a:effectRef idx="0">
+              <a:schemeClr val="accent1"/>
+            </a:effectRef>
+            <a:fontRef idx="minor">
+              <a:schemeClr val="lt1"/>
+            </a:fontRef>
+          </p:style>
+          <p:txBody>
+            <a:bodyPr rtlCol="0" anchor="ctr"/>
+            <a:lstStyle/>
+            <a:p>
+              <a:pPr algn="ctr"/>
+              <a:endParaRPr kumimoji="1" lang="zh-CN" altLang="en-US" sz="1600">
+                <a:latin typeface="Helvetica Light" panose="020B0403020202020204"/>
+              </a:endParaRPr>
+            </a:p>
+          </p:txBody>
+        </p:sp>
+        <p:cxnSp>
+          <p:nvCxnSpPr>
+            <p:cNvPr id="90" name="直线箭头连接符 89">
+              <a:extLst>
+                <a:ext uri="{FF2B5EF4-FFF2-40B4-BE49-F238E27FC236}">
+                  <a16:creationId xmlns:a16="http://schemas.microsoft.com/office/drawing/2014/main" id="{721F3970-E298-9A48-B4D1-0AE661BB90E6}"/>
+                </a:ext>
+              </a:extLst>
+            </p:cNvPr>
+            <p:cNvCxnSpPr>
+              <a:cxnSpLocks/>
+            </p:cNvCxnSpPr>
+            <p:nvPr/>
+          </p:nvCxnSpPr>
+          <p:spPr>
+            <a:xfrm>
+              <a:off x="10139479" y="3644732"/>
+              <a:ext cx="465993" cy="0"/>
+            </a:xfrm>
+            <a:prstGeom prst="straightConnector1">
+              <a:avLst/>
+            </a:prstGeom>
+            <a:ln w="25400">
+              <a:solidFill>
+                <a:srgbClr val="D8D9E6"/>
+              </a:solidFill>
+              <a:tailEnd type="triangle"/>
+            </a:ln>
+          </p:spPr>
+          <p:style>
+            <a:lnRef idx="1">
+              <a:schemeClr val="accent1"/>
+            </a:lnRef>
+            <a:fillRef idx="0">
+              <a:schemeClr val="accent1"/>
+            </a:fillRef>
+            <a:effectRef idx="0">
+              <a:schemeClr val="accent1"/>
+            </a:effectRef>
+            <a:fontRef idx="minor">
+              <a:schemeClr val="tx1"/>
+            </a:fontRef>
+          </p:style>
+        </p:cxnSp>
+        <p:cxnSp>
+          <p:nvCxnSpPr>
+            <p:cNvPr id="93" name="直线箭头连接符 92">
+              <a:extLst>
+                <a:ext uri="{FF2B5EF4-FFF2-40B4-BE49-F238E27FC236}">
+                  <a16:creationId xmlns:a16="http://schemas.microsoft.com/office/drawing/2014/main" id="{8911DDDD-E490-2941-B270-006B2D2107D5}"/>
+                </a:ext>
+              </a:extLst>
+            </p:cNvPr>
+            <p:cNvCxnSpPr>
+              <a:cxnSpLocks/>
+            </p:cNvCxnSpPr>
+            <p:nvPr/>
+          </p:nvCxnSpPr>
+          <p:spPr>
+            <a:xfrm flipH="1">
+              <a:off x="1875185" y="5727867"/>
+              <a:ext cx="465993" cy="0"/>
+            </a:xfrm>
+            <a:prstGeom prst="straightConnector1">
+              <a:avLst/>
+            </a:prstGeom>
+            <a:ln w="25400">
+              <a:solidFill>
+                <a:srgbClr val="D8D9E6"/>
+              </a:solidFill>
+              <a:tailEnd type="triangle"/>
+            </a:ln>
+          </p:spPr>
+          <p:style>
+            <a:lnRef idx="1">
+              <a:schemeClr val="accent1"/>
+            </a:lnRef>
+            <a:fillRef idx="0">
+              <a:schemeClr val="accent1"/>
+            </a:fillRef>
+            <a:effectRef idx="0">
+              <a:schemeClr val="accent1"/>
+            </a:effectRef>
+            <a:fontRef idx="minor">
+              <a:schemeClr val="tx1"/>
+            </a:fontRef>
+          </p:style>
+        </p:cxnSp>
+        <p:sp>
+          <p:nvSpPr>
+            <p:cNvPr id="97" name="矩形 96">
+              <a:extLst>
+                <a:ext uri="{FF2B5EF4-FFF2-40B4-BE49-F238E27FC236}">
+                  <a16:creationId xmlns:a16="http://schemas.microsoft.com/office/drawing/2014/main" id="{B96C1479-DB17-664C-94C7-837BCB390BAA}"/>
+                </a:ext>
+              </a:extLst>
+            </p:cNvPr>
+            <p:cNvSpPr/>
+            <p:nvPr/>
+          </p:nvSpPr>
+          <p:spPr>
+            <a:xfrm>
+              <a:off x="-1078951" y="5113088"/>
+              <a:ext cx="2786220" cy="1229558"/>
+            </a:xfrm>
+            <a:prstGeom prst="rect">
+              <a:avLst/>
+            </a:prstGeom>
+            <a:solidFill>
+              <a:srgbClr val="F5F5FA"/>
+            </a:solidFill>
+            <a:ln w="12700">
+              <a:noFill/>
+            </a:ln>
+          </p:spPr>
+          <p:style>
+            <a:lnRef idx="2">
+              <a:schemeClr val="accent1">
+                <a:shade val="50000"/>
+              </a:schemeClr>
+            </a:lnRef>
+            <a:fillRef idx="1">
+              <a:schemeClr val="accent1"/>
+            </a:fillRef>
+            <a:effectRef idx="0">
+              <a:schemeClr val="accent1"/>
+            </a:effectRef>
+            <a:fontRef idx="minor">
+              <a:schemeClr val="lt1"/>
+            </a:fontRef>
+          </p:style>
+          <p:txBody>
+            <a:bodyPr rtlCol="0" anchor="ctr"/>
+            <a:lstStyle/>
+            <a:p>
+              <a:pPr algn="ctr"/>
+              <a:endParaRPr kumimoji="1" lang="zh-CN" altLang="en-US" sz="1600" dirty="0">
+                <a:latin typeface="Helvetica Light" panose="020B0403020202020204"/>
+              </a:endParaRPr>
             </a:p>
           </p:txBody>
         </p:sp>
         <p:sp>
           <p:nvSpPr>
-            <p:cNvPr id="9" name="文本框 8">
+            <p:cNvPr id="98" name="矩形 97">
               <a:extLst>
                 <a:ext uri="{FF2B5EF4-FFF2-40B4-BE49-F238E27FC236}">
-                  <a16:creationId xmlns:a16="http://schemas.microsoft.com/office/drawing/2014/main" id="{BFCE8153-6F4E-3C4C-89AE-9A3CFF1E5A4C}"/>
+                  <a16:creationId xmlns:a16="http://schemas.microsoft.com/office/drawing/2014/main" id="{41EF3F3C-EADD-0C42-9F51-6F0D2A10CAB8}"/>
+                </a:ext>
+              </a:extLst>
+            </p:cNvPr>
+            <p:cNvSpPr/>
+            <p:nvPr/>
+          </p:nvSpPr>
+          <p:spPr>
+            <a:xfrm>
+              <a:off x="2638207" y="5113088"/>
+              <a:ext cx="2786220" cy="1229558"/>
+            </a:xfrm>
+            <a:prstGeom prst="rect">
+              <a:avLst/>
+            </a:prstGeom>
+            <a:solidFill>
+              <a:srgbClr val="F5F5FA"/>
+            </a:solidFill>
+            <a:ln w="12700">
+              <a:noFill/>
+            </a:ln>
+          </p:spPr>
+          <p:style>
+            <a:lnRef idx="2">
+              <a:schemeClr val="accent1">
+                <a:shade val="50000"/>
+              </a:schemeClr>
+            </a:lnRef>
+            <a:fillRef idx="1">
+              <a:schemeClr val="accent1"/>
+            </a:fillRef>
+            <a:effectRef idx="0">
+              <a:schemeClr val="accent1"/>
+            </a:effectRef>
+            <a:fontRef idx="minor">
+              <a:schemeClr val="lt1"/>
+            </a:fontRef>
+          </p:style>
+          <p:txBody>
+            <a:bodyPr rtlCol="0" anchor="ctr"/>
+            <a:lstStyle/>
+            <a:p>
+              <a:pPr algn="ctr"/>
+              <a:endParaRPr kumimoji="1" lang="zh-CN" altLang="en-US" sz="1600" dirty="0">
+                <a:latin typeface="Helvetica Light" panose="020B0403020202020204"/>
+              </a:endParaRPr>
+            </a:p>
+          </p:txBody>
+        </p:sp>
+        <p:sp>
+          <p:nvSpPr>
+            <p:cNvPr id="99" name="矩形 98">
+              <a:extLst>
+                <a:ext uri="{FF2B5EF4-FFF2-40B4-BE49-F238E27FC236}">
+                  <a16:creationId xmlns:a16="http://schemas.microsoft.com/office/drawing/2014/main" id="{1B50F2A1-E59C-7F4A-977B-AB4B313FAB41}"/>
+                </a:ext>
+              </a:extLst>
+            </p:cNvPr>
+            <p:cNvSpPr/>
+            <p:nvPr/>
+          </p:nvSpPr>
+          <p:spPr>
+            <a:xfrm>
+              <a:off x="6355365" y="5113088"/>
+              <a:ext cx="2786220" cy="1229558"/>
+            </a:xfrm>
+            <a:prstGeom prst="rect">
+              <a:avLst/>
+            </a:prstGeom>
+            <a:solidFill>
+              <a:srgbClr val="F5F5FA"/>
+            </a:solidFill>
+            <a:ln w="12700">
+              <a:noFill/>
+            </a:ln>
+          </p:spPr>
+          <p:style>
+            <a:lnRef idx="2">
+              <a:schemeClr val="accent1">
+                <a:shade val="50000"/>
+              </a:schemeClr>
+            </a:lnRef>
+            <a:fillRef idx="1">
+              <a:schemeClr val="accent1"/>
+            </a:fillRef>
+            <a:effectRef idx="0">
+              <a:schemeClr val="accent1"/>
+            </a:effectRef>
+            <a:fontRef idx="minor">
+              <a:schemeClr val="lt1"/>
+            </a:fontRef>
+          </p:style>
+          <p:txBody>
+            <a:bodyPr rtlCol="0" anchor="ctr"/>
+            <a:lstStyle/>
+            <a:p>
+              <a:pPr algn="ctr"/>
+              <a:endParaRPr kumimoji="1" lang="zh-CN" altLang="en-US" sz="1600" dirty="0">
+                <a:latin typeface="Helvetica Light" panose="020B0403020202020204"/>
+              </a:endParaRPr>
+            </a:p>
+          </p:txBody>
+        </p:sp>
+        <p:sp>
+          <p:nvSpPr>
+            <p:cNvPr id="100" name="矩形 99">
+              <a:extLst>
+                <a:ext uri="{FF2B5EF4-FFF2-40B4-BE49-F238E27FC236}">
+                  <a16:creationId xmlns:a16="http://schemas.microsoft.com/office/drawing/2014/main" id="{0920838B-FDBC-C24E-9818-0454FDFC1611}"/>
+                </a:ext>
+              </a:extLst>
+            </p:cNvPr>
+            <p:cNvSpPr/>
+            <p:nvPr/>
+          </p:nvSpPr>
+          <p:spPr>
+            <a:xfrm>
+              <a:off x="10072524" y="5113088"/>
+              <a:ext cx="2786220" cy="1229558"/>
+            </a:xfrm>
+            <a:prstGeom prst="rect">
+              <a:avLst/>
+            </a:prstGeom>
+            <a:solidFill>
+              <a:srgbClr val="F5F5FA"/>
+            </a:solidFill>
+            <a:ln w="12700">
+              <a:noFill/>
+            </a:ln>
+          </p:spPr>
+          <p:style>
+            <a:lnRef idx="2">
+              <a:schemeClr val="accent1">
+                <a:shade val="50000"/>
+              </a:schemeClr>
+            </a:lnRef>
+            <a:fillRef idx="1">
+              <a:schemeClr val="accent1"/>
+            </a:fillRef>
+            <a:effectRef idx="0">
+              <a:schemeClr val="accent1"/>
+            </a:effectRef>
+            <a:fontRef idx="minor">
+              <a:schemeClr val="lt1"/>
+            </a:fontRef>
+          </p:style>
+          <p:txBody>
+            <a:bodyPr rtlCol="0" anchor="ctr"/>
+            <a:lstStyle/>
+            <a:p>
+              <a:pPr algn="ctr"/>
+              <a:endParaRPr kumimoji="1" lang="zh-CN" altLang="en-US" sz="1600" dirty="0">
+                <a:latin typeface="Helvetica Light" panose="020B0403020202020204"/>
+              </a:endParaRPr>
+            </a:p>
+          </p:txBody>
+        </p:sp>
+        <p:sp>
+          <p:nvSpPr>
+            <p:cNvPr id="101" name="文本框 100">
+              <a:extLst>
+                <a:ext uri="{FF2B5EF4-FFF2-40B4-BE49-F238E27FC236}">
+                  <a16:creationId xmlns:a16="http://schemas.microsoft.com/office/drawing/2014/main" id="{0EB4F7D9-B79C-8E4D-9FFD-149C5E4396A4}"/>
                 </a:ext>
               </a:extLst>
             </p:cNvPr>
@@ -11206,7 +11159,338 @@
           </p:nvSpPr>
           <p:spPr>
             <a:xfrm>
-              <a:off x="-3795564" y="2603746"/>
+              <a:off x="-1247886" y="3056986"/>
+              <a:ext cx="2329130" cy="738664"/>
+            </a:xfrm>
+            <a:prstGeom prst="rect">
+              <a:avLst/>
+            </a:prstGeom>
+            <a:noFill/>
+          </p:spPr>
+          <p:txBody>
+            <a:bodyPr wrap="square" rtlCol="0">
+              <a:spAutoFit/>
+            </a:bodyPr>
+            <a:lstStyle/>
+            <a:p>
+              <a:pPr algn="ctr"/>
+              <a:r>
+                <a:rPr kumimoji="1" lang="en-US" altLang="zh-CN" sz="1400" dirty="0">
+                  <a:solidFill>
+                    <a:srgbClr val="383C57"/>
+                  </a:solidFill>
+                  <a:latin typeface="Helvetica" pitchFamily="2" charset="0"/>
+                </a:rPr>
+                <a:t>1 - Cloud: Create Model</a:t>
+              </a:r>
+            </a:p>
+            <a:p>
+              <a:pPr algn="ctr"/>
+              <a:r>
+                <a:rPr kumimoji="1" lang="zh-CN" altLang="en-US" sz="1400" dirty="0">
+                  <a:solidFill>
+                    <a:srgbClr val="383C57"/>
+                  </a:solidFill>
+                  <a:latin typeface="Helvetica" pitchFamily="2" charset="0"/>
+                </a:rPr>
+                <a:t>（</a:t>
+              </a:r>
+              <a:r>
+                <a:rPr kumimoji="1" lang="en-US" altLang="zh-CN" sz="1400" dirty="0">
+                  <a:solidFill>
+                    <a:srgbClr val="383C57"/>
+                  </a:solidFill>
+                  <a:latin typeface="Helvetica" pitchFamily="2" charset="0"/>
+                </a:rPr>
+                <a:t>Edge, Subdevice</a:t>
+              </a:r>
+              <a:r>
+                <a:rPr kumimoji="1" lang="zh-CN" altLang="en-US" sz="1400" dirty="0">
+                  <a:solidFill>
+                    <a:srgbClr val="383C57"/>
+                  </a:solidFill>
+                  <a:latin typeface="Helvetica" pitchFamily="2" charset="0"/>
+                </a:rPr>
+                <a:t>）</a:t>
+              </a:r>
+            </a:p>
+            <a:p>
+              <a:pPr algn="ctr"/>
+              <a:endParaRPr kumimoji="1" lang="zh-CN" altLang="en-US" sz="1400" dirty="0">
+                <a:solidFill>
+                  <a:srgbClr val="383C57"/>
+                </a:solidFill>
+                <a:latin typeface="Helvetica" pitchFamily="2" charset="0"/>
+              </a:endParaRPr>
+            </a:p>
+          </p:txBody>
+        </p:sp>
+        <p:sp>
+          <p:nvSpPr>
+            <p:cNvPr id="102" name="文本框 101">
+              <a:extLst>
+                <a:ext uri="{FF2B5EF4-FFF2-40B4-BE49-F238E27FC236}">
+                  <a16:creationId xmlns:a16="http://schemas.microsoft.com/office/drawing/2014/main" id="{3BB40D0A-5E8C-0441-A477-37A2F49CABAA}"/>
+                </a:ext>
+              </a:extLst>
+            </p:cNvPr>
+            <p:cNvSpPr txBox="1"/>
+            <p:nvPr/>
+          </p:nvSpPr>
+          <p:spPr>
+            <a:xfrm>
+              <a:off x="1853384" y="3052965"/>
+              <a:ext cx="2329130" cy="523220"/>
+            </a:xfrm>
+            <a:prstGeom prst="rect">
+              <a:avLst/>
+            </a:prstGeom>
+            <a:noFill/>
+          </p:spPr>
+          <p:txBody>
+            <a:bodyPr wrap="square" rtlCol="0">
+              <a:spAutoFit/>
+            </a:bodyPr>
+            <a:lstStyle/>
+            <a:p>
+              <a:pPr algn="ctr"/>
+              <a:r>
+                <a:rPr kumimoji="1" lang="en-US" altLang="zh-CN" sz="1400" dirty="0">
+                  <a:solidFill>
+                    <a:srgbClr val="383C57"/>
+                  </a:solidFill>
+                  <a:latin typeface="Helvetica" pitchFamily="2" charset="0"/>
+                </a:rPr>
+                <a:t>2 - Cloud: Create Product </a:t>
+              </a:r>
+              <a:r>
+                <a:rPr kumimoji="1" lang="zh-CN" altLang="en-US" sz="1400" dirty="0">
+                  <a:solidFill>
+                    <a:srgbClr val="383C57"/>
+                  </a:solidFill>
+                  <a:latin typeface="Helvetica" pitchFamily="2" charset="0"/>
+                </a:rPr>
+                <a:t>（</a:t>
+              </a:r>
+              <a:r>
+                <a:rPr kumimoji="1" lang="en-US" altLang="zh-CN" sz="1400" dirty="0">
+                  <a:solidFill>
+                    <a:srgbClr val="383C57"/>
+                  </a:solidFill>
+                  <a:latin typeface="Helvetica" pitchFamily="2" charset="0"/>
+                </a:rPr>
+                <a:t>Edge, Subdevice</a:t>
+              </a:r>
+              <a:r>
+                <a:rPr kumimoji="1" lang="zh-CN" altLang="en-US" sz="1400" dirty="0">
+                  <a:solidFill>
+                    <a:srgbClr val="383C57"/>
+                  </a:solidFill>
+                  <a:latin typeface="Helvetica" pitchFamily="2" charset="0"/>
+                </a:rPr>
+                <a:t>）</a:t>
+              </a:r>
+            </a:p>
+          </p:txBody>
+        </p:sp>
+        <p:sp>
+          <p:nvSpPr>
+            <p:cNvPr id="103" name="文本框 102">
+              <a:extLst>
+                <a:ext uri="{FF2B5EF4-FFF2-40B4-BE49-F238E27FC236}">
+                  <a16:creationId xmlns:a16="http://schemas.microsoft.com/office/drawing/2014/main" id="{99B33E3B-9CCA-7949-A965-0924510A29CE}"/>
+                </a:ext>
+              </a:extLst>
+            </p:cNvPr>
+            <p:cNvSpPr txBox="1"/>
+            <p:nvPr/>
+          </p:nvSpPr>
+          <p:spPr>
+            <a:xfrm>
+              <a:off x="4784946" y="3050804"/>
+              <a:ext cx="2329130" cy="523220"/>
+            </a:xfrm>
+            <a:prstGeom prst="rect">
+              <a:avLst/>
+            </a:prstGeom>
+            <a:noFill/>
+          </p:spPr>
+          <p:txBody>
+            <a:bodyPr wrap="square" rtlCol="0">
+              <a:spAutoFit/>
+            </a:bodyPr>
+            <a:lstStyle/>
+            <a:p>
+              <a:pPr algn="ctr"/>
+              <a:r>
+                <a:rPr kumimoji="1" lang="en-US" altLang="zh-CN" sz="1400" dirty="0">
+                  <a:solidFill>
+                    <a:srgbClr val="383C57"/>
+                  </a:solidFill>
+                  <a:latin typeface="Helvetica" pitchFamily="2" charset="0"/>
+                </a:rPr>
+                <a:t>3 - Cloud: Create Device </a:t>
+              </a:r>
+              <a:r>
+                <a:rPr kumimoji="1" lang="zh-CN" altLang="en-US" sz="1400" dirty="0">
+                  <a:solidFill>
+                    <a:srgbClr val="383C57"/>
+                  </a:solidFill>
+                  <a:latin typeface="Helvetica" pitchFamily="2" charset="0"/>
+                </a:rPr>
+                <a:t>（</a:t>
+              </a:r>
+              <a:r>
+                <a:rPr kumimoji="1" lang="en-US" altLang="zh-CN" sz="1400" dirty="0">
+                  <a:solidFill>
+                    <a:srgbClr val="383C57"/>
+                  </a:solidFill>
+                  <a:latin typeface="Helvetica" pitchFamily="2" charset="0"/>
+                </a:rPr>
+                <a:t>Edge, Subdevice</a:t>
+              </a:r>
+              <a:r>
+                <a:rPr kumimoji="1" lang="zh-CN" altLang="en-US" sz="1400" dirty="0">
+                  <a:solidFill>
+                    <a:srgbClr val="383C57"/>
+                  </a:solidFill>
+                  <a:latin typeface="Helvetica" pitchFamily="2" charset="0"/>
+                </a:rPr>
+                <a:t>）</a:t>
+              </a:r>
+            </a:p>
+          </p:txBody>
+        </p:sp>
+        <p:sp>
+          <p:nvSpPr>
+            <p:cNvPr id="104" name="文本框 103">
+              <a:extLst>
+                <a:ext uri="{FF2B5EF4-FFF2-40B4-BE49-F238E27FC236}">
+                  <a16:creationId xmlns:a16="http://schemas.microsoft.com/office/drawing/2014/main" id="{39937FC1-D085-824C-A10C-485B05D2E2B8}"/>
+                </a:ext>
+              </a:extLst>
+            </p:cNvPr>
+            <p:cNvSpPr txBox="1"/>
+            <p:nvPr/>
+          </p:nvSpPr>
+          <p:spPr>
+            <a:xfrm>
+              <a:off x="7780056" y="3056986"/>
+              <a:ext cx="2329130" cy="523220"/>
+            </a:xfrm>
+            <a:prstGeom prst="rect">
+              <a:avLst/>
+            </a:prstGeom>
+            <a:noFill/>
+          </p:spPr>
+          <p:txBody>
+            <a:bodyPr wrap="square" rtlCol="0">
+              <a:spAutoFit/>
+            </a:bodyPr>
+            <a:lstStyle/>
+            <a:p>
+              <a:pPr algn="ctr"/>
+              <a:r>
+                <a:rPr kumimoji="1" lang="en-US" altLang="zh-CN" sz="1400" dirty="0">
+                  <a:solidFill>
+                    <a:srgbClr val="383C57"/>
+                  </a:solidFill>
+                  <a:latin typeface="Helvetica" pitchFamily="2" charset="0"/>
+                </a:rPr>
+                <a:t>4 - Device: Burn Device Triple</a:t>
+              </a:r>
+              <a:r>
+                <a:rPr kumimoji="1" lang="zh-CN" altLang="en-US" sz="1400" dirty="0">
+                  <a:solidFill>
+                    <a:srgbClr val="383C57"/>
+                  </a:solidFill>
+                  <a:latin typeface="Helvetica" pitchFamily="2" charset="0"/>
+                </a:rPr>
+                <a:t>（</a:t>
+              </a:r>
+              <a:r>
+                <a:rPr kumimoji="1" lang="en-US" altLang="zh-CN" sz="1400" dirty="0">
+                  <a:solidFill>
+                    <a:srgbClr val="383C57"/>
+                  </a:solidFill>
+                  <a:latin typeface="Helvetica" pitchFamily="2" charset="0"/>
+                </a:rPr>
+                <a:t>Edge, Subdevice</a:t>
+              </a:r>
+              <a:r>
+                <a:rPr kumimoji="1" lang="zh-CN" altLang="en-US" sz="1400" dirty="0">
+                  <a:solidFill>
+                    <a:srgbClr val="383C57"/>
+                  </a:solidFill>
+                  <a:latin typeface="Helvetica" pitchFamily="2" charset="0"/>
+                </a:rPr>
+                <a:t>）</a:t>
+              </a:r>
+            </a:p>
+          </p:txBody>
+        </p:sp>
+        <p:sp>
+          <p:nvSpPr>
+            <p:cNvPr id="105" name="文本框 104">
+              <a:extLst>
+                <a:ext uri="{FF2B5EF4-FFF2-40B4-BE49-F238E27FC236}">
+                  <a16:creationId xmlns:a16="http://schemas.microsoft.com/office/drawing/2014/main" id="{491A7A41-30EC-A54F-B994-437026BC2603}"/>
+                </a:ext>
+              </a:extLst>
+            </p:cNvPr>
+            <p:cNvSpPr txBox="1"/>
+            <p:nvPr/>
+          </p:nvSpPr>
+          <p:spPr>
+            <a:xfrm>
+              <a:off x="10579499" y="3065200"/>
+              <a:ext cx="2329130" cy="523220"/>
+            </a:xfrm>
+            <a:prstGeom prst="rect">
+              <a:avLst/>
+            </a:prstGeom>
+            <a:noFill/>
+          </p:spPr>
+          <p:txBody>
+            <a:bodyPr wrap="square" rtlCol="0">
+              <a:spAutoFit/>
+            </a:bodyPr>
+            <a:lstStyle/>
+            <a:p>
+              <a:pPr algn="ctr"/>
+              <a:r>
+                <a:rPr kumimoji="1" lang="en-US" altLang="zh-CN" sz="1400" dirty="0">
+                  <a:solidFill>
+                    <a:srgbClr val="383C57"/>
+                  </a:solidFill>
+                  <a:latin typeface="Helvetica" pitchFamily="2" charset="0"/>
+                </a:rPr>
+                <a:t>5 – Edge: Connect to Network </a:t>
+              </a:r>
+              <a:endParaRPr kumimoji="1" lang="zh-CN" altLang="en-US" sz="1400" dirty="0">
+                <a:solidFill>
+                  <a:srgbClr val="383C57"/>
+                </a:solidFill>
+                <a:latin typeface="Helvetica" pitchFamily="2" charset="0"/>
+              </a:endParaRPr>
+            </a:p>
+          </p:txBody>
+        </p:sp>
+        <p:sp>
+          <p:nvSpPr>
+            <p:cNvPr id="106" name="文本框 105">
+              <a:extLst>
+                <a:ext uri="{FF2B5EF4-FFF2-40B4-BE49-F238E27FC236}">
+                  <a16:creationId xmlns:a16="http://schemas.microsoft.com/office/drawing/2014/main" id="{DC5A14BF-A846-1B40-881C-A8385680CB43}"/>
+                </a:ext>
+              </a:extLst>
+            </p:cNvPr>
+            <p:cNvSpPr txBox="1"/>
+            <p:nvPr/>
+          </p:nvSpPr>
+          <p:spPr>
+            <a:xfrm>
+              <a:off x="2019389" y="3574024"/>
               <a:ext cx="1871210" cy="523220"/>
             </a:xfrm>
             <a:prstGeom prst="rect">
@@ -11221,7 +11505,7 @@
             <a:lstStyle/>
             <a:p>
               <a:r>
-                <a:rPr kumimoji="1" lang="en-US" altLang="zh-CN" sz="1400" dirty="0" smtClean="0">
+                <a:rPr kumimoji="1" lang="en-US" altLang="zh-CN" sz="1400" dirty="0">
                   <a:solidFill>
                     <a:srgbClr val="737794"/>
                   </a:solidFill>
@@ -11242,202 +11526,10 @@
         </p:sp>
         <p:sp>
           <p:nvSpPr>
-            <p:cNvPr id="10" name="矩形 9">
+            <p:cNvPr id="107" name="文本框 106">
               <a:extLst>
                 <a:ext uri="{FF2B5EF4-FFF2-40B4-BE49-F238E27FC236}">
-                  <a16:creationId xmlns:a16="http://schemas.microsoft.com/office/drawing/2014/main" id="{F66AB16C-44FD-A942-8E28-B6D685D365DF}"/>
-                </a:ext>
-              </a:extLst>
-            </p:cNvPr>
-            <p:cNvSpPr/>
-            <p:nvPr/>
-          </p:nvSpPr>
-          <p:spPr>
-            <a:xfrm>
-              <a:off x="-6927743" y="1988711"/>
-              <a:ext cx="2041826" cy="1229558"/>
-            </a:xfrm>
-            <a:prstGeom prst="rect">
-              <a:avLst/>
-            </a:prstGeom>
-            <a:solidFill>
-              <a:srgbClr val="F5F5FA"/>
-            </a:solidFill>
-            <a:ln w="12700">
-              <a:noFill/>
-            </a:ln>
-          </p:spPr>
-          <p:style>
-            <a:lnRef idx="2">
-              <a:schemeClr val="accent1">
-                <a:shade val="50000"/>
-              </a:schemeClr>
-            </a:lnRef>
-            <a:fillRef idx="1">
-              <a:schemeClr val="accent1"/>
-            </a:fillRef>
-            <a:effectRef idx="0">
-              <a:schemeClr val="accent1"/>
-            </a:effectRef>
-            <a:fontRef idx="minor">
-              <a:schemeClr val="lt1"/>
-            </a:fontRef>
-          </p:style>
-          <p:txBody>
-            <a:bodyPr rtlCol="0" anchor="ctr"/>
-            <a:lstStyle/>
-            <a:p>
-              <a:pPr algn="ctr"/>
-              <a:endParaRPr kumimoji="1" lang="zh-CN" altLang="en-US" sz="1600" dirty="0"/>
-            </a:p>
-          </p:txBody>
-        </p:sp>
-        <p:cxnSp>
-          <p:nvCxnSpPr>
-            <p:cNvPr id="11" name="直线箭头连接符 10">
-              <a:extLst>
-                <a:ext uri="{FF2B5EF4-FFF2-40B4-BE49-F238E27FC236}">
-                  <a16:creationId xmlns:a16="http://schemas.microsoft.com/office/drawing/2014/main" id="{08950ED9-7484-2F46-8278-7248962FF807}"/>
-                </a:ext>
-              </a:extLst>
-            </p:cNvPr>
-            <p:cNvCxnSpPr>
-              <a:cxnSpLocks/>
-            </p:cNvCxnSpPr>
-            <p:nvPr/>
-          </p:nvCxnSpPr>
-          <p:spPr>
-            <a:xfrm>
-              <a:off x="-4657766" y="2587181"/>
-              <a:ext cx="465993" cy="0"/>
-            </a:xfrm>
-            <a:prstGeom prst="straightConnector1">
-              <a:avLst/>
-            </a:prstGeom>
-            <a:ln w="25400">
-              <a:solidFill>
-                <a:srgbClr val="D8D9E6"/>
-              </a:solidFill>
-              <a:tailEnd type="triangle"/>
-            </a:ln>
-          </p:spPr>
-          <p:style>
-            <a:lnRef idx="1">
-              <a:schemeClr val="accent1"/>
-            </a:lnRef>
-            <a:fillRef idx="0">
-              <a:schemeClr val="accent1"/>
-            </a:fillRef>
-            <a:effectRef idx="0">
-              <a:schemeClr val="accent1"/>
-            </a:effectRef>
-            <a:fontRef idx="minor">
-              <a:schemeClr val="tx1"/>
-            </a:fontRef>
-          </p:style>
-        </p:cxnSp>
-        <p:sp>
-          <p:nvSpPr>
-            <p:cNvPr id="12" name="矩形 11">
-              <a:extLst>
-                <a:ext uri="{FF2B5EF4-FFF2-40B4-BE49-F238E27FC236}">
-                  <a16:creationId xmlns:a16="http://schemas.microsoft.com/office/drawing/2014/main" id="{11E0BEA3-17B4-D144-8CF5-002EC3801E94}"/>
-                </a:ext>
-              </a:extLst>
-            </p:cNvPr>
-            <p:cNvSpPr/>
-            <p:nvPr/>
-          </p:nvSpPr>
-          <p:spPr>
-            <a:xfrm>
-              <a:off x="-1030824" y="1975605"/>
-              <a:ext cx="2041826" cy="1242664"/>
-            </a:xfrm>
-            <a:prstGeom prst="rect">
-              <a:avLst/>
-            </a:prstGeom>
-            <a:solidFill>
-              <a:srgbClr val="F5F5FA"/>
-            </a:solidFill>
-            <a:ln w="12700">
-              <a:noFill/>
-            </a:ln>
-          </p:spPr>
-          <p:style>
-            <a:lnRef idx="2">
-              <a:schemeClr val="accent1">
-                <a:shade val="50000"/>
-              </a:schemeClr>
-            </a:lnRef>
-            <a:fillRef idx="1">
-              <a:schemeClr val="accent1"/>
-            </a:fillRef>
-            <a:effectRef idx="0">
-              <a:schemeClr val="accent1"/>
-            </a:effectRef>
-            <a:fontRef idx="minor">
-              <a:schemeClr val="lt1"/>
-            </a:fontRef>
-          </p:style>
-          <p:txBody>
-            <a:bodyPr rtlCol="0" anchor="ctr"/>
-            <a:lstStyle/>
-            <a:p>
-              <a:pPr algn="ctr"/>
-              <a:endParaRPr kumimoji="1" lang="zh-CN" altLang="en-US" sz="1600"/>
-            </a:p>
-          </p:txBody>
-        </p:sp>
-        <p:cxnSp>
-          <p:nvCxnSpPr>
-            <p:cNvPr id="13" name="直线箭头连接符 12">
-              <a:extLst>
-                <a:ext uri="{FF2B5EF4-FFF2-40B4-BE49-F238E27FC236}">
-                  <a16:creationId xmlns:a16="http://schemas.microsoft.com/office/drawing/2014/main" id="{8C33AC48-B2E5-E74E-867F-FC42DA675832}"/>
-                </a:ext>
-              </a:extLst>
-            </p:cNvPr>
-            <p:cNvCxnSpPr>
-              <a:cxnSpLocks/>
-            </p:cNvCxnSpPr>
-            <p:nvPr/>
-          </p:nvCxnSpPr>
-          <p:spPr>
-            <a:xfrm>
-              <a:off x="-1714527" y="2593734"/>
-              <a:ext cx="465993" cy="0"/>
-            </a:xfrm>
-            <a:prstGeom prst="straightConnector1">
-              <a:avLst/>
-            </a:prstGeom>
-            <a:ln w="25400">
-              <a:solidFill>
-                <a:srgbClr val="D8D9E6"/>
-              </a:solidFill>
-              <a:tailEnd type="triangle"/>
-            </a:ln>
-          </p:spPr>
-          <p:style>
-            <a:lnRef idx="1">
-              <a:schemeClr val="accent1"/>
-            </a:lnRef>
-            <a:fillRef idx="0">
-              <a:schemeClr val="accent1"/>
-            </a:fillRef>
-            <a:effectRef idx="0">
-              <a:schemeClr val="accent1"/>
-            </a:effectRef>
-            <a:fontRef idx="minor">
-              <a:schemeClr val="tx1"/>
-            </a:fontRef>
-          </p:style>
-        </p:cxnSp>
-        <p:sp>
-          <p:nvSpPr>
-            <p:cNvPr id="17" name="文本框 16">
-              <a:extLst>
-                <a:ext uri="{FF2B5EF4-FFF2-40B4-BE49-F238E27FC236}">
-                  <a16:creationId xmlns:a16="http://schemas.microsoft.com/office/drawing/2014/main" id="{7EEF6003-4B3D-874E-B79D-261B01737506}"/>
+                  <a16:creationId xmlns:a16="http://schemas.microsoft.com/office/drawing/2014/main" id="{FAC3752D-AD97-7747-88FE-786C4C2D962B}"/>
                 </a:ext>
               </a:extLst>
             </p:cNvPr>
@@ -11446,7 +11538,7 @@
           </p:nvSpPr>
           <p:spPr>
             <a:xfrm>
-              <a:off x="-837438" y="2599036"/>
+              <a:off x="4925896" y="3587950"/>
               <a:ext cx="1827175" cy="307777"/>
             </a:xfrm>
             <a:prstGeom prst="rect">
@@ -11461,7 +11553,7 @@
             <a:lstStyle/>
             <a:p>
               <a:r>
-                <a:rPr kumimoji="1" lang="en-US" altLang="zh-CN" sz="1400" dirty="0" smtClean="0">
+                <a:rPr kumimoji="1" lang="en-US" altLang="zh-CN" sz="1400" dirty="0">
                   <a:solidFill>
                     <a:srgbClr val="737794"/>
                   </a:solidFill>
@@ -11482,10 +11574,10 @@
         </p:sp>
         <p:sp>
           <p:nvSpPr>
-            <p:cNvPr id="18" name="文本框 17">
+            <p:cNvPr id="108" name="文本框 107">
               <a:extLst>
                 <a:ext uri="{FF2B5EF4-FFF2-40B4-BE49-F238E27FC236}">
-                  <a16:creationId xmlns:a16="http://schemas.microsoft.com/office/drawing/2014/main" id="{D362AAD4-13FE-964C-9CF3-85CA5CF3F96F}"/>
+                  <a16:creationId xmlns:a16="http://schemas.microsoft.com/office/drawing/2014/main" id="{BD95C785-9323-7D49-B604-08C55B772F88}"/>
                 </a:ext>
               </a:extLst>
             </p:cNvPr>
@@ -11494,763 +11586,7 @@
           </p:nvSpPr>
           <p:spPr>
             <a:xfrm>
-              <a:off x="2028914" y="2089886"/>
-              <a:ext cx="1861425" cy="707438"/>
-            </a:xfrm>
-            <a:prstGeom prst="rect">
-              <a:avLst/>
-            </a:prstGeom>
-            <a:noFill/>
-          </p:spPr>
-          <p:txBody>
-            <a:bodyPr wrap="square" rtlCol="0">
-              <a:spAutoFit/>
-            </a:bodyPr>
-            <a:lstStyle/>
-            <a:p>
-              <a:pPr algn="ctr">
-                <a:lnSpc>
-                  <a:spcPct val="150000"/>
-                </a:lnSpc>
-              </a:pPr>
-              <a:r>
-                <a:rPr kumimoji="1" lang="en-US" altLang="zh-CN" sz="1400" dirty="0">
-                  <a:solidFill>
-                    <a:schemeClr val="bg1"/>
-                  </a:solidFill>
-                  <a:latin typeface="Helvetica Light" panose="020B0403020202020204" pitchFamily="34" charset="0"/>
-                </a:rPr>
-                <a:t>Inspect</a:t>
-              </a:r>
-              <a:r>
-                <a:rPr kumimoji="1" lang="zh-CN" altLang="en-US" sz="1400" dirty="0">
-                  <a:solidFill>
-                    <a:schemeClr val="bg1"/>
-                  </a:solidFill>
-                  <a:latin typeface="Helvetica Light" panose="020B0403020202020204" pitchFamily="34" charset="0"/>
-                </a:rPr>
-                <a:t> </a:t>
-              </a:r>
-              <a:endParaRPr kumimoji="1" lang="en-US" altLang="zh-CN" sz="1400" dirty="0">
-                <a:solidFill>
-                  <a:schemeClr val="bg1"/>
-                </a:solidFill>
-                <a:latin typeface="Helvetica Light" panose="020B0403020202020204" pitchFamily="34" charset="0"/>
-              </a:endParaRPr>
-            </a:p>
-            <a:p>
-              <a:pPr algn="ctr">
-                <a:lnSpc>
-                  <a:spcPct val="150000"/>
-                </a:lnSpc>
-              </a:pPr>
-              <a:r>
-                <a:rPr kumimoji="1" lang="en-US" altLang="zh-CN" sz="1400" dirty="0">
-                  <a:solidFill>
-                    <a:schemeClr val="bg1"/>
-                  </a:solidFill>
-                  <a:latin typeface="Helvetica Light" panose="020B0403020202020204" pitchFamily="34" charset="0"/>
-                </a:rPr>
-                <a:t>Connection</a:t>
-              </a:r>
-              <a:r>
-                <a:rPr kumimoji="1" lang="zh-CN" altLang="en-US" sz="1400" dirty="0">
-                  <a:solidFill>
-                    <a:schemeClr val="bg1"/>
-                  </a:solidFill>
-                  <a:latin typeface="Helvetica Light" panose="020B0403020202020204" pitchFamily="34" charset="0"/>
-                </a:rPr>
-                <a:t> </a:t>
-              </a:r>
-              <a:r>
-                <a:rPr kumimoji="1" lang="en-US" altLang="zh-CN" sz="1400" dirty="0">
-                  <a:solidFill>
-                    <a:schemeClr val="bg1"/>
-                  </a:solidFill>
-                  <a:latin typeface="Helvetica Light" panose="020B0403020202020204" pitchFamily="34" charset="0"/>
-                </a:rPr>
-                <a:t>Status</a:t>
-              </a:r>
-              <a:endParaRPr kumimoji="1" lang="zh-CN" altLang="en-US" sz="1400" dirty="0">
-                <a:solidFill>
-                  <a:schemeClr val="bg1"/>
-                </a:solidFill>
-                <a:latin typeface="Helvetica Light" panose="020B0403020202020204" pitchFamily="34" charset="0"/>
-              </a:endParaRPr>
-            </a:p>
-          </p:txBody>
-        </p:sp>
-        <p:sp>
-          <p:nvSpPr>
-            <p:cNvPr id="19" name="矩形 18">
-              <a:extLst>
-                <a:ext uri="{FF2B5EF4-FFF2-40B4-BE49-F238E27FC236}">
-                  <a16:creationId xmlns:a16="http://schemas.microsoft.com/office/drawing/2014/main" id="{52572E19-0BAF-EC4B-B1BF-C8604CD46FCF}"/>
-                </a:ext>
-              </a:extLst>
-            </p:cNvPr>
-            <p:cNvSpPr/>
-            <p:nvPr/>
-          </p:nvSpPr>
-          <p:spPr>
-            <a:xfrm>
-              <a:off x="4881952" y="1975605"/>
-              <a:ext cx="2041826" cy="1242664"/>
-            </a:xfrm>
-            <a:prstGeom prst="rect">
-              <a:avLst/>
-            </a:prstGeom>
-            <a:solidFill>
-              <a:srgbClr val="F5F5FA"/>
-            </a:solidFill>
-            <a:ln w="12700">
-              <a:noFill/>
-            </a:ln>
-          </p:spPr>
-          <p:style>
-            <a:lnRef idx="2">
-              <a:schemeClr val="accent1">
-                <a:shade val="50000"/>
-              </a:schemeClr>
-            </a:lnRef>
-            <a:fillRef idx="1">
-              <a:schemeClr val="accent1"/>
-            </a:fillRef>
-            <a:effectRef idx="0">
-              <a:schemeClr val="accent1"/>
-            </a:effectRef>
-            <a:fontRef idx="minor">
-              <a:schemeClr val="lt1"/>
-            </a:fontRef>
-          </p:style>
-          <p:txBody>
-            <a:bodyPr rtlCol="0" anchor="ctr"/>
-            <a:lstStyle/>
-            <a:p>
-              <a:pPr algn="ctr"/>
-              <a:endParaRPr kumimoji="1" lang="zh-CN" altLang="en-US" sz="1600"/>
-            </a:p>
-          </p:txBody>
-        </p:sp>
-        <p:sp>
-          <p:nvSpPr>
-            <p:cNvPr id="22" name="矩形 21">
-              <a:extLst>
-                <a:ext uri="{FF2B5EF4-FFF2-40B4-BE49-F238E27FC236}">
-                  <a16:creationId xmlns:a16="http://schemas.microsoft.com/office/drawing/2014/main" id="{30C18113-16FF-434A-B8AA-282538254191}"/>
-                </a:ext>
-              </a:extLst>
-            </p:cNvPr>
-            <p:cNvSpPr/>
-            <p:nvPr/>
-          </p:nvSpPr>
-          <p:spPr>
-            <a:xfrm>
-              <a:off x="1938713" y="1975605"/>
-              <a:ext cx="2041826" cy="1242664"/>
-            </a:xfrm>
-            <a:prstGeom prst="rect">
-              <a:avLst/>
-            </a:prstGeom>
-            <a:solidFill>
-              <a:srgbClr val="F5F5FA"/>
-            </a:solidFill>
-            <a:ln w="12700">
-              <a:noFill/>
-            </a:ln>
-          </p:spPr>
-          <p:style>
-            <a:lnRef idx="2">
-              <a:schemeClr val="accent1">
-                <a:shade val="50000"/>
-              </a:schemeClr>
-            </a:lnRef>
-            <a:fillRef idx="1">
-              <a:schemeClr val="accent1"/>
-            </a:fillRef>
-            <a:effectRef idx="0">
-              <a:schemeClr val="accent1"/>
-            </a:effectRef>
-            <a:fontRef idx="minor">
-              <a:schemeClr val="lt1"/>
-            </a:fontRef>
-          </p:style>
-          <p:txBody>
-            <a:bodyPr rtlCol="0" anchor="ctr"/>
-            <a:lstStyle/>
-            <a:p>
-              <a:pPr algn="ctr"/>
-              <a:endParaRPr kumimoji="1" lang="zh-CN" altLang="en-US" sz="1600" dirty="0"/>
-            </a:p>
-          </p:txBody>
-        </p:sp>
-        <p:cxnSp>
-          <p:nvCxnSpPr>
-            <p:cNvPr id="23" name="直线箭头连接符 22">
-              <a:extLst>
-                <a:ext uri="{FF2B5EF4-FFF2-40B4-BE49-F238E27FC236}">
-                  <a16:creationId xmlns:a16="http://schemas.microsoft.com/office/drawing/2014/main" id="{51F4A672-36E0-664B-97C4-D2005BEDA791}"/>
-                </a:ext>
-              </a:extLst>
-            </p:cNvPr>
-            <p:cNvCxnSpPr>
-              <a:cxnSpLocks/>
-            </p:cNvCxnSpPr>
-            <p:nvPr/>
-          </p:nvCxnSpPr>
-          <p:spPr>
-            <a:xfrm>
-              <a:off x="4198249" y="2587181"/>
-              <a:ext cx="465993" cy="0"/>
-            </a:xfrm>
-            <a:prstGeom prst="straightConnector1">
-              <a:avLst/>
-            </a:prstGeom>
-            <a:ln w="25400">
-              <a:solidFill>
-                <a:srgbClr val="D8D9E6"/>
-              </a:solidFill>
-              <a:tailEnd type="triangle"/>
-            </a:ln>
-          </p:spPr>
-          <p:style>
-            <a:lnRef idx="1">
-              <a:schemeClr val="accent1"/>
-            </a:lnRef>
-            <a:fillRef idx="0">
-              <a:schemeClr val="accent1"/>
-            </a:fillRef>
-            <a:effectRef idx="0">
-              <a:schemeClr val="accent1"/>
-            </a:effectRef>
-            <a:fontRef idx="minor">
-              <a:schemeClr val="tx1"/>
-            </a:fontRef>
-          </p:style>
-        </p:cxnSp>
-        <p:sp>
-          <p:nvSpPr>
-            <p:cNvPr id="24" name="矩形 23">
-              <a:extLst>
-                <a:ext uri="{FF2B5EF4-FFF2-40B4-BE49-F238E27FC236}">
-                  <a16:creationId xmlns:a16="http://schemas.microsoft.com/office/drawing/2014/main" id="{D4D0E2B7-9357-A94A-BAB1-B33C5B984151}"/>
-                </a:ext>
-              </a:extLst>
-            </p:cNvPr>
-            <p:cNvSpPr/>
-            <p:nvPr/>
-          </p:nvSpPr>
-          <p:spPr>
-            <a:xfrm>
-              <a:off x="7825191" y="1975605"/>
-              <a:ext cx="2041826" cy="1242664"/>
-            </a:xfrm>
-            <a:prstGeom prst="rect">
-              <a:avLst/>
-            </a:prstGeom>
-            <a:solidFill>
-              <a:srgbClr val="F5F5FA"/>
-            </a:solidFill>
-            <a:ln w="12700">
-              <a:noFill/>
-            </a:ln>
-          </p:spPr>
-          <p:style>
-            <a:lnRef idx="2">
-              <a:schemeClr val="accent1">
-                <a:shade val="50000"/>
-              </a:schemeClr>
-            </a:lnRef>
-            <a:fillRef idx="1">
-              <a:schemeClr val="accent1"/>
-            </a:fillRef>
-            <a:effectRef idx="0">
-              <a:schemeClr val="accent1"/>
-            </a:effectRef>
-            <a:fontRef idx="minor">
-              <a:schemeClr val="lt1"/>
-            </a:fontRef>
-          </p:style>
-          <p:txBody>
-            <a:bodyPr rtlCol="0" anchor="ctr"/>
-            <a:lstStyle/>
-            <a:p>
-              <a:pPr algn="ctr"/>
-              <a:endParaRPr kumimoji="1" lang="zh-CN" altLang="en-US" sz="1600"/>
-            </a:p>
-          </p:txBody>
-        </p:sp>
-        <p:cxnSp>
-          <p:nvCxnSpPr>
-            <p:cNvPr id="25" name="直线箭头连接符 24">
-              <a:extLst>
-                <a:ext uri="{FF2B5EF4-FFF2-40B4-BE49-F238E27FC236}">
-                  <a16:creationId xmlns:a16="http://schemas.microsoft.com/office/drawing/2014/main" id="{2F990521-265F-2A42-B752-0E21AFE3AF40}"/>
-                </a:ext>
-              </a:extLst>
-            </p:cNvPr>
-            <p:cNvCxnSpPr>
-              <a:cxnSpLocks/>
-            </p:cNvCxnSpPr>
-            <p:nvPr/>
-          </p:nvCxnSpPr>
-          <p:spPr>
-            <a:xfrm>
-              <a:off x="7141488" y="2587181"/>
-              <a:ext cx="465993" cy="0"/>
-            </a:xfrm>
-            <a:prstGeom prst="straightConnector1">
-              <a:avLst/>
-            </a:prstGeom>
-            <a:ln w="25400">
-              <a:solidFill>
-                <a:srgbClr val="D8D9E6"/>
-              </a:solidFill>
-              <a:tailEnd type="triangle"/>
-            </a:ln>
-          </p:spPr>
-          <p:style>
-            <a:lnRef idx="1">
-              <a:schemeClr val="accent1"/>
-            </a:lnRef>
-            <a:fillRef idx="0">
-              <a:schemeClr val="accent1"/>
-            </a:fillRef>
-            <a:effectRef idx="0">
-              <a:schemeClr val="accent1"/>
-            </a:effectRef>
-            <a:fontRef idx="minor">
-              <a:schemeClr val="tx1"/>
-            </a:fontRef>
-          </p:style>
-        </p:cxnSp>
-        <p:cxnSp>
-          <p:nvCxnSpPr>
-            <p:cNvPr id="30" name="直线箭头连接符 29">
-              <a:extLst>
-                <a:ext uri="{FF2B5EF4-FFF2-40B4-BE49-F238E27FC236}">
-                  <a16:creationId xmlns:a16="http://schemas.microsoft.com/office/drawing/2014/main" id="{7103D4B6-12FE-B24B-860B-C36BA73441E7}"/>
-                </a:ext>
-              </a:extLst>
-            </p:cNvPr>
-            <p:cNvCxnSpPr>
-              <a:cxnSpLocks/>
-            </p:cNvCxnSpPr>
-            <p:nvPr/>
-          </p:nvCxnSpPr>
-          <p:spPr>
-            <a:xfrm>
-              <a:off x="1218829" y="2593734"/>
-              <a:ext cx="465993" cy="0"/>
-            </a:xfrm>
-            <a:prstGeom prst="straightConnector1">
-              <a:avLst/>
-            </a:prstGeom>
-            <a:ln w="25400">
-              <a:solidFill>
-                <a:srgbClr val="D8D9E6"/>
-              </a:solidFill>
-              <a:tailEnd type="triangle"/>
-            </a:ln>
-          </p:spPr>
-          <p:style>
-            <a:lnRef idx="1">
-              <a:schemeClr val="accent1"/>
-            </a:lnRef>
-            <a:fillRef idx="0">
-              <a:schemeClr val="accent1"/>
-            </a:fillRef>
-            <a:effectRef idx="0">
-              <a:schemeClr val="accent1"/>
-            </a:effectRef>
-            <a:fontRef idx="minor">
-              <a:schemeClr val="tx1"/>
-            </a:fontRef>
-          </p:style>
-        </p:cxnSp>
-        <p:sp>
-          <p:nvSpPr>
-            <p:cNvPr id="31" name="矩形 30">
-              <a:extLst>
-                <a:ext uri="{FF2B5EF4-FFF2-40B4-BE49-F238E27FC236}">
-                  <a16:creationId xmlns:a16="http://schemas.microsoft.com/office/drawing/2014/main" id="{70E806D7-277C-764C-852D-8BB6B697F1BF}"/>
-                </a:ext>
-              </a:extLst>
-            </p:cNvPr>
-            <p:cNvSpPr/>
-            <p:nvPr/>
-          </p:nvSpPr>
-          <p:spPr>
-            <a:xfrm>
-              <a:off x="10768430" y="1974957"/>
-              <a:ext cx="2041826" cy="1243312"/>
-            </a:xfrm>
-            <a:prstGeom prst="rect">
-              <a:avLst/>
-            </a:prstGeom>
-            <a:solidFill>
-              <a:srgbClr val="F5F5FA"/>
-            </a:solidFill>
-            <a:ln w="12700">
-              <a:noFill/>
-            </a:ln>
-          </p:spPr>
-          <p:style>
-            <a:lnRef idx="2">
-              <a:schemeClr val="accent1">
-                <a:shade val="50000"/>
-              </a:schemeClr>
-            </a:lnRef>
-            <a:fillRef idx="1">
-              <a:schemeClr val="accent1"/>
-            </a:fillRef>
-            <a:effectRef idx="0">
-              <a:schemeClr val="accent1"/>
-            </a:effectRef>
-            <a:fontRef idx="minor">
-              <a:schemeClr val="lt1"/>
-            </a:fontRef>
-          </p:style>
-          <p:txBody>
-            <a:bodyPr rtlCol="0" anchor="ctr"/>
-            <a:lstStyle/>
-            <a:p>
-              <a:pPr algn="ctr"/>
-              <a:endParaRPr kumimoji="1" lang="zh-CN" altLang="en-US" sz="1600"/>
-            </a:p>
-          </p:txBody>
-        </p:sp>
-        <p:cxnSp>
-          <p:nvCxnSpPr>
-            <p:cNvPr id="32" name="直线箭头连接符 31">
-              <a:extLst>
-                <a:ext uri="{FF2B5EF4-FFF2-40B4-BE49-F238E27FC236}">
-                  <a16:creationId xmlns:a16="http://schemas.microsoft.com/office/drawing/2014/main" id="{6C682A2D-874F-114D-BB27-237DB315B088}"/>
-                </a:ext>
-              </a:extLst>
-            </p:cNvPr>
-            <p:cNvCxnSpPr>
-              <a:cxnSpLocks/>
-            </p:cNvCxnSpPr>
-            <p:nvPr/>
-          </p:nvCxnSpPr>
-          <p:spPr>
-            <a:xfrm>
-              <a:off x="10084727" y="2586533"/>
-              <a:ext cx="465993" cy="0"/>
-            </a:xfrm>
-            <a:prstGeom prst="straightConnector1">
-              <a:avLst/>
-            </a:prstGeom>
-            <a:ln w="25400">
-              <a:solidFill>
-                <a:srgbClr val="D8D9E6"/>
-              </a:solidFill>
-              <a:tailEnd type="triangle"/>
-            </a:ln>
-          </p:spPr>
-          <p:style>
-            <a:lnRef idx="1">
-              <a:schemeClr val="accent1"/>
-            </a:lnRef>
-            <a:fillRef idx="0">
-              <a:schemeClr val="accent1"/>
-            </a:fillRef>
-            <a:effectRef idx="0">
-              <a:schemeClr val="accent1"/>
-            </a:effectRef>
-            <a:fontRef idx="minor">
-              <a:schemeClr val="tx1"/>
-            </a:fontRef>
-          </p:style>
-        </p:cxnSp>
-        <p:sp>
-          <p:nvSpPr>
-            <p:cNvPr id="42" name="矩形 41">
-              <a:extLst>
-                <a:ext uri="{FF2B5EF4-FFF2-40B4-BE49-F238E27FC236}">
-                  <a16:creationId xmlns:a16="http://schemas.microsoft.com/office/drawing/2014/main" id="{BCFD5FC7-63A4-9346-90C3-B43640B66D11}"/>
-                </a:ext>
-              </a:extLst>
-            </p:cNvPr>
-            <p:cNvSpPr/>
-            <p:nvPr/>
-          </p:nvSpPr>
-          <p:spPr>
-            <a:xfrm>
-              <a:off x="13711669" y="1974957"/>
-              <a:ext cx="2041826" cy="1242664"/>
-            </a:xfrm>
-            <a:prstGeom prst="rect">
-              <a:avLst/>
-            </a:prstGeom>
-            <a:solidFill>
-              <a:srgbClr val="F5F5FA"/>
-            </a:solidFill>
-            <a:ln w="12700">
-              <a:noFill/>
-            </a:ln>
-          </p:spPr>
-          <p:style>
-            <a:lnRef idx="2">
-              <a:schemeClr val="accent1">
-                <a:shade val="50000"/>
-              </a:schemeClr>
-            </a:lnRef>
-            <a:fillRef idx="1">
-              <a:schemeClr val="accent1"/>
-            </a:fillRef>
-            <a:effectRef idx="0">
-              <a:schemeClr val="accent1"/>
-            </a:effectRef>
-            <a:fontRef idx="minor">
-              <a:schemeClr val="lt1"/>
-            </a:fontRef>
-          </p:style>
-          <p:txBody>
-            <a:bodyPr rtlCol="0" anchor="ctr"/>
-            <a:lstStyle/>
-            <a:p>
-              <a:pPr algn="ctr"/>
-              <a:endParaRPr kumimoji="1" lang="zh-CN" altLang="en-US" sz="1600"/>
-            </a:p>
-          </p:txBody>
-        </p:sp>
-        <p:sp>
-          <p:nvSpPr>
-            <p:cNvPr id="45" name="矩形 44">
-              <a:extLst>
-                <a:ext uri="{FF2B5EF4-FFF2-40B4-BE49-F238E27FC236}">
-                  <a16:creationId xmlns:a16="http://schemas.microsoft.com/office/drawing/2014/main" id="{C19CE37B-0578-BE41-BADB-04E3F131EA25}"/>
-                </a:ext>
-              </a:extLst>
-            </p:cNvPr>
-            <p:cNvSpPr/>
-            <p:nvPr/>
-          </p:nvSpPr>
-          <p:spPr>
-            <a:xfrm>
-              <a:off x="16654908" y="1974309"/>
-              <a:ext cx="2041826" cy="1243312"/>
-            </a:xfrm>
-            <a:prstGeom prst="rect">
-              <a:avLst/>
-            </a:prstGeom>
-            <a:solidFill>
-              <a:srgbClr val="F5F5FA"/>
-            </a:solidFill>
-            <a:ln w="12700">
-              <a:noFill/>
-            </a:ln>
-          </p:spPr>
-          <p:style>
-            <a:lnRef idx="2">
-              <a:schemeClr val="accent1">
-                <a:shade val="50000"/>
-              </a:schemeClr>
-            </a:lnRef>
-            <a:fillRef idx="1">
-              <a:schemeClr val="accent1"/>
-            </a:fillRef>
-            <a:effectRef idx="0">
-              <a:schemeClr val="accent1"/>
-            </a:effectRef>
-            <a:fontRef idx="minor">
-              <a:schemeClr val="lt1"/>
-            </a:fontRef>
-          </p:style>
-          <p:txBody>
-            <a:bodyPr rtlCol="0" anchor="ctr"/>
-            <a:lstStyle/>
-            <a:p>
-              <a:pPr algn="ctr"/>
-              <a:endParaRPr kumimoji="1" lang="zh-CN" altLang="en-US" sz="1600"/>
-            </a:p>
-          </p:txBody>
-        </p:sp>
-        <p:cxnSp>
-          <p:nvCxnSpPr>
-            <p:cNvPr id="46" name="直线箭头连接符 45">
-              <a:extLst>
-                <a:ext uri="{FF2B5EF4-FFF2-40B4-BE49-F238E27FC236}">
-                  <a16:creationId xmlns:a16="http://schemas.microsoft.com/office/drawing/2014/main" id="{0A0F87D9-4BB4-0143-9ABE-4AE575059E9B}"/>
-                </a:ext>
-              </a:extLst>
-            </p:cNvPr>
-            <p:cNvCxnSpPr>
-              <a:cxnSpLocks/>
-            </p:cNvCxnSpPr>
-            <p:nvPr/>
-          </p:nvCxnSpPr>
-          <p:spPr>
-            <a:xfrm>
-              <a:off x="15971205" y="2585885"/>
-              <a:ext cx="465993" cy="0"/>
-            </a:xfrm>
-            <a:prstGeom prst="straightConnector1">
-              <a:avLst/>
-            </a:prstGeom>
-            <a:ln w="25400">
-              <a:solidFill>
-                <a:srgbClr val="D8D9E6"/>
-              </a:solidFill>
-              <a:tailEnd type="triangle"/>
-            </a:ln>
-          </p:spPr>
-          <p:style>
-            <a:lnRef idx="1">
-              <a:schemeClr val="accent1"/>
-            </a:lnRef>
-            <a:fillRef idx="0">
-              <a:schemeClr val="accent1"/>
-            </a:fillRef>
-            <a:effectRef idx="0">
-              <a:schemeClr val="accent1"/>
-            </a:effectRef>
-            <a:fontRef idx="minor">
-              <a:schemeClr val="tx1"/>
-            </a:fontRef>
-          </p:style>
-        </p:cxnSp>
-        <p:cxnSp>
-          <p:nvCxnSpPr>
-            <p:cNvPr id="51" name="直线箭头连接符 50">
-              <a:extLst>
-                <a:ext uri="{FF2B5EF4-FFF2-40B4-BE49-F238E27FC236}">
-                  <a16:creationId xmlns:a16="http://schemas.microsoft.com/office/drawing/2014/main" id="{BB29F52D-A2F6-7848-9B69-0E9B5388C996}"/>
-                </a:ext>
-              </a:extLst>
-            </p:cNvPr>
-            <p:cNvCxnSpPr>
-              <a:cxnSpLocks/>
-            </p:cNvCxnSpPr>
-            <p:nvPr/>
-          </p:nvCxnSpPr>
-          <p:spPr>
-            <a:xfrm>
-              <a:off x="13035849" y="2593734"/>
-              <a:ext cx="465993" cy="0"/>
-            </a:xfrm>
-            <a:prstGeom prst="straightConnector1">
-              <a:avLst/>
-            </a:prstGeom>
-            <a:ln w="25400">
-              <a:solidFill>
-                <a:srgbClr val="D8D9E6"/>
-              </a:solidFill>
-              <a:tailEnd type="triangle"/>
-            </a:ln>
-          </p:spPr>
-          <p:style>
-            <a:lnRef idx="1">
-              <a:schemeClr val="accent1"/>
-            </a:lnRef>
-            <a:fillRef idx="0">
-              <a:schemeClr val="accent1"/>
-            </a:fillRef>
-            <a:effectRef idx="0">
-              <a:schemeClr val="accent1"/>
-            </a:effectRef>
-            <a:fontRef idx="minor">
-              <a:schemeClr val="tx1"/>
-            </a:fontRef>
-          </p:style>
-        </p:cxnSp>
-        <p:sp>
-          <p:nvSpPr>
-            <p:cNvPr id="40" name="文本框 39">
-              <a:extLst>
-                <a:ext uri="{FF2B5EF4-FFF2-40B4-BE49-F238E27FC236}">
-                  <a16:creationId xmlns:a16="http://schemas.microsoft.com/office/drawing/2014/main" id="{C15C8B30-AE8E-1840-B4D4-5F2AD460BED4}"/>
-                </a:ext>
-              </a:extLst>
-            </p:cNvPr>
-            <p:cNvSpPr txBox="1"/>
-            <p:nvPr/>
-          </p:nvSpPr>
-          <p:spPr>
-            <a:xfrm>
-              <a:off x="-6931232" y="1996848"/>
-              <a:ext cx="2025970" cy="830997"/>
-            </a:xfrm>
-            <a:prstGeom prst="rect">
-              <a:avLst/>
-            </a:prstGeom>
-            <a:noFill/>
-          </p:spPr>
-          <p:txBody>
-            <a:bodyPr wrap="square" rtlCol="0">
-              <a:spAutoFit/>
-            </a:bodyPr>
-            <a:lstStyle/>
-            <a:p>
-              <a:pPr algn="ctr"/>
-              <a:r>
-                <a:rPr kumimoji="1" lang="en-US" altLang="zh-CN" sz="1600" b="1" dirty="0" smtClean="0">
-                  <a:solidFill>
-                    <a:srgbClr val="737794"/>
-                  </a:solidFill>
-                  <a:latin typeface="Helvetica Light" panose="020B0403020202020204"/>
-                </a:rPr>
-                <a:t>1 - Cloud: Create Model</a:t>
-              </a:r>
-            </a:p>
-            <a:p>
-              <a:pPr algn="ctr"/>
-              <a:r>
-                <a:rPr kumimoji="1" lang="zh-CN" altLang="en-US" sz="1600" b="1" dirty="0">
-                  <a:solidFill>
-                    <a:srgbClr val="737794"/>
-                  </a:solidFill>
-                  <a:latin typeface="Helvetica Light" panose="020B0403020202020204"/>
-                </a:rPr>
-                <a:t>（</a:t>
-              </a:r>
-              <a:r>
-                <a:rPr kumimoji="1" lang="en-US" altLang="zh-CN" sz="1600" b="1" dirty="0">
-                  <a:solidFill>
-                    <a:srgbClr val="737794"/>
-                  </a:solidFill>
-                  <a:latin typeface="Helvetica Light" panose="020B0403020202020204"/>
-                </a:rPr>
-                <a:t>Edge, Subdevice</a:t>
-              </a:r>
-              <a:r>
-                <a:rPr kumimoji="1" lang="zh-CN" altLang="en-US" sz="1600" b="1" dirty="0">
-                  <a:solidFill>
-                    <a:srgbClr val="737794"/>
-                  </a:solidFill>
-                  <a:latin typeface="Helvetica Light" panose="020B0403020202020204"/>
-                </a:rPr>
-                <a:t>）</a:t>
-              </a:r>
-            </a:p>
-            <a:p>
-              <a:pPr algn="ctr"/>
-              <a:endParaRPr kumimoji="1" lang="zh-CN" altLang="en-US" sz="1600" b="1" dirty="0">
-                <a:solidFill>
-                  <a:srgbClr val="737794"/>
-                </a:solidFill>
-                <a:latin typeface="Helvetica Light" panose="020B0403020202020204"/>
-              </a:endParaRPr>
-            </a:p>
-          </p:txBody>
-        </p:sp>
-        <p:sp>
-          <p:nvSpPr>
-            <p:cNvPr id="41" name="文本框 40">
-              <a:extLst>
-                <a:ext uri="{FF2B5EF4-FFF2-40B4-BE49-F238E27FC236}">
-                  <a16:creationId xmlns:a16="http://schemas.microsoft.com/office/drawing/2014/main" id="{F34C8FF5-D756-A140-9D30-3762B8478DE0}"/>
-                </a:ext>
-              </a:extLst>
-            </p:cNvPr>
-            <p:cNvSpPr txBox="1"/>
-            <p:nvPr/>
-          </p:nvSpPr>
-          <p:spPr>
-            <a:xfrm>
-              <a:off x="-6931231" y="2596789"/>
+              <a:off x="-1079790" y="3548306"/>
               <a:ext cx="2052266" cy="523220"/>
             </a:xfrm>
             <a:prstGeom prst="rect">
@@ -12265,7 +11601,7 @@
             <a:lstStyle/>
             <a:p>
               <a:r>
-                <a:rPr kumimoji="1" lang="en-US" altLang="zh-CN" sz="1400" dirty="0" smtClean="0">
+                <a:rPr kumimoji="1" lang="en-US" altLang="zh-CN" sz="1400" dirty="0">
                   <a:solidFill>
                     <a:srgbClr val="737794"/>
                   </a:solidFill>
@@ -12286,10 +11622,10 @@
         </p:sp>
         <p:sp>
           <p:nvSpPr>
-            <p:cNvPr id="50" name="文本框 49">
+            <p:cNvPr id="109" name="文本框 108">
               <a:extLst>
                 <a:ext uri="{FF2B5EF4-FFF2-40B4-BE49-F238E27FC236}">
-                  <a16:creationId xmlns:a16="http://schemas.microsoft.com/office/drawing/2014/main" id="{C15C8B30-AE8E-1840-B4D4-5F2AD460BED4}"/>
+                  <a16:creationId xmlns:a16="http://schemas.microsoft.com/office/drawing/2014/main" id="{C0C39FB5-81FD-5D4F-8932-A39F39D3488D}"/>
                 </a:ext>
               </a:extLst>
             </p:cNvPr>
@@ -12298,229 +11634,7 @@
           </p:nvSpPr>
           <p:spPr>
             <a:xfrm>
-              <a:off x="-3974063" y="1991332"/>
-              <a:ext cx="2025970" cy="584775"/>
-            </a:xfrm>
-            <a:prstGeom prst="rect">
-              <a:avLst/>
-            </a:prstGeom>
-            <a:noFill/>
-          </p:spPr>
-          <p:txBody>
-            <a:bodyPr wrap="square" rtlCol="0">
-              <a:spAutoFit/>
-            </a:bodyPr>
-            <a:lstStyle/>
-            <a:p>
-              <a:pPr algn="ctr"/>
-              <a:r>
-                <a:rPr kumimoji="1" lang="en-US" altLang="zh-CN" sz="1600" b="1" dirty="0" smtClean="0">
-                  <a:solidFill>
-                    <a:srgbClr val="737794"/>
-                  </a:solidFill>
-                  <a:latin typeface="Helvetica Light" panose="020B0403020202020204"/>
-                </a:rPr>
-                <a:t>2 - Cloud: Create Product </a:t>
-              </a:r>
-              <a:r>
-                <a:rPr kumimoji="1" lang="zh-CN" altLang="en-US" sz="1600" b="1" dirty="0" smtClean="0">
-                  <a:solidFill>
-                    <a:srgbClr val="737794"/>
-                  </a:solidFill>
-                  <a:latin typeface="Helvetica Light" panose="020B0403020202020204"/>
-                </a:rPr>
-                <a:t>（</a:t>
-              </a:r>
-              <a:r>
-                <a:rPr kumimoji="1" lang="en-US" altLang="zh-CN" sz="1600" b="1" dirty="0" smtClean="0">
-                  <a:solidFill>
-                    <a:srgbClr val="737794"/>
-                  </a:solidFill>
-                  <a:latin typeface="Helvetica Light" panose="020B0403020202020204"/>
-                </a:rPr>
-                <a:t>Edge, Subdevice</a:t>
-              </a:r>
-              <a:r>
-                <a:rPr kumimoji="1" lang="zh-CN" altLang="en-US" sz="1600" b="1" dirty="0" smtClean="0">
-                  <a:solidFill>
-                    <a:srgbClr val="737794"/>
-                  </a:solidFill>
-                  <a:latin typeface="Helvetica Light" panose="020B0403020202020204"/>
-                </a:rPr>
-                <a:t>）</a:t>
-              </a:r>
-              <a:endParaRPr kumimoji="1" lang="zh-CN" altLang="en-US" sz="1600" b="1" dirty="0">
-                <a:solidFill>
-                  <a:srgbClr val="737794"/>
-                </a:solidFill>
-                <a:latin typeface="Helvetica Light" panose="020B0403020202020204"/>
-              </a:endParaRPr>
-            </a:p>
-          </p:txBody>
-        </p:sp>
-        <p:sp>
-          <p:nvSpPr>
-            <p:cNvPr id="52" name="文本框 51">
-              <a:extLst>
-                <a:ext uri="{FF2B5EF4-FFF2-40B4-BE49-F238E27FC236}">
-                  <a16:creationId xmlns:a16="http://schemas.microsoft.com/office/drawing/2014/main" id="{C15C8B30-AE8E-1840-B4D4-5F2AD460BED4}"/>
-                </a:ext>
-              </a:extLst>
-            </p:cNvPr>
-            <p:cNvSpPr txBox="1"/>
-            <p:nvPr/>
-          </p:nvSpPr>
-          <p:spPr>
-            <a:xfrm>
-              <a:off x="-1015997" y="1973058"/>
-              <a:ext cx="2025970" cy="584775"/>
-            </a:xfrm>
-            <a:prstGeom prst="rect">
-              <a:avLst/>
-            </a:prstGeom>
-            <a:noFill/>
-          </p:spPr>
-          <p:txBody>
-            <a:bodyPr wrap="square" rtlCol="0">
-              <a:spAutoFit/>
-            </a:bodyPr>
-            <a:lstStyle/>
-            <a:p>
-              <a:pPr algn="ctr"/>
-              <a:r>
-                <a:rPr kumimoji="1" lang="en-US" altLang="zh-CN" sz="1600" b="1" dirty="0" smtClean="0">
-                  <a:solidFill>
-                    <a:srgbClr val="737794"/>
-                  </a:solidFill>
-                  <a:latin typeface="Helvetica Light" panose="020B0403020202020204"/>
-                </a:rPr>
-                <a:t>3 - Cloud: Create Device </a:t>
-              </a:r>
-              <a:r>
-                <a:rPr kumimoji="1" lang="zh-CN" altLang="en-US" sz="1600" b="1" dirty="0" smtClean="0">
-                  <a:solidFill>
-                    <a:srgbClr val="737794"/>
-                  </a:solidFill>
-                  <a:latin typeface="Helvetica Light" panose="020B0403020202020204"/>
-                </a:rPr>
-                <a:t>（</a:t>
-              </a:r>
-              <a:r>
-                <a:rPr kumimoji="1" lang="en-US" altLang="zh-CN" sz="1600" b="1" dirty="0" smtClean="0">
-                  <a:solidFill>
-                    <a:srgbClr val="737794"/>
-                  </a:solidFill>
-                  <a:latin typeface="Helvetica Light" panose="020B0403020202020204"/>
-                </a:rPr>
-                <a:t>Edge, Subdevice</a:t>
-              </a:r>
-              <a:r>
-                <a:rPr kumimoji="1" lang="zh-CN" altLang="en-US" sz="1600" b="1" dirty="0" smtClean="0">
-                  <a:solidFill>
-                    <a:srgbClr val="737794"/>
-                  </a:solidFill>
-                  <a:latin typeface="Helvetica Light" panose="020B0403020202020204"/>
-                </a:rPr>
-                <a:t>）</a:t>
-              </a:r>
-              <a:endParaRPr kumimoji="1" lang="zh-CN" altLang="en-US" sz="1600" b="1" dirty="0">
-                <a:solidFill>
-                  <a:srgbClr val="737794"/>
-                </a:solidFill>
-                <a:latin typeface="Helvetica Light" panose="020B0403020202020204"/>
-              </a:endParaRPr>
-            </a:p>
-          </p:txBody>
-        </p:sp>
-        <p:sp>
-          <p:nvSpPr>
-            <p:cNvPr id="53" name="文本框 52">
-              <a:extLst>
-                <a:ext uri="{FF2B5EF4-FFF2-40B4-BE49-F238E27FC236}">
-                  <a16:creationId xmlns:a16="http://schemas.microsoft.com/office/drawing/2014/main" id="{C15C8B30-AE8E-1840-B4D4-5F2AD460BED4}"/>
-                </a:ext>
-              </a:extLst>
-            </p:cNvPr>
-            <p:cNvSpPr txBox="1"/>
-            <p:nvPr/>
-          </p:nvSpPr>
-          <p:spPr>
-            <a:xfrm>
-              <a:off x="1938713" y="1975605"/>
-              <a:ext cx="2025970" cy="584775"/>
-            </a:xfrm>
-            <a:prstGeom prst="rect">
-              <a:avLst/>
-            </a:prstGeom>
-            <a:noFill/>
-          </p:spPr>
-          <p:txBody>
-            <a:bodyPr wrap="square" rtlCol="0">
-              <a:spAutoFit/>
-            </a:bodyPr>
-            <a:lstStyle/>
-            <a:p>
-              <a:pPr algn="ctr"/>
-              <a:r>
-                <a:rPr kumimoji="1" lang="en-US" altLang="zh-CN" sz="1600" b="1" dirty="0" smtClean="0">
-                  <a:solidFill>
-                    <a:srgbClr val="737794"/>
-                  </a:solidFill>
-                  <a:latin typeface="Helvetica Light" panose="020B0403020202020204"/>
-                </a:rPr>
-                <a:t>4 - Device: Burn Device Triple</a:t>
-              </a:r>
-              <a:r>
-                <a:rPr kumimoji="1" lang="zh-CN" altLang="en-US" sz="1600" b="1" dirty="0">
-                  <a:solidFill>
-                    <a:srgbClr val="737794"/>
-                  </a:solidFill>
-                  <a:latin typeface="Helvetica Light" panose="020B0403020202020204"/>
-                </a:rPr>
-                <a:t>（</a:t>
-              </a:r>
-              <a:r>
-                <a:rPr kumimoji="1" lang="en-US" altLang="zh-CN" sz="1600" b="1" dirty="0">
-                  <a:solidFill>
-                    <a:srgbClr val="737794"/>
-                  </a:solidFill>
-                  <a:latin typeface="Helvetica Light" panose="020B0403020202020204"/>
-                </a:rPr>
-                <a:t>Edge, Subdevice</a:t>
-              </a:r>
-              <a:r>
-                <a:rPr kumimoji="1" lang="zh-CN" altLang="en-US" sz="1600" b="1" dirty="0" smtClean="0">
-                  <a:solidFill>
-                    <a:srgbClr val="737794"/>
-                  </a:solidFill>
-                  <a:latin typeface="Helvetica Light" panose="020B0403020202020204"/>
-                </a:rPr>
-                <a:t>）</a:t>
-              </a:r>
-              <a:endParaRPr kumimoji="1" lang="zh-CN" altLang="en-US" sz="1600" b="1" dirty="0">
-                <a:solidFill>
-                  <a:srgbClr val="737794"/>
-                </a:solidFill>
-                <a:latin typeface="Helvetica Light" panose="020B0403020202020204"/>
-              </a:endParaRPr>
-            </a:p>
-          </p:txBody>
-        </p:sp>
-        <p:sp>
-          <p:nvSpPr>
-            <p:cNvPr id="54" name="文本框 53">
-              <a:extLst>
-                <a:ext uri="{FF2B5EF4-FFF2-40B4-BE49-F238E27FC236}">
-                  <a16:creationId xmlns:a16="http://schemas.microsoft.com/office/drawing/2014/main" id="{F34C8FF5-D756-A140-9D30-3762B8478DE0}"/>
-                </a:ext>
-              </a:extLst>
-            </p:cNvPr>
-            <p:cNvSpPr txBox="1"/>
-            <p:nvPr/>
-          </p:nvSpPr>
-          <p:spPr>
-            <a:xfrm>
-              <a:off x="1951320" y="2609456"/>
+              <a:off x="7933922" y="3580206"/>
               <a:ext cx="2052266" cy="307777"/>
             </a:xfrm>
             <a:prstGeom prst="rect">
@@ -12535,7 +11649,7 @@
             <a:lstStyle/>
             <a:p>
               <a:r>
-                <a:rPr kumimoji="1" lang="en-US" altLang="zh-CN" sz="1400" dirty="0" smtClean="0">
+                <a:rPr kumimoji="1" lang="en-US" altLang="zh-CN" sz="1400" dirty="0">
                   <a:solidFill>
                     <a:srgbClr val="737794"/>
                   </a:solidFill>
@@ -12556,10 +11670,10 @@
         </p:sp>
         <p:sp>
           <p:nvSpPr>
-            <p:cNvPr id="59" name="文本框 58">
+            <p:cNvPr id="110" name="文本框 109">
               <a:extLst>
                 <a:ext uri="{FF2B5EF4-FFF2-40B4-BE49-F238E27FC236}">
-                  <a16:creationId xmlns:a16="http://schemas.microsoft.com/office/drawing/2014/main" id="{C15C8B30-AE8E-1840-B4D4-5F2AD460BED4}"/>
+                  <a16:creationId xmlns:a16="http://schemas.microsoft.com/office/drawing/2014/main" id="{3FCD200B-1E65-C94A-9007-846BFF89979D}"/>
                 </a:ext>
               </a:extLst>
             </p:cNvPr>
@@ -12568,8 +11682,8 @@
           </p:nvSpPr>
           <p:spPr>
             <a:xfrm>
-              <a:off x="4881070" y="1988711"/>
-              <a:ext cx="2025970" cy="584775"/>
+              <a:off x="10765438" y="3426318"/>
+              <a:ext cx="2396508" cy="892552"/>
             </a:xfrm>
             <a:prstGeom prst="rect">
               <a:avLst/>
@@ -12582,31 +11696,44 @@
             </a:bodyPr>
             <a:lstStyle/>
             <a:p>
-              <a:pPr algn="ctr"/>
               <a:r>
-                <a:rPr kumimoji="1" lang="en-US" altLang="zh-CN" sz="1600" b="1" dirty="0" smtClean="0">
+                <a:rPr kumimoji="1" lang="en-US" altLang="zh-CN" sz="1300" dirty="0">
                   <a:solidFill>
                     <a:srgbClr val="737794"/>
                   </a:solidFill>
                   <a:latin typeface="Helvetica Light" panose="020B0403020202020204"/>
+                  <a:cs typeface="Arial" panose="020B0604020202020204" pitchFamily="34" charset="0"/>
                 </a:rPr>
-                <a:t>5 – Edge: Connect to Network </a:t>
+                <a:t>Power on edge to connect </a:t>
               </a:r>
-              <a:endParaRPr kumimoji="1" lang="zh-CN" altLang="en-US" sz="1600" b="1" dirty="0">
+            </a:p>
+            <a:p>
+              <a:r>
+                <a:rPr kumimoji="1" lang="en-US" altLang="zh-CN" sz="1300" dirty="0">
+                  <a:solidFill>
+                    <a:srgbClr val="737794"/>
+                  </a:solidFill>
+                  <a:latin typeface="Helvetica Light" panose="020B0403020202020204"/>
+                  <a:cs typeface="Arial" panose="020B0604020202020204" pitchFamily="34" charset="0"/>
+                </a:rPr>
+                <a:t>to network. Edge carries device triple and request login.</a:t>
+              </a:r>
+              <a:endParaRPr kumimoji="1" lang="zh-CN" altLang="en-US" sz="1300" dirty="0">
                 <a:solidFill>
                   <a:srgbClr val="737794"/>
                 </a:solidFill>
                 <a:latin typeface="Helvetica Light" panose="020B0403020202020204"/>
+                <a:cs typeface="Arial" panose="020B0604020202020204" pitchFamily="34" charset="0"/>
               </a:endParaRPr>
             </a:p>
           </p:txBody>
         </p:sp>
         <p:sp>
           <p:nvSpPr>
-            <p:cNvPr id="60" name="文本框 59">
+            <p:cNvPr id="118" name="文本框 117">
               <a:extLst>
                 <a:ext uri="{FF2B5EF4-FFF2-40B4-BE49-F238E27FC236}">
-                  <a16:creationId xmlns:a16="http://schemas.microsoft.com/office/drawing/2014/main" id="{F34C8FF5-D756-A140-9D30-3762B8478DE0}"/>
+                  <a16:creationId xmlns:a16="http://schemas.microsoft.com/office/drawing/2014/main" id="{982D11FB-3DB0-1C4D-AC90-27066289975F}"/>
                 </a:ext>
               </a:extLst>
             </p:cNvPr>
@@ -12615,8 +11742,54 @@
           </p:nvSpPr>
           <p:spPr>
             <a:xfrm>
-              <a:off x="4893677" y="2472535"/>
-              <a:ext cx="2052266" cy="738664"/>
+              <a:off x="10166030" y="5119869"/>
+              <a:ext cx="2025970" cy="307777"/>
+            </a:xfrm>
+            <a:prstGeom prst="rect">
+              <a:avLst/>
+            </a:prstGeom>
+            <a:noFill/>
+          </p:spPr>
+          <p:txBody>
+            <a:bodyPr wrap="square" rtlCol="0">
+              <a:spAutoFit/>
+            </a:bodyPr>
+            <a:lstStyle/>
+            <a:p>
+              <a:r>
+                <a:rPr kumimoji="1" lang="en-US" altLang="zh-CN" sz="1400" dirty="0">
+                  <a:solidFill>
+                    <a:srgbClr val="383C57"/>
+                  </a:solidFill>
+                  <a:latin typeface="Helvetica" pitchFamily="2" charset="0"/>
+                </a:rPr>
+                <a:t>6 – Edge: Log in</a:t>
+              </a:r>
+              <a:endParaRPr kumimoji="1" lang="zh-CN" altLang="en-US" sz="1400" dirty="0">
+                <a:solidFill>
+                  <a:srgbClr val="383C57"/>
+                </a:solidFill>
+                <a:latin typeface="Helvetica" pitchFamily="2" charset="0"/>
+              </a:endParaRPr>
+            </a:p>
+          </p:txBody>
+        </p:sp>
+        <p:sp>
+          <p:nvSpPr>
+            <p:cNvPr id="119" name="文本框 118">
+              <a:extLst>
+                <a:ext uri="{FF2B5EF4-FFF2-40B4-BE49-F238E27FC236}">
+                  <a16:creationId xmlns:a16="http://schemas.microsoft.com/office/drawing/2014/main" id="{CA8BF69D-CDFD-8E4A-A087-F365B720B1C7}"/>
+                </a:ext>
+              </a:extLst>
+            </p:cNvPr>
+            <p:cNvSpPr txBox="1"/>
+            <p:nvPr/>
+          </p:nvSpPr>
+          <p:spPr>
+            <a:xfrm>
+              <a:off x="10166030" y="5483200"/>
+              <a:ext cx="2817610" cy="738664"/>
             </a:xfrm>
             <a:prstGeom prst="rect">
               <a:avLst/>
@@ -12637,47 +11810,7 @@
                   <a:latin typeface="Helvetica Light" panose="020B0403020202020204"/>
                   <a:cs typeface="Arial" panose="020B0604020202020204" pitchFamily="34" charset="0"/>
                 </a:rPr>
-                <a:t>Power on </a:t>
-              </a:r>
-              <a:r>
-                <a:rPr kumimoji="1" lang="en-US" altLang="zh-CN" sz="1400" dirty="0" smtClean="0">
-                  <a:solidFill>
-                    <a:srgbClr val="737794"/>
-                  </a:solidFill>
-                  <a:latin typeface="Helvetica Light" panose="020B0403020202020204"/>
-                  <a:cs typeface="Arial" panose="020B0604020202020204" pitchFamily="34" charset="0"/>
-                </a:rPr>
-                <a:t>edge </a:t>
-              </a:r>
-              <a:r>
-                <a:rPr kumimoji="1" lang="en-US" altLang="zh-CN" sz="1400" dirty="0">
-                  <a:solidFill>
-                    <a:srgbClr val="737794"/>
-                  </a:solidFill>
-                  <a:latin typeface="Helvetica Light" panose="020B0403020202020204"/>
-                  <a:cs typeface="Arial" panose="020B0604020202020204" pitchFamily="34" charset="0"/>
-                </a:rPr>
-                <a:t>to connect to network. </a:t>
-              </a:r>
-              <a:r>
-                <a:rPr kumimoji="1" lang="en-US" altLang="zh-CN" sz="1400" dirty="0" smtClean="0">
-                  <a:solidFill>
-                    <a:srgbClr val="737794"/>
-                  </a:solidFill>
-                  <a:latin typeface="Helvetica Light" panose="020B0403020202020204"/>
-                  <a:cs typeface="Arial" panose="020B0604020202020204" pitchFamily="34" charset="0"/>
-                </a:rPr>
-                <a:t>Edge </a:t>
-              </a:r>
-              <a:r>
-                <a:rPr kumimoji="1" lang="en-US" altLang="zh-CN" sz="1400" dirty="0">
-                  <a:solidFill>
-                    <a:srgbClr val="737794"/>
-                  </a:solidFill>
-                  <a:latin typeface="Helvetica Light" panose="020B0403020202020204"/>
-                  <a:cs typeface="Arial" panose="020B0604020202020204" pitchFamily="34" charset="0"/>
-                </a:rPr>
-                <a:t>carries device triple and request login.</a:t>
+                <a:t>Cloud authenticates device and device logs into cloud. After the first login, edge is activated.</a:t>
               </a:r>
               <a:endParaRPr kumimoji="1" lang="zh-CN" altLang="en-US" sz="1400" dirty="0">
                 <a:solidFill>
@@ -12691,10 +11824,10 @@
         </p:sp>
         <p:sp>
           <p:nvSpPr>
-            <p:cNvPr id="61" name="文本框 60">
+            <p:cNvPr id="120" name="文本框 119">
               <a:extLst>
                 <a:ext uri="{FF2B5EF4-FFF2-40B4-BE49-F238E27FC236}">
-                  <a16:creationId xmlns:a16="http://schemas.microsoft.com/office/drawing/2014/main" id="{C15C8B30-AE8E-1840-B4D4-5F2AD460BED4}"/>
+                  <a16:creationId xmlns:a16="http://schemas.microsoft.com/office/drawing/2014/main" id="{D7CA00C4-A8F7-8744-9278-29DFA7D582C0}"/>
                 </a:ext>
               </a:extLst>
             </p:cNvPr>
@@ -12703,8 +11836,8 @@
           </p:nvSpPr>
           <p:spPr>
             <a:xfrm>
-              <a:off x="7833508" y="2096832"/>
-              <a:ext cx="2025970" cy="338554"/>
+              <a:off x="6410824" y="5170415"/>
+              <a:ext cx="2652359" cy="307777"/>
             </a:xfrm>
             <a:prstGeom prst="rect">
               <a:avLst/>
@@ -12717,31 +11850,30 @@
             </a:bodyPr>
             <a:lstStyle/>
             <a:p>
-              <a:pPr algn="ctr"/>
               <a:r>
-                <a:rPr kumimoji="1" lang="en-US" altLang="zh-CN" sz="1600" b="1" dirty="0" smtClean="0">
+                <a:rPr kumimoji="1" lang="en-US" altLang="zh-CN" sz="1400" dirty="0">
                   <a:solidFill>
-                    <a:srgbClr val="737794"/>
+                    <a:srgbClr val="383C57"/>
                   </a:solidFill>
-                  <a:latin typeface="Helvetica Light" panose="020B0403020202020204"/>
+                  <a:latin typeface="Helvetica" pitchFamily="2" charset="0"/>
                 </a:rPr>
-                <a:t>6 – Edge: Log in</a:t>
+                <a:t>7 – Edge: Add Topology</a:t>
               </a:r>
-              <a:endParaRPr kumimoji="1" lang="zh-CN" altLang="en-US" sz="1600" b="1" dirty="0">
+              <a:endParaRPr kumimoji="1" lang="zh-CN" altLang="en-US" sz="1400" dirty="0">
                 <a:solidFill>
-                  <a:srgbClr val="737794"/>
+                  <a:srgbClr val="383C57"/>
                 </a:solidFill>
-                <a:latin typeface="Helvetica Light" panose="020B0403020202020204"/>
+                <a:latin typeface="Helvetica" pitchFamily="2" charset="0"/>
               </a:endParaRPr>
             </a:p>
           </p:txBody>
         </p:sp>
         <p:sp>
           <p:nvSpPr>
-            <p:cNvPr id="62" name="文本框 61">
+            <p:cNvPr id="121" name="文本框 120">
               <a:extLst>
                 <a:ext uri="{FF2B5EF4-FFF2-40B4-BE49-F238E27FC236}">
-                  <a16:creationId xmlns:a16="http://schemas.microsoft.com/office/drawing/2014/main" id="{F34C8FF5-D756-A140-9D30-3762B8478DE0}"/>
+                  <a16:creationId xmlns:a16="http://schemas.microsoft.com/office/drawing/2014/main" id="{A16D2B97-B543-D64C-B34A-030C915036D0}"/>
                 </a:ext>
               </a:extLst>
             </p:cNvPr>
@@ -12750,8 +11882,8 @@
           </p:nvSpPr>
           <p:spPr>
             <a:xfrm>
-              <a:off x="7846115" y="2463376"/>
-              <a:ext cx="2052266" cy="738664"/>
+              <a:off x="6441472" y="5535407"/>
+              <a:ext cx="2430714" cy="738664"/>
             </a:xfrm>
             <a:prstGeom prst="rect">
               <a:avLst/>
@@ -12772,121 +11904,6 @@
                   <a:latin typeface="Helvetica Light" panose="020B0403020202020204"/>
                   <a:cs typeface="Arial" panose="020B0604020202020204" pitchFamily="34" charset="0"/>
                 </a:rPr>
-                <a:t>Cloud authenticates device and device logs into cloud. After the first login, </a:t>
-              </a:r>
-              <a:r>
-                <a:rPr kumimoji="1" lang="en-US" altLang="zh-CN" sz="1400" dirty="0" smtClean="0">
-                  <a:solidFill>
-                    <a:srgbClr val="737794"/>
-                  </a:solidFill>
-                  <a:latin typeface="Helvetica Light" panose="020B0403020202020204"/>
-                  <a:cs typeface="Arial" panose="020B0604020202020204" pitchFamily="34" charset="0"/>
-                </a:rPr>
-                <a:t>edge </a:t>
-              </a:r>
-              <a:r>
-                <a:rPr kumimoji="1" lang="en-US" altLang="zh-CN" sz="1400" dirty="0">
-                  <a:solidFill>
-                    <a:srgbClr val="737794"/>
-                  </a:solidFill>
-                  <a:latin typeface="Helvetica Light" panose="020B0403020202020204"/>
-                  <a:cs typeface="Arial" panose="020B0604020202020204" pitchFamily="34" charset="0"/>
-                </a:rPr>
-                <a:t>is activated.</a:t>
-              </a:r>
-              <a:endParaRPr kumimoji="1" lang="zh-CN" altLang="en-US" sz="1400" dirty="0">
-                <a:solidFill>
-                  <a:srgbClr val="737794"/>
-                </a:solidFill>
-                <a:latin typeface="Helvetica Light" panose="020B0403020202020204"/>
-                <a:cs typeface="Arial" panose="020B0604020202020204" pitchFamily="34" charset="0"/>
-              </a:endParaRPr>
-            </a:p>
-          </p:txBody>
-        </p:sp>
-        <p:sp>
-          <p:nvSpPr>
-            <p:cNvPr id="63" name="文本框 62">
-              <a:extLst>
-                <a:ext uri="{FF2B5EF4-FFF2-40B4-BE49-F238E27FC236}">
-                  <a16:creationId xmlns:a16="http://schemas.microsoft.com/office/drawing/2014/main" id="{C15C8B30-AE8E-1840-B4D4-5F2AD460BED4}"/>
-                </a:ext>
-              </a:extLst>
-            </p:cNvPr>
-            <p:cNvSpPr txBox="1"/>
-            <p:nvPr/>
-          </p:nvSpPr>
-          <p:spPr>
-            <a:xfrm>
-              <a:off x="10777051" y="2089886"/>
-              <a:ext cx="2025970" cy="338554"/>
-            </a:xfrm>
-            <a:prstGeom prst="rect">
-              <a:avLst/>
-            </a:prstGeom>
-            <a:noFill/>
-          </p:spPr>
-          <p:txBody>
-            <a:bodyPr wrap="square" rtlCol="0">
-              <a:spAutoFit/>
-            </a:bodyPr>
-            <a:lstStyle/>
-            <a:p>
-              <a:pPr algn="ctr"/>
-              <a:r>
-                <a:rPr kumimoji="1" lang="en-US" altLang="zh-CN" sz="1600" b="1" dirty="0" smtClean="0">
-                  <a:solidFill>
-                    <a:srgbClr val="737794"/>
-                  </a:solidFill>
-                  <a:latin typeface="Helvetica Light" panose="020B0403020202020204"/>
-                </a:rPr>
-                <a:t>7 – Edge: Add Topology</a:t>
-              </a:r>
-              <a:endParaRPr kumimoji="1" lang="zh-CN" altLang="en-US" sz="1600" b="1" dirty="0">
-                <a:solidFill>
-                  <a:srgbClr val="737794"/>
-                </a:solidFill>
-                <a:latin typeface="Helvetica Light" panose="020B0403020202020204"/>
-              </a:endParaRPr>
-            </a:p>
-          </p:txBody>
-        </p:sp>
-        <p:sp>
-          <p:nvSpPr>
-            <p:cNvPr id="64" name="文本框 63">
-              <a:extLst>
-                <a:ext uri="{FF2B5EF4-FFF2-40B4-BE49-F238E27FC236}">
-                  <a16:creationId xmlns:a16="http://schemas.microsoft.com/office/drawing/2014/main" id="{F34C8FF5-D756-A140-9D30-3762B8478DE0}"/>
-                </a:ext>
-              </a:extLst>
-            </p:cNvPr>
-            <p:cNvSpPr txBox="1"/>
-            <p:nvPr/>
-          </p:nvSpPr>
-          <p:spPr>
-            <a:xfrm>
-              <a:off x="10789658" y="2573710"/>
-              <a:ext cx="2052266" cy="523220"/>
-            </a:xfrm>
-            <a:prstGeom prst="rect">
-              <a:avLst/>
-            </a:prstGeom>
-            <a:noFill/>
-          </p:spPr>
-          <p:txBody>
-            <a:bodyPr wrap="square" rtlCol="0">
-              <a:spAutoFit/>
-            </a:bodyPr>
-            <a:lstStyle/>
-            <a:p>
-              <a:r>
-                <a:rPr kumimoji="1" lang="en-US" altLang="zh-CN" sz="1400" dirty="0" smtClean="0">
-                  <a:solidFill>
-                    <a:srgbClr val="737794"/>
-                  </a:solidFill>
-                  <a:latin typeface="Helvetica Light" panose="020B0403020202020204"/>
-                  <a:cs typeface="Arial" panose="020B0604020202020204" pitchFamily="34" charset="0"/>
-                </a:rPr>
                 <a:t>Add subdevices into the topology of the edge gateway</a:t>
               </a:r>
               <a:endParaRPr kumimoji="1" lang="zh-CN" altLang="en-US" sz="1400" dirty="0">
@@ -12901,10 +11918,10 @@
         </p:sp>
         <p:sp>
           <p:nvSpPr>
-            <p:cNvPr id="65" name="文本框 64">
+            <p:cNvPr id="122" name="文本框 121">
               <a:extLst>
                 <a:ext uri="{FF2B5EF4-FFF2-40B4-BE49-F238E27FC236}">
-                  <a16:creationId xmlns:a16="http://schemas.microsoft.com/office/drawing/2014/main" id="{C15C8B30-AE8E-1840-B4D4-5F2AD460BED4}"/>
+                  <a16:creationId xmlns:a16="http://schemas.microsoft.com/office/drawing/2014/main" id="{CC164743-7CAC-1A4F-BB63-909126D3A2CB}"/>
                 </a:ext>
               </a:extLst>
             </p:cNvPr>
@@ -12913,55 +11930,8 @@
           </p:nvSpPr>
           <p:spPr>
             <a:xfrm>
-              <a:off x="13731121" y="1983760"/>
-              <a:ext cx="2025970" cy="584775"/>
-            </a:xfrm>
-            <a:prstGeom prst="rect">
-              <a:avLst/>
-            </a:prstGeom>
-            <a:noFill/>
-          </p:spPr>
-          <p:txBody>
-            <a:bodyPr wrap="square" rtlCol="0">
-              <a:spAutoFit/>
-            </a:bodyPr>
-            <a:lstStyle/>
-            <a:p>
-              <a:pPr algn="ctr"/>
-              <a:r>
-                <a:rPr kumimoji="1" lang="en-US" altLang="zh-CN" sz="1600" b="1" dirty="0" smtClean="0">
-                  <a:solidFill>
-                    <a:srgbClr val="737794"/>
-                  </a:solidFill>
-                  <a:latin typeface="Helvetica Light" panose="020B0403020202020204"/>
-                </a:rPr>
-                <a:t>8 – Edge: Proxies Subdevice to Log in</a:t>
-              </a:r>
-              <a:endParaRPr kumimoji="1" lang="zh-CN" altLang="en-US" sz="1600" b="1" dirty="0">
-                <a:solidFill>
-                  <a:srgbClr val="737794"/>
-                </a:solidFill>
-                <a:latin typeface="Helvetica Light" panose="020B0403020202020204"/>
-              </a:endParaRPr>
-            </a:p>
-          </p:txBody>
-        </p:sp>
-        <p:sp>
-          <p:nvSpPr>
-            <p:cNvPr id="66" name="文本框 65">
-              <a:extLst>
-                <a:ext uri="{FF2B5EF4-FFF2-40B4-BE49-F238E27FC236}">
-                  <a16:creationId xmlns:a16="http://schemas.microsoft.com/office/drawing/2014/main" id="{F34C8FF5-D756-A140-9D30-3762B8478DE0}"/>
-                </a:ext>
-              </a:extLst>
-            </p:cNvPr>
-            <p:cNvSpPr txBox="1"/>
-            <p:nvPr/>
-          </p:nvSpPr>
-          <p:spPr>
-            <a:xfrm>
-              <a:off x="13731121" y="2523746"/>
-              <a:ext cx="2178324" cy="738664"/>
+              <a:off x="2718093" y="5131053"/>
+              <a:ext cx="2718941" cy="523220"/>
             </a:xfrm>
             <a:prstGeom prst="rect">
               <a:avLst/>
@@ -12975,7 +11945,53 @@
             <a:lstStyle/>
             <a:p>
               <a:r>
-                <a:rPr kumimoji="1" lang="en-US" altLang="zh-CN" sz="1400" dirty="0" smtClean="0">
+                <a:rPr kumimoji="1" lang="en-US" altLang="zh-CN" sz="1400" dirty="0">
+                  <a:solidFill>
+                    <a:srgbClr val="383C57"/>
+                  </a:solidFill>
+                  <a:latin typeface="Helvetica" pitchFamily="2" charset="0"/>
+                </a:rPr>
+                <a:t>8 – Edge: Proxies Subdevice to Log in</a:t>
+              </a:r>
+              <a:endParaRPr kumimoji="1" lang="zh-CN" altLang="en-US" sz="1400" dirty="0">
+                <a:solidFill>
+                  <a:srgbClr val="383C57"/>
+                </a:solidFill>
+                <a:latin typeface="Helvetica" pitchFamily="2" charset="0"/>
+              </a:endParaRPr>
+            </a:p>
+          </p:txBody>
+        </p:sp>
+        <p:sp>
+          <p:nvSpPr>
+            <p:cNvPr id="123" name="文本框 122">
+              <a:extLst>
+                <a:ext uri="{FF2B5EF4-FFF2-40B4-BE49-F238E27FC236}">
+                  <a16:creationId xmlns:a16="http://schemas.microsoft.com/office/drawing/2014/main" id="{59E72106-682C-6E4A-801A-AC37A94FEA9C}"/>
+                </a:ext>
+              </a:extLst>
+            </p:cNvPr>
+            <p:cNvSpPr txBox="1"/>
+            <p:nvPr/>
+          </p:nvSpPr>
+          <p:spPr>
+            <a:xfrm>
+              <a:off x="2738063" y="5596600"/>
+              <a:ext cx="2711578" cy="738664"/>
+            </a:xfrm>
+            <a:prstGeom prst="rect">
+              <a:avLst/>
+            </a:prstGeom>
+            <a:noFill/>
+          </p:spPr>
+          <p:txBody>
+            <a:bodyPr wrap="square" rtlCol="0">
+              <a:spAutoFit/>
+            </a:bodyPr>
+            <a:lstStyle/>
+            <a:p>
+              <a:r>
+                <a:rPr kumimoji="1" lang="en-US" altLang="zh-CN" sz="1400" dirty="0">
                   <a:solidFill>
                     <a:srgbClr val="737794"/>
                   </a:solidFill>
@@ -12996,10 +12012,10 @@
         </p:sp>
         <p:sp>
           <p:nvSpPr>
-            <p:cNvPr id="67" name="文本框 66">
+            <p:cNvPr id="124" name="文本框 123">
               <a:extLst>
                 <a:ext uri="{FF2B5EF4-FFF2-40B4-BE49-F238E27FC236}">
-                  <a16:creationId xmlns:a16="http://schemas.microsoft.com/office/drawing/2014/main" id="{C15C8B30-AE8E-1840-B4D4-5F2AD460BED4}"/>
+                  <a16:creationId xmlns:a16="http://schemas.microsoft.com/office/drawing/2014/main" id="{12C683E6-683F-6248-9E3F-623505BB5CD4}"/>
                 </a:ext>
               </a:extLst>
             </p:cNvPr>
@@ -13008,8 +12024,8 @@
           </p:nvSpPr>
           <p:spPr>
             <a:xfrm>
-              <a:off x="16662836" y="2106870"/>
-              <a:ext cx="2025970" cy="338554"/>
+              <a:off x="-1003710" y="5170415"/>
+              <a:ext cx="2025970" cy="307777"/>
             </a:xfrm>
             <a:prstGeom prst="rect">
               <a:avLst/>
@@ -13024,38 +12040,29 @@
             <a:p>
               <a:pPr algn="ctr"/>
               <a:r>
-                <a:rPr kumimoji="1" lang="en-US" altLang="zh-CN" sz="1600" b="1" dirty="0">
+                <a:rPr kumimoji="1" lang="en-US" altLang="zh-CN" sz="1400" dirty="0">
                   <a:solidFill>
-                    <a:srgbClr val="737794"/>
+                    <a:srgbClr val="383C57"/>
                   </a:solidFill>
-                  <a:latin typeface="Helvetica Light" panose="020B0403020202020204"/>
+                  <a:latin typeface="Helvetica" pitchFamily="2" charset="0"/>
                 </a:rPr>
-                <a:t>9</a:t>
+                <a:t>9 – Data Transmission </a:t>
               </a:r>
-              <a:r>
-                <a:rPr kumimoji="1" lang="en-US" altLang="zh-CN" sz="1600" b="1" dirty="0" smtClean="0">
-                  <a:solidFill>
-                    <a:srgbClr val="737794"/>
-                  </a:solidFill>
-                  <a:latin typeface="Helvetica Light" panose="020B0403020202020204"/>
-                </a:rPr>
-                <a:t> – Data Transmission </a:t>
-              </a:r>
-              <a:endParaRPr kumimoji="1" lang="zh-CN" altLang="en-US" sz="1600" b="1" dirty="0">
+              <a:endParaRPr kumimoji="1" lang="zh-CN" altLang="en-US" sz="1400" dirty="0">
                 <a:solidFill>
-                  <a:srgbClr val="737794"/>
+                  <a:srgbClr val="383C57"/>
                 </a:solidFill>
-                <a:latin typeface="Helvetica Light" panose="020B0403020202020204"/>
+                <a:latin typeface="Helvetica" pitchFamily="2" charset="0"/>
               </a:endParaRPr>
             </a:p>
           </p:txBody>
         </p:sp>
         <p:sp>
           <p:nvSpPr>
-            <p:cNvPr id="68" name="文本框 67">
+            <p:cNvPr id="125" name="文本框 124">
               <a:extLst>
                 <a:ext uri="{FF2B5EF4-FFF2-40B4-BE49-F238E27FC236}">
-                  <a16:creationId xmlns:a16="http://schemas.microsoft.com/office/drawing/2014/main" id="{F34C8FF5-D756-A140-9D30-3762B8478DE0}"/>
+                  <a16:creationId xmlns:a16="http://schemas.microsoft.com/office/drawing/2014/main" id="{0B8200E5-47BA-0A4F-A491-49AB39755767}"/>
                 </a:ext>
               </a:extLst>
             </p:cNvPr>
@@ -13064,7 +12071,7 @@
           </p:nvSpPr>
           <p:spPr>
             <a:xfrm>
-              <a:off x="16670764" y="2507888"/>
+              <a:off x="-954443" y="5535407"/>
               <a:ext cx="2178324" cy="738664"/>
             </a:xfrm>
             <a:prstGeom prst="rect">
@@ -13079,7 +12086,7 @@
             <a:lstStyle/>
             <a:p>
               <a:r>
-                <a:rPr kumimoji="1" lang="en-US" altLang="zh-CN" sz="1400" dirty="0" smtClean="0">
+                <a:rPr kumimoji="1" lang="en-US" altLang="zh-CN" sz="1400" dirty="0">
                   <a:solidFill>
                     <a:srgbClr val="737794"/>
                   </a:solidFill>
@@ -16350,14 +15357,14 @@
               <a:r>
                 <a:rPr kumimoji="1" lang="en-US" altLang="zh-CN" sz="1200" dirty="0">
                   <a:solidFill>
-                    <a:srgbClr val="BCBDD0"/>
+                    <a:srgbClr val="737794"/>
                   </a:solidFill>
                 </a:rPr>
                 <a:t>MQTT</a:t>
               </a:r>
               <a:endParaRPr kumimoji="1" lang="zh-CN" altLang="en-US" sz="1200" dirty="0">
                 <a:solidFill>
-                  <a:srgbClr val="BCBDD0"/>
+                  <a:srgbClr val="737794"/>
                 </a:solidFill>
               </a:endParaRPr>
             </a:p>
@@ -16746,7 +15753,7 @@
               <a:r>
                 <a:rPr kumimoji="1" lang="en-US" altLang="zh-CN" sz="1200" dirty="0">
                   <a:solidFill>
-                    <a:srgbClr val="BCBDD0"/>
+                    <a:srgbClr val="737794"/>
                   </a:solidFill>
                 </a:rPr>
                 <a:t>Device</a:t>
@@ -16756,7 +15763,7 @@
               <a:r>
                 <a:rPr kumimoji="1" lang="en-US" altLang="zh-CN" sz="1200" dirty="0">
                   <a:solidFill>
-                    <a:srgbClr val="BCBDD0"/>
+                    <a:srgbClr val="737794"/>
                   </a:solidFill>
                 </a:rPr>
                 <a:t>registration</a:t>
@@ -16766,14 +15773,14 @@
               <a:r>
                 <a:rPr kumimoji="1" lang="en-US" altLang="zh-CN" sz="1200" dirty="0">
                   <a:solidFill>
-                    <a:srgbClr val="BCBDD0"/>
+                    <a:srgbClr val="737794"/>
                   </a:solidFill>
                 </a:rPr>
                 <a:t>service</a:t>
               </a:r>
               <a:endParaRPr kumimoji="1" lang="zh-CN" altLang="en-US" sz="1200" dirty="0">
                 <a:solidFill>
-                  <a:srgbClr val="BCBDD0"/>
+                  <a:srgbClr val="737794"/>
                 </a:solidFill>
               </a:endParaRPr>
             </a:p>
@@ -17288,7 +16295,7 @@
             <a:blip r:embed="rId2">
               <a:extLst>
                 <a:ext uri="{96DAC541-7B7A-43D3-8B79-37D633B846F1}">
-                  <asvg:svgBlip xmlns:asvg="http://schemas.microsoft.com/office/drawing/2016/SVG/main" xmlns="" r:embed="rId3"/>
+                  <asvg:svgBlip xmlns:asvg="http://schemas.microsoft.com/office/drawing/2016/SVG/main" r:embed="rId3"/>
                 </a:ext>
               </a:extLst>
             </a:blip>
@@ -17324,7 +16331,7 @@
             <a:blip r:embed="rId2">
               <a:extLst>
                 <a:ext uri="{96DAC541-7B7A-43D3-8B79-37D633B846F1}">
-                  <asvg:svgBlip xmlns:asvg="http://schemas.microsoft.com/office/drawing/2016/SVG/main" xmlns="" r:embed="rId3"/>
+                  <asvg:svgBlip xmlns:asvg="http://schemas.microsoft.com/office/drawing/2016/SVG/main" r:embed="rId3"/>
                 </a:ext>
               </a:extLst>
             </a:blip>
@@ -17360,7 +16367,7 @@
             <a:blip r:embed="rId2">
               <a:extLst>
                 <a:ext uri="{96DAC541-7B7A-43D3-8B79-37D633B846F1}">
-                  <asvg:svgBlip xmlns:asvg="http://schemas.microsoft.com/office/drawing/2016/SVG/main" xmlns="" r:embed="rId3"/>
+                  <asvg:svgBlip xmlns:asvg="http://schemas.microsoft.com/office/drawing/2016/SVG/main" r:embed="rId3"/>
                 </a:ext>
               </a:extLst>
             </a:blip>
@@ -17396,7 +16403,7 @@
             <a:blip r:embed="rId2">
               <a:extLst>
                 <a:ext uri="{96DAC541-7B7A-43D3-8B79-37D633B846F1}">
-                  <asvg:svgBlip xmlns:asvg="http://schemas.microsoft.com/office/drawing/2016/SVG/main" xmlns="" r:embed="rId3"/>
+                  <asvg:svgBlip xmlns:asvg="http://schemas.microsoft.com/office/drawing/2016/SVG/main" r:embed="rId3"/>
                 </a:ext>
               </a:extLst>
             </a:blip>
@@ -17701,7 +16708,7 @@
             <a:blip r:embed="rId2">
               <a:extLst>
                 <a:ext uri="{96DAC541-7B7A-43D3-8B79-37D633B846F1}">
-                  <asvg:svgBlip xmlns:asvg="http://schemas.microsoft.com/office/drawing/2016/SVG/main" xmlns="" r:embed="rId3"/>
+                  <asvg:svgBlip xmlns:asvg="http://schemas.microsoft.com/office/drawing/2016/SVG/main" r:embed="rId3"/>
                 </a:ext>
               </a:extLst>
             </a:blip>
@@ -17737,7 +16744,7 @@
             <a:blip r:embed="rId2">
               <a:extLst>
                 <a:ext uri="{96DAC541-7B7A-43D3-8B79-37D633B846F1}">
-                  <asvg:svgBlip xmlns:asvg="http://schemas.microsoft.com/office/drawing/2016/SVG/main" xmlns="" r:embed="rId3"/>
+                  <asvg:svgBlip xmlns:asvg="http://schemas.microsoft.com/office/drawing/2016/SVG/main" r:embed="rId3"/>
                 </a:ext>
               </a:extLst>
             </a:blip>
@@ -18868,7 +17875,7 @@
               <a:r>
                 <a:rPr kumimoji="1" lang="en-US" altLang="zh-CN" sz="1200" dirty="0">
                   <a:solidFill>
-                    <a:srgbClr val="BCBDD0"/>
+                    <a:srgbClr val="737794"/>
                   </a:solidFill>
                 </a:rPr>
                 <a:t>Device</a:t>
@@ -18878,7 +17885,7 @@
               <a:r>
                 <a:rPr kumimoji="1" lang="en-US" altLang="zh-CN" sz="1200" dirty="0">
                   <a:solidFill>
-                    <a:srgbClr val="BCBDD0"/>
+                    <a:srgbClr val="737794"/>
                   </a:solidFill>
                 </a:rPr>
                 <a:t>registration</a:t>
@@ -18888,14 +17895,14 @@
               <a:r>
                 <a:rPr kumimoji="1" lang="en-US" altLang="zh-CN" sz="1200" dirty="0">
                   <a:solidFill>
-                    <a:srgbClr val="BCBDD0"/>
+                    <a:srgbClr val="737794"/>
                   </a:solidFill>
                 </a:rPr>
                 <a:t>service</a:t>
               </a:r>
               <a:endParaRPr kumimoji="1" lang="zh-CN" altLang="en-US" sz="1200" dirty="0">
                 <a:solidFill>
-                  <a:srgbClr val="BCBDD0"/>
+                  <a:srgbClr val="737794"/>
                 </a:solidFill>
               </a:endParaRPr>
             </a:p>
@@ -18932,7 +17939,7 @@
               <a:r>
                 <a:rPr kumimoji="1" lang="en-US" altLang="zh-CN" sz="1200" dirty="0">
                   <a:solidFill>
-                    <a:srgbClr val="D8D9E7"/>
+                    <a:srgbClr val="737794"/>
                   </a:solidFill>
                   <a:cs typeface="Devanagari MT" panose="02000500020000000000" pitchFamily="2" charset="0"/>
                 </a:rPr>
@@ -18944,7 +17951,7 @@
               <a:r>
                 <a:rPr kumimoji="1" lang="en-US" altLang="zh-CN" sz="1200" dirty="0">
                   <a:solidFill>
-                    <a:srgbClr val="D8D9E7"/>
+                    <a:srgbClr val="737794"/>
                   </a:solidFill>
                   <a:cs typeface="Devanagari MT" panose="02000500020000000000" pitchFamily="2" charset="0"/>
                 </a:rPr>
@@ -18956,7 +17963,7 @@
               <a:r>
                 <a:rPr kumimoji="1" lang="en-US" altLang="zh-CN" sz="1200" dirty="0">
                   <a:solidFill>
-                    <a:srgbClr val="D8D9E7"/>
+                    <a:srgbClr val="737794"/>
                   </a:solidFill>
                   <a:cs typeface="Devanagari MT" panose="02000500020000000000" pitchFamily="2" charset="0"/>
                 </a:rPr>
@@ -18965,7 +17972,7 @@
               <a:r>
                 <a:rPr kumimoji="1" lang="zh-CN" altLang="en-US" sz="1200" dirty="0">
                   <a:solidFill>
-                    <a:srgbClr val="D8D9E7"/>
+                    <a:srgbClr val="737794"/>
                   </a:solidFill>
                   <a:cs typeface="Devanagari MT" panose="02000500020000000000" pitchFamily="2" charset="0"/>
                 </a:rPr>
@@ -18974,7 +17981,7 @@
               <a:r>
                 <a:rPr kumimoji="1" lang="en-US" altLang="zh-CN" sz="1200" dirty="0">
                   <a:solidFill>
-                    <a:srgbClr val="D8D9E7"/>
+                    <a:srgbClr val="737794"/>
                   </a:solidFill>
                   <a:cs typeface="Devanagari MT" panose="02000500020000000000" pitchFamily="2" charset="0"/>
                 </a:rPr>
@@ -18982,7 +17989,7 @@
               </a:r>
               <a:endParaRPr kumimoji="1" lang="zh-CN" altLang="en-US" sz="1200" dirty="0">
                 <a:solidFill>
-                  <a:srgbClr val="D8D9E7"/>
+                  <a:srgbClr val="737794"/>
                 </a:solidFill>
                 <a:cs typeface="Devanagari MT" panose="02000500020000000000" pitchFamily="2" charset="0"/>
               </a:endParaRPr>
@@ -26876,7 +25883,7 @@
             <a:p>
               <a:pPr algn="ctr"/>
               <a:r>
-                <a:rPr kumimoji="1" lang="en-US" altLang="zh-CN" sz="1400" dirty="0" smtClean="0">
+                <a:rPr kumimoji="1" lang="en-US" altLang="zh-CN" sz="1400" dirty="0">
                   <a:solidFill>
                     <a:srgbClr val="737794"/>
                   </a:solidFill>
@@ -26922,7 +25929,7 @@
             <a:lstStyle/>
             <a:p>
               <a:r>
-                <a:rPr kumimoji="1" lang="en-US" altLang="zh-CN" sz="1200" dirty="0" smtClean="0">
+                <a:rPr kumimoji="1" lang="en-US" altLang="zh-CN" sz="1200" dirty="0">
                   <a:solidFill>
                     <a:srgbClr val="BCBDD0"/>
                   </a:solidFill>

--- a/media/device_en.pptx
+++ b/media/device_en.pptx
@@ -212,7 +212,7 @@
           <a:p>
             <a:fld id="{47277FB0-21EC-48C5-90B0-184600466A6C}" type="datetimeFigureOut">
               <a:rPr lang="zh-CN" altLang="en-US" smtClean="0"/>
-              <a:t>2018/12/5</a:t>
+              <a:t>2018/12/8</a:t>
             </a:fld>
             <a:endParaRPr lang="zh-CN" altLang="en-US"/>
           </a:p>
@@ -377,7 +377,7 @@
           <a:p>
             <a:fld id="{9C967889-4715-5C4F-A252-FFC716185AB6}" type="datetimeFigureOut">
               <a:rPr lang="en-US" smtClean="0"/>
-              <a:t>12/5/18</a:t>
+              <a:t>12/8/2018</a:t>
             </a:fld>
             <a:endParaRPr lang="en-US"/>
           </a:p>
@@ -3782,9 +3782,9 @@
         <p:grpSpPr>
           <a:xfrm>
             <a:off x="-1489324" y="1241343"/>
-            <a:ext cx="13809400" cy="3740921"/>
+            <a:ext cx="13809400" cy="3671671"/>
             <a:chOff x="1323148" y="1213634"/>
-            <a:chExt cx="13809400" cy="3740921"/>
+            <a:chExt cx="13809400" cy="3671671"/>
           </a:xfrm>
         </p:grpSpPr>
         <p:grpSp>
@@ -3802,9 +3802,9 @@
           <p:grpSpPr>
             <a:xfrm>
               <a:off x="1323148" y="1213634"/>
-              <a:ext cx="13809400" cy="3740921"/>
+              <a:ext cx="13809400" cy="3671671"/>
               <a:chOff x="1323148" y="1213634"/>
-              <a:chExt cx="13809400" cy="3740921"/>
+              <a:chExt cx="13809400" cy="3671671"/>
             </a:xfrm>
           </p:grpSpPr>
           <p:sp>
@@ -3855,7 +3855,7 @@
               <a:lstStyle/>
               <a:p>
                 <a:pPr algn="ctr"/>
-                <a:endParaRPr kumimoji="1" lang="zh-CN" altLang="en-US" sz="1600"/>
+                <a:endParaRPr kumimoji="1" lang="zh-CN" altLang="en-US" sz="1200"/>
               </a:p>
             </p:txBody>
           </p:sp>
@@ -3874,7 +3874,7 @@
             <p:spPr>
               <a:xfrm>
                 <a:off x="1581779" y="2676147"/>
-                <a:ext cx="1524564" cy="307777"/>
+                <a:ext cx="1524564" cy="261610"/>
               </a:xfrm>
               <a:prstGeom prst="rect">
                 <a:avLst/>
@@ -3889,7 +3889,7 @@
               <a:p>
                 <a:pPr algn="ctr"/>
                 <a:r>
-                  <a:rPr kumimoji="1" lang="en-US" altLang="zh-CN" sz="1400" dirty="0">
+                  <a:rPr kumimoji="1" lang="en-US" altLang="zh-CN" sz="1100" b="1" dirty="0">
                     <a:solidFill>
                       <a:srgbClr val="383C57"/>
                     </a:solidFill>
@@ -3897,7 +3897,7 @@
                   </a:rPr>
                   <a:t>Subdevice</a:t>
                 </a:r>
-                <a:endParaRPr kumimoji="1" lang="zh-CN" altLang="en-US" sz="1400" dirty="0">
+                <a:endParaRPr kumimoji="1" lang="zh-CN" altLang="en-US" sz="1100" b="1" dirty="0">
                   <a:solidFill>
                     <a:srgbClr val="383C57"/>
                   </a:solidFill>
@@ -3921,7 +3921,7 @@
             <p:spPr>
               <a:xfrm>
                 <a:off x="1323148" y="2955617"/>
-                <a:ext cx="2041827" cy="461665"/>
+                <a:ext cx="2041827" cy="430887"/>
               </a:xfrm>
               <a:prstGeom prst="rect">
                 <a:avLst/>
@@ -3935,14 +3935,14 @@
               <a:lstStyle/>
               <a:p>
                 <a:r>
-                  <a:rPr kumimoji="1" lang="en-US" altLang="zh-CN" sz="1200" dirty="0">
+                  <a:rPr kumimoji="1" lang="en-US" altLang="zh-CN" sz="1050" dirty="0">
                     <a:solidFill>
                       <a:srgbClr val="737794"/>
                     </a:solidFill>
                   </a:rPr>
                   <a:t>Without credential burned in the firmware</a:t>
                 </a:r>
-                <a:endParaRPr kumimoji="1" lang="zh-CN" altLang="en-US" sz="1200" dirty="0">
+                <a:endParaRPr kumimoji="1" lang="zh-CN" altLang="en-US" sz="1050" dirty="0">
                   <a:solidFill>
                     <a:srgbClr val="737794"/>
                   </a:solidFill>
@@ -3998,7 +3998,7 @@
               <a:lstStyle/>
               <a:p>
                 <a:pPr algn="ctr"/>
-                <a:endParaRPr kumimoji="1" lang="zh-CN" altLang="en-US" sz="1600">
+                <a:endParaRPr kumimoji="1" lang="zh-CN" altLang="en-US" sz="1200">
                   <a:latin typeface="Helvetica Light" panose="020B0403020202020204" pitchFamily="34" charset="0"/>
                 </a:endParaRPr>
               </a:p>
@@ -4019,7 +4019,7 @@
             <p:spPr>
               <a:xfrm>
                 <a:off x="4380962" y="1472406"/>
-                <a:ext cx="1832655" cy="523220"/>
+                <a:ext cx="1832655" cy="430887"/>
               </a:xfrm>
               <a:prstGeom prst="rect">
                 <a:avLst/>
@@ -4034,7 +4034,7 @@
               <a:p>
                 <a:pPr algn="ctr"/>
                 <a:r>
-                  <a:rPr kumimoji="1" lang="en-US" altLang="zh-CN" sz="1400" dirty="0">
+                  <a:rPr kumimoji="1" lang="en-US" altLang="zh-CN" sz="1100" b="1" dirty="0">
                     <a:solidFill>
                       <a:srgbClr val="383C57"/>
                     </a:solidFill>
@@ -4046,7 +4046,7 @@
               <a:p>
                 <a:pPr algn="ctr"/>
                 <a:r>
-                  <a:rPr kumimoji="1" lang="en-US" altLang="zh-CN" sz="1400" dirty="0">
+                  <a:rPr kumimoji="1" lang="en-US" altLang="zh-CN" sz="1100" b="1" dirty="0">
                     <a:solidFill>
                       <a:srgbClr val="383C57"/>
                     </a:solidFill>
@@ -4054,7 +4054,7 @@
                   </a:rPr>
                   <a:t>Edge</a:t>
                 </a:r>
-                <a:endParaRPr kumimoji="1" lang="zh-CN" altLang="en-US" sz="1400" dirty="0">
+                <a:endParaRPr kumimoji="1" lang="zh-CN" altLang="en-US" sz="1100" b="1" dirty="0">
                   <a:solidFill>
                     <a:srgbClr val="383C57"/>
                   </a:solidFill>
@@ -4111,7 +4111,7 @@
               <a:lstStyle/>
               <a:p>
                 <a:pPr algn="ctr"/>
-                <a:endParaRPr kumimoji="1" lang="zh-CN" altLang="en-US" sz="1600">
+                <a:endParaRPr kumimoji="1" lang="zh-CN" altLang="en-US" sz="1200">
                   <a:latin typeface="Helvetica Light" panose="020B0403020202020204" pitchFamily="34" charset="0"/>
                 </a:endParaRPr>
               </a:p>
@@ -4132,7 +4132,7 @@
             <p:spPr>
               <a:xfrm>
                 <a:off x="4336150" y="3957772"/>
-                <a:ext cx="1935765" cy="523220"/>
+                <a:ext cx="1935765" cy="430887"/>
               </a:xfrm>
               <a:prstGeom prst="rect">
                 <a:avLst/>
@@ -4147,7 +4147,7 @@
               <a:p>
                 <a:pPr algn="ctr"/>
                 <a:r>
-                  <a:rPr kumimoji="1" lang="en-US" altLang="zh-CN" sz="1400" dirty="0">
+                  <a:rPr kumimoji="1" lang="en-US" altLang="zh-CN" sz="1100" b="1" dirty="0">
                     <a:solidFill>
                       <a:srgbClr val="383C57"/>
                     </a:solidFill>
@@ -4159,7 +4159,7 @@
               <a:p>
                 <a:pPr algn="ctr"/>
                 <a:r>
-                  <a:rPr kumimoji="1" lang="en-US" altLang="zh-CN" sz="1400" dirty="0">
+                  <a:rPr kumimoji="1" lang="en-US" altLang="zh-CN" sz="1100" b="1" dirty="0">
                     <a:solidFill>
                       <a:srgbClr val="383C57"/>
                     </a:solidFill>
@@ -4168,7 +4168,7 @@
                   <a:t>Edge</a:t>
                 </a:r>
                 <a:r>
-                  <a:rPr kumimoji="1" lang="zh-CN" altLang="en-US" sz="1400" dirty="0">
+                  <a:rPr kumimoji="1" lang="zh-CN" altLang="en-US" sz="1100" b="1" dirty="0">
                     <a:solidFill>
                       <a:srgbClr val="383C57"/>
                     </a:solidFill>
@@ -4283,7 +4283,7 @@
             <p:spPr>
               <a:xfrm>
                 <a:off x="2275347" y="1230302"/>
-                <a:ext cx="1951335" cy="461665"/>
+                <a:ext cx="1951335" cy="430887"/>
               </a:xfrm>
               <a:prstGeom prst="rect">
                 <a:avLst/>
@@ -4297,7 +4297,7 @@
               <a:lstStyle/>
               <a:p>
                 <a:r>
-                  <a:rPr kumimoji="1" lang="en-US" altLang="zh-CN" sz="1200" b="1" dirty="0">
+                  <a:rPr kumimoji="1" lang="en-US" altLang="zh-CN" sz="1050" dirty="0" smtClean="0">
                     <a:solidFill>
                       <a:schemeClr val="accent1">
                         <a:lumMod val="60000"/>
@@ -4305,7 +4305,18 @@
                       </a:schemeClr>
                     </a:solidFill>
                   </a:rPr>
-                  <a:t>Subdevice not registered in the cloud</a:t>
+                  <a:t>Sub-device </a:t>
+                </a:r>
+                <a:r>
+                  <a:rPr kumimoji="1" lang="en-US" altLang="zh-CN" sz="1050" dirty="0">
+                    <a:solidFill>
+                      <a:schemeClr val="accent1">
+                        <a:lumMod val="60000"/>
+                        <a:lumOff val="40000"/>
+                      </a:schemeClr>
+                    </a:solidFill>
+                  </a:rPr>
+                  <a:t>not registered in the cloud</a:t>
                 </a:r>
               </a:p>
             </p:txBody>
@@ -4325,7 +4336,7 @@
             <p:spPr>
               <a:xfrm>
                 <a:off x="2287955" y="4250846"/>
-                <a:ext cx="2005529" cy="461665"/>
+                <a:ext cx="2005529" cy="430887"/>
               </a:xfrm>
               <a:prstGeom prst="rect">
                 <a:avLst/>
@@ -4339,7 +4350,7 @@
               <a:lstStyle/>
               <a:p>
                 <a:r>
-                  <a:rPr kumimoji="1" lang="en-US" altLang="zh-CN" sz="1200" b="1" dirty="0">
+                  <a:rPr kumimoji="1" lang="en-US" altLang="zh-CN" sz="1050" dirty="0" smtClean="0">
                     <a:solidFill>
                       <a:schemeClr val="accent1">
                         <a:lumMod val="60000"/>
@@ -4347,7 +4358,18 @@
                       </a:schemeClr>
                     </a:solidFill>
                   </a:rPr>
-                  <a:t>Sub device registered in the cloud</a:t>
+                  <a:t>Sub-device </a:t>
+                </a:r>
+                <a:r>
+                  <a:rPr kumimoji="1" lang="en-US" altLang="zh-CN" sz="1050" dirty="0">
+                    <a:solidFill>
+                      <a:schemeClr val="accent1">
+                        <a:lumMod val="60000"/>
+                        <a:lumOff val="40000"/>
+                      </a:schemeClr>
+                    </a:solidFill>
+                  </a:rPr>
+                  <a:t>registered in the cloud</a:t>
                 </a:r>
               </a:p>
             </p:txBody>
@@ -4400,7 +4422,7 @@
               <a:lstStyle/>
               <a:p>
                 <a:pPr algn="ctr"/>
-                <a:endParaRPr kumimoji="1" lang="zh-CN" altLang="en-US" sz="1600">
+                <a:endParaRPr kumimoji="1" lang="zh-CN" altLang="en-US" sz="1200">
                   <a:latin typeface="Helvetica Light" panose="020B0403020202020204" pitchFamily="34" charset="0"/>
                 </a:endParaRPr>
               </a:p>
@@ -4421,7 +4443,7 @@
             <p:spPr>
               <a:xfrm>
                 <a:off x="7559866" y="2791053"/>
-                <a:ext cx="1341346" cy="307777"/>
+                <a:ext cx="1341346" cy="261610"/>
               </a:xfrm>
               <a:prstGeom prst="rect">
                 <a:avLst/>
@@ -4436,7 +4458,7 @@
               <a:p>
                 <a:pPr algn="ctr"/>
                 <a:r>
-                  <a:rPr kumimoji="1" lang="en-US" altLang="zh-CN" sz="1400" dirty="0">
+                  <a:rPr kumimoji="1" lang="en-US" altLang="zh-CN" sz="1100" b="1" dirty="0">
                     <a:solidFill>
                       <a:srgbClr val="383C57"/>
                     </a:solidFill>
@@ -4444,7 +4466,7 @@
                   </a:rPr>
                   <a:t>Add Topology</a:t>
                 </a:r>
-                <a:endParaRPr kumimoji="1" lang="zh-CN" altLang="en-US" sz="1400" dirty="0">
+                <a:endParaRPr kumimoji="1" lang="zh-CN" altLang="en-US" sz="1100" b="1" dirty="0">
                   <a:solidFill>
                     <a:srgbClr val="383C57"/>
                   </a:solidFill>
@@ -4591,7 +4613,7 @@
               <a:lstStyle/>
               <a:p>
                 <a:pPr algn="ctr"/>
-                <a:endParaRPr kumimoji="1" lang="zh-CN" altLang="en-US" sz="1600">
+                <a:endParaRPr kumimoji="1" lang="zh-CN" altLang="en-US" sz="1200">
                   <a:latin typeface="Helvetica Light" panose="020B0403020202020204" pitchFamily="34" charset="0"/>
                 </a:endParaRPr>
               </a:p>
@@ -4612,7 +4634,7 @@
             <p:spPr>
               <a:xfrm>
                 <a:off x="10500414" y="2791053"/>
-                <a:ext cx="1341346" cy="307777"/>
+                <a:ext cx="1341346" cy="261610"/>
               </a:xfrm>
               <a:prstGeom prst="rect">
                 <a:avLst/>
@@ -4627,7 +4649,7 @@
               <a:p>
                 <a:pPr algn="ctr"/>
                 <a:r>
-                  <a:rPr kumimoji="1" lang="en-US" altLang="zh-CN" sz="1400" dirty="0">
+                  <a:rPr kumimoji="1" lang="en-US" altLang="zh-CN" sz="1100" b="1" dirty="0">
                     <a:solidFill>
                       <a:srgbClr val="383C57"/>
                     </a:solidFill>
@@ -4635,7 +4657,7 @@
                   </a:rPr>
                   <a:t>Device Login</a:t>
                 </a:r>
-                <a:endParaRPr kumimoji="1" lang="zh-CN" altLang="en-US" sz="1400" dirty="0">
+                <a:endParaRPr kumimoji="1" lang="zh-CN" altLang="en-US" sz="1100" b="1" dirty="0">
                   <a:solidFill>
                     <a:srgbClr val="383C57"/>
                   </a:solidFill>
@@ -4736,7 +4758,7 @@
               <a:lstStyle/>
               <a:p>
                 <a:pPr algn="ctr"/>
-                <a:endParaRPr kumimoji="1" lang="zh-CN" altLang="en-US" sz="1600">
+                <a:endParaRPr kumimoji="1" lang="zh-CN" altLang="en-US" sz="1200">
                   <a:latin typeface="Helvetica Light" panose="020B0403020202020204" pitchFamily="34" charset="0"/>
                 </a:endParaRPr>
               </a:p>
@@ -4757,7 +4779,7 @@
             <p:spPr>
               <a:xfrm>
                 <a:off x="13440962" y="2791053"/>
-                <a:ext cx="1341346" cy="523220"/>
+                <a:ext cx="1341346" cy="430887"/>
               </a:xfrm>
               <a:prstGeom prst="rect">
                 <a:avLst/>
@@ -4772,7 +4794,7 @@
               <a:p>
                 <a:pPr algn="ctr"/>
                 <a:r>
-                  <a:rPr kumimoji="1" lang="en-US" altLang="zh-CN" sz="1400" dirty="0">
+                  <a:rPr kumimoji="1" lang="en-US" altLang="zh-CN" sz="1100" b="1" dirty="0">
                     <a:solidFill>
                       <a:srgbClr val="383C57"/>
                     </a:solidFill>
@@ -4780,7 +4802,7 @@
                   </a:rPr>
                   <a:t>Data Send Telemetries</a:t>
                 </a:r>
-                <a:endParaRPr kumimoji="1" lang="zh-CN" altLang="en-US" sz="1400" dirty="0">
+                <a:endParaRPr kumimoji="1" lang="zh-CN" altLang="en-US" sz="1100" b="1" dirty="0">
                   <a:solidFill>
                     <a:srgbClr val="383C57"/>
                   </a:solidFill>
@@ -4848,7 +4870,7 @@
             <p:spPr>
               <a:xfrm>
                 <a:off x="6387296" y="1213634"/>
-                <a:ext cx="2864156" cy="461665"/>
+                <a:ext cx="2864156" cy="430887"/>
               </a:xfrm>
               <a:prstGeom prst="rect">
                 <a:avLst/>
@@ -4862,7 +4884,7 @@
               <a:lstStyle/>
               <a:p>
                 <a:r>
-                  <a:rPr kumimoji="1" lang="en-US" altLang="zh-CN" sz="1200" dirty="0">
+                  <a:rPr kumimoji="1" lang="en-US" altLang="zh-CN" sz="1050" dirty="0">
                     <a:solidFill>
                       <a:srgbClr val="737794"/>
                     </a:solidFill>
@@ -4870,7 +4892,7 @@
                   <a:t>Calls REST API for dynamic sub device registration and obtains </a:t>
                 </a:r>
                 <a:r>
-                  <a:rPr kumimoji="1" lang="en-US" altLang="zh-CN" sz="1200" dirty="0">
+                  <a:rPr kumimoji="1" lang="en-US" altLang="zh-CN" sz="1050" dirty="0">
                     <a:solidFill>
                       <a:schemeClr val="accent4">
                         <a:lumMod val="60000"/>
@@ -4898,7 +4920,7 @@
             <p:spPr>
               <a:xfrm>
                 <a:off x="6387296" y="3700549"/>
-                <a:ext cx="1877437" cy="461665"/>
+                <a:ext cx="1877437" cy="430887"/>
               </a:xfrm>
               <a:prstGeom prst="rect">
                 <a:avLst/>
@@ -4912,7 +4934,7 @@
               <a:lstStyle/>
               <a:p>
                 <a:r>
-                  <a:rPr kumimoji="1" lang="en-US" altLang="zh-CN" sz="1200" dirty="0">
+                  <a:rPr kumimoji="1" lang="en-US" altLang="zh-CN" sz="1050" dirty="0">
                     <a:solidFill>
                       <a:srgbClr val="737794"/>
                     </a:solidFill>
@@ -4920,7 +4942,7 @@
                   <a:t>Edge with </a:t>
                 </a:r>
                 <a:r>
-                  <a:rPr kumimoji="1" lang="en-US" altLang="zh-CN" sz="1200" dirty="0">
+                  <a:rPr kumimoji="1" lang="en-US" altLang="zh-CN" sz="1050" dirty="0">
                     <a:solidFill>
                       <a:schemeClr val="accent4">
                         <a:lumMod val="60000"/>
@@ -4931,7 +4953,7 @@
                   <a:t>device triple </a:t>
                 </a:r>
                 <a:r>
-                  <a:rPr kumimoji="1" lang="en-US" altLang="zh-CN" sz="1200" dirty="0">
+                  <a:rPr kumimoji="1" lang="en-US" altLang="zh-CN" sz="1050" dirty="0">
                     <a:solidFill>
                       <a:srgbClr val="737794"/>
                     </a:solidFill>
@@ -4956,7 +4978,7 @@
             <p:spPr>
               <a:xfrm>
                 <a:off x="6387296" y="4308224"/>
-                <a:ext cx="1877436" cy="646331"/>
+                <a:ext cx="1877436" cy="577081"/>
               </a:xfrm>
               <a:prstGeom prst="rect">
                 <a:avLst/>
@@ -4970,7 +4992,7 @@
               <a:lstStyle/>
               <a:p>
                 <a:r>
-                  <a:rPr kumimoji="1" lang="en-US" altLang="zh-CN" sz="1200" dirty="0">
+                  <a:rPr kumimoji="1" lang="en-US" altLang="zh-CN" sz="1050" dirty="0">
                     <a:solidFill>
                       <a:srgbClr val="737794"/>
                     </a:solidFill>
@@ -4978,7 +5000,7 @@
                   <a:t>Subdevice logs in to cloud through edge and presents </a:t>
                 </a:r>
                 <a:r>
-                  <a:rPr kumimoji="1" lang="en-US" altLang="zh-CN" sz="1200" dirty="0">
+                  <a:rPr kumimoji="1" lang="en-US" altLang="zh-CN" sz="1050" dirty="0">
                     <a:solidFill>
                       <a:schemeClr val="accent4">
                         <a:lumMod val="60000"/>
@@ -5006,7 +5028,7 @@
             <p:spPr>
               <a:xfrm>
                 <a:off x="2344060" y="1670633"/>
-                <a:ext cx="1922327" cy="646331"/>
+                <a:ext cx="1922327" cy="577081"/>
               </a:xfrm>
               <a:prstGeom prst="rect">
                 <a:avLst/>
@@ -5019,7 +5041,7 @@
               <a:lstStyle/>
               <a:p>
                 <a:r>
-                  <a:rPr kumimoji="1" lang="en-US" altLang="zh-CN" sz="1200" dirty="0">
+                  <a:rPr kumimoji="1" lang="en-US" altLang="zh-CN" sz="1050" dirty="0">
                     <a:solidFill>
                       <a:srgbClr val="737794"/>
                     </a:solidFill>
@@ -5027,7 +5049,7 @@
                   <a:t>Edge burned with SA, edge</a:t>
                 </a:r>
                 <a:r>
-                  <a:rPr kumimoji="1" lang="zh-CN" altLang="en-US" sz="1200" dirty="0">
+                  <a:rPr kumimoji="1" lang="zh-CN" altLang="en-US" sz="1050" dirty="0">
                     <a:solidFill>
                       <a:srgbClr val="737794"/>
                     </a:solidFill>
@@ -5035,7 +5057,7 @@
                   <a:t> </a:t>
                 </a:r>
                 <a:r>
-                  <a:rPr kumimoji="1" lang="en-US" altLang="zh-CN" sz="1200" dirty="0">
+                  <a:rPr kumimoji="1" lang="en-US" altLang="zh-CN" sz="1050" dirty="0">
                     <a:solidFill>
                       <a:srgbClr val="737794"/>
                     </a:solidFill>
@@ -5043,7 +5065,7 @@
                   <a:t>device </a:t>
                 </a:r>
                 <a:r>
-                  <a:rPr kumimoji="1" lang="en-US" altLang="zh-CN" sz="1200" dirty="0">
+                  <a:rPr kumimoji="1" lang="en-US" altLang="zh-CN" sz="1050" dirty="0">
                     <a:solidFill>
                       <a:schemeClr val="accent4">
                         <a:lumMod val="60000"/>
@@ -5054,7 +5076,7 @@
                   <a:t>productKey</a:t>
                 </a:r>
                 <a:r>
-                  <a:rPr kumimoji="1" lang="en-US" altLang="zh-CN" sz="1200" dirty="0">
+                  <a:rPr kumimoji="1" lang="en-US" altLang="zh-CN" sz="1050" dirty="0">
                     <a:solidFill>
                       <a:srgbClr val="BCBDD0"/>
                     </a:solidFill>
@@ -5062,7 +5084,7 @@
                   <a:t>, </a:t>
                 </a:r>
                 <a:r>
-                  <a:rPr kumimoji="1" lang="en-US" altLang="zh-CN" sz="1200" dirty="0">
+                  <a:rPr kumimoji="1" lang="en-US" altLang="zh-CN" sz="1050" dirty="0">
                     <a:solidFill>
                       <a:srgbClr val="737794"/>
                     </a:solidFill>
@@ -5070,7 +5092,7 @@
                   <a:t>and subdevice </a:t>
                 </a:r>
                 <a:r>
-                  <a:rPr kumimoji="1" lang="en-US" altLang="zh-CN" sz="1200" dirty="0">
+                  <a:rPr kumimoji="1" lang="en-US" altLang="zh-CN" sz="1050" dirty="0">
                     <a:solidFill>
                       <a:schemeClr val="accent4">
                         <a:lumMod val="60000"/>
@@ -5080,7 +5102,7 @@
                   </a:rPr>
                   <a:t>productKey</a:t>
                 </a:r>
-                <a:endParaRPr kumimoji="1" lang="zh-CN" altLang="en-US" sz="1200" dirty="0">
+                <a:endParaRPr kumimoji="1" lang="zh-CN" altLang="en-US" sz="1050" dirty="0">
                   <a:solidFill>
                     <a:schemeClr val="accent4">
                       <a:lumMod val="60000"/>
@@ -5106,7 +5128,7 @@
             <p:spPr>
               <a:xfrm>
                 <a:off x="6387296" y="1700731"/>
-                <a:ext cx="1713156" cy="830997"/>
+                <a:ext cx="1713156" cy="577081"/>
               </a:xfrm>
               <a:prstGeom prst="rect">
                 <a:avLst/>
@@ -5120,7 +5142,7 @@
               <a:lstStyle/>
               <a:p>
                 <a:r>
-                  <a:rPr kumimoji="1" lang="en-US" altLang="zh-CN" sz="1200" dirty="0">
+                  <a:rPr kumimoji="1" lang="en-US" altLang="zh-CN" sz="1050" dirty="0">
                     <a:solidFill>
                       <a:srgbClr val="737794"/>
                     </a:solidFill>
@@ -5128,7 +5150,7 @@
                   <a:t>Subdevice logs in to cloud through edge and presents </a:t>
                 </a:r>
                 <a:r>
-                  <a:rPr kumimoji="1" lang="en-US" altLang="zh-CN" sz="1200" dirty="0">
+                  <a:rPr kumimoji="1" lang="en-US" altLang="zh-CN" sz="1050" dirty="0">
                     <a:solidFill>
                       <a:schemeClr val="accent4">
                         <a:lumMod val="60000"/>
@@ -5160,7 +5182,7 @@
             <a:blip r:embed="rId2">
               <a:extLst>
                 <a:ext uri="{96DAC541-7B7A-43D3-8B79-37D633B846F1}">
-                  <asvg:svgBlip xmlns:asvg="http://schemas.microsoft.com/office/drawing/2016/SVG/main" r:embed="rId3"/>
+                  <asvg:svgBlip xmlns:asvg="http://schemas.microsoft.com/office/drawing/2016/SVG/main" xmlns="" r:embed="rId3"/>
                 </a:ext>
               </a:extLst>
             </a:blip>
@@ -5193,7 +5215,7 @@
           <p:spPr>
             <a:xfrm>
               <a:off x="1863452" y="1380507"/>
-              <a:ext cx="381836" cy="276999"/>
+              <a:ext cx="367408" cy="253916"/>
             </a:xfrm>
             <a:prstGeom prst="rect">
               <a:avLst/>
@@ -5207,14 +5229,14 @@
             <a:lstStyle/>
             <a:p>
               <a:r>
-                <a:rPr kumimoji="1" lang="en-US" altLang="zh-CN" sz="1200" dirty="0">
+                <a:rPr kumimoji="1" lang="en-US" altLang="zh-CN" sz="1050" dirty="0">
                   <a:solidFill>
                     <a:srgbClr val="737794"/>
                   </a:solidFill>
                 </a:rPr>
                 <a:t>1.1</a:t>
               </a:r>
-              <a:endParaRPr kumimoji="1" lang="zh-CN" altLang="en-US" sz="1200" dirty="0">
+              <a:endParaRPr kumimoji="1" lang="zh-CN" altLang="en-US" sz="1050" dirty="0">
                 <a:solidFill>
                   <a:srgbClr val="737794"/>
                 </a:solidFill>
@@ -5240,7 +5262,7 @@
             <a:blip r:embed="rId2">
               <a:extLst>
                 <a:ext uri="{96DAC541-7B7A-43D3-8B79-37D633B846F1}">
-                  <asvg:svgBlip xmlns:asvg="http://schemas.microsoft.com/office/drawing/2016/SVG/main" r:embed="rId3"/>
+                  <asvg:svgBlip xmlns:asvg="http://schemas.microsoft.com/office/drawing/2016/SVG/main" xmlns="" r:embed="rId3"/>
                 </a:ext>
               </a:extLst>
             </a:blip>
@@ -5273,7 +5295,7 @@
           <p:spPr>
             <a:xfrm>
               <a:off x="1863452" y="4267169"/>
-              <a:ext cx="381836" cy="276999"/>
+              <a:ext cx="367408" cy="253916"/>
             </a:xfrm>
             <a:prstGeom prst="rect">
               <a:avLst/>
@@ -5287,14 +5309,14 @@
             <a:lstStyle/>
             <a:p>
               <a:r>
-                <a:rPr kumimoji="1" lang="en-US" altLang="zh-CN" sz="1200" dirty="0">
+                <a:rPr kumimoji="1" lang="en-US" altLang="zh-CN" sz="1050" dirty="0">
                   <a:solidFill>
                     <a:srgbClr val="737794"/>
                   </a:solidFill>
                 </a:rPr>
                 <a:t>1.2</a:t>
               </a:r>
-              <a:endParaRPr kumimoji="1" lang="zh-CN" altLang="en-US" sz="1200" dirty="0">
+              <a:endParaRPr kumimoji="1" lang="zh-CN" altLang="en-US" sz="1050" dirty="0">
                 <a:solidFill>
                   <a:srgbClr val="737794"/>
                 </a:solidFill>
@@ -6756,9 +6778,9 @@
         <p:grpSpPr>
           <a:xfrm>
             <a:off x="662238" y="1046523"/>
-            <a:ext cx="10904729" cy="4021105"/>
+            <a:ext cx="10904729" cy="3974939"/>
             <a:chOff x="1287271" y="880402"/>
-            <a:chExt cx="10904729" cy="4021105"/>
+            <a:chExt cx="10904729" cy="3974939"/>
           </a:xfrm>
         </p:grpSpPr>
         <p:grpSp>
@@ -6776,9 +6798,9 @@
           <p:grpSpPr>
             <a:xfrm>
               <a:off x="1287271" y="880402"/>
-              <a:ext cx="10904729" cy="4021105"/>
+              <a:ext cx="10904729" cy="3974939"/>
               <a:chOff x="1287271" y="880402"/>
-              <a:chExt cx="10904729" cy="4021105"/>
+              <a:chExt cx="10904729" cy="3974939"/>
             </a:xfrm>
           </p:grpSpPr>
           <p:sp>
@@ -6829,7 +6851,7 @@
               <a:lstStyle/>
               <a:p>
                 <a:pPr algn="ctr"/>
-                <a:endParaRPr kumimoji="1" lang="zh-CN" altLang="en-US" sz="1600"/>
+                <a:endParaRPr kumimoji="1" lang="zh-CN" altLang="en-US" sz="1200"/>
               </a:p>
             </p:txBody>
           </p:sp>
@@ -6848,7 +6870,7 @@
             <p:spPr>
               <a:xfrm>
                 <a:off x="1303529" y="2511329"/>
-                <a:ext cx="2055418" cy="523220"/>
+                <a:ext cx="2055418" cy="261610"/>
               </a:xfrm>
               <a:prstGeom prst="rect">
                 <a:avLst/>
@@ -6863,7 +6885,7 @@
               <a:p>
                 <a:pPr algn="ctr"/>
                 <a:r>
-                  <a:rPr kumimoji="1" lang="en-US" altLang="zh-CN" sz="1400" dirty="0">
+                  <a:rPr kumimoji="1" lang="en-US" altLang="zh-CN" sz="1100" b="1" dirty="0">
                     <a:solidFill>
                       <a:srgbClr val="383C57"/>
                     </a:solidFill>
@@ -6871,7 +6893,7 @@
                   </a:rPr>
                   <a:t>Directly Connected Device</a:t>
                 </a:r>
-                <a:endParaRPr kumimoji="1" lang="zh-CN" altLang="en-US" sz="1400" dirty="0">
+                <a:endParaRPr kumimoji="1" lang="zh-CN" altLang="en-US" sz="1100" b="1" dirty="0">
                   <a:solidFill>
                     <a:srgbClr val="383C57"/>
                   </a:solidFill>
@@ -6895,7 +6917,7 @@
             <p:spPr>
               <a:xfrm>
                 <a:off x="1287271" y="3000021"/>
-                <a:ext cx="2065015" cy="430887"/>
+                <a:ext cx="2065015" cy="400110"/>
               </a:xfrm>
               <a:prstGeom prst="rect">
                 <a:avLst/>
@@ -6909,14 +6931,14 @@
               <a:lstStyle/>
               <a:p>
                 <a:r>
-                  <a:rPr kumimoji="1" lang="en-US" altLang="zh-CN" sz="1100" dirty="0">
+                  <a:rPr kumimoji="1" lang="en-US" altLang="zh-CN" sz="1000" dirty="0">
                     <a:solidFill>
                       <a:srgbClr val="737794"/>
                     </a:solidFill>
                   </a:rPr>
                   <a:t>With product credentials burned in the firmware</a:t>
                 </a:r>
-                <a:endParaRPr kumimoji="1" lang="zh-CN" altLang="en-US" sz="1100" dirty="0">
+                <a:endParaRPr kumimoji="1" lang="zh-CN" altLang="en-US" sz="1000" dirty="0">
                   <a:solidFill>
                     <a:srgbClr val="737794"/>
                   </a:solidFill>
@@ -6972,7 +6994,7 @@
               <a:lstStyle/>
               <a:p>
                 <a:pPr algn="ctr"/>
-                <a:endParaRPr kumimoji="1" lang="zh-CN" altLang="en-US" sz="1600">
+                <a:endParaRPr kumimoji="1" lang="zh-CN" altLang="en-US" sz="1200">
                   <a:latin typeface="Helvetica Light" panose="020B0403020202020204" pitchFamily="34" charset="0"/>
                 </a:endParaRPr>
               </a:p>
@@ -6993,7 +7015,7 @@
             <p:spPr>
               <a:xfrm>
                 <a:off x="4303027" y="1436209"/>
-                <a:ext cx="1983680" cy="523220"/>
+                <a:ext cx="1983680" cy="430887"/>
               </a:xfrm>
               <a:prstGeom prst="rect">
                 <a:avLst/>
@@ -7008,7 +7030,7 @@
               <a:p>
                 <a:pPr algn="ctr"/>
                 <a:r>
-                  <a:rPr kumimoji="1" lang="en-US" altLang="zh-CN" sz="1400" dirty="0">
+                  <a:rPr kumimoji="1" lang="en-US" altLang="zh-CN" sz="1100" b="1" dirty="0">
                     <a:solidFill>
                       <a:srgbClr val="383C57"/>
                     </a:solidFill>
@@ -7016,7 +7038,7 @@
                   </a:rPr>
                   <a:t>Device Dynamically Activated</a:t>
                 </a:r>
-                <a:endParaRPr kumimoji="1" lang="zh-CN" altLang="en-US" sz="1400" dirty="0">
+                <a:endParaRPr kumimoji="1" lang="zh-CN" altLang="en-US" sz="1100" b="1" dirty="0">
                   <a:solidFill>
                     <a:srgbClr val="383C57"/>
                   </a:solidFill>
@@ -7084,7 +7106,7 @@
             <p:spPr>
               <a:xfrm>
                 <a:off x="2296401" y="880402"/>
-                <a:ext cx="1839197" cy="769441"/>
+                <a:ext cx="1839197" cy="707886"/>
               </a:xfrm>
               <a:prstGeom prst="rect">
                 <a:avLst/>
@@ -7102,7 +7124,7 @@
                   <a:buChar char="•"/>
                 </a:pPr>
                 <a:r>
-                  <a:rPr kumimoji="1" lang="en-US" altLang="zh-CN" sz="1100" b="1" dirty="0">
+                  <a:rPr kumimoji="1" lang="en-US" altLang="zh-CN" sz="1000" b="1" dirty="0">
                     <a:solidFill>
                       <a:schemeClr val="accent1">
                         <a:lumMod val="60000"/>
@@ -7119,7 +7141,7 @@
                   <a:buChar char="•"/>
                 </a:pPr>
                 <a:r>
-                  <a:rPr kumimoji="1" lang="en-US" altLang="zh-CN" sz="1100" dirty="0">
+                  <a:rPr kumimoji="1" lang="en-US" altLang="zh-CN" sz="1000" dirty="0">
                     <a:solidFill>
                       <a:srgbClr val="737794"/>
                     </a:solidFill>
@@ -7127,7 +7149,7 @@
                   <a:t>Product</a:t>
                 </a:r>
                 <a:r>
-                  <a:rPr kumimoji="1" lang="zh-CN" altLang="en-US" sz="1100" dirty="0">
+                  <a:rPr kumimoji="1" lang="zh-CN" altLang="en-US" sz="1000" dirty="0">
                     <a:solidFill>
                       <a:srgbClr val="737794"/>
                     </a:solidFill>
@@ -7135,7 +7157,7 @@
                   <a:t> </a:t>
                 </a:r>
                 <a:r>
-                  <a:rPr kumimoji="1" lang="en-US" altLang="zh-CN" sz="1100" dirty="0">
+                  <a:rPr kumimoji="1" lang="en-US" altLang="zh-CN" sz="1000" dirty="0">
                     <a:solidFill>
                       <a:srgbClr val="737794"/>
                     </a:solidFill>
@@ -7193,7 +7215,7 @@
               <a:lstStyle/>
               <a:p>
                 <a:pPr algn="ctr"/>
-                <a:endParaRPr kumimoji="1" lang="zh-CN" altLang="en-US" sz="1600">
+                <a:endParaRPr kumimoji="1" lang="zh-CN" altLang="en-US" sz="1200">
                   <a:latin typeface="Helvetica Light" panose="020B0403020202020204" pitchFamily="34" charset="0"/>
                 </a:endParaRPr>
               </a:p>
@@ -7214,7 +7236,7 @@
             <p:spPr>
               <a:xfrm>
                 <a:off x="7559866" y="2791053"/>
-                <a:ext cx="1341346" cy="307777"/>
+                <a:ext cx="1341346" cy="261610"/>
               </a:xfrm>
               <a:prstGeom prst="rect">
                 <a:avLst/>
@@ -7229,7 +7251,7 @@
               <a:p>
                 <a:pPr algn="ctr"/>
                 <a:r>
-                  <a:rPr kumimoji="1" lang="en-US" altLang="zh-CN" sz="1400" dirty="0">
+                  <a:rPr kumimoji="1" lang="en-US" altLang="zh-CN" sz="1100" b="1" dirty="0">
                     <a:solidFill>
                       <a:srgbClr val="383C57"/>
                     </a:solidFill>
@@ -7237,7 +7259,7 @@
                   </a:rPr>
                   <a:t>Device Login</a:t>
                 </a:r>
-                <a:endParaRPr kumimoji="1" lang="zh-CN" altLang="en-US" sz="1400" dirty="0">
+                <a:endParaRPr kumimoji="1" lang="zh-CN" altLang="en-US" sz="1100" b="1" dirty="0">
                   <a:solidFill>
                     <a:srgbClr val="383C57"/>
                   </a:solidFill>
@@ -7262,8 +7284,8 @@
             </p:nvCxnSpPr>
             <p:spPr>
               <a:xfrm rot="16200000" flipV="1">
-                <a:off x="7176173" y="1130725"/>
-                <a:ext cx="396000" cy="1764000"/>
+                <a:off x="7158173" y="1157126"/>
+                <a:ext cx="540000" cy="1872000"/>
               </a:xfrm>
               <a:prstGeom prst="bentConnector2">
                 <a:avLst/>
@@ -7339,7 +7361,7 @@
               <a:lstStyle/>
               <a:p>
                 <a:pPr algn="ctr"/>
-                <a:endParaRPr kumimoji="1" lang="zh-CN" altLang="en-US" sz="1600">
+                <a:endParaRPr kumimoji="1" lang="zh-CN" altLang="en-US" sz="1200">
                   <a:latin typeface="Helvetica Light" panose="020B0403020202020204" pitchFamily="34" charset="0"/>
                 </a:endParaRPr>
               </a:p>
@@ -7360,7 +7382,7 @@
             <p:spPr>
               <a:xfrm>
                 <a:off x="10500414" y="2678759"/>
-                <a:ext cx="1341346" cy="523220"/>
+                <a:ext cx="1341346" cy="430887"/>
               </a:xfrm>
               <a:prstGeom prst="rect">
                 <a:avLst/>
@@ -7375,7 +7397,7 @@
               <a:p>
                 <a:pPr algn="ctr"/>
                 <a:r>
-                  <a:rPr kumimoji="1" lang="en-US" altLang="zh-CN" sz="1400" dirty="0">
+                  <a:rPr kumimoji="1" lang="en-US" altLang="zh-CN" sz="1100" b="1" dirty="0">
                     <a:solidFill>
                       <a:srgbClr val="383C57"/>
                     </a:solidFill>
@@ -7383,7 +7405,7 @@
                   </a:rPr>
                   <a:t>Device Send Telemetries </a:t>
                 </a:r>
-                <a:endParaRPr kumimoji="1" lang="zh-CN" altLang="en-US" sz="1400" dirty="0">
+                <a:endParaRPr kumimoji="1" lang="zh-CN" altLang="en-US" sz="1100" b="1" dirty="0">
                   <a:solidFill>
                     <a:srgbClr val="383C57"/>
                   </a:solidFill>
@@ -7451,7 +7473,7 @@
             <p:spPr>
               <a:xfrm>
                 <a:off x="2309222" y="1780292"/>
-                <a:ext cx="2130163" cy="600164"/>
+                <a:ext cx="2130163" cy="553998"/>
               </a:xfrm>
               <a:prstGeom prst="rect">
                 <a:avLst/>
@@ -7465,7 +7487,7 @@
               <a:lstStyle/>
               <a:p>
                 <a:r>
-                  <a:rPr kumimoji="1" lang="en-US" altLang="zh-CN" sz="1100" dirty="0">
+                  <a:rPr kumimoji="1" lang="en-US" altLang="zh-CN" sz="1000" dirty="0">
                     <a:solidFill>
                       <a:srgbClr val="737794"/>
                     </a:solidFill>
@@ -7473,7 +7495,7 @@
                   <a:t>Device with </a:t>
                 </a:r>
                 <a:r>
-                  <a:rPr kumimoji="1" lang="en-US" altLang="zh-CN" sz="1100" dirty="0">
+                  <a:rPr kumimoji="1" lang="en-US" altLang="zh-CN" sz="1000" dirty="0">
                     <a:solidFill>
                       <a:schemeClr val="accent4">
                         <a:lumMod val="60000"/>
@@ -7484,14 +7506,14 @@
                   <a:t>productKey</a:t>
                 </a:r>
                 <a:r>
-                  <a:rPr kumimoji="1" lang="zh-CN" altLang="en-US" sz="1100" dirty="0">
+                  <a:rPr kumimoji="1" lang="zh-CN" altLang="en-US" sz="1000" dirty="0">
                     <a:solidFill>
                       <a:srgbClr val="BCBDD0"/>
                     </a:solidFill>
                   </a:rPr>
                   <a:t>，</a:t>
                 </a:r>
-                <a:endParaRPr kumimoji="1" lang="en-US" altLang="zh-CN" sz="1100" dirty="0">
+                <a:endParaRPr kumimoji="1" lang="en-US" altLang="zh-CN" sz="1000" dirty="0">
                   <a:solidFill>
                     <a:srgbClr val="BCBDD0"/>
                   </a:solidFill>
@@ -7499,7 +7521,7 @@
               </a:p>
               <a:p>
                 <a:r>
-                  <a:rPr kumimoji="1" lang="en-US" altLang="zh-CN" sz="1100" dirty="0">
+                  <a:rPr kumimoji="1" lang="en-US" altLang="zh-CN" sz="1000" dirty="0">
                     <a:solidFill>
                       <a:schemeClr val="accent4">
                         <a:lumMod val="60000"/>
@@ -7510,7 +7532,7 @@
                   <a:t>deviceKey</a:t>
                 </a:r>
                 <a:r>
-                  <a:rPr kumimoji="1" lang="en-US" altLang="zh-CN" sz="1100" dirty="0">
+                  <a:rPr kumimoji="1" lang="en-US" altLang="zh-CN" sz="1000" dirty="0">
                     <a:solidFill>
                       <a:srgbClr val="BCBDD0"/>
                     </a:solidFill>
@@ -7518,7 +7540,7 @@
                   <a:t>, </a:t>
                 </a:r>
                 <a:r>
-                  <a:rPr kumimoji="1" lang="en-US" altLang="zh-CN" sz="1100" dirty="0">
+                  <a:rPr kumimoji="1" lang="en-US" altLang="zh-CN" sz="1000" dirty="0">
                     <a:solidFill>
                       <a:schemeClr val="accent4">
                         <a:lumMod val="60000"/>
@@ -7529,7 +7551,7 @@
                   <a:t>deviceSecret (triple)</a:t>
                 </a:r>
                 <a:r>
-                  <a:rPr kumimoji="1" lang="en-US" altLang="zh-CN" sz="1100" dirty="0">
+                  <a:rPr kumimoji="1" lang="en-US" altLang="zh-CN" sz="1000" dirty="0">
                     <a:solidFill>
                       <a:srgbClr val="BCBDD0"/>
                     </a:solidFill>
@@ -7537,7 +7559,7 @@
                   <a:t> </a:t>
                 </a:r>
                 <a:r>
-                  <a:rPr kumimoji="1" lang="en-US" altLang="zh-CN" sz="1100" dirty="0">
+                  <a:rPr kumimoji="1" lang="en-US" altLang="zh-CN" sz="1000" dirty="0">
                     <a:solidFill>
                       <a:srgbClr val="737794"/>
                     </a:solidFill>
@@ -7606,7 +7628,7 @@
             <p:spPr>
               <a:xfrm>
                 <a:off x="3980304" y="2529364"/>
-                <a:ext cx="2958443" cy="430887"/>
+                <a:ext cx="2958443" cy="400110"/>
               </a:xfrm>
               <a:prstGeom prst="rect">
                 <a:avLst/>
@@ -7620,7 +7642,7 @@
               <a:lstStyle/>
               <a:p>
                 <a:r>
-                  <a:rPr kumimoji="1" lang="en-US" altLang="zh-CN" sz="1100" b="1" dirty="0">
+                  <a:rPr kumimoji="1" lang="en-US" altLang="zh-CN" sz="1000" b="1" dirty="0">
                     <a:solidFill>
                       <a:schemeClr val="accent1">
                         <a:lumMod val="60000"/>
@@ -7631,7 +7653,7 @@
                   <a:t>Device registered in the cloud</a:t>
                 </a:r>
                 <a:r>
-                  <a:rPr kumimoji="1" lang="en-US" altLang="zh-CN" sz="1100" dirty="0">
+                  <a:rPr kumimoji="1" lang="en-US" altLang="zh-CN" sz="1000" dirty="0">
                     <a:solidFill>
                       <a:srgbClr val="BCBDD0"/>
                     </a:solidFill>
@@ -7639,7 +7661,7 @@
                   <a:t>, </a:t>
                 </a:r>
                 <a:r>
-                  <a:rPr kumimoji="1" lang="en-US" altLang="zh-CN" sz="1100" dirty="0">
+                  <a:rPr kumimoji="1" lang="en-US" altLang="zh-CN" sz="1000" dirty="0">
                     <a:solidFill>
                       <a:srgbClr val="737794"/>
                     </a:solidFill>
@@ -7647,7 +7669,7 @@
                   <a:t>with</a:t>
                 </a:r>
                 <a:r>
-                  <a:rPr kumimoji="1" lang="en-US" altLang="zh-CN" sz="1100" dirty="0">
+                  <a:rPr kumimoji="1" lang="en-US" altLang="zh-CN" sz="1000" dirty="0">
                     <a:solidFill>
                       <a:schemeClr val="accent4">
                         <a:lumMod val="60000"/>
@@ -7658,7 +7680,7 @@
                   <a:t> device triple</a:t>
                 </a:r>
                 <a:r>
-                  <a:rPr kumimoji="1" lang="en-US" altLang="zh-CN" sz="1100" dirty="0">
+                  <a:rPr kumimoji="1" lang="en-US" altLang="zh-CN" sz="1000" dirty="0">
                     <a:solidFill>
                       <a:srgbClr val="BCBDD0"/>
                     </a:solidFill>
@@ -7666,7 +7688,7 @@
                   <a:t> </a:t>
                 </a:r>
                 <a:r>
-                  <a:rPr kumimoji="1" lang="en-US" altLang="zh-CN" sz="1100" dirty="0">
+                  <a:rPr kumimoji="1" lang="en-US" altLang="zh-CN" sz="1000" dirty="0">
                     <a:solidFill>
                       <a:srgbClr val="737794"/>
                     </a:solidFill>
@@ -7691,7 +7713,7 @@
             <p:spPr>
               <a:xfrm>
                 <a:off x="4000060" y="2983450"/>
-                <a:ext cx="3196877" cy="261610"/>
+                <a:ext cx="3196877" cy="246221"/>
               </a:xfrm>
               <a:prstGeom prst="rect">
                 <a:avLst/>
@@ -7705,7 +7727,7 @@
               <a:lstStyle/>
               <a:p>
                 <a:r>
-                  <a:rPr kumimoji="1" lang="en-US" altLang="zh-CN" sz="1100" dirty="0">
+                  <a:rPr kumimoji="1" lang="en-US" altLang="zh-CN" sz="1000" dirty="0">
                     <a:solidFill>
                       <a:srgbClr val="737794"/>
                     </a:solidFill>
@@ -7730,7 +7752,7 @@
             <p:spPr>
               <a:xfrm>
                 <a:off x="6439002" y="1819938"/>
-                <a:ext cx="1985630" cy="600164"/>
+                <a:ext cx="1866294" cy="553998"/>
               </a:xfrm>
               <a:prstGeom prst="rect">
                 <a:avLst/>
@@ -7744,7 +7766,7 @@
               <a:lstStyle/>
               <a:p>
                 <a:r>
-                  <a:rPr kumimoji="1" lang="en-US" altLang="zh-CN" sz="1100" dirty="0">
+                  <a:rPr kumimoji="1" lang="en-US" altLang="zh-CN" sz="1000" dirty="0">
                     <a:solidFill>
                       <a:srgbClr val="737794"/>
                     </a:solidFill>
@@ -7752,7 +7774,7 @@
                   <a:t>1.</a:t>
                 </a:r>
                 <a:r>
-                  <a:rPr kumimoji="1" lang="zh-CN" altLang="en-US" sz="1100" dirty="0">
+                  <a:rPr kumimoji="1" lang="zh-CN" altLang="en-US" sz="1000" dirty="0">
                     <a:solidFill>
                       <a:srgbClr val="737794"/>
                     </a:solidFill>
@@ -7760,7 +7782,7 @@
                   <a:t> </a:t>
                 </a:r>
                 <a:r>
-                  <a:rPr kumimoji="1" lang="en-US" altLang="zh-CN" sz="1100" dirty="0">
+                  <a:rPr kumimoji="1" lang="en-US" altLang="zh-CN" sz="1000" dirty="0">
                     <a:solidFill>
                       <a:srgbClr val="737794"/>
                     </a:solidFill>
@@ -7768,7 +7790,7 @@
                   <a:t>Device activated</a:t>
                 </a:r>
                 <a:r>
-                  <a:rPr kumimoji="1" lang="zh-CN" altLang="en-US" sz="1100" dirty="0">
+                  <a:rPr kumimoji="1" lang="zh-CN" altLang="en-US" sz="1000" dirty="0">
                     <a:solidFill>
                       <a:srgbClr val="737794"/>
                     </a:solidFill>
@@ -7776,7 +7798,7 @@
                   <a:t> </a:t>
                 </a:r>
                 <a:r>
-                  <a:rPr kumimoji="1" lang="en-US" altLang="zh-CN" sz="1100" dirty="0">
+                  <a:rPr kumimoji="1" lang="en-US" altLang="zh-CN" sz="1000" dirty="0">
                     <a:solidFill>
                       <a:srgbClr val="737794"/>
                     </a:solidFill>
@@ -7784,7 +7806,7 @@
                   <a:t>and presents </a:t>
                 </a:r>
                 <a:r>
-                  <a:rPr kumimoji="1" lang="en-US" altLang="zh-CN" sz="1100" dirty="0">
+                  <a:rPr kumimoji="1" lang="en-US" altLang="zh-CN" sz="1000" dirty="0">
                     <a:solidFill>
                       <a:schemeClr val="accent4">
                         <a:lumMod val="60000"/>
@@ -7795,7 +7817,7 @@
                   <a:t>productKey</a:t>
                 </a:r>
                 <a:r>
-                  <a:rPr kumimoji="1" lang="en-US" altLang="zh-CN" sz="1100" dirty="0">
+                  <a:rPr kumimoji="1" lang="en-US" altLang="zh-CN" sz="1000" dirty="0">
                     <a:solidFill>
                       <a:srgbClr val="BCBDD0"/>
                     </a:solidFill>
@@ -7803,7 +7825,7 @@
                   <a:t>, </a:t>
                 </a:r>
                 <a:r>
-                  <a:rPr kumimoji="1" lang="en-US" altLang="zh-CN" sz="1100" dirty="0">
+                  <a:rPr kumimoji="1" lang="en-US" altLang="zh-CN" sz="1000" dirty="0">
                     <a:solidFill>
                       <a:schemeClr val="accent4">
                         <a:lumMod val="60000"/>
@@ -7814,7 +7836,7 @@
                   <a:t>productSecret</a:t>
                 </a:r>
                 <a:r>
-                  <a:rPr kumimoji="1" lang="en-US" altLang="zh-CN" sz="1100" dirty="0">
+                  <a:rPr kumimoji="1" lang="en-US" altLang="zh-CN" sz="1000" dirty="0">
                     <a:solidFill>
                       <a:srgbClr val="737794"/>
                     </a:solidFill>
@@ -7822,7 +7844,7 @@
                   <a:t>, and </a:t>
                 </a:r>
                 <a:r>
-                  <a:rPr kumimoji="1" lang="en-US" altLang="zh-CN" sz="1100" dirty="0">
+                  <a:rPr kumimoji="1" lang="en-US" altLang="zh-CN" sz="1000" dirty="0">
                     <a:solidFill>
                       <a:schemeClr val="accent4">
                         <a:lumMod val="60000"/>
@@ -7851,8 +7873,8 @@
             </p:nvCxnSpPr>
             <p:spPr>
               <a:xfrm rot="16200000" flipV="1">
-                <a:off x="7069002" y="1010796"/>
-                <a:ext cx="720000" cy="1980000"/>
+                <a:off x="7159002" y="884796"/>
+                <a:ext cx="756000" cy="2196000"/>
               </a:xfrm>
               <a:prstGeom prst="bentConnector2">
                 <a:avLst/>
@@ -7894,7 +7916,7 @@
             <p:spPr>
               <a:xfrm>
                 <a:off x="6437346" y="1359173"/>
-                <a:ext cx="1585690" cy="261610"/>
+                <a:ext cx="1457450" cy="246221"/>
               </a:xfrm>
               <a:prstGeom prst="rect">
                 <a:avLst/>
@@ -7908,7 +7930,7 @@
               <a:lstStyle/>
               <a:p>
                 <a:r>
-                  <a:rPr kumimoji="1" lang="en-US" altLang="zh-CN" sz="1100" dirty="0">
+                  <a:rPr kumimoji="1" lang="en-US" altLang="zh-CN" sz="1000" dirty="0">
                     <a:solidFill>
                       <a:srgbClr val="737794"/>
                     </a:solidFill>
@@ -7916,7 +7938,7 @@
                   <a:t>2.</a:t>
                 </a:r>
                 <a:r>
-                  <a:rPr kumimoji="1" lang="zh-CN" altLang="en-US" sz="1100" dirty="0">
+                  <a:rPr kumimoji="1" lang="zh-CN" altLang="en-US" sz="1000" dirty="0">
                     <a:solidFill>
                       <a:srgbClr val="737794"/>
                     </a:solidFill>
@@ -7924,7 +7946,7 @@
                   <a:t> </a:t>
                 </a:r>
                 <a:r>
-                  <a:rPr kumimoji="1" lang="en-US" altLang="zh-CN" sz="1100" dirty="0">
+                  <a:rPr kumimoji="1" lang="en-US" altLang="zh-CN" sz="1000" dirty="0">
                     <a:solidFill>
                       <a:srgbClr val="737794"/>
                     </a:solidFill>
@@ -7932,7 +7954,7 @@
                   <a:t>Returns </a:t>
                 </a:r>
                 <a:r>
-                  <a:rPr kumimoji="1" lang="en-US" altLang="zh-CN" sz="1100" dirty="0">
+                  <a:rPr kumimoji="1" lang="en-US" altLang="zh-CN" sz="1000" dirty="0">
                     <a:solidFill>
                       <a:schemeClr val="accent4">
                         <a:lumMod val="60000"/>
@@ -8005,7 +8027,7 @@
             <p:spPr>
               <a:xfrm>
                 <a:off x="6437346" y="1048780"/>
-                <a:ext cx="2759089" cy="261610"/>
+                <a:ext cx="2526654" cy="246221"/>
               </a:xfrm>
               <a:prstGeom prst="rect">
                 <a:avLst/>
@@ -8019,7 +8041,7 @@
               <a:lstStyle/>
               <a:p>
                 <a:r>
-                  <a:rPr kumimoji="1" lang="en-US" altLang="zh-CN" sz="1100" dirty="0">
+                  <a:rPr kumimoji="1" lang="en-US" altLang="zh-CN" sz="1000" dirty="0">
                     <a:solidFill>
                       <a:srgbClr val="737794"/>
                     </a:solidFill>
@@ -8027,7 +8049,7 @@
                   <a:t>3.</a:t>
                 </a:r>
                 <a:r>
-                  <a:rPr kumimoji="1" lang="zh-CN" altLang="en-US" sz="1100" dirty="0">
+                  <a:rPr kumimoji="1" lang="zh-CN" altLang="en-US" sz="1000" dirty="0">
                     <a:solidFill>
                       <a:srgbClr val="737794"/>
                     </a:solidFill>
@@ -8035,7 +8057,7 @@
                   <a:t> </a:t>
                 </a:r>
                 <a:r>
-                  <a:rPr kumimoji="1" lang="en-US" altLang="zh-CN" sz="1100" dirty="0">
+                  <a:rPr kumimoji="1" lang="en-US" altLang="zh-CN" sz="1000" dirty="0">
                     <a:solidFill>
                       <a:srgbClr val="737794"/>
                     </a:solidFill>
@@ -8043,7 +8065,7 @@
                   <a:t>Device logs in and presents </a:t>
                 </a:r>
                 <a:r>
-                  <a:rPr kumimoji="1" lang="en-US" altLang="zh-CN" sz="1100" dirty="0">
+                  <a:rPr kumimoji="1" lang="en-US" altLang="zh-CN" sz="1000" dirty="0">
                     <a:solidFill>
                       <a:schemeClr val="accent4">
                         <a:lumMod val="60000"/>
@@ -8104,7 +8126,7 @@
               <a:lstStyle/>
               <a:p>
                 <a:pPr algn="ctr"/>
-                <a:endParaRPr kumimoji="1" lang="zh-CN" altLang="en-US" sz="1600">
+                <a:endParaRPr kumimoji="1" lang="zh-CN" altLang="en-US" sz="1200">
                   <a:latin typeface="Helvetica Light" panose="020B0403020202020204" pitchFamily="34" charset="0"/>
                 </a:endParaRPr>
               </a:p>
@@ -8125,7 +8147,7 @@
             <p:spPr>
               <a:xfrm>
                 <a:off x="4556077" y="3957527"/>
-                <a:ext cx="1462446" cy="523220"/>
+                <a:ext cx="1462446" cy="430887"/>
               </a:xfrm>
               <a:prstGeom prst="rect">
                 <a:avLst/>
@@ -8140,7 +8162,7 @@
               <a:p>
                 <a:pPr algn="ctr"/>
                 <a:r>
-                  <a:rPr kumimoji="1" lang="en-US" altLang="zh-CN" sz="1400" dirty="0">
+                  <a:rPr kumimoji="1" lang="en-US" altLang="zh-CN" sz="1100" b="1" dirty="0">
                     <a:solidFill>
                       <a:srgbClr val="383C57"/>
                     </a:solidFill>
@@ -8149,7 +8171,7 @@
                   <a:t>Pluggable</a:t>
                 </a:r>
                 <a:r>
-                  <a:rPr kumimoji="1" lang="zh-CN" altLang="en-US" sz="1400" dirty="0">
+                  <a:rPr kumimoji="1" lang="zh-CN" altLang="en-US" sz="1100" b="1" dirty="0">
                     <a:solidFill>
                       <a:srgbClr val="383C57"/>
                     </a:solidFill>
@@ -8158,7 +8180,7 @@
                   <a:t> </a:t>
                 </a:r>
                 <a:r>
-                  <a:rPr kumimoji="1" lang="en-US" altLang="zh-CN" sz="1400" dirty="0">
+                  <a:rPr kumimoji="1" lang="en-US" altLang="zh-CN" sz="1100" b="1" dirty="0">
                     <a:solidFill>
                       <a:srgbClr val="383C57"/>
                     </a:solidFill>
@@ -8166,7 +8188,7 @@
                   </a:rPr>
                   <a:t>Acquisition Chip</a:t>
                 </a:r>
-                <a:endParaRPr kumimoji="1" lang="zh-CN" altLang="en-US" sz="1400" dirty="0">
+                <a:endParaRPr kumimoji="1" lang="zh-CN" altLang="en-US" sz="1100" b="1" dirty="0">
                   <a:solidFill>
                     <a:srgbClr val="383C57"/>
                   </a:solidFill>
@@ -8234,7 +8256,7 @@
             <p:spPr>
               <a:xfrm>
                 <a:off x="2312539" y="3713342"/>
-                <a:ext cx="1739735" cy="430887"/>
+                <a:ext cx="1739735" cy="400110"/>
               </a:xfrm>
               <a:prstGeom prst="rect">
                 <a:avLst/>
@@ -8248,7 +8270,7 @@
               <a:lstStyle/>
               <a:p>
                 <a:r>
-                  <a:rPr kumimoji="1" lang="en-US" altLang="zh-CN" sz="1100" b="1" dirty="0">
+                  <a:rPr kumimoji="1" lang="en-US" altLang="zh-CN" sz="1000" b="1" dirty="0">
                     <a:solidFill>
                       <a:schemeClr val="accent1">
                         <a:lumMod val="60000"/>
@@ -8276,7 +8298,7 @@
             <p:spPr>
               <a:xfrm>
                 <a:off x="2312539" y="4211267"/>
-                <a:ext cx="1931942" cy="600164"/>
+                <a:ext cx="1931942" cy="400110"/>
               </a:xfrm>
               <a:prstGeom prst="rect">
                 <a:avLst/>
@@ -8290,7 +8312,7 @@
               <a:lstStyle/>
               <a:p>
                 <a:r>
-                  <a:rPr kumimoji="1" lang="en-US" altLang="zh-CN" sz="1100" dirty="0">
+                  <a:rPr kumimoji="1" lang="en-US" altLang="zh-CN" sz="1000" dirty="0">
                     <a:solidFill>
                       <a:srgbClr val="737794"/>
                     </a:solidFill>
@@ -8298,7 +8320,7 @@
                   <a:t>Acquisition chip has </a:t>
                 </a:r>
                 <a:r>
-                  <a:rPr kumimoji="1" lang="en-US" altLang="zh-CN" sz="1100" dirty="0">
+                  <a:rPr kumimoji="1" lang="en-US" altLang="zh-CN" sz="1000" dirty="0">
                     <a:solidFill>
                       <a:schemeClr val="accent4">
                         <a:lumMod val="60000"/>
@@ -8309,7 +8331,7 @@
                   <a:t>SA</a:t>
                 </a:r>
                 <a:r>
-                  <a:rPr kumimoji="1" lang="en-US" altLang="zh-CN" sz="1100" dirty="0">
+                  <a:rPr kumimoji="1" lang="en-US" altLang="zh-CN" sz="1000" dirty="0">
                     <a:solidFill>
                       <a:srgbClr val="BCBDD0"/>
                     </a:solidFill>
@@ -8317,7 +8339,7 @@
                   <a:t>, </a:t>
                 </a:r>
                 <a:r>
-                  <a:rPr kumimoji="1" lang="en-US" altLang="zh-CN" sz="1100" dirty="0">
+                  <a:rPr kumimoji="1" lang="en-US" altLang="zh-CN" sz="1000" dirty="0">
                     <a:solidFill>
                       <a:schemeClr val="accent4">
                         <a:lumMod val="60000"/>
@@ -8328,7 +8350,7 @@
                   <a:t>productKey</a:t>
                 </a:r>
                 <a:r>
-                  <a:rPr kumimoji="1" lang="en-US" altLang="zh-CN" sz="1100" dirty="0">
+                  <a:rPr kumimoji="1" lang="en-US" altLang="zh-CN" sz="1000" dirty="0">
                     <a:solidFill>
                       <a:srgbClr val="BCBDD0"/>
                     </a:solidFill>
@@ -8336,7 +8358,7 @@
                   <a:t> </a:t>
                 </a:r>
                 <a:r>
-                  <a:rPr kumimoji="1" lang="en-US" altLang="zh-CN" sz="1100" dirty="0">
+                  <a:rPr kumimoji="1" lang="en-US" altLang="zh-CN" sz="1000" dirty="0">
                     <a:solidFill>
                       <a:srgbClr val="737794"/>
                     </a:solidFill>
@@ -8361,7 +8383,7 @@
             <p:spPr>
               <a:xfrm>
                 <a:off x="6492173" y="4301343"/>
-                <a:ext cx="2153453" cy="600164"/>
+                <a:ext cx="2153453" cy="553998"/>
               </a:xfrm>
               <a:prstGeom prst="rect">
                 <a:avLst/>
@@ -8375,7 +8397,7 @@
               <a:lstStyle/>
               <a:p>
                 <a:r>
-                  <a:rPr kumimoji="1" lang="en-US" altLang="zh-CN" sz="1100" dirty="0">
+                  <a:rPr kumimoji="1" lang="en-US" altLang="zh-CN" sz="1000" dirty="0">
                     <a:solidFill>
                       <a:srgbClr val="737794"/>
                     </a:solidFill>
@@ -8383,7 +8405,7 @@
                   <a:t>Calls REST API for dynamic device registration and obtains </a:t>
                 </a:r>
                 <a:r>
-                  <a:rPr kumimoji="1" lang="en-US" altLang="zh-CN" sz="1100" dirty="0">
+                  <a:rPr kumimoji="1" lang="en-US" altLang="zh-CN" sz="1000" dirty="0">
                     <a:solidFill>
                       <a:schemeClr val="accent4">
                         <a:lumMod val="60000"/>
@@ -8456,7 +8478,7 @@
             <p:spPr>
               <a:xfrm>
                 <a:off x="6870157" y="3695615"/>
-                <a:ext cx="1505540" cy="261610"/>
+                <a:ext cx="1383712" cy="246221"/>
               </a:xfrm>
               <a:prstGeom prst="rect">
                 <a:avLst/>
@@ -8470,7 +8492,7 @@
               <a:lstStyle/>
               <a:p>
                 <a:r>
-                  <a:rPr kumimoji="1" lang="en-US" altLang="zh-CN" sz="1100" dirty="0">
+                  <a:rPr kumimoji="1" lang="en-US" altLang="zh-CN" sz="1000" dirty="0">
                     <a:solidFill>
                       <a:srgbClr val="737794"/>
                     </a:solidFill>
@@ -8478,7 +8500,7 @@
                   <a:t>Presents</a:t>
                 </a:r>
                 <a:r>
-                  <a:rPr kumimoji="1" lang="en-US" altLang="zh-CN" sz="1100" dirty="0">
+                  <a:rPr kumimoji="1" lang="en-US" altLang="zh-CN" sz="1000" dirty="0">
                     <a:solidFill>
                       <a:srgbClr val="BCBDD0"/>
                     </a:solidFill>
@@ -8486,7 +8508,7 @@
                   <a:t> </a:t>
                 </a:r>
                 <a:r>
-                  <a:rPr kumimoji="1" lang="en-US" altLang="zh-CN" sz="1100" dirty="0">
+                  <a:rPr kumimoji="1" lang="en-US" altLang="zh-CN" sz="1000" dirty="0">
                     <a:solidFill>
                       <a:schemeClr val="accent4">
                         <a:lumMod val="60000"/>
@@ -8518,7 +8540,7 @@
             <a:blip r:embed="rId2">
               <a:extLst>
                 <a:ext uri="{96DAC541-7B7A-43D3-8B79-37D633B846F1}">
-                  <asvg:svgBlip xmlns:asvg="http://schemas.microsoft.com/office/drawing/2016/SVG/main" r:embed="rId3"/>
+                  <asvg:svgBlip xmlns:asvg="http://schemas.microsoft.com/office/drawing/2016/SVG/main" xmlns="" r:embed="rId3"/>
                 </a:ext>
               </a:extLst>
             </a:blip>
@@ -8551,7 +8573,7 @@
           <p:spPr>
             <a:xfrm>
               <a:off x="1915015" y="4284298"/>
-              <a:ext cx="381836" cy="276999"/>
+              <a:ext cx="362600" cy="261610"/>
             </a:xfrm>
             <a:prstGeom prst="rect">
               <a:avLst/>
@@ -8565,14 +8587,14 @@
             <a:lstStyle/>
             <a:p>
               <a:r>
-                <a:rPr kumimoji="1" lang="en-US" altLang="zh-CN" sz="1200" dirty="0">
+                <a:rPr kumimoji="1" lang="en-US" altLang="zh-CN" sz="1050" dirty="0">
                   <a:solidFill>
                     <a:srgbClr val="737794"/>
                   </a:solidFill>
                 </a:rPr>
                 <a:t>2.1</a:t>
               </a:r>
-              <a:endParaRPr kumimoji="1" lang="zh-CN" altLang="en-US" sz="1200" dirty="0">
+              <a:endParaRPr kumimoji="1" lang="zh-CN" altLang="en-US" sz="1050" dirty="0">
                 <a:solidFill>
                   <a:srgbClr val="737794"/>
                 </a:solidFill>
@@ -8598,7 +8620,7 @@
             <a:blip r:embed="rId2">
               <a:extLst>
                 <a:ext uri="{96DAC541-7B7A-43D3-8B79-37D633B846F1}">
-                  <asvg:svgBlip xmlns:asvg="http://schemas.microsoft.com/office/drawing/2016/SVG/main" r:embed="rId3"/>
+                  <asvg:svgBlip xmlns:asvg="http://schemas.microsoft.com/office/drawing/2016/SVG/main" xmlns="" r:embed="rId3"/>
                 </a:ext>
               </a:extLst>
             </a:blip>
@@ -8631,7 +8653,7 @@
           <p:spPr>
             <a:xfrm>
               <a:off x="3527414" y="2644989"/>
-              <a:ext cx="381836" cy="276999"/>
+              <a:ext cx="362600" cy="261610"/>
             </a:xfrm>
             <a:prstGeom prst="rect">
               <a:avLst/>
@@ -8645,14 +8667,14 @@
             <a:lstStyle/>
             <a:p>
               <a:r>
-                <a:rPr kumimoji="1" lang="en-US" altLang="zh-CN" sz="1200" dirty="0">
+                <a:rPr kumimoji="1" lang="en-US" altLang="zh-CN" sz="1050" dirty="0">
                   <a:solidFill>
                     <a:srgbClr val="737794"/>
                   </a:solidFill>
                 </a:rPr>
                 <a:t>2.2</a:t>
               </a:r>
-              <a:endParaRPr kumimoji="1" lang="zh-CN" altLang="en-US" sz="1200" dirty="0">
+              <a:endParaRPr kumimoji="1" lang="zh-CN" altLang="en-US" sz="1050" dirty="0">
                 <a:solidFill>
                   <a:srgbClr val="737794"/>
                 </a:solidFill>
@@ -8678,7 +8700,7 @@
             <a:blip r:embed="rId2">
               <a:extLst>
                 <a:ext uri="{96DAC541-7B7A-43D3-8B79-37D633B846F1}">
-                  <asvg:svgBlip xmlns:asvg="http://schemas.microsoft.com/office/drawing/2016/SVG/main" r:embed="rId3"/>
+                  <asvg:svgBlip xmlns:asvg="http://schemas.microsoft.com/office/drawing/2016/SVG/main" xmlns="" r:embed="rId3"/>
                 </a:ext>
               </a:extLst>
             </a:blip>
@@ -8711,7 +8733,7 @@
           <p:spPr>
             <a:xfrm>
               <a:off x="1914565" y="1315612"/>
-              <a:ext cx="381836" cy="276999"/>
+              <a:ext cx="362600" cy="261610"/>
             </a:xfrm>
             <a:prstGeom prst="rect">
               <a:avLst/>
@@ -8725,14 +8747,14 @@
             <a:lstStyle/>
             <a:p>
               <a:r>
-                <a:rPr kumimoji="1" lang="en-US" altLang="zh-CN" sz="1200" dirty="0">
+                <a:rPr kumimoji="1" lang="en-US" altLang="zh-CN" sz="1050" dirty="0">
                   <a:solidFill>
                     <a:srgbClr val="737794"/>
                   </a:solidFill>
                 </a:rPr>
                 <a:t>2.3</a:t>
               </a:r>
-              <a:endParaRPr kumimoji="1" lang="zh-CN" altLang="en-US" sz="1200" dirty="0">
+              <a:endParaRPr kumimoji="1" lang="zh-CN" altLang="en-US" sz="1050" dirty="0">
                 <a:solidFill>
                   <a:srgbClr val="737794"/>
                 </a:solidFill>
@@ -16295,7 +16317,7 @@
             <a:blip r:embed="rId2">
               <a:extLst>
                 <a:ext uri="{96DAC541-7B7A-43D3-8B79-37D633B846F1}">
-                  <asvg:svgBlip xmlns:asvg="http://schemas.microsoft.com/office/drawing/2016/SVG/main" r:embed="rId3"/>
+                  <asvg:svgBlip xmlns:asvg="http://schemas.microsoft.com/office/drawing/2016/SVG/main" xmlns="" r:embed="rId3"/>
                 </a:ext>
               </a:extLst>
             </a:blip>
@@ -16331,7 +16353,7 @@
             <a:blip r:embed="rId2">
               <a:extLst>
                 <a:ext uri="{96DAC541-7B7A-43D3-8B79-37D633B846F1}">
-                  <asvg:svgBlip xmlns:asvg="http://schemas.microsoft.com/office/drawing/2016/SVG/main" r:embed="rId3"/>
+                  <asvg:svgBlip xmlns:asvg="http://schemas.microsoft.com/office/drawing/2016/SVG/main" xmlns="" r:embed="rId3"/>
                 </a:ext>
               </a:extLst>
             </a:blip>
@@ -16367,7 +16389,7 @@
             <a:blip r:embed="rId2">
               <a:extLst>
                 <a:ext uri="{96DAC541-7B7A-43D3-8B79-37D633B846F1}">
-                  <asvg:svgBlip xmlns:asvg="http://schemas.microsoft.com/office/drawing/2016/SVG/main" r:embed="rId3"/>
+                  <asvg:svgBlip xmlns:asvg="http://schemas.microsoft.com/office/drawing/2016/SVG/main" xmlns="" r:embed="rId3"/>
                 </a:ext>
               </a:extLst>
             </a:blip>
@@ -16403,7 +16425,7 @@
             <a:blip r:embed="rId2">
               <a:extLst>
                 <a:ext uri="{96DAC541-7B7A-43D3-8B79-37D633B846F1}">
-                  <asvg:svgBlip xmlns:asvg="http://schemas.microsoft.com/office/drawing/2016/SVG/main" r:embed="rId3"/>
+                  <asvg:svgBlip xmlns:asvg="http://schemas.microsoft.com/office/drawing/2016/SVG/main" xmlns="" r:embed="rId3"/>
                 </a:ext>
               </a:extLst>
             </a:blip>
@@ -16708,7 +16730,7 @@
             <a:blip r:embed="rId2">
               <a:extLst>
                 <a:ext uri="{96DAC541-7B7A-43D3-8B79-37D633B846F1}">
-                  <asvg:svgBlip xmlns:asvg="http://schemas.microsoft.com/office/drawing/2016/SVG/main" r:embed="rId3"/>
+                  <asvg:svgBlip xmlns:asvg="http://schemas.microsoft.com/office/drawing/2016/SVG/main" xmlns="" r:embed="rId3"/>
                 </a:ext>
               </a:extLst>
             </a:blip>
@@ -16744,7 +16766,7 @@
             <a:blip r:embed="rId2">
               <a:extLst>
                 <a:ext uri="{96DAC541-7B7A-43D3-8B79-37D633B846F1}">
-                  <asvg:svgBlip xmlns:asvg="http://schemas.microsoft.com/office/drawing/2016/SVG/main" r:embed="rId3"/>
+                  <asvg:svgBlip xmlns:asvg="http://schemas.microsoft.com/office/drawing/2016/SVG/main" xmlns="" r:embed="rId3"/>
                 </a:ext>
               </a:extLst>
             </a:blip>

--- a/media/device_en.pptx
+++ b/media/device_en.pptx
@@ -5,10 +5,10 @@
     <p:sldMasterId id="2147483743" r:id="rId1"/>
   </p:sldMasterIdLst>
   <p:notesMasterIdLst>
-    <p:notesMasterId r:id="rId22"/>
+    <p:notesMasterId r:id="rId23"/>
   </p:notesMasterIdLst>
   <p:handoutMasterIdLst>
-    <p:handoutMasterId r:id="rId23"/>
+    <p:handoutMasterId r:id="rId24"/>
   </p:handoutMasterIdLst>
   <p:sldIdLst>
     <p:sldId id="321" r:id="rId2"/>
@@ -31,6 +31,7 @@
     <p:sldId id="344" r:id="rId19"/>
     <p:sldId id="345" r:id="rId20"/>
     <p:sldId id="346" r:id="rId21"/>
+    <p:sldId id="347" r:id="rId22"/>
   </p:sldIdLst>
   <p:sldSz cx="12192000" cy="6858000"/>
   <p:notesSz cx="6858000" cy="9144000"/>
@@ -233,7 +234,7 @@
           <a:p>
             <a:fld id="{47277FB0-21EC-48C5-90B0-184600466A6C}" type="datetimeFigureOut">
               <a:rPr lang="zh-CN" altLang="en-US" smtClean="0"/>
-              <a:t>2018/12/21</a:t>
+              <a:t>2019/1/22</a:t>
             </a:fld>
             <a:endParaRPr lang="zh-CN" altLang="en-US"/>
           </a:p>
@@ -398,7 +399,7 @@
           <a:p>
             <a:fld id="{9C967889-4715-5C4F-A252-FFC716185AB6}" type="datetimeFigureOut">
               <a:rPr lang="en-US" smtClean="0"/>
-              <a:t>12/21/18</a:t>
+              <a:t>1/22/2019</a:t>
             </a:fld>
             <a:endParaRPr lang="en-US"/>
           </a:p>
@@ -1865,6 +1866,36 @@
     <p:extLst>
       <p:ext uri="{BB962C8B-B14F-4D97-AF65-F5344CB8AC3E}">
         <p14:creationId xmlns:p14="http://schemas.microsoft.com/office/powerpoint/2010/main" val="3762677501"/>
+      </p:ext>
+    </p:extLst>
+  </p:cSld>
+  <p:clrMapOvr>
+    <a:masterClrMapping/>
+  </p:clrMapOvr>
+</p:sldLayout>
+</file>
+
+<file path=ppt/slideLayouts/slideLayout17.xml><?xml version="1.0" encoding="utf-8"?>
+<p:sldLayout xmlns:a="http://schemas.openxmlformats.org/drawingml/2006/main" xmlns:r="http://schemas.openxmlformats.org/officeDocument/2006/relationships" xmlns:p="http://schemas.openxmlformats.org/presentationml/2006/main" userDrawn="1">
+  <p:cSld name="10_自定义版式">
+    <p:spTree>
+      <p:nvGrpSpPr>
+        <p:cNvPr id="1" name=""/>
+        <p:cNvGrpSpPr/>
+        <p:nvPr/>
+      </p:nvGrpSpPr>
+      <p:grpSpPr>
+        <a:xfrm>
+          <a:off x="0" y="0"/>
+          <a:ext cx="0" cy="0"/>
+          <a:chOff x="0" y="0"/>
+          <a:chExt cx="0" cy="0"/>
+        </a:xfrm>
+      </p:grpSpPr>
+    </p:spTree>
+    <p:extLst>
+      <p:ext uri="{BB962C8B-B14F-4D97-AF65-F5344CB8AC3E}">
+        <p14:creationId xmlns:p14="http://schemas.microsoft.com/office/powerpoint/2010/main" val="1015164730"/>
       </p:ext>
     </p:extLst>
   </p:cSld>
@@ -3694,7 +3725,7 @@
           <p:nvPr userDrawn="1"/>
         </p:nvPicPr>
         <p:blipFill>
-          <a:blip r:embed="rId18" cstate="email">
+          <a:blip r:embed="rId19" cstate="email">
             <a:extLst>
               <a:ext uri="{28A0092B-C50C-407E-A947-70E740481C1C}">
                 <a14:useLocalDpi xmlns:a14="http://schemas.microsoft.com/office/drawing/2010/main"/>
@@ -3740,6 +3771,7 @@
     <p:sldLayoutId id="2147483759" r:id="rId14"/>
     <p:sldLayoutId id="2147483765" r:id="rId15"/>
     <p:sldLayoutId id="2147483767" r:id="rId16"/>
+    <p:sldLayoutId id="2147483768" r:id="rId17"/>
   </p:sldLayoutIdLst>
   <p:txStyles>
     <p:titleStyle>
@@ -5498,7 +5530,7 @@
             <a:blip r:embed="rId2">
               <a:extLst>
                 <a:ext uri="{96DAC541-7B7A-43D3-8B79-37D633B846F1}">
-                  <asvg:svgBlip xmlns:asvg="http://schemas.microsoft.com/office/drawing/2016/SVG/main" r:embed="rId3"/>
+                  <asvg:svgBlip xmlns:asvg="http://schemas.microsoft.com/office/drawing/2016/SVG/main" xmlns="" r:embed="rId3"/>
                 </a:ext>
               </a:extLst>
             </a:blip>
@@ -5582,7 +5614,7 @@
             <a:blip r:embed="rId2">
               <a:extLst>
                 <a:ext uri="{96DAC541-7B7A-43D3-8B79-37D633B846F1}">
-                  <asvg:svgBlip xmlns:asvg="http://schemas.microsoft.com/office/drawing/2016/SVG/main" r:embed="rId3"/>
+                  <asvg:svgBlip xmlns:asvg="http://schemas.microsoft.com/office/drawing/2016/SVG/main" xmlns="" r:embed="rId3"/>
                 </a:ext>
               </a:extLst>
             </a:blip>
@@ -6772,7 +6804,7 @@
                   <a:blip r:embed="rId2">
                     <a:extLst>
                       <a:ext uri="{96DAC541-7B7A-43D3-8B79-37D633B846F1}">
-                        <asvg:svgBlip xmlns:asvg="http://schemas.microsoft.com/office/drawing/2016/SVG/main" r:embed="rId3"/>
+                        <asvg:svgBlip xmlns:asvg="http://schemas.microsoft.com/office/drawing/2016/SVG/main" xmlns="" r:embed="rId3"/>
                       </a:ext>
                     </a:extLst>
                   </a:blip>
@@ -7017,7 +7049,7 @@
                   <a:blip r:embed="rId4">
                     <a:extLst>
                       <a:ext uri="{96DAC541-7B7A-43D3-8B79-37D633B846F1}">
-                        <asvg:svgBlip xmlns:asvg="http://schemas.microsoft.com/office/drawing/2016/SVG/main" r:embed="rId5"/>
+                        <asvg:svgBlip xmlns:asvg="http://schemas.microsoft.com/office/drawing/2016/SVG/main" xmlns="" r:embed="rId5"/>
                       </a:ext>
                     </a:extLst>
                   </a:blip>
@@ -9722,7 +9754,7 @@
                   <a:blip r:embed="rId2">
                     <a:extLst>
                       <a:ext uri="{96DAC541-7B7A-43D3-8B79-37D633B846F1}">
-                        <asvg:svgBlip xmlns:asvg="http://schemas.microsoft.com/office/drawing/2016/SVG/main" r:embed="rId3"/>
+                        <asvg:svgBlip xmlns:asvg="http://schemas.microsoft.com/office/drawing/2016/SVG/main" xmlns="" r:embed="rId3"/>
                       </a:ext>
                     </a:extLst>
                   </a:blip>
@@ -9967,7 +9999,7 @@
                   <a:blip r:embed="rId4">
                     <a:extLst>
                       <a:ext uri="{96DAC541-7B7A-43D3-8B79-37D633B846F1}">
-                        <asvg:svgBlip xmlns:asvg="http://schemas.microsoft.com/office/drawing/2016/SVG/main" r:embed="rId5"/>
+                        <asvg:svgBlip xmlns:asvg="http://schemas.microsoft.com/office/drawing/2016/SVG/main" xmlns="" r:embed="rId5"/>
                       </a:ext>
                     </a:extLst>
                   </a:blip>
@@ -11993,7 +12025,7 @@
                     <a:blip r:embed="rId2">
                       <a:extLst>
                         <a:ext uri="{96DAC541-7B7A-43D3-8B79-37D633B846F1}">
-                          <asvg:svgBlip xmlns:asvg="http://schemas.microsoft.com/office/drawing/2016/SVG/main" r:embed="rId3"/>
+                          <asvg:svgBlip xmlns:asvg="http://schemas.microsoft.com/office/drawing/2016/SVG/main" xmlns="" r:embed="rId3"/>
                         </a:ext>
                       </a:extLst>
                     </a:blip>
@@ -12238,7 +12270,7 @@
                     <a:blip r:embed="rId4">
                       <a:extLst>
                         <a:ext uri="{96DAC541-7B7A-43D3-8B79-37D633B846F1}">
-                          <asvg:svgBlip xmlns:asvg="http://schemas.microsoft.com/office/drawing/2016/SVG/main" r:embed="rId5"/>
+                          <asvg:svgBlip xmlns:asvg="http://schemas.microsoft.com/office/drawing/2016/SVG/main" xmlns="" r:embed="rId5"/>
                         </a:ext>
                       </a:extLst>
                     </a:blip>
@@ -13190,7 +13222,7 @@
                   <a:blip r:embed="rId2">
                     <a:extLst>
                       <a:ext uri="{96DAC541-7B7A-43D3-8B79-37D633B846F1}">
-                        <asvg:svgBlip xmlns:asvg="http://schemas.microsoft.com/office/drawing/2016/SVG/main" r:embed="rId3"/>
+                        <asvg:svgBlip xmlns:asvg="http://schemas.microsoft.com/office/drawing/2016/SVG/main" xmlns="" r:embed="rId3"/>
                       </a:ext>
                     </a:extLst>
                   </a:blip>
@@ -13828,7 +13860,7 @@
               <a:blip r:embed="rId4">
                 <a:extLst>
                   <a:ext uri="{96DAC541-7B7A-43D3-8B79-37D633B846F1}">
-                    <asvg:svgBlip xmlns:asvg="http://schemas.microsoft.com/office/drawing/2016/SVG/main" r:embed="rId5"/>
+                    <asvg:svgBlip xmlns:asvg="http://schemas.microsoft.com/office/drawing/2016/SVG/main" xmlns="" r:embed="rId5"/>
                   </a:ext>
                 </a:extLst>
               </a:blip>
@@ -14670,10 +14702,10 @@
           <a:lstStyle/>
           <a:p>
             <a:r>
-              <a:rPr kumimoji="1" lang="en-US" altLang="zh-CN" dirty="0"/>
+              <a:rPr kumimoji="1" lang="en-US" altLang="zh-CN" strike="sngStrike" dirty="0"/>
               <a:t>connection_scenario_2.2</a:t>
             </a:r>
-            <a:endParaRPr kumimoji="1" lang="zh-CN" altLang="en-US" dirty="0"/>
+            <a:endParaRPr kumimoji="1" lang="zh-CN" altLang="en-US" strike="sngStrike" dirty="0"/>
           </a:p>
         </p:txBody>
       </p:sp>
@@ -14735,7 +14767,7 @@
               <a:blip r:embed="rId2">
                 <a:extLst>
                   <a:ext uri="{96DAC541-7B7A-43D3-8B79-37D633B846F1}">
-                    <asvg:svgBlip xmlns:asvg="http://schemas.microsoft.com/office/drawing/2016/SVG/main" r:embed="rId3"/>
+                    <asvg:svgBlip xmlns:asvg="http://schemas.microsoft.com/office/drawing/2016/SVG/main" xmlns="" r:embed="rId3"/>
                   </a:ext>
                 </a:extLst>
               </a:blip>
@@ -15055,7 +15087,7 @@
                 <a:blip r:embed="rId4">
                   <a:extLst>
                     <a:ext uri="{96DAC541-7B7A-43D3-8B79-37D633B846F1}">
-                      <asvg:svgBlip xmlns:asvg="http://schemas.microsoft.com/office/drawing/2016/SVG/main" r:embed="rId5"/>
+                      <asvg:svgBlip xmlns:asvg="http://schemas.microsoft.com/office/drawing/2016/SVG/main" xmlns="" r:embed="rId5"/>
                     </a:ext>
                   </a:extLst>
                 </a:blip>
@@ -15109,7 +15141,7 @@
                       <a:latin typeface="Microsoft YaHei" panose="020B0503020204020204" pitchFamily="34" charset="-122"/>
                       <a:ea typeface="Microsoft YaHei" panose="020B0503020204020204" pitchFamily="34" charset="-122"/>
                     </a:rPr>
-                    <a:t>2.2</a:t>
+                    <a:t>1.1</a:t>
                   </a:r>
                   <a:endParaRPr kumimoji="1" lang="zh-CN" altLang="en-US" sz="1200" dirty="0">
                     <a:solidFill>
@@ -15550,6 +15582,42 @@
           </p:txBody>
         </p:sp>
       </p:grpSp>
+      <p:sp>
+        <p:nvSpPr>
+          <p:cNvPr id="3" name="文本框 2">
+            <a:extLst>
+              <a:ext uri="{FF2B5EF4-FFF2-40B4-BE49-F238E27FC236}">
+                <a16:creationId xmlns:a16="http://schemas.microsoft.com/office/drawing/2014/main" id="{B5340E5A-9144-4A43-8B60-CD5B329CD6A6}"/>
+              </a:ext>
+            </a:extLst>
+          </p:cNvPr>
+          <p:cNvSpPr txBox="1"/>
+          <p:nvPr/>
+        </p:nvSpPr>
+        <p:spPr>
+          <a:xfrm>
+            <a:off x="3001702" y="189781"/>
+            <a:ext cx="2592376" cy="369332"/>
+          </a:xfrm>
+          <a:prstGeom prst="rect">
+            <a:avLst/>
+          </a:prstGeom>
+          <a:noFill/>
+        </p:spPr>
+        <p:txBody>
+          <a:bodyPr wrap="none" rtlCol="0">
+            <a:spAutoFit/>
+          </a:bodyPr>
+          <a:lstStyle/>
+          <a:p>
+            <a:r>
+              <a:rPr kumimoji="1" lang="en-US" altLang="zh-CN" dirty="0"/>
+              <a:t>connection_scenario_1.1</a:t>
+            </a:r>
+            <a:endParaRPr kumimoji="1" lang="zh-CN" altLang="en-US" dirty="0"/>
+          </a:p>
+        </p:txBody>
+      </p:sp>
     </p:spTree>
     <p:extLst>
       <p:ext uri="{BB962C8B-B14F-4D97-AF65-F5344CB8AC3E}">
@@ -15609,10 +15677,10 @@
           <a:lstStyle/>
           <a:p>
             <a:r>
-              <a:rPr kumimoji="1" lang="en-US" altLang="zh-CN" dirty="0"/>
+              <a:rPr kumimoji="1" lang="en-US" altLang="zh-CN" strike="sngStrike" dirty="0"/>
               <a:t>connection_scenario_2.3</a:t>
             </a:r>
-            <a:endParaRPr kumimoji="1" lang="zh-CN" altLang="en-US" dirty="0"/>
+            <a:endParaRPr kumimoji="1" lang="zh-CN" altLang="en-US" strike="sngStrike" dirty="0"/>
           </a:p>
         </p:txBody>
       </p:sp>
@@ -15630,7 +15698,7 @@
         </p:nvGrpSpPr>
         <p:grpSpPr>
           <a:xfrm>
-            <a:off x="-1608856" y="2132856"/>
+            <a:off x="-1184313" y="2149184"/>
             <a:ext cx="14718474" cy="1403490"/>
             <a:chOff x="-1608856" y="2132856"/>
             <a:chExt cx="14718474" cy="1403490"/>
@@ -15674,7 +15742,7 @@
               <a:blip r:embed="rId2">
                 <a:extLst>
                   <a:ext uri="{96DAC541-7B7A-43D3-8B79-37D633B846F1}">
-                    <asvg:svgBlip xmlns:asvg="http://schemas.microsoft.com/office/drawing/2016/SVG/main" r:embed="rId3"/>
+                    <asvg:svgBlip xmlns:asvg="http://schemas.microsoft.com/office/drawing/2016/SVG/main" xmlns="" r:embed="rId3"/>
                   </a:ext>
                 </a:extLst>
               </a:blip>
@@ -15710,7 +15778,7 @@
               <a:blip r:embed="rId4">
                 <a:extLst>
                   <a:ext uri="{96DAC541-7B7A-43D3-8B79-37D633B846F1}">
-                    <asvg:svgBlip xmlns:asvg="http://schemas.microsoft.com/office/drawing/2016/SVG/main" r:embed="rId5"/>
+                    <asvg:svgBlip xmlns:asvg="http://schemas.microsoft.com/office/drawing/2016/SVG/main" xmlns="" r:embed="rId5"/>
                   </a:ext>
                 </a:extLst>
               </a:blip>
@@ -16030,7 +16098,7 @@
                 <a:blip r:embed="rId6">
                   <a:extLst>
                     <a:ext uri="{96DAC541-7B7A-43D3-8B79-37D633B846F1}">
-                      <asvg:svgBlip xmlns:asvg="http://schemas.microsoft.com/office/drawing/2016/SVG/main" r:embed="rId7"/>
+                      <asvg:svgBlip xmlns:asvg="http://schemas.microsoft.com/office/drawing/2016/SVG/main" xmlns="" r:embed="rId7"/>
                     </a:ext>
                   </a:extLst>
                 </a:blip>
@@ -16084,7 +16152,7 @@
                       <a:latin typeface="Microsoft YaHei" panose="020B0503020204020204" pitchFamily="34" charset="-122"/>
                       <a:ea typeface="Microsoft YaHei" panose="020B0503020204020204" pitchFamily="34" charset="-122"/>
                     </a:rPr>
-                    <a:t>2.3</a:t>
+                    <a:t>1.2</a:t>
                   </a:r>
                   <a:endParaRPr kumimoji="1" lang="zh-CN" altLang="en-US" sz="1200" dirty="0">
                     <a:solidFill>
@@ -16608,6 +16676,42 @@
           </p:txBody>
         </p:sp>
       </p:grpSp>
+      <p:sp>
+        <p:nvSpPr>
+          <p:cNvPr id="24" name="文本框 23">
+            <a:extLst>
+              <a:ext uri="{FF2B5EF4-FFF2-40B4-BE49-F238E27FC236}">
+                <a16:creationId xmlns:a16="http://schemas.microsoft.com/office/drawing/2014/main" id="{BED4E869-137A-D04F-90D4-331AB36BA0C4}"/>
+              </a:ext>
+            </a:extLst>
+          </p:cNvPr>
+          <p:cNvSpPr txBox="1"/>
+          <p:nvPr/>
+        </p:nvSpPr>
+        <p:spPr>
+          <a:xfrm>
+            <a:off x="448937" y="798587"/>
+            <a:ext cx="2592376" cy="369332"/>
+          </a:xfrm>
+          <a:prstGeom prst="rect">
+            <a:avLst/>
+          </a:prstGeom>
+          <a:noFill/>
+        </p:spPr>
+        <p:txBody>
+          <a:bodyPr wrap="none" rtlCol="0">
+            <a:spAutoFit/>
+          </a:bodyPr>
+          <a:lstStyle/>
+          <a:p>
+            <a:r>
+              <a:rPr kumimoji="1" lang="en-US" altLang="zh-CN" dirty="0"/>
+              <a:t>connection_scenario_1.2</a:t>
+            </a:r>
+            <a:endParaRPr kumimoji="1" lang="zh-CN" altLang="en-US" dirty="0"/>
+          </a:p>
+        </p:txBody>
+      </p:sp>
     </p:spTree>
     <p:extLst>
       <p:ext uri="{BB962C8B-B14F-4D97-AF65-F5344CB8AC3E}">
@@ -16667,10 +16771,10 @@
           <a:lstStyle/>
           <a:p>
             <a:r>
-              <a:rPr kumimoji="1" lang="en-US" altLang="zh-CN" dirty="0"/>
+              <a:rPr kumimoji="1" lang="en-US" altLang="zh-CN" strike="sngStrike" dirty="0"/>
               <a:t>connection_scenario_2.1</a:t>
             </a:r>
-            <a:endParaRPr kumimoji="1" lang="zh-CN" altLang="en-US" dirty="0"/>
+            <a:endParaRPr kumimoji="1" lang="zh-CN" altLang="en-US" strike="sngStrike" dirty="0"/>
           </a:p>
         </p:txBody>
       </p:sp>
@@ -16732,7 +16836,7 @@
               <a:blip r:embed="rId2">
                 <a:extLst>
                   <a:ext uri="{96DAC541-7B7A-43D3-8B79-37D633B846F1}">
-                    <asvg:svgBlip xmlns:asvg="http://schemas.microsoft.com/office/drawing/2016/SVG/main" r:embed="rId3"/>
+                    <asvg:svgBlip xmlns:asvg="http://schemas.microsoft.com/office/drawing/2016/SVG/main" xmlns="" r:embed="rId3"/>
                   </a:ext>
                 </a:extLst>
               </a:blip>
@@ -17114,7 +17218,7 @@
                 <a:blip r:embed="rId4">
                   <a:extLst>
                     <a:ext uri="{96DAC541-7B7A-43D3-8B79-37D633B846F1}">
-                      <asvg:svgBlip xmlns:asvg="http://schemas.microsoft.com/office/drawing/2016/SVG/main" r:embed="rId5"/>
+                      <asvg:svgBlip xmlns:asvg="http://schemas.microsoft.com/office/drawing/2016/SVG/main" xmlns="" r:embed="rId5"/>
                     </a:ext>
                   </a:extLst>
                 </a:blip>
@@ -17168,7 +17272,7 @@
                       <a:latin typeface="Microsoft YaHei" panose="020B0503020204020204" pitchFamily="34" charset="-122"/>
                       <a:ea typeface="Microsoft YaHei" panose="020B0503020204020204" pitchFamily="34" charset="-122"/>
                     </a:rPr>
-                    <a:t>2.1</a:t>
+                    <a:t>1.3</a:t>
                   </a:r>
                   <a:endParaRPr kumimoji="1" lang="zh-CN" altLang="en-US" sz="1200" dirty="0">
                     <a:solidFill>
@@ -17870,6 +17974,42 @@
           </p:txBody>
         </p:sp>
       </p:grpSp>
+      <p:sp>
+        <p:nvSpPr>
+          <p:cNvPr id="29" name="文本框 28">
+            <a:extLst>
+              <a:ext uri="{FF2B5EF4-FFF2-40B4-BE49-F238E27FC236}">
+                <a16:creationId xmlns:a16="http://schemas.microsoft.com/office/drawing/2014/main" id="{98F5210F-6879-864C-9943-32006A38314C}"/>
+              </a:ext>
+            </a:extLst>
+          </p:cNvPr>
+          <p:cNvSpPr txBox="1"/>
+          <p:nvPr/>
+        </p:nvSpPr>
+        <p:spPr>
+          <a:xfrm>
+            <a:off x="3177016" y="0"/>
+            <a:ext cx="2592376" cy="369332"/>
+          </a:xfrm>
+          <a:prstGeom prst="rect">
+            <a:avLst/>
+          </a:prstGeom>
+          <a:noFill/>
+        </p:spPr>
+        <p:txBody>
+          <a:bodyPr wrap="none" rtlCol="0">
+            <a:spAutoFit/>
+          </a:bodyPr>
+          <a:lstStyle/>
+          <a:p>
+            <a:r>
+              <a:rPr kumimoji="1" lang="en-US" altLang="zh-CN" dirty="0"/>
+              <a:t>connection_scenario_1.3</a:t>
+            </a:r>
+            <a:endParaRPr kumimoji="1" lang="zh-CN" altLang="en-US" dirty="0"/>
+          </a:p>
+        </p:txBody>
+      </p:sp>
     </p:spTree>
     <p:extLst>
       <p:ext uri="{BB962C8B-B14F-4D97-AF65-F5344CB8AC3E}">
@@ -17929,10 +18069,10 @@
           <a:lstStyle/>
           <a:p>
             <a:r>
-              <a:rPr kumimoji="1" lang="en-US" altLang="zh-CN" dirty="0"/>
+              <a:rPr kumimoji="1" lang="en-US" altLang="zh-CN" strike="sngStrike" dirty="0"/>
               <a:t>connection_scenario_1.1</a:t>
             </a:r>
-            <a:endParaRPr kumimoji="1" lang="zh-CN" altLang="en-US" dirty="0"/>
+            <a:endParaRPr kumimoji="1" lang="zh-CN" altLang="en-US" strike="sngStrike" dirty="0"/>
           </a:p>
         </p:txBody>
       </p:sp>
@@ -18377,7 +18517,7 @@
                 <a:blip r:embed="rId2">
                   <a:extLst>
                     <a:ext uri="{96DAC541-7B7A-43D3-8B79-37D633B846F1}">
-                      <asvg:svgBlip xmlns:asvg="http://schemas.microsoft.com/office/drawing/2016/SVG/main" r:embed="rId3"/>
+                      <asvg:svgBlip xmlns:asvg="http://schemas.microsoft.com/office/drawing/2016/SVG/main" xmlns="" r:embed="rId3"/>
                     </a:ext>
                   </a:extLst>
                 </a:blip>
@@ -18431,7 +18571,7 @@
                       <a:latin typeface="Microsoft YaHei" panose="020B0503020204020204" pitchFamily="34" charset="-122"/>
                       <a:ea typeface="Microsoft YaHei" panose="020B0503020204020204" pitchFamily="34" charset="-122"/>
                     </a:rPr>
-                    <a:t>1.1</a:t>
+                    <a:t>2.2</a:t>
                   </a:r>
                   <a:endParaRPr kumimoji="1" lang="zh-CN" altLang="en-US" sz="1200" dirty="0">
                     <a:solidFill>
@@ -19091,6 +19231,42 @@
           </p:txBody>
         </p:sp>
       </p:grpSp>
+      <p:sp>
+        <p:nvSpPr>
+          <p:cNvPr id="26" name="文本框 25">
+            <a:extLst>
+              <a:ext uri="{FF2B5EF4-FFF2-40B4-BE49-F238E27FC236}">
+                <a16:creationId xmlns:a16="http://schemas.microsoft.com/office/drawing/2014/main" id="{8E1535D1-74F5-E143-928C-5AC8077357BC}"/>
+              </a:ext>
+            </a:extLst>
+          </p:cNvPr>
+          <p:cNvSpPr txBox="1"/>
+          <p:nvPr/>
+        </p:nvSpPr>
+        <p:spPr>
+          <a:xfrm>
+            <a:off x="3679634" y="107761"/>
+            <a:ext cx="2592376" cy="369332"/>
+          </a:xfrm>
+          <a:prstGeom prst="rect">
+            <a:avLst/>
+          </a:prstGeom>
+          <a:noFill/>
+        </p:spPr>
+        <p:txBody>
+          <a:bodyPr wrap="none" rtlCol="0">
+            <a:spAutoFit/>
+          </a:bodyPr>
+          <a:lstStyle/>
+          <a:p>
+            <a:r>
+              <a:rPr kumimoji="1" lang="en-US" altLang="zh-CN" dirty="0"/>
+              <a:t>connection_scenario_2.2</a:t>
+            </a:r>
+            <a:endParaRPr kumimoji="1" lang="zh-CN" altLang="en-US" dirty="0"/>
+          </a:p>
+        </p:txBody>
+      </p:sp>
     </p:spTree>
     <p:extLst>
       <p:ext uri="{BB962C8B-B14F-4D97-AF65-F5344CB8AC3E}">
@@ -19150,10 +19326,10 @@
           <a:lstStyle/>
           <a:p>
             <a:r>
-              <a:rPr kumimoji="1" lang="en-US" altLang="zh-CN" dirty="0"/>
+              <a:rPr kumimoji="1" lang="en-US" altLang="zh-CN" strike="sngStrike" dirty="0"/>
               <a:t>connection_scenario_1.2</a:t>
             </a:r>
-            <a:endParaRPr kumimoji="1" lang="zh-CN" altLang="en-US" dirty="0"/>
+            <a:endParaRPr kumimoji="1" lang="zh-CN" altLang="en-US" strike="sngStrike" dirty="0"/>
           </a:p>
         </p:txBody>
       </p:sp>
@@ -19598,7 +19774,7 @@
                 <a:blip r:embed="rId2">
                   <a:extLst>
                     <a:ext uri="{96DAC541-7B7A-43D3-8B79-37D633B846F1}">
-                      <asvg:svgBlip xmlns:asvg="http://schemas.microsoft.com/office/drawing/2016/SVG/main" r:embed="rId3"/>
+                      <asvg:svgBlip xmlns:asvg="http://schemas.microsoft.com/office/drawing/2016/SVG/main" xmlns="" r:embed="rId3"/>
                     </a:ext>
                   </a:extLst>
                 </a:blip>
@@ -19652,7 +19828,7 @@
                       <a:latin typeface="Microsoft YaHei" panose="020B0503020204020204" pitchFamily="34" charset="-122"/>
                       <a:ea typeface="Microsoft YaHei" panose="020B0503020204020204" pitchFamily="34" charset="-122"/>
                     </a:rPr>
-                    <a:t>1.2</a:t>
+                    <a:t>2.1</a:t>
                   </a:r>
                   <a:endParaRPr kumimoji="1" lang="zh-CN" altLang="en-US" sz="1200" dirty="0">
                     <a:solidFill>
@@ -20212,6 +20388,41 @@
           </p:txBody>
         </p:sp>
       </p:grpSp>
+      <p:sp>
+        <p:nvSpPr>
+          <p:cNvPr id="3" name="矩形 2">
+            <a:extLst>
+              <a:ext uri="{FF2B5EF4-FFF2-40B4-BE49-F238E27FC236}">
+                <a16:creationId xmlns:a16="http://schemas.microsoft.com/office/drawing/2014/main" id="{F8F7DDD5-E2EB-D146-9695-FB6F40CAE258}"/>
+              </a:ext>
+            </a:extLst>
+          </p:cNvPr>
+          <p:cNvSpPr/>
+          <p:nvPr/>
+        </p:nvSpPr>
+        <p:spPr>
+          <a:xfrm>
+            <a:off x="3610369" y="181413"/>
+            <a:ext cx="2592376" cy="369332"/>
+          </a:xfrm>
+          <a:prstGeom prst="rect">
+            <a:avLst/>
+          </a:prstGeom>
+        </p:spPr>
+        <p:txBody>
+          <a:bodyPr wrap="none">
+            <a:spAutoFit/>
+          </a:bodyPr>
+          <a:lstStyle/>
+          <a:p>
+            <a:r>
+              <a:rPr kumimoji="1" lang="en-US" altLang="zh-CN" dirty="0"/>
+              <a:t>connection_scenario_2.1</a:t>
+            </a:r>
+            <a:endParaRPr kumimoji="1" lang="zh-CN" altLang="en-US" dirty="0"/>
+          </a:p>
+        </p:txBody>
+      </p:sp>
     </p:spTree>
     <p:extLst>
       <p:ext uri="{BB962C8B-B14F-4D97-AF65-F5344CB8AC3E}">
@@ -25221,7 +25432,7 @@
             <a:blip r:embed="rId2">
               <a:extLst>
                 <a:ext uri="{96DAC541-7B7A-43D3-8B79-37D633B846F1}">
-                  <asvg:svgBlip xmlns:asvg="http://schemas.microsoft.com/office/drawing/2016/SVG/main" r:embed="rId3"/>
+                  <asvg:svgBlip xmlns:asvg="http://schemas.microsoft.com/office/drawing/2016/SVG/main" xmlns="" r:embed="rId3"/>
                 </a:ext>
               </a:extLst>
             </a:blip>
@@ -25305,7 +25516,7 @@
             <a:blip r:embed="rId2">
               <a:extLst>
                 <a:ext uri="{96DAC541-7B7A-43D3-8B79-37D633B846F1}">
-                  <asvg:svgBlip xmlns:asvg="http://schemas.microsoft.com/office/drawing/2016/SVG/main" r:embed="rId3"/>
+                  <asvg:svgBlip xmlns:asvg="http://schemas.microsoft.com/office/drawing/2016/SVG/main" xmlns="" r:embed="rId3"/>
                 </a:ext>
               </a:extLst>
             </a:blip>
@@ -25389,7 +25600,7 @@
             <a:blip r:embed="rId2">
               <a:extLst>
                 <a:ext uri="{96DAC541-7B7A-43D3-8B79-37D633B846F1}">
-                  <asvg:svgBlip xmlns:asvg="http://schemas.microsoft.com/office/drawing/2016/SVG/main" r:embed="rId3"/>
+                  <asvg:svgBlip xmlns:asvg="http://schemas.microsoft.com/office/drawing/2016/SVG/main" xmlns="" r:embed="rId3"/>
                 </a:ext>
               </a:extLst>
             </a:blip>
@@ -29060,6 +29271,1643 @@
     <p:extLst>
       <p:ext uri="{BB962C8B-B14F-4D97-AF65-F5344CB8AC3E}">
         <p14:creationId xmlns:p14="http://schemas.microsoft.com/office/powerpoint/2010/main" val="1835603517"/>
+      </p:ext>
+    </p:extLst>
+  </p:cSld>
+  <p:clrMapOvr>
+    <a:masterClrMapping/>
+  </p:clrMapOvr>
+</p:sld>
+</file>
+
+<file path=ppt/slides/slide21.xml><?xml version="1.0" encoding="utf-8"?>
+<p:sld xmlns:a="http://schemas.openxmlformats.org/drawingml/2006/main" xmlns:r="http://schemas.openxmlformats.org/officeDocument/2006/relationships" xmlns:p="http://schemas.openxmlformats.org/presentationml/2006/main">
+  <p:cSld>
+    <p:spTree>
+      <p:nvGrpSpPr>
+        <p:cNvPr id="1" name=""/>
+        <p:cNvGrpSpPr/>
+        <p:nvPr/>
+      </p:nvGrpSpPr>
+      <p:grpSpPr>
+        <a:xfrm>
+          <a:off x="0" y="0"/>
+          <a:ext cx="0" cy="0"/>
+          <a:chOff x="0" y="0"/>
+          <a:chExt cx="0" cy="0"/>
+        </a:xfrm>
+      </p:grpSpPr>
+      <p:sp>
+        <p:nvSpPr>
+          <p:cNvPr id="12" name="矩形 11">
+            <a:extLst>
+              <a:ext uri="{FF2B5EF4-FFF2-40B4-BE49-F238E27FC236}">
+                <a16:creationId xmlns:a16="http://schemas.microsoft.com/office/drawing/2014/main" id="{BA94938F-B880-B24D-A294-68673C7F43B0}"/>
+              </a:ext>
+            </a:extLst>
+          </p:cNvPr>
+          <p:cNvSpPr/>
+          <p:nvPr/>
+        </p:nvSpPr>
+        <p:spPr>
+          <a:xfrm>
+            <a:off x="427631" y="294135"/>
+            <a:ext cx="1846980" cy="369332"/>
+          </a:xfrm>
+          <a:prstGeom prst="rect">
+            <a:avLst/>
+          </a:prstGeom>
+        </p:spPr>
+        <p:txBody>
+          <a:bodyPr wrap="none">
+            <a:spAutoFit/>
+          </a:bodyPr>
+          <a:lstStyle/>
+          <a:p>
+            <a:r>
+              <a:rPr lang="en-US" altLang="zh-CN" dirty="0"/>
+              <a:t>cloud2cloud.png</a:t>
+            </a:r>
+          </a:p>
+        </p:txBody>
+      </p:sp>
+      <p:sp>
+        <p:nvSpPr>
+          <p:cNvPr id="2" name="文本框 1"/>
+          <p:cNvSpPr txBox="1"/>
+          <p:nvPr/>
+        </p:nvSpPr>
+        <p:spPr>
+          <a:xfrm>
+            <a:off x="612183" y="952611"/>
+            <a:ext cx="1363851" cy="338554"/>
+          </a:xfrm>
+          <a:prstGeom prst="rect">
+            <a:avLst/>
+          </a:prstGeom>
+          <a:noFill/>
+        </p:spPr>
+        <p:txBody>
+          <a:bodyPr wrap="square" rtlCol="0">
+            <a:spAutoFit/>
+          </a:bodyPr>
+          <a:lstStyle/>
+          <a:p>
+            <a:r>
+              <a:rPr lang="en-US" altLang="zh-CN" sz="1600" b="1" dirty="0" smtClean="0"/>
+              <a:t>Device</a:t>
+            </a:r>
+            <a:endParaRPr lang="zh-CN" altLang="en-US" sz="1600" b="1" dirty="0"/>
+          </a:p>
+        </p:txBody>
+      </p:sp>
+      <p:sp>
+        <p:nvSpPr>
+          <p:cNvPr id="5" name="文本框 4"/>
+          <p:cNvSpPr txBox="1"/>
+          <p:nvPr/>
+        </p:nvSpPr>
+        <p:spPr>
+          <a:xfrm>
+            <a:off x="2836190" y="960360"/>
+            <a:ext cx="1751308" cy="338554"/>
+          </a:xfrm>
+          <a:prstGeom prst="rect">
+            <a:avLst/>
+          </a:prstGeom>
+          <a:noFill/>
+        </p:spPr>
+        <p:txBody>
+          <a:bodyPr wrap="square" rtlCol="0">
+            <a:spAutoFit/>
+          </a:bodyPr>
+          <a:lstStyle/>
+          <a:p>
+            <a:r>
+              <a:rPr lang="en-US" altLang="zh-CN" sz="1600" b="1" dirty="0" smtClean="0"/>
+              <a:t>3</a:t>
+            </a:r>
+            <a:r>
+              <a:rPr lang="en-US" altLang="zh-CN" sz="1600" b="1" baseline="30000" dirty="0" smtClean="0"/>
+              <a:t>rd</a:t>
+            </a:r>
+            <a:r>
+              <a:rPr lang="en-US" altLang="zh-CN" sz="1600" b="1" dirty="0" smtClean="0"/>
+              <a:t>-party Cloud</a:t>
+            </a:r>
+            <a:endParaRPr lang="zh-CN" altLang="en-US" sz="1600" b="1" dirty="0"/>
+          </a:p>
+        </p:txBody>
+      </p:sp>
+      <p:sp>
+        <p:nvSpPr>
+          <p:cNvPr id="6" name="文本框 5"/>
+          <p:cNvSpPr txBox="1"/>
+          <p:nvPr/>
+        </p:nvSpPr>
+        <p:spPr>
+          <a:xfrm>
+            <a:off x="5935851" y="960360"/>
+            <a:ext cx="2425484" cy="338554"/>
+          </a:xfrm>
+          <a:prstGeom prst="rect">
+            <a:avLst/>
+          </a:prstGeom>
+          <a:noFill/>
+        </p:spPr>
+        <p:txBody>
+          <a:bodyPr wrap="square" rtlCol="0">
+            <a:spAutoFit/>
+          </a:bodyPr>
+          <a:lstStyle/>
+          <a:p>
+            <a:r>
+              <a:rPr lang="en-US" altLang="zh-CN" sz="1600" b="1" dirty="0" smtClean="0"/>
+              <a:t>Data Forwarding App</a:t>
+            </a:r>
+            <a:endParaRPr lang="zh-CN" altLang="en-US" sz="1600" b="1" dirty="0"/>
+          </a:p>
+        </p:txBody>
+      </p:sp>
+      <p:sp>
+        <p:nvSpPr>
+          <p:cNvPr id="7" name="文本框 6"/>
+          <p:cNvSpPr txBox="1"/>
+          <p:nvPr/>
+        </p:nvSpPr>
+        <p:spPr>
+          <a:xfrm>
+            <a:off x="9787179" y="960360"/>
+            <a:ext cx="1751308" cy="338554"/>
+          </a:xfrm>
+          <a:prstGeom prst="rect">
+            <a:avLst/>
+          </a:prstGeom>
+          <a:noFill/>
+        </p:spPr>
+        <p:txBody>
+          <a:bodyPr wrap="square" rtlCol="0">
+            <a:spAutoFit/>
+          </a:bodyPr>
+          <a:lstStyle/>
+          <a:p>
+            <a:r>
+              <a:rPr lang="en-US" altLang="zh-CN" sz="1600" b="1" dirty="0" smtClean="0"/>
+              <a:t>EnOS Cloud</a:t>
+            </a:r>
+            <a:endParaRPr lang="zh-CN" altLang="en-US" sz="1600" b="1" dirty="0"/>
+          </a:p>
+        </p:txBody>
+      </p:sp>
+      <p:cxnSp>
+        <p:nvCxnSpPr>
+          <p:cNvPr id="8" name="直接连接符 7"/>
+          <p:cNvCxnSpPr/>
+          <p:nvPr/>
+        </p:nvCxnSpPr>
+        <p:spPr>
+          <a:xfrm>
+            <a:off x="1030637" y="1350630"/>
+            <a:ext cx="0" cy="4860000"/>
+          </a:xfrm>
+          <a:prstGeom prst="line">
+            <a:avLst/>
+          </a:prstGeom>
+        </p:spPr>
+        <p:style>
+          <a:lnRef idx="3">
+            <a:schemeClr val="accent3"/>
+          </a:lnRef>
+          <a:fillRef idx="0">
+            <a:schemeClr val="accent3"/>
+          </a:fillRef>
+          <a:effectRef idx="2">
+            <a:schemeClr val="accent3"/>
+          </a:effectRef>
+          <a:fontRef idx="minor">
+            <a:schemeClr val="tx1"/>
+          </a:fontRef>
+        </p:style>
+      </p:cxnSp>
+      <p:cxnSp>
+        <p:nvCxnSpPr>
+          <p:cNvPr id="11" name="直接连接符 10"/>
+          <p:cNvCxnSpPr/>
+          <p:nvPr/>
+        </p:nvCxnSpPr>
+        <p:spPr>
+          <a:xfrm>
+            <a:off x="3711844" y="1350630"/>
+            <a:ext cx="0" cy="4860000"/>
+          </a:xfrm>
+          <a:prstGeom prst="line">
+            <a:avLst/>
+          </a:prstGeom>
+        </p:spPr>
+        <p:style>
+          <a:lnRef idx="3">
+            <a:schemeClr val="accent3"/>
+          </a:lnRef>
+          <a:fillRef idx="0">
+            <a:schemeClr val="accent3"/>
+          </a:fillRef>
+          <a:effectRef idx="2">
+            <a:schemeClr val="accent3"/>
+          </a:effectRef>
+          <a:fontRef idx="minor">
+            <a:schemeClr val="tx1"/>
+          </a:fontRef>
+        </p:style>
+      </p:cxnSp>
+      <p:cxnSp>
+        <p:nvCxnSpPr>
+          <p:cNvPr id="14" name="直接连接符 13"/>
+          <p:cNvCxnSpPr/>
+          <p:nvPr/>
+        </p:nvCxnSpPr>
+        <p:spPr>
+          <a:xfrm>
+            <a:off x="7140844" y="1350630"/>
+            <a:ext cx="0" cy="4860000"/>
+          </a:xfrm>
+          <a:prstGeom prst="line">
+            <a:avLst/>
+          </a:prstGeom>
+        </p:spPr>
+        <p:style>
+          <a:lnRef idx="3">
+            <a:schemeClr val="accent3"/>
+          </a:lnRef>
+          <a:fillRef idx="0">
+            <a:schemeClr val="accent3"/>
+          </a:fillRef>
+          <a:effectRef idx="2">
+            <a:schemeClr val="accent3"/>
+          </a:effectRef>
+          <a:fontRef idx="minor">
+            <a:schemeClr val="tx1"/>
+          </a:fontRef>
+        </p:style>
+      </p:cxnSp>
+      <p:cxnSp>
+        <p:nvCxnSpPr>
+          <p:cNvPr id="15" name="直接连接符 14"/>
+          <p:cNvCxnSpPr/>
+          <p:nvPr/>
+        </p:nvCxnSpPr>
+        <p:spPr>
+          <a:xfrm>
+            <a:off x="10434233" y="1353213"/>
+            <a:ext cx="0" cy="4860000"/>
+          </a:xfrm>
+          <a:prstGeom prst="line">
+            <a:avLst/>
+          </a:prstGeom>
+        </p:spPr>
+        <p:style>
+          <a:lnRef idx="3">
+            <a:schemeClr val="accent3"/>
+          </a:lnRef>
+          <a:fillRef idx="0">
+            <a:schemeClr val="accent3"/>
+          </a:fillRef>
+          <a:effectRef idx="2">
+            <a:schemeClr val="accent3"/>
+          </a:effectRef>
+          <a:fontRef idx="minor">
+            <a:schemeClr val="tx1"/>
+          </a:fontRef>
+        </p:style>
+      </p:cxnSp>
+      <p:cxnSp>
+        <p:nvCxnSpPr>
+          <p:cNvPr id="16" name="直接箭头连接符 15"/>
+          <p:cNvCxnSpPr>
+            <a:stCxn id="18" idx="3"/>
+            <a:endCxn id="19" idx="1"/>
+          </p:cNvCxnSpPr>
+          <p:nvPr/>
+        </p:nvCxnSpPr>
+        <p:spPr>
+          <a:xfrm>
+            <a:off x="1092631" y="2743840"/>
+            <a:ext cx="2541721" cy="0"/>
+          </a:xfrm>
+          <a:prstGeom prst="straightConnector1">
+            <a:avLst/>
+          </a:prstGeom>
+          <a:ln>
+            <a:tailEnd type="triangle"/>
+          </a:ln>
+        </p:spPr>
+        <p:style>
+          <a:lnRef idx="3">
+            <a:schemeClr val="accent1"/>
+          </a:lnRef>
+          <a:fillRef idx="0">
+            <a:schemeClr val="accent1"/>
+          </a:fillRef>
+          <a:effectRef idx="2">
+            <a:schemeClr val="accent1"/>
+          </a:effectRef>
+          <a:fontRef idx="minor">
+            <a:schemeClr val="tx1"/>
+          </a:fontRef>
+        </p:style>
+      </p:cxnSp>
+      <p:sp>
+        <p:nvSpPr>
+          <p:cNvPr id="18" name="矩形 17"/>
+          <p:cNvSpPr/>
+          <p:nvPr/>
+        </p:nvSpPr>
+        <p:spPr>
+          <a:xfrm>
+            <a:off x="968644" y="2588857"/>
+            <a:ext cx="123987" cy="309966"/>
+          </a:xfrm>
+          <a:prstGeom prst="rect">
+            <a:avLst/>
+          </a:prstGeom>
+        </p:spPr>
+        <p:style>
+          <a:lnRef idx="0">
+            <a:schemeClr val="accent1"/>
+          </a:lnRef>
+          <a:fillRef idx="3">
+            <a:schemeClr val="accent1"/>
+          </a:fillRef>
+          <a:effectRef idx="3">
+            <a:schemeClr val="accent1"/>
+          </a:effectRef>
+          <a:fontRef idx="minor">
+            <a:schemeClr val="lt1"/>
+          </a:fontRef>
+        </p:style>
+        <p:txBody>
+          <a:bodyPr rtlCol="0" anchor="ctr"/>
+          <a:lstStyle/>
+          <a:p>
+            <a:pPr algn="ctr"/>
+            <a:endParaRPr lang="zh-CN" altLang="en-US"/>
+          </a:p>
+        </p:txBody>
+      </p:sp>
+      <p:sp>
+        <p:nvSpPr>
+          <p:cNvPr id="19" name="矩形 18"/>
+          <p:cNvSpPr/>
+          <p:nvPr/>
+        </p:nvSpPr>
+        <p:spPr>
+          <a:xfrm>
+            <a:off x="3634352" y="2588857"/>
+            <a:ext cx="123987" cy="309966"/>
+          </a:xfrm>
+          <a:prstGeom prst="rect">
+            <a:avLst/>
+          </a:prstGeom>
+        </p:spPr>
+        <p:style>
+          <a:lnRef idx="0">
+            <a:schemeClr val="accent1"/>
+          </a:lnRef>
+          <a:fillRef idx="3">
+            <a:schemeClr val="accent1"/>
+          </a:fillRef>
+          <a:effectRef idx="3">
+            <a:schemeClr val="accent1"/>
+          </a:effectRef>
+          <a:fontRef idx="minor">
+            <a:schemeClr val="lt1"/>
+          </a:fontRef>
+        </p:style>
+        <p:txBody>
+          <a:bodyPr rtlCol="0" anchor="ctr"/>
+          <a:lstStyle/>
+          <a:p>
+            <a:pPr algn="ctr"/>
+            <a:endParaRPr lang="zh-CN" altLang="en-US"/>
+          </a:p>
+        </p:txBody>
+      </p:sp>
+      <p:cxnSp>
+        <p:nvCxnSpPr>
+          <p:cNvPr id="22" name="直接箭头连接符 21"/>
+          <p:cNvCxnSpPr/>
+          <p:nvPr/>
+        </p:nvCxnSpPr>
+        <p:spPr>
+          <a:xfrm>
+            <a:off x="1092630" y="5077974"/>
+            <a:ext cx="2541721" cy="0"/>
+          </a:xfrm>
+          <a:prstGeom prst="straightConnector1">
+            <a:avLst/>
+          </a:prstGeom>
+          <a:ln>
+            <a:tailEnd type="triangle"/>
+          </a:ln>
+        </p:spPr>
+        <p:style>
+          <a:lnRef idx="3">
+            <a:schemeClr val="accent6"/>
+          </a:lnRef>
+          <a:fillRef idx="0">
+            <a:schemeClr val="accent6"/>
+          </a:fillRef>
+          <a:effectRef idx="2">
+            <a:schemeClr val="accent6"/>
+          </a:effectRef>
+          <a:fontRef idx="minor">
+            <a:schemeClr val="tx1"/>
+          </a:fontRef>
+        </p:style>
+      </p:cxnSp>
+      <p:sp>
+        <p:nvSpPr>
+          <p:cNvPr id="23" name="矩形 22"/>
+          <p:cNvSpPr/>
+          <p:nvPr/>
+        </p:nvSpPr>
+        <p:spPr>
+          <a:xfrm>
+            <a:off x="968643" y="5007683"/>
+            <a:ext cx="123987" cy="309966"/>
+          </a:xfrm>
+          <a:prstGeom prst="rect">
+            <a:avLst/>
+          </a:prstGeom>
+        </p:spPr>
+        <p:style>
+          <a:lnRef idx="0">
+            <a:schemeClr val="accent6"/>
+          </a:lnRef>
+          <a:fillRef idx="3">
+            <a:schemeClr val="accent6"/>
+          </a:fillRef>
+          <a:effectRef idx="3">
+            <a:schemeClr val="accent6"/>
+          </a:effectRef>
+          <a:fontRef idx="minor">
+            <a:schemeClr val="lt1"/>
+          </a:fontRef>
+        </p:style>
+        <p:txBody>
+          <a:bodyPr rtlCol="0" anchor="ctr"/>
+          <a:lstStyle/>
+          <a:p>
+            <a:pPr algn="ctr"/>
+            <a:endParaRPr lang="zh-CN" altLang="en-US"/>
+          </a:p>
+        </p:txBody>
+      </p:sp>
+      <p:sp>
+        <p:nvSpPr>
+          <p:cNvPr id="24" name="矩形 23"/>
+          <p:cNvSpPr/>
+          <p:nvPr/>
+        </p:nvSpPr>
+        <p:spPr>
+          <a:xfrm>
+            <a:off x="3634351" y="5007683"/>
+            <a:ext cx="123987" cy="309966"/>
+          </a:xfrm>
+          <a:prstGeom prst="rect">
+            <a:avLst/>
+          </a:prstGeom>
+        </p:spPr>
+        <p:style>
+          <a:lnRef idx="0">
+            <a:schemeClr val="accent6"/>
+          </a:lnRef>
+          <a:fillRef idx="3">
+            <a:schemeClr val="accent6"/>
+          </a:fillRef>
+          <a:effectRef idx="3">
+            <a:schemeClr val="accent6"/>
+          </a:effectRef>
+          <a:fontRef idx="minor">
+            <a:schemeClr val="lt1"/>
+          </a:fontRef>
+        </p:style>
+        <p:txBody>
+          <a:bodyPr rtlCol="0" anchor="ctr"/>
+          <a:lstStyle/>
+          <a:p>
+            <a:pPr algn="ctr"/>
+            <a:endParaRPr lang="zh-CN" altLang="en-US"/>
+          </a:p>
+        </p:txBody>
+      </p:sp>
+      <p:sp>
+        <p:nvSpPr>
+          <p:cNvPr id="25" name="矩形 24"/>
+          <p:cNvSpPr/>
+          <p:nvPr/>
+        </p:nvSpPr>
+        <p:spPr>
+          <a:xfrm>
+            <a:off x="3655663" y="1785195"/>
+            <a:ext cx="123987" cy="309966"/>
+          </a:xfrm>
+          <a:prstGeom prst="rect">
+            <a:avLst/>
+          </a:prstGeom>
+        </p:spPr>
+        <p:style>
+          <a:lnRef idx="0">
+            <a:schemeClr val="accent4"/>
+          </a:lnRef>
+          <a:fillRef idx="3">
+            <a:schemeClr val="accent4"/>
+          </a:fillRef>
+          <a:effectRef idx="3">
+            <a:schemeClr val="accent4"/>
+          </a:effectRef>
+          <a:fontRef idx="minor">
+            <a:schemeClr val="lt1"/>
+          </a:fontRef>
+        </p:style>
+        <p:txBody>
+          <a:bodyPr rtlCol="0" anchor="ctr"/>
+          <a:lstStyle/>
+          <a:p>
+            <a:pPr algn="ctr"/>
+            <a:endParaRPr lang="zh-CN" altLang="en-US"/>
+          </a:p>
+        </p:txBody>
+      </p:sp>
+      <p:sp>
+        <p:nvSpPr>
+          <p:cNvPr id="26" name="矩形 25"/>
+          <p:cNvSpPr/>
+          <p:nvPr/>
+        </p:nvSpPr>
+        <p:spPr>
+          <a:xfrm>
+            <a:off x="3634352" y="3172666"/>
+            <a:ext cx="123987" cy="309966"/>
+          </a:xfrm>
+          <a:prstGeom prst="rect">
+            <a:avLst/>
+          </a:prstGeom>
+        </p:spPr>
+        <p:style>
+          <a:lnRef idx="0">
+            <a:schemeClr val="accent1"/>
+          </a:lnRef>
+          <a:fillRef idx="3">
+            <a:schemeClr val="accent1"/>
+          </a:fillRef>
+          <a:effectRef idx="3">
+            <a:schemeClr val="accent1"/>
+          </a:effectRef>
+          <a:fontRef idx="minor">
+            <a:schemeClr val="lt1"/>
+          </a:fontRef>
+        </p:style>
+        <p:txBody>
+          <a:bodyPr rtlCol="0" anchor="ctr"/>
+          <a:lstStyle/>
+          <a:p>
+            <a:pPr algn="ctr"/>
+            <a:endParaRPr lang="zh-CN" altLang="en-US"/>
+          </a:p>
+        </p:txBody>
+      </p:sp>
+      <p:sp>
+        <p:nvSpPr>
+          <p:cNvPr id="27" name="矩形 26"/>
+          <p:cNvSpPr/>
+          <p:nvPr/>
+        </p:nvSpPr>
+        <p:spPr>
+          <a:xfrm>
+            <a:off x="3634351" y="3758592"/>
+            <a:ext cx="123987" cy="309966"/>
+          </a:xfrm>
+          <a:prstGeom prst="rect">
+            <a:avLst/>
+          </a:prstGeom>
+        </p:spPr>
+        <p:style>
+          <a:lnRef idx="0">
+            <a:schemeClr val="accent1"/>
+          </a:lnRef>
+          <a:fillRef idx="3">
+            <a:schemeClr val="accent1"/>
+          </a:fillRef>
+          <a:effectRef idx="3">
+            <a:schemeClr val="accent1"/>
+          </a:effectRef>
+          <a:fontRef idx="minor">
+            <a:schemeClr val="lt1"/>
+          </a:fontRef>
+        </p:style>
+        <p:txBody>
+          <a:bodyPr rtlCol="0" anchor="ctr"/>
+          <a:lstStyle/>
+          <a:p>
+            <a:pPr algn="ctr"/>
+            <a:endParaRPr lang="zh-CN" altLang="en-US"/>
+          </a:p>
+        </p:txBody>
+      </p:sp>
+      <p:sp>
+        <p:nvSpPr>
+          <p:cNvPr id="30" name="矩形 29"/>
+          <p:cNvSpPr/>
+          <p:nvPr/>
+        </p:nvSpPr>
+        <p:spPr>
+          <a:xfrm>
+            <a:off x="7071100" y="4344537"/>
+            <a:ext cx="123987" cy="309966"/>
+          </a:xfrm>
+          <a:prstGeom prst="rect">
+            <a:avLst/>
+          </a:prstGeom>
+        </p:spPr>
+        <p:style>
+          <a:lnRef idx="0">
+            <a:schemeClr val="accent1"/>
+          </a:lnRef>
+          <a:fillRef idx="3">
+            <a:schemeClr val="accent1"/>
+          </a:fillRef>
+          <a:effectRef idx="3">
+            <a:schemeClr val="accent1"/>
+          </a:effectRef>
+          <a:fontRef idx="minor">
+            <a:schemeClr val="lt1"/>
+          </a:fontRef>
+        </p:style>
+        <p:txBody>
+          <a:bodyPr rtlCol="0" anchor="ctr"/>
+          <a:lstStyle/>
+          <a:p>
+            <a:pPr algn="ctr"/>
+            <a:endParaRPr lang="zh-CN" altLang="en-US"/>
+          </a:p>
+        </p:txBody>
+      </p:sp>
+      <p:sp>
+        <p:nvSpPr>
+          <p:cNvPr id="31" name="矩形 30"/>
+          <p:cNvSpPr/>
+          <p:nvPr/>
+        </p:nvSpPr>
+        <p:spPr>
+          <a:xfrm>
+            <a:off x="7071100" y="5007683"/>
+            <a:ext cx="123987" cy="309966"/>
+          </a:xfrm>
+          <a:prstGeom prst="rect">
+            <a:avLst/>
+          </a:prstGeom>
+        </p:spPr>
+        <p:style>
+          <a:lnRef idx="0">
+            <a:schemeClr val="accent6"/>
+          </a:lnRef>
+          <a:fillRef idx="3">
+            <a:schemeClr val="accent6"/>
+          </a:fillRef>
+          <a:effectRef idx="3">
+            <a:schemeClr val="accent6"/>
+          </a:effectRef>
+          <a:fontRef idx="minor">
+            <a:schemeClr val="lt1"/>
+          </a:fontRef>
+        </p:style>
+        <p:txBody>
+          <a:bodyPr rtlCol="0" anchor="ctr"/>
+          <a:lstStyle/>
+          <a:p>
+            <a:pPr algn="ctr"/>
+            <a:endParaRPr lang="zh-CN" altLang="en-US"/>
+          </a:p>
+        </p:txBody>
+      </p:sp>
+      <p:sp>
+        <p:nvSpPr>
+          <p:cNvPr id="32" name="矩形 31"/>
+          <p:cNvSpPr/>
+          <p:nvPr/>
+        </p:nvSpPr>
+        <p:spPr>
+          <a:xfrm>
+            <a:off x="7071100" y="3168540"/>
+            <a:ext cx="123987" cy="309966"/>
+          </a:xfrm>
+          <a:prstGeom prst="rect">
+            <a:avLst/>
+          </a:prstGeom>
+        </p:spPr>
+        <p:style>
+          <a:lnRef idx="0">
+            <a:schemeClr val="accent1"/>
+          </a:lnRef>
+          <a:fillRef idx="3">
+            <a:schemeClr val="accent1"/>
+          </a:fillRef>
+          <a:effectRef idx="3">
+            <a:schemeClr val="accent1"/>
+          </a:effectRef>
+          <a:fontRef idx="minor">
+            <a:schemeClr val="lt1"/>
+          </a:fontRef>
+        </p:style>
+        <p:txBody>
+          <a:bodyPr rtlCol="0" anchor="ctr"/>
+          <a:lstStyle/>
+          <a:p>
+            <a:pPr algn="ctr"/>
+            <a:endParaRPr lang="zh-CN" altLang="en-US"/>
+          </a:p>
+        </p:txBody>
+      </p:sp>
+      <p:sp>
+        <p:nvSpPr>
+          <p:cNvPr id="33" name="矩形 32"/>
+          <p:cNvSpPr/>
+          <p:nvPr/>
+        </p:nvSpPr>
+        <p:spPr>
+          <a:xfrm>
+            <a:off x="7063350" y="3758592"/>
+            <a:ext cx="123987" cy="309966"/>
+          </a:xfrm>
+          <a:prstGeom prst="rect">
+            <a:avLst/>
+          </a:prstGeom>
+        </p:spPr>
+        <p:style>
+          <a:lnRef idx="0">
+            <a:schemeClr val="accent1"/>
+          </a:lnRef>
+          <a:fillRef idx="3">
+            <a:schemeClr val="accent1"/>
+          </a:fillRef>
+          <a:effectRef idx="3">
+            <a:schemeClr val="accent1"/>
+          </a:effectRef>
+          <a:fontRef idx="minor">
+            <a:schemeClr val="lt1"/>
+          </a:fontRef>
+        </p:style>
+        <p:txBody>
+          <a:bodyPr rtlCol="0" anchor="ctr"/>
+          <a:lstStyle/>
+          <a:p>
+            <a:pPr algn="ctr"/>
+            <a:endParaRPr lang="zh-CN" altLang="en-US"/>
+          </a:p>
+        </p:txBody>
+      </p:sp>
+      <p:sp>
+        <p:nvSpPr>
+          <p:cNvPr id="34" name="矩形 33"/>
+          <p:cNvSpPr/>
+          <p:nvPr/>
+        </p:nvSpPr>
+        <p:spPr>
+          <a:xfrm>
+            <a:off x="7071099" y="5637711"/>
+            <a:ext cx="123987" cy="309966"/>
+          </a:xfrm>
+          <a:prstGeom prst="rect">
+            <a:avLst/>
+          </a:prstGeom>
+        </p:spPr>
+        <p:style>
+          <a:lnRef idx="0">
+            <a:schemeClr val="accent6"/>
+          </a:lnRef>
+          <a:fillRef idx="3">
+            <a:schemeClr val="accent6"/>
+          </a:fillRef>
+          <a:effectRef idx="3">
+            <a:schemeClr val="accent6"/>
+          </a:effectRef>
+          <a:fontRef idx="minor">
+            <a:schemeClr val="lt1"/>
+          </a:fontRef>
+        </p:style>
+        <p:txBody>
+          <a:bodyPr rtlCol="0" anchor="ctr"/>
+          <a:lstStyle/>
+          <a:p>
+            <a:pPr algn="ctr"/>
+            <a:endParaRPr lang="zh-CN" altLang="en-US"/>
+          </a:p>
+        </p:txBody>
+      </p:sp>
+      <p:sp>
+        <p:nvSpPr>
+          <p:cNvPr id="35" name="矩形 34"/>
+          <p:cNvSpPr/>
+          <p:nvPr/>
+        </p:nvSpPr>
+        <p:spPr>
+          <a:xfrm>
+            <a:off x="10372239" y="4344537"/>
+            <a:ext cx="123987" cy="309966"/>
+          </a:xfrm>
+          <a:prstGeom prst="rect">
+            <a:avLst/>
+          </a:prstGeom>
+        </p:spPr>
+        <p:style>
+          <a:lnRef idx="0">
+            <a:schemeClr val="accent1"/>
+          </a:lnRef>
+          <a:fillRef idx="3">
+            <a:schemeClr val="accent1"/>
+          </a:fillRef>
+          <a:effectRef idx="3">
+            <a:schemeClr val="accent1"/>
+          </a:effectRef>
+          <a:fontRef idx="minor">
+            <a:schemeClr val="lt1"/>
+          </a:fontRef>
+        </p:style>
+        <p:txBody>
+          <a:bodyPr rtlCol="0" anchor="ctr"/>
+          <a:lstStyle/>
+          <a:p>
+            <a:pPr algn="ctr"/>
+            <a:endParaRPr lang="zh-CN" altLang="en-US"/>
+          </a:p>
+        </p:txBody>
+      </p:sp>
+      <p:sp>
+        <p:nvSpPr>
+          <p:cNvPr id="36" name="矩形 35"/>
+          <p:cNvSpPr/>
+          <p:nvPr/>
+        </p:nvSpPr>
+        <p:spPr>
+          <a:xfrm>
+            <a:off x="10372239" y="5007683"/>
+            <a:ext cx="123987" cy="309966"/>
+          </a:xfrm>
+          <a:prstGeom prst="rect">
+            <a:avLst/>
+          </a:prstGeom>
+        </p:spPr>
+        <p:style>
+          <a:lnRef idx="0">
+            <a:schemeClr val="accent6"/>
+          </a:lnRef>
+          <a:fillRef idx="3">
+            <a:schemeClr val="accent6"/>
+          </a:fillRef>
+          <a:effectRef idx="3">
+            <a:schemeClr val="accent6"/>
+          </a:effectRef>
+          <a:fontRef idx="minor">
+            <a:schemeClr val="lt1"/>
+          </a:fontRef>
+        </p:style>
+        <p:txBody>
+          <a:bodyPr rtlCol="0" anchor="ctr"/>
+          <a:lstStyle/>
+          <a:p>
+            <a:pPr algn="ctr"/>
+            <a:endParaRPr lang="zh-CN" altLang="en-US"/>
+          </a:p>
+        </p:txBody>
+      </p:sp>
+      <p:sp>
+        <p:nvSpPr>
+          <p:cNvPr id="37" name="矩形 36"/>
+          <p:cNvSpPr/>
+          <p:nvPr/>
+        </p:nvSpPr>
+        <p:spPr>
+          <a:xfrm>
+            <a:off x="10372238" y="5637711"/>
+            <a:ext cx="123987" cy="309966"/>
+          </a:xfrm>
+          <a:prstGeom prst="rect">
+            <a:avLst/>
+          </a:prstGeom>
+        </p:spPr>
+        <p:style>
+          <a:lnRef idx="0">
+            <a:schemeClr val="accent6"/>
+          </a:lnRef>
+          <a:fillRef idx="3">
+            <a:schemeClr val="accent6"/>
+          </a:fillRef>
+          <a:effectRef idx="3">
+            <a:schemeClr val="accent6"/>
+          </a:effectRef>
+          <a:fontRef idx="minor">
+            <a:schemeClr val="lt1"/>
+          </a:fontRef>
+        </p:style>
+        <p:txBody>
+          <a:bodyPr rtlCol="0" anchor="ctr"/>
+          <a:lstStyle/>
+          <a:p>
+            <a:pPr algn="ctr"/>
+            <a:endParaRPr lang="zh-CN" altLang="en-US"/>
+          </a:p>
+        </p:txBody>
+      </p:sp>
+      <p:cxnSp>
+        <p:nvCxnSpPr>
+          <p:cNvPr id="39" name="直接箭头连接符 38"/>
+          <p:cNvCxnSpPr/>
+          <p:nvPr/>
+        </p:nvCxnSpPr>
+        <p:spPr>
+          <a:xfrm flipH="1">
+            <a:off x="3758339" y="3367068"/>
+            <a:ext cx="3312761" cy="4126"/>
+          </a:xfrm>
+          <a:prstGeom prst="straightConnector1">
+            <a:avLst/>
+          </a:prstGeom>
+          <a:ln>
+            <a:tailEnd type="triangle"/>
+          </a:ln>
+        </p:spPr>
+        <p:style>
+          <a:lnRef idx="3">
+            <a:schemeClr val="accent1"/>
+          </a:lnRef>
+          <a:fillRef idx="0">
+            <a:schemeClr val="accent1"/>
+          </a:fillRef>
+          <a:effectRef idx="2">
+            <a:schemeClr val="accent1"/>
+          </a:effectRef>
+          <a:fontRef idx="minor">
+            <a:schemeClr val="tx1"/>
+          </a:fontRef>
+        </p:style>
+      </p:cxnSp>
+      <p:cxnSp>
+        <p:nvCxnSpPr>
+          <p:cNvPr id="40" name="直接箭头连接符 39"/>
+          <p:cNvCxnSpPr/>
+          <p:nvPr/>
+        </p:nvCxnSpPr>
+        <p:spPr>
+          <a:xfrm>
+            <a:off x="3758339" y="3911512"/>
+            <a:ext cx="3312761" cy="4126"/>
+          </a:xfrm>
+          <a:prstGeom prst="straightConnector1">
+            <a:avLst/>
+          </a:prstGeom>
+          <a:ln>
+            <a:tailEnd type="triangle"/>
+          </a:ln>
+        </p:spPr>
+        <p:style>
+          <a:lnRef idx="3">
+            <a:schemeClr val="accent1"/>
+          </a:lnRef>
+          <a:fillRef idx="0">
+            <a:schemeClr val="accent1"/>
+          </a:fillRef>
+          <a:effectRef idx="2">
+            <a:schemeClr val="accent1"/>
+          </a:effectRef>
+          <a:fontRef idx="minor">
+            <a:schemeClr val="tx1"/>
+          </a:fontRef>
+        </p:style>
+      </p:cxnSp>
+      <p:cxnSp>
+        <p:nvCxnSpPr>
+          <p:cNvPr id="43" name="直接箭头连接符 42"/>
+          <p:cNvCxnSpPr>
+            <a:endCxn id="31" idx="1"/>
+          </p:cNvCxnSpPr>
+          <p:nvPr/>
+        </p:nvCxnSpPr>
+        <p:spPr>
+          <a:xfrm flipV="1">
+            <a:off x="3758338" y="5162666"/>
+            <a:ext cx="3312762" cy="3056"/>
+          </a:xfrm>
+          <a:prstGeom prst="straightConnector1">
+            <a:avLst/>
+          </a:prstGeom>
+          <a:ln>
+            <a:tailEnd type="triangle"/>
+          </a:ln>
+        </p:spPr>
+        <p:style>
+          <a:lnRef idx="3">
+            <a:schemeClr val="accent6"/>
+          </a:lnRef>
+          <a:fillRef idx="0">
+            <a:schemeClr val="accent6"/>
+          </a:fillRef>
+          <a:effectRef idx="2">
+            <a:schemeClr val="accent6"/>
+          </a:effectRef>
+          <a:fontRef idx="minor">
+            <a:schemeClr val="tx1"/>
+          </a:fontRef>
+        </p:style>
+      </p:cxnSp>
+      <p:cxnSp>
+        <p:nvCxnSpPr>
+          <p:cNvPr id="45" name="直接箭头连接符 44"/>
+          <p:cNvCxnSpPr>
+            <a:stCxn id="30" idx="3"/>
+          </p:cNvCxnSpPr>
+          <p:nvPr/>
+        </p:nvCxnSpPr>
+        <p:spPr>
+          <a:xfrm flipV="1">
+            <a:off x="7195087" y="4496445"/>
+            <a:ext cx="3181025" cy="3075"/>
+          </a:xfrm>
+          <a:prstGeom prst="straightConnector1">
+            <a:avLst/>
+          </a:prstGeom>
+          <a:ln>
+            <a:tailEnd type="triangle"/>
+          </a:ln>
+        </p:spPr>
+        <p:style>
+          <a:lnRef idx="3">
+            <a:schemeClr val="accent1"/>
+          </a:lnRef>
+          <a:fillRef idx="0">
+            <a:schemeClr val="accent1"/>
+          </a:fillRef>
+          <a:effectRef idx="2">
+            <a:schemeClr val="accent1"/>
+          </a:effectRef>
+          <a:fontRef idx="minor">
+            <a:schemeClr val="tx1"/>
+          </a:fontRef>
+        </p:style>
+      </p:cxnSp>
+      <p:cxnSp>
+        <p:nvCxnSpPr>
+          <p:cNvPr id="47" name="直接箭头连接符 46"/>
+          <p:cNvCxnSpPr/>
+          <p:nvPr/>
+        </p:nvCxnSpPr>
+        <p:spPr>
+          <a:xfrm flipV="1">
+            <a:off x="7183463" y="5241224"/>
+            <a:ext cx="3181025" cy="3075"/>
+          </a:xfrm>
+          <a:prstGeom prst="straightConnector1">
+            <a:avLst/>
+          </a:prstGeom>
+          <a:ln>
+            <a:tailEnd type="triangle"/>
+          </a:ln>
+        </p:spPr>
+        <p:style>
+          <a:lnRef idx="3">
+            <a:schemeClr val="accent6"/>
+          </a:lnRef>
+          <a:fillRef idx="0">
+            <a:schemeClr val="accent6"/>
+          </a:fillRef>
+          <a:effectRef idx="2">
+            <a:schemeClr val="accent6"/>
+          </a:effectRef>
+          <a:fontRef idx="minor">
+            <a:schemeClr val="tx1"/>
+          </a:fontRef>
+        </p:style>
+      </p:cxnSp>
+      <p:cxnSp>
+        <p:nvCxnSpPr>
+          <p:cNvPr id="48" name="直接箭头连接符 47"/>
+          <p:cNvCxnSpPr/>
+          <p:nvPr/>
+        </p:nvCxnSpPr>
+        <p:spPr>
+          <a:xfrm flipH="1" flipV="1">
+            <a:off x="7166029" y="5874123"/>
+            <a:ext cx="3181025" cy="3075"/>
+          </a:xfrm>
+          <a:prstGeom prst="straightConnector1">
+            <a:avLst/>
+          </a:prstGeom>
+          <a:ln>
+            <a:tailEnd type="triangle"/>
+          </a:ln>
+        </p:spPr>
+        <p:style>
+          <a:lnRef idx="3">
+            <a:schemeClr val="accent6"/>
+          </a:lnRef>
+          <a:fillRef idx="0">
+            <a:schemeClr val="accent6"/>
+          </a:fillRef>
+          <a:effectRef idx="2">
+            <a:schemeClr val="accent6"/>
+          </a:effectRef>
+          <a:fontRef idx="minor">
+            <a:schemeClr val="tx1"/>
+          </a:fontRef>
+        </p:style>
+      </p:cxnSp>
+      <p:sp>
+        <p:nvSpPr>
+          <p:cNvPr id="49" name="文本框 48"/>
+          <p:cNvSpPr txBox="1"/>
+          <p:nvPr/>
+        </p:nvSpPr>
+        <p:spPr>
+          <a:xfrm>
+            <a:off x="1534332" y="2477258"/>
+            <a:ext cx="1650570" cy="276999"/>
+          </a:xfrm>
+          <a:prstGeom prst="rect">
+            <a:avLst/>
+          </a:prstGeom>
+          <a:noFill/>
+        </p:spPr>
+        <p:txBody>
+          <a:bodyPr wrap="square" rtlCol="0">
+            <a:spAutoFit/>
+          </a:bodyPr>
+          <a:lstStyle/>
+          <a:p>
+            <a:r>
+              <a:rPr lang="en-US" altLang="zh-CN" sz="1200" dirty="0" smtClean="0"/>
+              <a:t>Ingest telemetry</a:t>
+            </a:r>
+            <a:endParaRPr lang="zh-CN" altLang="en-US" sz="1200" dirty="0"/>
+          </a:p>
+        </p:txBody>
+      </p:sp>
+      <p:sp>
+        <p:nvSpPr>
+          <p:cNvPr id="50" name="文本框 49"/>
+          <p:cNvSpPr txBox="1"/>
+          <p:nvPr/>
+        </p:nvSpPr>
+        <p:spPr>
+          <a:xfrm>
+            <a:off x="1619720" y="4741101"/>
+            <a:ext cx="1650570" cy="276999"/>
+          </a:xfrm>
+          <a:prstGeom prst="rect">
+            <a:avLst/>
+          </a:prstGeom>
+          <a:noFill/>
+        </p:spPr>
+        <p:txBody>
+          <a:bodyPr wrap="square" rtlCol="0">
+            <a:spAutoFit/>
+          </a:bodyPr>
+          <a:lstStyle/>
+          <a:p>
+            <a:r>
+              <a:rPr lang="en-US" altLang="zh-CN" sz="1200" dirty="0" smtClean="0"/>
+              <a:t>New device login</a:t>
+            </a:r>
+            <a:endParaRPr lang="zh-CN" altLang="en-US" sz="1200" dirty="0"/>
+          </a:p>
+        </p:txBody>
+      </p:sp>
+      <p:sp>
+        <p:nvSpPr>
+          <p:cNvPr id="51" name="文本框 50"/>
+          <p:cNvSpPr txBox="1"/>
+          <p:nvPr/>
+        </p:nvSpPr>
+        <p:spPr>
+          <a:xfrm>
+            <a:off x="4362372" y="4826187"/>
+            <a:ext cx="2189938" cy="276999"/>
+          </a:xfrm>
+          <a:prstGeom prst="rect">
+            <a:avLst/>
+          </a:prstGeom>
+          <a:noFill/>
+        </p:spPr>
+        <p:txBody>
+          <a:bodyPr wrap="square" rtlCol="0">
+            <a:spAutoFit/>
+          </a:bodyPr>
+          <a:lstStyle/>
+          <a:p>
+            <a:r>
+              <a:rPr lang="en-US" altLang="zh-CN" sz="1200" dirty="0" smtClean="0"/>
+              <a:t>Listen on master data update</a:t>
+            </a:r>
+            <a:endParaRPr lang="zh-CN" altLang="en-US" sz="1200" dirty="0"/>
+          </a:p>
+        </p:txBody>
+      </p:sp>
+      <p:sp>
+        <p:nvSpPr>
+          <p:cNvPr id="52" name="文本框 51"/>
+          <p:cNvSpPr txBox="1"/>
+          <p:nvPr/>
+        </p:nvSpPr>
+        <p:spPr>
+          <a:xfrm>
+            <a:off x="7675134" y="4826187"/>
+            <a:ext cx="2573118" cy="276999"/>
+          </a:xfrm>
+          <a:prstGeom prst="rect">
+            <a:avLst/>
+          </a:prstGeom>
+          <a:noFill/>
+        </p:spPr>
+        <p:txBody>
+          <a:bodyPr wrap="square" rtlCol="0">
+            <a:spAutoFit/>
+          </a:bodyPr>
+          <a:lstStyle/>
+          <a:p>
+            <a:r>
+              <a:rPr lang="en-US" altLang="zh-CN" sz="1200" dirty="0" smtClean="0"/>
+              <a:t>Call REST API to create device</a:t>
+            </a:r>
+            <a:endParaRPr lang="zh-CN" altLang="en-US" sz="1200" dirty="0"/>
+          </a:p>
+        </p:txBody>
+      </p:sp>
+      <p:sp>
+        <p:nvSpPr>
+          <p:cNvPr id="53" name="文本框 52"/>
+          <p:cNvSpPr txBox="1"/>
+          <p:nvPr/>
+        </p:nvSpPr>
+        <p:spPr>
+          <a:xfrm>
+            <a:off x="7675134" y="5434073"/>
+            <a:ext cx="2573118" cy="276999"/>
+          </a:xfrm>
+          <a:prstGeom prst="rect">
+            <a:avLst/>
+          </a:prstGeom>
+          <a:noFill/>
+        </p:spPr>
+        <p:txBody>
+          <a:bodyPr wrap="square" rtlCol="0">
+            <a:spAutoFit/>
+          </a:bodyPr>
+          <a:lstStyle/>
+          <a:p>
+            <a:r>
+              <a:rPr lang="en-US" altLang="zh-CN" sz="1200" dirty="0" smtClean="0"/>
+              <a:t>Return device creation result</a:t>
+            </a:r>
+            <a:endParaRPr lang="zh-CN" altLang="en-US" sz="1200" dirty="0"/>
+          </a:p>
+        </p:txBody>
+      </p:sp>
+      <p:sp>
+        <p:nvSpPr>
+          <p:cNvPr id="54" name="文本框 53"/>
+          <p:cNvSpPr txBox="1"/>
+          <p:nvPr/>
+        </p:nvSpPr>
+        <p:spPr>
+          <a:xfrm>
+            <a:off x="7675134" y="4131149"/>
+            <a:ext cx="2573118" cy="276999"/>
+          </a:xfrm>
+          <a:prstGeom prst="rect">
+            <a:avLst/>
+          </a:prstGeom>
+          <a:noFill/>
+        </p:spPr>
+        <p:txBody>
+          <a:bodyPr wrap="square" rtlCol="0">
+            <a:spAutoFit/>
+          </a:bodyPr>
+          <a:lstStyle/>
+          <a:p>
+            <a:r>
+              <a:rPr lang="en-US" altLang="zh-CN" sz="1200" dirty="0" smtClean="0"/>
+              <a:t>Call REST API to report telemetry</a:t>
+            </a:r>
+            <a:endParaRPr lang="zh-CN" altLang="en-US" sz="1200" dirty="0"/>
+          </a:p>
+        </p:txBody>
+      </p:sp>
+      <p:sp>
+        <p:nvSpPr>
+          <p:cNvPr id="55" name="矩形 54"/>
+          <p:cNvSpPr/>
+          <p:nvPr/>
+        </p:nvSpPr>
+        <p:spPr>
+          <a:xfrm>
+            <a:off x="7078850" y="1795399"/>
+            <a:ext cx="123987" cy="309966"/>
+          </a:xfrm>
+          <a:prstGeom prst="rect">
+            <a:avLst/>
+          </a:prstGeom>
+        </p:spPr>
+        <p:style>
+          <a:lnRef idx="0">
+            <a:schemeClr val="accent4"/>
+          </a:lnRef>
+          <a:fillRef idx="3">
+            <a:schemeClr val="accent4"/>
+          </a:fillRef>
+          <a:effectRef idx="3">
+            <a:schemeClr val="accent4"/>
+          </a:effectRef>
+          <a:fontRef idx="minor">
+            <a:schemeClr val="lt1"/>
+          </a:fontRef>
+        </p:style>
+        <p:txBody>
+          <a:bodyPr rtlCol="0" anchor="ctr"/>
+          <a:lstStyle/>
+          <a:p>
+            <a:pPr algn="ctr"/>
+            <a:endParaRPr lang="zh-CN" altLang="en-US"/>
+          </a:p>
+        </p:txBody>
+      </p:sp>
+      <p:sp>
+        <p:nvSpPr>
+          <p:cNvPr id="56" name="矩形 55"/>
+          <p:cNvSpPr/>
+          <p:nvPr/>
+        </p:nvSpPr>
+        <p:spPr>
+          <a:xfrm>
+            <a:off x="10376112" y="1782399"/>
+            <a:ext cx="123987" cy="309966"/>
+          </a:xfrm>
+          <a:prstGeom prst="rect">
+            <a:avLst/>
+          </a:prstGeom>
+        </p:spPr>
+        <p:style>
+          <a:lnRef idx="0">
+            <a:schemeClr val="accent4"/>
+          </a:lnRef>
+          <a:fillRef idx="3">
+            <a:schemeClr val="accent4"/>
+          </a:fillRef>
+          <a:effectRef idx="3">
+            <a:schemeClr val="accent4"/>
+          </a:effectRef>
+          <a:fontRef idx="minor">
+            <a:schemeClr val="lt1"/>
+          </a:fontRef>
+        </p:style>
+        <p:txBody>
+          <a:bodyPr rtlCol="0" anchor="ctr"/>
+          <a:lstStyle/>
+          <a:p>
+            <a:pPr algn="ctr"/>
+            <a:endParaRPr lang="zh-CN" altLang="en-US"/>
+          </a:p>
+        </p:txBody>
+      </p:sp>
+      <p:cxnSp>
+        <p:nvCxnSpPr>
+          <p:cNvPr id="57" name="直接箭头连接符 56"/>
+          <p:cNvCxnSpPr>
+            <a:stCxn id="56" idx="1"/>
+            <a:endCxn id="55" idx="3"/>
+          </p:cNvCxnSpPr>
+          <p:nvPr/>
+        </p:nvCxnSpPr>
+        <p:spPr>
+          <a:xfrm flipH="1">
+            <a:off x="7202837" y="1937382"/>
+            <a:ext cx="3173275" cy="13000"/>
+          </a:xfrm>
+          <a:prstGeom prst="straightConnector1">
+            <a:avLst/>
+          </a:prstGeom>
+          <a:ln>
+            <a:tailEnd type="triangle"/>
+          </a:ln>
+        </p:spPr>
+        <p:style>
+          <a:lnRef idx="3">
+            <a:schemeClr val="accent4"/>
+          </a:lnRef>
+          <a:fillRef idx="0">
+            <a:schemeClr val="accent4"/>
+          </a:fillRef>
+          <a:effectRef idx="2">
+            <a:schemeClr val="accent4"/>
+          </a:effectRef>
+          <a:fontRef idx="minor">
+            <a:schemeClr val="tx1"/>
+          </a:fontRef>
+        </p:style>
+      </p:cxnSp>
+      <p:sp>
+        <p:nvSpPr>
+          <p:cNvPr id="60" name="文本框 59"/>
+          <p:cNvSpPr txBox="1"/>
+          <p:nvPr/>
+        </p:nvSpPr>
+        <p:spPr>
+          <a:xfrm>
+            <a:off x="7669520" y="1515375"/>
+            <a:ext cx="2360022" cy="461665"/>
+          </a:xfrm>
+          <a:prstGeom prst="rect">
+            <a:avLst/>
+          </a:prstGeom>
+          <a:noFill/>
+        </p:spPr>
+        <p:txBody>
+          <a:bodyPr wrap="square" rtlCol="0">
+            <a:spAutoFit/>
+          </a:bodyPr>
+          <a:lstStyle/>
+          <a:p>
+            <a:r>
+              <a:rPr lang="en-US" altLang="zh-CN" sz="1200" dirty="0" smtClean="0"/>
+              <a:t>0. Register Data Forwarding App to retrieve service account</a:t>
+            </a:r>
+            <a:endParaRPr lang="zh-CN" altLang="en-US" sz="1200" dirty="0"/>
+          </a:p>
+        </p:txBody>
+      </p:sp>
+      <p:sp>
+        <p:nvSpPr>
+          <p:cNvPr id="61" name="文本框 60"/>
+          <p:cNvSpPr txBox="1"/>
+          <p:nvPr/>
+        </p:nvSpPr>
+        <p:spPr>
+          <a:xfrm>
+            <a:off x="4328810" y="2898697"/>
+            <a:ext cx="2189938" cy="461665"/>
+          </a:xfrm>
+          <a:prstGeom prst="rect">
+            <a:avLst/>
+          </a:prstGeom>
+          <a:noFill/>
+        </p:spPr>
+        <p:txBody>
+          <a:bodyPr wrap="square" rtlCol="0">
+            <a:spAutoFit/>
+          </a:bodyPr>
+          <a:lstStyle/>
+          <a:p>
+            <a:r>
+              <a:rPr lang="en-US" altLang="zh-CN" sz="1200" dirty="0" smtClean="0"/>
+              <a:t>Retrieve master data, obtain data forwarding list</a:t>
+            </a:r>
+            <a:endParaRPr lang="zh-CN" altLang="en-US" sz="1200" dirty="0"/>
+          </a:p>
+        </p:txBody>
+      </p:sp>
+      <p:sp>
+        <p:nvSpPr>
+          <p:cNvPr id="62" name="文本框 61"/>
+          <p:cNvSpPr txBox="1"/>
+          <p:nvPr/>
+        </p:nvSpPr>
+        <p:spPr>
+          <a:xfrm>
+            <a:off x="4319750" y="3492021"/>
+            <a:ext cx="2189938" cy="276999"/>
+          </a:xfrm>
+          <a:prstGeom prst="rect">
+            <a:avLst/>
+          </a:prstGeom>
+          <a:noFill/>
+        </p:spPr>
+        <p:txBody>
+          <a:bodyPr wrap="square" rtlCol="0">
+            <a:spAutoFit/>
+          </a:bodyPr>
+          <a:lstStyle/>
+          <a:p>
+            <a:r>
+              <a:rPr lang="en-US" altLang="zh-CN" sz="1200" dirty="0" smtClean="0"/>
+              <a:t>Extract data, transform format</a:t>
+            </a:r>
+            <a:endParaRPr lang="zh-CN" altLang="en-US" sz="1200" dirty="0"/>
+          </a:p>
+        </p:txBody>
+      </p:sp>
+      <p:sp>
+        <p:nvSpPr>
+          <p:cNvPr id="63" name="文本框 62"/>
+          <p:cNvSpPr txBox="1"/>
+          <p:nvPr/>
+        </p:nvSpPr>
+        <p:spPr>
+          <a:xfrm>
+            <a:off x="4368183" y="1849648"/>
+            <a:ext cx="2189938" cy="276999"/>
+          </a:xfrm>
+          <a:prstGeom prst="rect">
+            <a:avLst/>
+          </a:prstGeom>
+          <a:noFill/>
+        </p:spPr>
+        <p:txBody>
+          <a:bodyPr wrap="square" rtlCol="0">
+            <a:spAutoFit/>
+          </a:bodyPr>
+          <a:lstStyle/>
+          <a:p>
+            <a:r>
+              <a:rPr lang="en-US" altLang="zh-CN" sz="1200" dirty="0" smtClean="0"/>
+              <a:t>Master data mapping</a:t>
+            </a:r>
+            <a:endParaRPr lang="zh-CN" altLang="en-US" sz="1200" dirty="0"/>
+          </a:p>
+        </p:txBody>
+      </p:sp>
+      <p:cxnSp>
+        <p:nvCxnSpPr>
+          <p:cNvPr id="65" name="肘形连接符 64"/>
+          <p:cNvCxnSpPr/>
+          <p:nvPr/>
+        </p:nvCxnSpPr>
+        <p:spPr>
+          <a:xfrm rot="16200000" flipH="1">
+            <a:off x="3585922" y="1940178"/>
+            <a:ext cx="309966" cy="12700"/>
+          </a:xfrm>
+          <a:prstGeom prst="bentConnector5">
+            <a:avLst>
+              <a:gd name="adj1" fmla="val -73750"/>
+              <a:gd name="adj2" fmla="val 3453850"/>
+              <a:gd name="adj3" fmla="val 173750"/>
+            </a:avLst>
+          </a:prstGeom>
+          <a:ln>
+            <a:tailEnd type="triangle"/>
+          </a:ln>
+        </p:spPr>
+        <p:style>
+          <a:lnRef idx="3">
+            <a:schemeClr val="accent4"/>
+          </a:lnRef>
+          <a:fillRef idx="0">
+            <a:schemeClr val="accent4"/>
+          </a:fillRef>
+          <a:effectRef idx="2">
+            <a:schemeClr val="accent4"/>
+          </a:effectRef>
+          <a:fontRef idx="minor">
+            <a:schemeClr val="tx1"/>
+          </a:fontRef>
+        </p:style>
+      </p:cxnSp>
+      <p:cxnSp>
+        <p:nvCxnSpPr>
+          <p:cNvPr id="68" name="肘形连接符 67"/>
+          <p:cNvCxnSpPr/>
+          <p:nvPr/>
+        </p:nvCxnSpPr>
+        <p:spPr>
+          <a:xfrm rot="10800000" flipH="1">
+            <a:off x="7071098" y="3288691"/>
+            <a:ext cx="1" cy="2469171"/>
+          </a:xfrm>
+          <a:prstGeom prst="bentConnector3">
+            <a:avLst>
+              <a:gd name="adj1" fmla="val -22860000000"/>
+            </a:avLst>
+          </a:prstGeom>
+          <a:ln>
+            <a:tailEnd type="triangle"/>
+          </a:ln>
+        </p:spPr>
+        <p:style>
+          <a:lnRef idx="3">
+            <a:schemeClr val="accent6"/>
+          </a:lnRef>
+          <a:fillRef idx="0">
+            <a:schemeClr val="accent6"/>
+          </a:fillRef>
+          <a:effectRef idx="2">
+            <a:schemeClr val="accent6"/>
+          </a:effectRef>
+          <a:fontRef idx="minor">
+            <a:schemeClr val="tx1"/>
+          </a:fontRef>
+        </p:style>
+      </p:cxnSp>
+    </p:spTree>
+    <p:extLst>
+      <p:ext uri="{BB962C8B-B14F-4D97-AF65-F5344CB8AC3E}">
+        <p14:creationId xmlns:p14="http://schemas.microsoft.com/office/powerpoint/2010/main" val="2807204903"/>
       </p:ext>
     </p:extLst>
   </p:cSld>
@@ -36041,7 +37889,7 @@
             <a:blip r:embed="rId2">
               <a:extLst>
                 <a:ext uri="{96DAC541-7B7A-43D3-8B79-37D633B846F1}">
-                  <asvg:svgBlip xmlns:asvg="http://schemas.microsoft.com/office/drawing/2016/SVG/main" r:embed="rId3"/>
+                  <asvg:svgBlip xmlns:asvg="http://schemas.microsoft.com/office/drawing/2016/SVG/main" xmlns="" r:embed="rId3"/>
                 </a:ext>
               </a:extLst>
             </a:blip>
@@ -36077,7 +37925,7 @@
             <a:blip r:embed="rId4">
               <a:extLst>
                 <a:ext uri="{96DAC541-7B7A-43D3-8B79-37D633B846F1}">
-                  <asvg:svgBlip xmlns:asvg="http://schemas.microsoft.com/office/drawing/2016/SVG/main" r:embed="rId5"/>
+                  <asvg:svgBlip xmlns:asvg="http://schemas.microsoft.com/office/drawing/2016/SVG/main" xmlns="" r:embed="rId5"/>
                 </a:ext>
               </a:extLst>
             </a:blip>
@@ -36113,7 +37961,7 @@
             <a:blip r:embed="rId2">
               <a:extLst>
                 <a:ext uri="{96DAC541-7B7A-43D3-8B79-37D633B846F1}">
-                  <asvg:svgBlip xmlns:asvg="http://schemas.microsoft.com/office/drawing/2016/SVG/main" r:embed="rId3"/>
+                  <asvg:svgBlip xmlns:asvg="http://schemas.microsoft.com/office/drawing/2016/SVG/main" xmlns="" r:embed="rId3"/>
                 </a:ext>
               </a:extLst>
             </a:blip>
@@ -36149,7 +37997,7 @@
             <a:blip r:embed="rId4">
               <a:extLst>
                 <a:ext uri="{96DAC541-7B7A-43D3-8B79-37D633B846F1}">
-                  <asvg:svgBlip xmlns:asvg="http://schemas.microsoft.com/office/drawing/2016/SVG/main" r:embed="rId5"/>
+                  <asvg:svgBlip xmlns:asvg="http://schemas.microsoft.com/office/drawing/2016/SVG/main" xmlns="" r:embed="rId5"/>
                 </a:ext>
               </a:extLst>
             </a:blip>
@@ -36185,7 +38033,7 @@
             <a:blip r:embed="rId2">
               <a:extLst>
                 <a:ext uri="{96DAC541-7B7A-43D3-8B79-37D633B846F1}">
-                  <asvg:svgBlip xmlns:asvg="http://schemas.microsoft.com/office/drawing/2016/SVG/main" r:embed="rId3"/>
+                  <asvg:svgBlip xmlns:asvg="http://schemas.microsoft.com/office/drawing/2016/SVG/main" xmlns="" r:embed="rId3"/>
                 </a:ext>
               </a:extLst>
             </a:blip>
@@ -36221,7 +38069,7 @@
             <a:blip r:embed="rId4">
               <a:extLst>
                 <a:ext uri="{96DAC541-7B7A-43D3-8B79-37D633B846F1}">
-                  <asvg:svgBlip xmlns:asvg="http://schemas.microsoft.com/office/drawing/2016/SVG/main" r:embed="rId5"/>
+                  <asvg:svgBlip xmlns:asvg="http://schemas.microsoft.com/office/drawing/2016/SVG/main" xmlns="" r:embed="rId5"/>
                 </a:ext>
               </a:extLst>
             </a:blip>
@@ -47127,7 +48975,7 @@
                   <a:blip r:embed="rId2">
                     <a:extLst>
                       <a:ext uri="{96DAC541-7B7A-43D3-8B79-37D633B846F1}">
-                        <asvg:svgBlip xmlns:asvg="http://schemas.microsoft.com/office/drawing/2016/SVG/main" r:embed="rId3"/>
+                        <asvg:svgBlip xmlns:asvg="http://schemas.microsoft.com/office/drawing/2016/SVG/main" xmlns="" r:embed="rId3"/>
                       </a:ext>
                     </a:extLst>
                   </a:blip>
@@ -47377,7 +49225,7 @@
                   <a:blip r:embed="rId4">
                     <a:extLst>
                       <a:ext uri="{96DAC541-7B7A-43D3-8B79-37D633B846F1}">
-                        <asvg:svgBlip xmlns:asvg="http://schemas.microsoft.com/office/drawing/2016/SVG/main" r:embed="rId5"/>
+                        <asvg:svgBlip xmlns:asvg="http://schemas.microsoft.com/office/drawing/2016/SVG/main" xmlns="" r:embed="rId5"/>
                       </a:ext>
                     </a:extLst>
                   </a:blip>

--- a/media/device_en.pptx
+++ b/media/device_en.pptx
@@ -234,7 +234,7 @@
           <a:p>
             <a:fld id="{47277FB0-21EC-48C5-90B0-184600466A6C}" type="datetimeFigureOut">
               <a:rPr lang="zh-CN" altLang="en-US" smtClean="0"/>
-              <a:t>2019/1/22</a:t>
+              <a:t>2019/2/19</a:t>
             </a:fld>
             <a:endParaRPr lang="zh-CN" altLang="en-US"/>
           </a:p>
@@ -399,7 +399,7 @@
           <a:p>
             <a:fld id="{9C967889-4715-5C4F-A252-FFC716185AB6}" type="datetimeFigureOut">
               <a:rPr lang="en-US" smtClean="0"/>
-              <a:t>1/22/2019</a:t>
+              <a:t>2/19/19</a:t>
             </a:fld>
             <a:endParaRPr lang="en-US"/>
           </a:p>
@@ -5530,7 +5530,7 @@
             <a:blip r:embed="rId2">
               <a:extLst>
                 <a:ext uri="{96DAC541-7B7A-43D3-8B79-37D633B846F1}">
-                  <asvg:svgBlip xmlns:asvg="http://schemas.microsoft.com/office/drawing/2016/SVG/main" xmlns="" r:embed="rId3"/>
+                  <asvg:svgBlip xmlns:asvg="http://schemas.microsoft.com/office/drawing/2016/SVG/main" r:embed="rId3"/>
                 </a:ext>
               </a:extLst>
             </a:blip>
@@ -5614,7 +5614,7 @@
             <a:blip r:embed="rId2">
               <a:extLst>
                 <a:ext uri="{96DAC541-7B7A-43D3-8B79-37D633B846F1}">
-                  <asvg:svgBlip xmlns:asvg="http://schemas.microsoft.com/office/drawing/2016/SVG/main" xmlns="" r:embed="rId3"/>
+                  <asvg:svgBlip xmlns:asvg="http://schemas.microsoft.com/office/drawing/2016/SVG/main" r:embed="rId3"/>
                 </a:ext>
               </a:extLst>
             </a:blip>
@@ -6804,7 +6804,7 @@
                   <a:blip r:embed="rId2">
                     <a:extLst>
                       <a:ext uri="{96DAC541-7B7A-43D3-8B79-37D633B846F1}">
-                        <asvg:svgBlip xmlns:asvg="http://schemas.microsoft.com/office/drawing/2016/SVG/main" xmlns="" r:embed="rId3"/>
+                        <asvg:svgBlip xmlns:asvg="http://schemas.microsoft.com/office/drawing/2016/SVG/main" r:embed="rId3"/>
                       </a:ext>
                     </a:extLst>
                   </a:blip>
@@ -7049,7 +7049,7 @@
                   <a:blip r:embed="rId4">
                     <a:extLst>
                       <a:ext uri="{96DAC541-7B7A-43D3-8B79-37D633B846F1}">
-                        <asvg:svgBlip xmlns:asvg="http://schemas.microsoft.com/office/drawing/2016/SVG/main" xmlns="" r:embed="rId5"/>
+                        <asvg:svgBlip xmlns:asvg="http://schemas.microsoft.com/office/drawing/2016/SVG/main" r:embed="rId5"/>
                       </a:ext>
                     </a:extLst>
                   </a:blip>
@@ -9754,7 +9754,7 @@
                   <a:blip r:embed="rId2">
                     <a:extLst>
                       <a:ext uri="{96DAC541-7B7A-43D3-8B79-37D633B846F1}">
-                        <asvg:svgBlip xmlns:asvg="http://schemas.microsoft.com/office/drawing/2016/SVG/main" xmlns="" r:embed="rId3"/>
+                        <asvg:svgBlip xmlns:asvg="http://schemas.microsoft.com/office/drawing/2016/SVG/main" r:embed="rId3"/>
                       </a:ext>
                     </a:extLst>
                   </a:blip>
@@ -9999,7 +9999,7 @@
                   <a:blip r:embed="rId4">
                     <a:extLst>
                       <a:ext uri="{96DAC541-7B7A-43D3-8B79-37D633B846F1}">
-                        <asvg:svgBlip xmlns:asvg="http://schemas.microsoft.com/office/drawing/2016/SVG/main" xmlns="" r:embed="rId5"/>
+                        <asvg:svgBlip xmlns:asvg="http://schemas.microsoft.com/office/drawing/2016/SVG/main" r:embed="rId5"/>
                       </a:ext>
                     </a:extLst>
                   </a:blip>
@@ -12025,7 +12025,7 @@
                     <a:blip r:embed="rId2">
                       <a:extLst>
                         <a:ext uri="{96DAC541-7B7A-43D3-8B79-37D633B846F1}">
-                          <asvg:svgBlip xmlns:asvg="http://schemas.microsoft.com/office/drawing/2016/SVG/main" xmlns="" r:embed="rId3"/>
+                          <asvg:svgBlip xmlns:asvg="http://schemas.microsoft.com/office/drawing/2016/SVG/main" r:embed="rId3"/>
                         </a:ext>
                       </a:extLst>
                     </a:blip>
@@ -12270,7 +12270,7 @@
                     <a:blip r:embed="rId4">
                       <a:extLst>
                         <a:ext uri="{96DAC541-7B7A-43D3-8B79-37D633B846F1}">
-                          <asvg:svgBlip xmlns:asvg="http://schemas.microsoft.com/office/drawing/2016/SVG/main" xmlns="" r:embed="rId5"/>
+                          <asvg:svgBlip xmlns:asvg="http://schemas.microsoft.com/office/drawing/2016/SVG/main" r:embed="rId5"/>
                         </a:ext>
                       </a:extLst>
                     </a:blip>
@@ -13222,7 +13222,7 @@
                   <a:blip r:embed="rId2">
                     <a:extLst>
                       <a:ext uri="{96DAC541-7B7A-43D3-8B79-37D633B846F1}">
-                        <asvg:svgBlip xmlns:asvg="http://schemas.microsoft.com/office/drawing/2016/SVG/main" xmlns="" r:embed="rId3"/>
+                        <asvg:svgBlip xmlns:asvg="http://schemas.microsoft.com/office/drawing/2016/SVG/main" r:embed="rId3"/>
                       </a:ext>
                     </a:extLst>
                   </a:blip>
@@ -13860,7 +13860,7 @@
               <a:blip r:embed="rId4">
                 <a:extLst>
                   <a:ext uri="{96DAC541-7B7A-43D3-8B79-37D633B846F1}">
-                    <asvg:svgBlip xmlns:asvg="http://schemas.microsoft.com/office/drawing/2016/SVG/main" xmlns="" r:embed="rId5"/>
+                    <asvg:svgBlip xmlns:asvg="http://schemas.microsoft.com/office/drawing/2016/SVG/main" r:embed="rId5"/>
                   </a:ext>
                 </a:extLst>
               </a:blip>
@@ -14767,7 +14767,7 @@
               <a:blip r:embed="rId2">
                 <a:extLst>
                   <a:ext uri="{96DAC541-7B7A-43D3-8B79-37D633B846F1}">
-                    <asvg:svgBlip xmlns:asvg="http://schemas.microsoft.com/office/drawing/2016/SVG/main" xmlns="" r:embed="rId3"/>
+                    <asvg:svgBlip xmlns:asvg="http://schemas.microsoft.com/office/drawing/2016/SVG/main" r:embed="rId3"/>
                   </a:ext>
                 </a:extLst>
               </a:blip>
@@ -15087,7 +15087,7 @@
                 <a:blip r:embed="rId4">
                   <a:extLst>
                     <a:ext uri="{96DAC541-7B7A-43D3-8B79-37D633B846F1}">
-                      <asvg:svgBlip xmlns:asvg="http://schemas.microsoft.com/office/drawing/2016/SVG/main" xmlns="" r:embed="rId5"/>
+                      <asvg:svgBlip xmlns:asvg="http://schemas.microsoft.com/office/drawing/2016/SVG/main" r:embed="rId5"/>
                     </a:ext>
                   </a:extLst>
                 </a:blip>
@@ -15698,7 +15698,7 @@
         </p:nvGrpSpPr>
         <p:grpSpPr>
           <a:xfrm>
-            <a:off x="-1184313" y="2149184"/>
+            <a:off x="-796855" y="2164682"/>
             <a:ext cx="14718474" cy="1403490"/>
             <a:chOff x="-1608856" y="2132856"/>
             <a:chExt cx="14718474" cy="1403490"/>
@@ -15742,7 +15742,7 @@
               <a:blip r:embed="rId2">
                 <a:extLst>
                   <a:ext uri="{96DAC541-7B7A-43D3-8B79-37D633B846F1}">
-                    <asvg:svgBlip xmlns:asvg="http://schemas.microsoft.com/office/drawing/2016/SVG/main" xmlns="" r:embed="rId3"/>
+                    <asvg:svgBlip xmlns:asvg="http://schemas.microsoft.com/office/drawing/2016/SVG/main" r:embed="rId3"/>
                   </a:ext>
                 </a:extLst>
               </a:blip>
@@ -15778,7 +15778,7 @@
               <a:blip r:embed="rId4">
                 <a:extLst>
                   <a:ext uri="{96DAC541-7B7A-43D3-8B79-37D633B846F1}">
-                    <asvg:svgBlip xmlns:asvg="http://schemas.microsoft.com/office/drawing/2016/SVG/main" xmlns="" r:embed="rId5"/>
+                    <asvg:svgBlip xmlns:asvg="http://schemas.microsoft.com/office/drawing/2016/SVG/main" r:embed="rId5"/>
                   </a:ext>
                 </a:extLst>
               </a:blip>
@@ -16098,7 +16098,7 @@
                 <a:blip r:embed="rId6">
                   <a:extLst>
                     <a:ext uri="{96DAC541-7B7A-43D3-8B79-37D633B846F1}">
-                      <asvg:svgBlip xmlns:asvg="http://schemas.microsoft.com/office/drawing/2016/SVG/main" xmlns="" r:embed="rId7"/>
+                      <asvg:svgBlip xmlns:asvg="http://schemas.microsoft.com/office/drawing/2016/SVG/main" r:embed="rId7"/>
                     </a:ext>
                   </a:extLst>
                 </a:blip>
@@ -16595,7 +16595,7 @@
           <p:spPr>
             <a:xfrm>
               <a:off x="1093828" y="2547797"/>
-              <a:ext cx="2160000" cy="553998"/>
+              <a:ext cx="2160000" cy="400110"/>
             </a:xfrm>
             <a:prstGeom prst="rect">
               <a:avLst/>
@@ -16637,31 +16637,6 @@
                 </a:rPr>
                 <a:t>productSecret</a:t>
               </a:r>
-              <a:r>
-                <a:rPr kumimoji="1" lang="en-US" altLang="zh-CN" sz="1000" dirty="0">
-                  <a:solidFill>
-                    <a:srgbClr val="393C57"/>
-                  </a:solidFill>
-                  <a:latin typeface="Arial" panose="020B0604020202020204" pitchFamily="34" charset="0"/>
-                  <a:cs typeface="Arial" panose="020B0604020202020204" pitchFamily="34" charset="0"/>
-                </a:rPr>
-                <a:t>, and </a:t>
-              </a:r>
-              <a:r>
-                <a:rPr kumimoji="1" lang="en-US" altLang="zh-CN" sz="1000" dirty="0">
-                  <a:solidFill>
-                    <a:srgbClr val="FFC000"/>
-                  </a:solidFill>
-                  <a:latin typeface="Arial" panose="020B0604020202020204" pitchFamily="34" charset="0"/>
-                  <a:cs typeface="Arial" panose="020B0604020202020204" pitchFamily="34" charset="0"/>
-                </a:rPr>
-                <a:t>DeviceKey</a:t>
-              </a:r>
-            </a:p>
-            <a:p>
-              <a:pPr marL="228600" indent="-228600">
-                <a:buAutoNum type="arabicPeriod"/>
-              </a:pPr>
               <a:endParaRPr kumimoji="1" lang="en-US" altLang="zh-CN" sz="1000" dirty="0">
                 <a:solidFill>
                   <a:schemeClr val="accent4">
@@ -16836,7 +16811,7 @@
               <a:blip r:embed="rId2">
                 <a:extLst>
                   <a:ext uri="{96DAC541-7B7A-43D3-8B79-37D633B846F1}">
-                    <asvg:svgBlip xmlns:asvg="http://schemas.microsoft.com/office/drawing/2016/SVG/main" xmlns="" r:embed="rId3"/>
+                    <asvg:svgBlip xmlns:asvg="http://schemas.microsoft.com/office/drawing/2016/SVG/main" r:embed="rId3"/>
                   </a:ext>
                 </a:extLst>
               </a:blip>
@@ -17218,7 +17193,7 @@
                 <a:blip r:embed="rId4">
                   <a:extLst>
                     <a:ext uri="{96DAC541-7B7A-43D3-8B79-37D633B846F1}">
-                      <asvg:svgBlip xmlns:asvg="http://schemas.microsoft.com/office/drawing/2016/SVG/main" xmlns="" r:embed="rId5"/>
+                      <asvg:svgBlip xmlns:asvg="http://schemas.microsoft.com/office/drawing/2016/SVG/main" r:embed="rId5"/>
                     </a:ext>
                   </a:extLst>
                 </a:blip>
@@ -18517,7 +18492,7 @@
                 <a:blip r:embed="rId2">
                   <a:extLst>
                     <a:ext uri="{96DAC541-7B7A-43D3-8B79-37D633B846F1}">
-                      <asvg:svgBlip xmlns:asvg="http://schemas.microsoft.com/office/drawing/2016/SVG/main" xmlns="" r:embed="rId3"/>
+                      <asvg:svgBlip xmlns:asvg="http://schemas.microsoft.com/office/drawing/2016/SVG/main" r:embed="rId3"/>
                     </a:ext>
                   </a:extLst>
                 </a:blip>
@@ -19774,7 +19749,7 @@
                 <a:blip r:embed="rId2">
                   <a:extLst>
                     <a:ext uri="{96DAC541-7B7A-43D3-8B79-37D633B846F1}">
-                      <asvg:svgBlip xmlns:asvg="http://schemas.microsoft.com/office/drawing/2016/SVG/main" xmlns="" r:embed="rId3"/>
+                      <asvg:svgBlip xmlns:asvg="http://schemas.microsoft.com/office/drawing/2016/SVG/main" r:embed="rId3"/>
                     </a:ext>
                   </a:extLst>
                 </a:blip>
@@ -25432,7 +25407,7 @@
             <a:blip r:embed="rId2">
               <a:extLst>
                 <a:ext uri="{96DAC541-7B7A-43D3-8B79-37D633B846F1}">
-                  <asvg:svgBlip xmlns:asvg="http://schemas.microsoft.com/office/drawing/2016/SVG/main" xmlns="" r:embed="rId3"/>
+                  <asvg:svgBlip xmlns:asvg="http://schemas.microsoft.com/office/drawing/2016/SVG/main" r:embed="rId3"/>
                 </a:ext>
               </a:extLst>
             </a:blip>
@@ -25516,7 +25491,7 @@
             <a:blip r:embed="rId2">
               <a:extLst>
                 <a:ext uri="{96DAC541-7B7A-43D3-8B79-37D633B846F1}">
-                  <asvg:svgBlip xmlns:asvg="http://schemas.microsoft.com/office/drawing/2016/SVG/main" xmlns="" r:embed="rId3"/>
+                  <asvg:svgBlip xmlns:asvg="http://schemas.microsoft.com/office/drawing/2016/SVG/main" r:embed="rId3"/>
                 </a:ext>
               </a:extLst>
             </a:blip>
@@ -25600,7 +25575,7 @@
             <a:blip r:embed="rId2">
               <a:extLst>
                 <a:ext uri="{96DAC541-7B7A-43D3-8B79-37D633B846F1}">
-                  <asvg:svgBlip xmlns:asvg="http://schemas.microsoft.com/office/drawing/2016/SVG/main" xmlns="" r:embed="rId3"/>
+                  <asvg:svgBlip xmlns:asvg="http://schemas.microsoft.com/office/drawing/2016/SVG/main" r:embed="rId3"/>
                 </a:ext>
               </a:extLst>
             </a:blip>
@@ -29354,7 +29329,7 @@
           <a:lstStyle/>
           <a:p>
             <a:r>
-              <a:rPr lang="en-US" altLang="zh-CN" sz="1600" b="1" dirty="0" smtClean="0"/>
+              <a:rPr lang="en-US" altLang="zh-CN" sz="1600" b="1" dirty="0"/>
               <a:t>Device</a:t>
             </a:r>
             <a:endParaRPr lang="zh-CN" altLang="en-US" sz="1600" b="1" dirty="0"/>
@@ -29384,15 +29359,15 @@
           <a:lstStyle/>
           <a:p>
             <a:r>
-              <a:rPr lang="en-US" altLang="zh-CN" sz="1600" b="1" dirty="0" smtClean="0"/>
+              <a:rPr lang="en-US" altLang="zh-CN" sz="1600" b="1" dirty="0"/>
               <a:t>3</a:t>
             </a:r>
             <a:r>
-              <a:rPr lang="en-US" altLang="zh-CN" sz="1600" b="1" baseline="30000" dirty="0" smtClean="0"/>
+              <a:rPr lang="en-US" altLang="zh-CN" sz="1600" b="1" baseline="30000" dirty="0"/>
               <a:t>rd</a:t>
             </a:r>
             <a:r>
-              <a:rPr lang="en-US" altLang="zh-CN" sz="1600" b="1" dirty="0" smtClean="0"/>
+              <a:rPr lang="en-US" altLang="zh-CN" sz="1600" b="1" dirty="0"/>
               <a:t>-party Cloud</a:t>
             </a:r>
             <a:endParaRPr lang="zh-CN" altLang="en-US" sz="1600" b="1" dirty="0"/>
@@ -29422,7 +29397,7 @@
           <a:lstStyle/>
           <a:p>
             <a:r>
-              <a:rPr lang="en-US" altLang="zh-CN" sz="1600" b="1" dirty="0" smtClean="0"/>
+              <a:rPr lang="en-US" altLang="zh-CN" sz="1600" b="1" dirty="0"/>
               <a:t>Data Forwarding App</a:t>
             </a:r>
             <a:endParaRPr lang="zh-CN" altLang="en-US" sz="1600" b="1" dirty="0"/>
@@ -29452,7 +29427,7 @@
           <a:lstStyle/>
           <a:p>
             <a:r>
-              <a:rPr lang="en-US" altLang="zh-CN" sz="1600" b="1" dirty="0" smtClean="0"/>
+              <a:rPr lang="en-US" altLang="zh-CN" sz="1600" b="1" dirty="0"/>
               <a:t>EnOS Cloud</a:t>
             </a:r>
             <a:endParaRPr lang="zh-CN" altLang="en-US" sz="1600" b="1" dirty="0"/>
@@ -30443,7 +30418,7 @@
           <a:lstStyle/>
           <a:p>
             <a:r>
-              <a:rPr lang="en-US" altLang="zh-CN" sz="1200" dirty="0" smtClean="0"/>
+              <a:rPr lang="en-US" altLang="zh-CN" sz="1200" dirty="0"/>
               <a:t>Ingest telemetry</a:t>
             </a:r>
             <a:endParaRPr lang="zh-CN" altLang="en-US" sz="1200" dirty="0"/>
@@ -30473,7 +30448,7 @@
           <a:lstStyle/>
           <a:p>
             <a:r>
-              <a:rPr lang="en-US" altLang="zh-CN" sz="1200" dirty="0" smtClean="0"/>
+              <a:rPr lang="en-US" altLang="zh-CN" sz="1200" dirty="0"/>
               <a:t>New device login</a:t>
             </a:r>
             <a:endParaRPr lang="zh-CN" altLang="en-US" sz="1200" dirty="0"/>
@@ -30503,7 +30478,7 @@
           <a:lstStyle/>
           <a:p>
             <a:r>
-              <a:rPr lang="en-US" altLang="zh-CN" sz="1200" dirty="0" smtClean="0"/>
+              <a:rPr lang="en-US" altLang="zh-CN" sz="1200" dirty="0"/>
               <a:t>Listen on master data update</a:t>
             </a:r>
             <a:endParaRPr lang="zh-CN" altLang="en-US" sz="1200" dirty="0"/>
@@ -30533,7 +30508,7 @@
           <a:lstStyle/>
           <a:p>
             <a:r>
-              <a:rPr lang="en-US" altLang="zh-CN" sz="1200" dirty="0" smtClean="0"/>
+              <a:rPr lang="en-US" altLang="zh-CN" sz="1200" dirty="0"/>
               <a:t>Call REST API to create device</a:t>
             </a:r>
             <a:endParaRPr lang="zh-CN" altLang="en-US" sz="1200" dirty="0"/>
@@ -30563,7 +30538,7 @@
           <a:lstStyle/>
           <a:p>
             <a:r>
-              <a:rPr lang="en-US" altLang="zh-CN" sz="1200" dirty="0" smtClean="0"/>
+              <a:rPr lang="en-US" altLang="zh-CN" sz="1200" dirty="0"/>
               <a:t>Return device creation result</a:t>
             </a:r>
             <a:endParaRPr lang="zh-CN" altLang="en-US" sz="1200" dirty="0"/>
@@ -30593,7 +30568,7 @@
           <a:lstStyle/>
           <a:p>
             <a:r>
-              <a:rPr lang="en-US" altLang="zh-CN" sz="1200" dirty="0" smtClean="0"/>
+              <a:rPr lang="en-US" altLang="zh-CN" sz="1200" dirty="0"/>
               <a:t>Call REST API to report telemetry</a:t>
             </a:r>
             <a:endParaRPr lang="zh-CN" altLang="en-US" sz="1200" dirty="0"/>
@@ -30735,7 +30710,7 @@
           <a:lstStyle/>
           <a:p>
             <a:r>
-              <a:rPr lang="en-US" altLang="zh-CN" sz="1200" dirty="0" smtClean="0"/>
+              <a:rPr lang="en-US" altLang="zh-CN" sz="1200" dirty="0"/>
               <a:t>0. Register Data Forwarding App to retrieve service account</a:t>
             </a:r>
             <a:endParaRPr lang="zh-CN" altLang="en-US" sz="1200" dirty="0"/>
@@ -30765,7 +30740,7 @@
           <a:lstStyle/>
           <a:p>
             <a:r>
-              <a:rPr lang="en-US" altLang="zh-CN" sz="1200" dirty="0" smtClean="0"/>
+              <a:rPr lang="en-US" altLang="zh-CN" sz="1200" dirty="0"/>
               <a:t>Retrieve master data, obtain data forwarding list</a:t>
             </a:r>
             <a:endParaRPr lang="zh-CN" altLang="en-US" sz="1200" dirty="0"/>
@@ -30795,7 +30770,7 @@
           <a:lstStyle/>
           <a:p>
             <a:r>
-              <a:rPr lang="en-US" altLang="zh-CN" sz="1200" dirty="0" smtClean="0"/>
+              <a:rPr lang="en-US" altLang="zh-CN" sz="1200" dirty="0"/>
               <a:t>Extract data, transform format</a:t>
             </a:r>
             <a:endParaRPr lang="zh-CN" altLang="en-US" sz="1200" dirty="0"/>
@@ -30825,7 +30800,7 @@
           <a:lstStyle/>
           <a:p>
             <a:r>
-              <a:rPr lang="en-US" altLang="zh-CN" sz="1200" dirty="0" smtClean="0"/>
+              <a:rPr lang="en-US" altLang="zh-CN" sz="1200" dirty="0"/>
               <a:t>Master data mapping</a:t>
             </a:r>
             <a:endParaRPr lang="zh-CN" altLang="en-US" sz="1200" dirty="0"/>
@@ -37889,7 +37864,7 @@
             <a:blip r:embed="rId2">
               <a:extLst>
                 <a:ext uri="{96DAC541-7B7A-43D3-8B79-37D633B846F1}">
-                  <asvg:svgBlip xmlns:asvg="http://schemas.microsoft.com/office/drawing/2016/SVG/main" xmlns="" r:embed="rId3"/>
+                  <asvg:svgBlip xmlns:asvg="http://schemas.microsoft.com/office/drawing/2016/SVG/main" r:embed="rId3"/>
                 </a:ext>
               </a:extLst>
             </a:blip>
@@ -37925,7 +37900,7 @@
             <a:blip r:embed="rId4">
               <a:extLst>
                 <a:ext uri="{96DAC541-7B7A-43D3-8B79-37D633B846F1}">
-                  <asvg:svgBlip xmlns:asvg="http://schemas.microsoft.com/office/drawing/2016/SVG/main" xmlns="" r:embed="rId5"/>
+                  <asvg:svgBlip xmlns:asvg="http://schemas.microsoft.com/office/drawing/2016/SVG/main" r:embed="rId5"/>
                 </a:ext>
               </a:extLst>
             </a:blip>
@@ -37961,7 +37936,7 @@
             <a:blip r:embed="rId2">
               <a:extLst>
                 <a:ext uri="{96DAC541-7B7A-43D3-8B79-37D633B846F1}">
-                  <asvg:svgBlip xmlns:asvg="http://schemas.microsoft.com/office/drawing/2016/SVG/main" xmlns="" r:embed="rId3"/>
+                  <asvg:svgBlip xmlns:asvg="http://schemas.microsoft.com/office/drawing/2016/SVG/main" r:embed="rId3"/>
                 </a:ext>
               </a:extLst>
             </a:blip>
@@ -37997,7 +37972,7 @@
             <a:blip r:embed="rId4">
               <a:extLst>
                 <a:ext uri="{96DAC541-7B7A-43D3-8B79-37D633B846F1}">
-                  <asvg:svgBlip xmlns:asvg="http://schemas.microsoft.com/office/drawing/2016/SVG/main" xmlns="" r:embed="rId5"/>
+                  <asvg:svgBlip xmlns:asvg="http://schemas.microsoft.com/office/drawing/2016/SVG/main" r:embed="rId5"/>
                 </a:ext>
               </a:extLst>
             </a:blip>
@@ -38033,7 +38008,7 @@
             <a:blip r:embed="rId2">
               <a:extLst>
                 <a:ext uri="{96DAC541-7B7A-43D3-8B79-37D633B846F1}">
-                  <asvg:svgBlip xmlns:asvg="http://schemas.microsoft.com/office/drawing/2016/SVG/main" xmlns="" r:embed="rId3"/>
+                  <asvg:svgBlip xmlns:asvg="http://schemas.microsoft.com/office/drawing/2016/SVG/main" r:embed="rId3"/>
                 </a:ext>
               </a:extLst>
             </a:blip>
@@ -38069,7 +38044,7 @@
             <a:blip r:embed="rId4">
               <a:extLst>
                 <a:ext uri="{96DAC541-7B7A-43D3-8B79-37D633B846F1}">
-                  <asvg:svgBlip xmlns:asvg="http://schemas.microsoft.com/office/drawing/2016/SVG/main" xmlns="" r:embed="rId5"/>
+                  <asvg:svgBlip xmlns:asvg="http://schemas.microsoft.com/office/drawing/2016/SVG/main" r:embed="rId5"/>
                 </a:ext>
               </a:extLst>
             </a:blip>
@@ -48975,7 +48950,7 @@
                   <a:blip r:embed="rId2">
                     <a:extLst>
                       <a:ext uri="{96DAC541-7B7A-43D3-8B79-37D633B846F1}">
-                        <asvg:svgBlip xmlns:asvg="http://schemas.microsoft.com/office/drawing/2016/SVG/main" xmlns="" r:embed="rId3"/>
+                        <asvg:svgBlip xmlns:asvg="http://schemas.microsoft.com/office/drawing/2016/SVG/main" r:embed="rId3"/>
                       </a:ext>
                     </a:extLst>
                   </a:blip>
@@ -49225,7 +49200,7 @@
                   <a:blip r:embed="rId4">
                     <a:extLst>
                       <a:ext uri="{96DAC541-7B7A-43D3-8B79-37D633B846F1}">
-                        <asvg:svgBlip xmlns:asvg="http://schemas.microsoft.com/office/drawing/2016/SVG/main" xmlns="" r:embed="rId5"/>
+                        <asvg:svgBlip xmlns:asvg="http://schemas.microsoft.com/office/drawing/2016/SVG/main" r:embed="rId5"/>
                       </a:ext>
                     </a:extLst>
                   </a:blip>
